--- a/presentation/presentation.pptx
+++ b/presentation/presentation.pptx
@@ -5,7 +5,7 @@
     <p:sldMasterId id="2147483648" r:id="rId1"/>
   </p:sldMasterIdLst>
   <p:notesMasterIdLst>
-    <p:notesMasterId r:id="rId14"/>
+    <p:notesMasterId r:id="rId12"/>
   </p:notesMasterIdLst>
   <p:sldIdLst>
     <p:sldId id="256" r:id="rId2"/>
@@ -15,11 +15,9 @@
     <p:sldId id="301" r:id="rId6"/>
     <p:sldId id="304" r:id="rId7"/>
     <p:sldId id="261" r:id="rId8"/>
-    <p:sldId id="309" r:id="rId9"/>
-    <p:sldId id="308" r:id="rId10"/>
-    <p:sldId id="306" r:id="rId11"/>
-    <p:sldId id="310" r:id="rId12"/>
-    <p:sldId id="299" r:id="rId13"/>
+    <p:sldId id="308" r:id="rId9"/>
+    <p:sldId id="310" r:id="rId10"/>
+    <p:sldId id="299" r:id="rId11"/>
   </p:sldIdLst>
   <p:sldSz cx="12192000" cy="6858000"/>
   <p:notesSz cx="6858000" cy="9144000"/>
@@ -2455,7 +2453,7 @@
           </a:ln>
           <a:extLst>
             <a:ext uri="{C572A759-6A51-4108-AA02-DFA0A04FC94B}">
-              <ma14:wrappingTextBoxFlag xmlns:ma14="http://schemas.microsoft.com/office/mac/drawingml/2011/main" xmlns="" val="1"/>
+              <ma14:wrappingTextBoxFlag xmlns="" xmlns:ma14="http://schemas.microsoft.com/office/mac/drawingml/2011/main" val="1"/>
             </a:ext>
           </a:extLst>
         </p:spPr>
@@ -2494,7 +2492,7 @@
           </a:ln>
           <a:extLst>
             <a:ext uri="{C572A759-6A51-4108-AA02-DFA0A04FC94B}">
-              <ma14:wrappingTextBoxFlag xmlns:ma14="http://schemas.microsoft.com/office/mac/drawingml/2011/main" xmlns="" val="1"/>
+              <ma14:wrappingTextBoxFlag xmlns="" xmlns:ma14="http://schemas.microsoft.com/office/mac/drawingml/2011/main" val="1"/>
             </a:ext>
           </a:extLst>
         </p:spPr>
@@ -3431,7 +3429,7 @@
             <a:avLst/>
           </a:prstGeom>
           <a:solidFill>
-            <a:srgbClr val="1E1E1E"/>
+            <a:srgbClr val="CC0001"/>
           </a:solidFill>
           <a:ln w="12700">
             <a:miter lim="400000"/>
@@ -3481,7 +3479,7 @@
             <a:effectLst/>
             <a:extLst>
               <a:ext uri="{C572A759-6A51-4108-AA02-DFA0A04FC94B}">
-                <ma14:wrappingTextBoxFlag xmlns:ma14="http://schemas.microsoft.com/office/mac/drawingml/2011/main" xmlns="" val="1"/>
+                <ma14:wrappingTextBoxFlag xmlns="" xmlns:ma14="http://schemas.microsoft.com/office/mac/drawingml/2011/main" val="1"/>
               </a:ext>
             </a:extLst>
           </p:spPr>
@@ -3539,7 +3537,7 @@
             <a:effectLst/>
             <a:extLst>
               <a:ext uri="{C572A759-6A51-4108-AA02-DFA0A04FC94B}">
-                <ma14:wrappingTextBoxFlag xmlns:ma14="http://schemas.microsoft.com/office/mac/drawingml/2011/main" xmlns="" val="1"/>
+                <ma14:wrappingTextBoxFlag xmlns="" xmlns:ma14="http://schemas.microsoft.com/office/mac/drawingml/2011/main" val="1"/>
               </a:ext>
             </a:extLst>
           </p:spPr>
@@ -3658,570 +3656,6 @@
 <file path=ppt/slides/slide10.xml><?xml version="1.0" encoding="utf-8"?>
 <p:sld xmlns:a="http://schemas.openxmlformats.org/drawingml/2006/main" xmlns:r="http://schemas.openxmlformats.org/officeDocument/2006/relationships" xmlns:p="http://schemas.openxmlformats.org/presentationml/2006/main">
   <p:cSld>
-    <p:spTree>
-      <p:nvGrpSpPr>
-        <p:cNvPr id="1" name=""/>
-        <p:cNvGrpSpPr/>
-        <p:nvPr/>
-      </p:nvGrpSpPr>
-      <p:grpSpPr>
-        <a:xfrm>
-          <a:off x="0" y="0"/>
-          <a:ext cx="0" cy="0"/>
-          <a:chOff x="0" y="0"/>
-          <a:chExt cx="0" cy="0"/>
-        </a:xfrm>
-      </p:grpSpPr>
-      <p:sp>
-        <p:nvSpPr>
-          <p:cNvPr id="346" name="Rectangle 11"/>
-          <p:cNvSpPr txBox="1"/>
-          <p:nvPr/>
-        </p:nvSpPr>
-        <p:spPr>
-          <a:xfrm>
-            <a:off x="3153713" y="934519"/>
-            <a:ext cx="5884575" cy="270652"/>
-          </a:xfrm>
-          <a:prstGeom prst="rect">
-            <a:avLst/>
-          </a:prstGeom>
-          <a:ln w="12700">
-            <a:miter lim="400000"/>
-          </a:ln>
-          <a:extLst>
-            <a:ext uri="{C572A759-6A51-4108-AA02-DFA0A04FC94B}">
-              <ma14:wrappingTextBoxFlag xmlns="" xmlns:ma14="http://schemas.microsoft.com/office/mac/drawingml/2011/main" val="1"/>
-            </a:ext>
-          </a:extLst>
-        </p:spPr>
-        <p:txBody>
-          <a:bodyPr lIns="45719" rIns="45719">
-            <a:spAutoFit/>
-          </a:bodyPr>
-          <a:lstStyle>
-            <a:lvl1pPr algn="ctr">
-              <a:lnSpc>
-                <a:spcPct val="150000"/>
-              </a:lnSpc>
-              <a:defRPr sz="900">
-                <a:solidFill>
-                  <a:srgbClr val="A7A7A7"/>
-                </a:solidFill>
-                <a:latin typeface="Lato Regular"/>
-                <a:ea typeface="Lato Regular"/>
-                <a:cs typeface="Lato Regular"/>
-                <a:sym typeface="Lato Regular"/>
-              </a:defRPr>
-            </a:lvl1pPr>
-          </a:lstStyle>
-          <a:p>
-            <a:r>
-              <a:rPr lang="it-IT" dirty="0"/>
-              <a:t>The following </a:t>
-            </a:r>
-            <a:r>
-              <a:rPr lang="it-IT" dirty="0" err="1"/>
-              <a:t>graphs</a:t>
-            </a:r>
-            <a:r>
-              <a:rPr lang="it-IT" dirty="0"/>
-              <a:t> </a:t>
-            </a:r>
-            <a:r>
-              <a:rPr lang="it-IT" dirty="0" err="1"/>
-              <a:t>visualize</a:t>
-            </a:r>
-            <a:r>
-              <a:rPr lang="it-IT" dirty="0"/>
-              <a:t> the </a:t>
-            </a:r>
-            <a:r>
-              <a:rPr lang="it-IT" dirty="0" err="1"/>
-              <a:t>comparison</a:t>
-            </a:r>
-            <a:r>
-              <a:rPr lang="it-IT" dirty="0"/>
-              <a:t> </a:t>
-            </a:r>
-            <a:r>
-              <a:rPr lang="it-IT" dirty="0" err="1"/>
-              <a:t>between</a:t>
-            </a:r>
-            <a:r>
-              <a:rPr lang="it-IT" dirty="0"/>
-              <a:t> out top N models</a:t>
-            </a:r>
-            <a:r>
-              <a:rPr dirty="0"/>
-              <a:t>.</a:t>
-            </a:r>
-          </a:p>
-        </p:txBody>
-      </p:sp>
-      <p:sp>
-        <p:nvSpPr>
-          <p:cNvPr id="347" name="TextBox 12"/>
-          <p:cNvSpPr txBox="1"/>
-          <p:nvPr/>
-        </p:nvSpPr>
-        <p:spPr>
-          <a:xfrm>
-            <a:off x="4922121" y="288188"/>
-            <a:ext cx="2347757" cy="646331"/>
-          </a:xfrm>
-          <a:prstGeom prst="rect">
-            <a:avLst/>
-          </a:prstGeom>
-          <a:ln w="12700">
-            <a:miter lim="400000"/>
-          </a:ln>
-          <a:extLst>
-            <a:ext uri="{C572A759-6A51-4108-AA02-DFA0A04FC94B}">
-              <ma14:wrappingTextBoxFlag xmlns="" xmlns:ma14="http://schemas.microsoft.com/office/mac/drawingml/2011/main" val="1"/>
-            </a:ext>
-          </a:extLst>
-        </p:spPr>
-        <p:txBody>
-          <a:bodyPr wrap="none" lIns="45719" rIns="45719">
-            <a:spAutoFit/>
-          </a:bodyPr>
-          <a:lstStyle>
-            <a:lvl1pPr>
-              <a:defRPr sz="3600">
-                <a:latin typeface="Montserrat Bold"/>
-                <a:ea typeface="Montserrat Bold"/>
-                <a:cs typeface="Montserrat Bold"/>
-                <a:sym typeface="Montserrat Bold"/>
-              </a:defRPr>
-            </a:lvl1pPr>
-          </a:lstStyle>
-          <a:p>
-            <a:r>
-              <a:rPr lang="it-IT" dirty="0" err="1"/>
-              <a:t>Comparison</a:t>
-            </a:r>
-            <a:endParaRPr dirty="0"/>
-          </a:p>
-        </p:txBody>
-      </p:sp>
-      <p:pic>
-        <p:nvPicPr>
-          <p:cNvPr id="4" name="Immagine 3">
-            <a:extLst>
-              <a:ext uri="{FF2B5EF4-FFF2-40B4-BE49-F238E27FC236}">
-                <a16:creationId xmlns:a16="http://schemas.microsoft.com/office/drawing/2014/main" id="{419C839D-B355-4D3F-9DA4-592C8D04B95F}"/>
-              </a:ext>
-            </a:extLst>
-          </p:cNvPr>
-          <p:cNvPicPr>
-            <a:picLocks noChangeAspect="1"/>
-          </p:cNvPicPr>
-          <p:nvPr/>
-        </p:nvPicPr>
-        <p:blipFill>
-          <a:blip r:embed="rId2">
-            <a:extLst>
-              <a:ext uri="{28A0092B-C50C-407E-A947-70E740481C1C}">
-                <a14:useLocalDpi xmlns:a14="http://schemas.microsoft.com/office/drawing/2010/main" val="0"/>
-              </a:ext>
-            </a:extLst>
-          </a:blip>
-          <a:stretch>
-            <a:fillRect/>
-          </a:stretch>
-        </p:blipFill>
-        <p:spPr>
-          <a:xfrm>
-            <a:off x="2001294" y="1580850"/>
-            <a:ext cx="8034223" cy="4620693"/>
-          </a:xfrm>
-          <a:prstGeom prst="rect">
-            <a:avLst/>
-          </a:prstGeom>
-        </p:spPr>
-      </p:pic>
-    </p:spTree>
-    <p:extLst>
-      <p:ext uri="{BB962C8B-B14F-4D97-AF65-F5344CB8AC3E}">
-        <p14:creationId xmlns:p14="http://schemas.microsoft.com/office/powerpoint/2010/main" val="1396381081"/>
-      </p:ext>
-    </p:extLst>
-  </p:cSld>
-  <p:clrMapOvr>
-    <a:masterClrMapping/>
-  </p:clrMapOvr>
-  <p:transition spd="med"/>
-</p:sld>
-</file>
-
-<file path=ppt/slides/slide11.xml><?xml version="1.0" encoding="utf-8"?>
-<p:sld xmlns:a="http://schemas.openxmlformats.org/drawingml/2006/main" xmlns:r="http://schemas.openxmlformats.org/officeDocument/2006/relationships" xmlns:p="http://schemas.openxmlformats.org/presentationml/2006/main">
-  <p:cSld>
-    <p:spTree>
-      <p:nvGrpSpPr>
-        <p:cNvPr id="1" name=""/>
-        <p:cNvGrpSpPr/>
-        <p:nvPr/>
-      </p:nvGrpSpPr>
-      <p:grpSpPr>
-        <a:xfrm>
-          <a:off x="0" y="0"/>
-          <a:ext cx="0" cy="0"/>
-          <a:chOff x="0" y="0"/>
-          <a:chExt cx="0" cy="0"/>
-        </a:xfrm>
-      </p:grpSpPr>
-      <p:pic>
-        <p:nvPicPr>
-          <p:cNvPr id="11" name="Segnaposto immagine 7">
-            <a:extLst>
-              <a:ext uri="{FF2B5EF4-FFF2-40B4-BE49-F238E27FC236}">
-                <a16:creationId xmlns:a16="http://schemas.microsoft.com/office/drawing/2014/main" id="{8C5A5DB1-987B-42ED-85A2-E141F23D5C0D}"/>
-              </a:ext>
-            </a:extLst>
-          </p:cNvPr>
-          <p:cNvPicPr>
-            <a:picLocks noGrp="1" noChangeAspect="1"/>
-          </p:cNvPicPr>
-          <p:nvPr>
-            <p:ph type="pic" sz="half" idx="13"/>
-          </p:nvPr>
-        </p:nvPicPr>
-        <p:blipFill>
-          <a:blip r:embed="rId2">
-            <a:extLst>
-              <a:ext uri="{28A0092B-C50C-407E-A947-70E740481C1C}">
-                <a14:useLocalDpi xmlns:a14="http://schemas.microsoft.com/office/drawing/2010/main" val="0"/>
-              </a:ext>
-            </a:extLst>
-          </a:blip>
-          <a:srcRect l="25741" r="25741"/>
-          <a:stretch/>
-        </p:blipFill>
-        <p:spPr>
-          <a:xfrm>
-            <a:off x="6803700" y="0"/>
-            <a:ext cx="5388300" cy="6858000"/>
-          </a:xfrm>
-        </p:spPr>
-      </p:pic>
-      <p:sp>
-        <p:nvSpPr>
-          <p:cNvPr id="6" name="Rectangle 5">
-            <a:extLst>
-              <a:ext uri="{FF2B5EF4-FFF2-40B4-BE49-F238E27FC236}">
-                <a16:creationId xmlns:a16="http://schemas.microsoft.com/office/drawing/2014/main" id="{28D22E49-36C9-4FDD-AC98-B506103FD91C}"/>
-              </a:ext>
-            </a:extLst>
-          </p:cNvPr>
-          <p:cNvSpPr/>
-          <p:nvPr/>
-        </p:nvSpPr>
-        <p:spPr>
-          <a:xfrm flipH="1">
-            <a:off x="7611364" y="673210"/>
-            <a:ext cx="3554023" cy="1285701"/>
-          </a:xfrm>
-          <a:prstGeom prst="rect">
-            <a:avLst/>
-          </a:prstGeom>
-          <a:solidFill>
-            <a:srgbClr val="1E1E1E"/>
-          </a:solidFill>
-          <a:ln w="12700">
-            <a:miter lim="400000"/>
-          </a:ln>
-        </p:spPr>
-        <p:txBody>
-          <a:bodyPr lIns="45719" rIns="45719"/>
-          <a:lstStyle/>
-          <a:p>
-            <a:r>
-              <a:rPr lang="it-IT" dirty="0"/>
-              <a:t>   </a:t>
-            </a:r>
-            <a:endParaRPr dirty="0"/>
-          </a:p>
-        </p:txBody>
-      </p:sp>
-      <p:sp>
-        <p:nvSpPr>
-          <p:cNvPr id="5" name="Rectangle 5">
-            <a:extLst>
-              <a:ext uri="{FF2B5EF4-FFF2-40B4-BE49-F238E27FC236}">
-                <a16:creationId xmlns:a16="http://schemas.microsoft.com/office/drawing/2014/main" id="{DD142950-86D7-4CE7-B724-C21F6D3BF783}"/>
-              </a:ext>
-            </a:extLst>
-          </p:cNvPr>
-          <p:cNvSpPr/>
-          <p:nvPr/>
-        </p:nvSpPr>
-        <p:spPr>
-          <a:xfrm flipH="1">
-            <a:off x="0" y="0"/>
-            <a:ext cx="6803700" cy="6858000"/>
-          </a:xfrm>
-          <a:prstGeom prst="rect">
-            <a:avLst/>
-          </a:prstGeom>
-          <a:solidFill>
-            <a:srgbClr val="1E1E1E"/>
-          </a:solidFill>
-          <a:ln w="12700">
-            <a:miter lim="400000"/>
-          </a:ln>
-        </p:spPr>
-        <p:txBody>
-          <a:bodyPr lIns="45719" rIns="45719"/>
-          <a:lstStyle/>
-          <a:p>
-            <a:endParaRPr/>
-          </a:p>
-        </p:txBody>
-      </p:sp>
-      <p:sp>
-        <p:nvSpPr>
-          <p:cNvPr id="355" name="TextBox 6"/>
-          <p:cNvSpPr txBox="1"/>
-          <p:nvPr/>
-        </p:nvSpPr>
-        <p:spPr>
-          <a:xfrm flipH="1">
-            <a:off x="7855424" y="886484"/>
-            <a:ext cx="3065902" cy="830997"/>
-          </a:xfrm>
-          <a:prstGeom prst="rect">
-            <a:avLst/>
-          </a:prstGeom>
-          <a:ln w="12700">
-            <a:miter lim="400000"/>
-          </a:ln>
-          <a:extLst>
-            <a:ext uri="{C572A759-6A51-4108-AA02-DFA0A04FC94B}">
-              <ma14:wrappingTextBoxFlag xmlns:ma14="http://schemas.microsoft.com/office/mac/drawingml/2011/main" xmlns="" val="1"/>
-            </a:ext>
-          </a:extLst>
-        </p:spPr>
-        <p:txBody>
-          <a:bodyPr wrap="none" lIns="45719" rIns="45719">
-            <a:spAutoFit/>
-          </a:bodyPr>
-          <a:lstStyle>
-            <a:lvl1pPr>
-              <a:defRPr sz="4800">
-                <a:solidFill>
-                  <a:srgbClr val="1E1E1E"/>
-                </a:solidFill>
-                <a:latin typeface="Montserrat Bold"/>
-                <a:ea typeface="Montserrat Bold"/>
-                <a:cs typeface="Montserrat Bold"/>
-                <a:sym typeface="Montserrat Bold"/>
-              </a:defRPr>
-            </a:lvl1pPr>
-          </a:lstStyle>
-          <a:p>
-            <a:r>
-              <a:rPr lang="it-IT" dirty="0" err="1">
-                <a:solidFill>
-                  <a:schemeClr val="bg1"/>
-                </a:solidFill>
-              </a:rPr>
-              <a:t>Conclusions</a:t>
-            </a:r>
-            <a:endParaRPr dirty="0">
-              <a:solidFill>
-                <a:schemeClr val="bg1"/>
-              </a:solidFill>
-            </a:endParaRPr>
-          </a:p>
-        </p:txBody>
-      </p:sp>
-      <p:sp>
-        <p:nvSpPr>
-          <p:cNvPr id="17" name="CasellaDiTesto 16">
-            <a:extLst>
-              <a:ext uri="{FF2B5EF4-FFF2-40B4-BE49-F238E27FC236}">
-                <a16:creationId xmlns:a16="http://schemas.microsoft.com/office/drawing/2014/main" id="{1AE2CE8B-E006-4D41-A7A3-E0223F7629FA}"/>
-              </a:ext>
-            </a:extLst>
-          </p:cNvPr>
-          <p:cNvSpPr txBox="1"/>
-          <p:nvPr/>
-        </p:nvSpPr>
-        <p:spPr>
-          <a:xfrm>
-            <a:off x="7060093" y="6543364"/>
-            <a:ext cx="6097464" cy="169277"/>
-          </a:xfrm>
-          <a:prstGeom prst="rect">
-            <a:avLst/>
-          </a:prstGeom>
-          <a:noFill/>
-          <a:ln w="12700" cap="flat">
-            <a:noFill/>
-            <a:miter lim="400000"/>
-          </a:ln>
-          <a:effectLst/>
-          <a:sp3d/>
-        </p:spPr>
-        <p:style>
-          <a:lnRef idx="0">
-            <a:scrgbClr r="0" g="0" b="0"/>
-          </a:lnRef>
-          <a:fillRef idx="0">
-            <a:scrgbClr r="0" g="0" b="0"/>
-          </a:fillRef>
-          <a:effectRef idx="0">
-            <a:scrgbClr r="0" g="0" b="0"/>
-          </a:effectRef>
-          <a:fontRef idx="none"/>
-        </p:style>
-        <p:txBody>
-          <a:bodyPr wrap="square">
-            <a:spAutoFit/>
-          </a:bodyPr>
-          <a:lstStyle/>
-          <a:p>
-            <a:r>
-              <a:rPr lang="it-IT" sz="500" dirty="0">
-                <a:solidFill>
-                  <a:schemeClr val="bg1">
-                    <a:lumMod val="75000"/>
-                  </a:schemeClr>
-                </a:solidFill>
-              </a:rPr>
-              <a:t>Image from https://fortune.com/2016/07/13/study-nyc-taxi-outperforming-uber/</a:t>
-            </a:r>
-          </a:p>
-        </p:txBody>
-      </p:sp>
-      <p:sp>
-        <p:nvSpPr>
-          <p:cNvPr id="9" name="Rectangle 2">
-            <a:extLst>
-              <a:ext uri="{FF2B5EF4-FFF2-40B4-BE49-F238E27FC236}">
-                <a16:creationId xmlns:a16="http://schemas.microsoft.com/office/drawing/2014/main" id="{EA675272-0EC3-4D7A-A2E0-CCB77F6407AB}"/>
-              </a:ext>
-            </a:extLst>
-          </p:cNvPr>
-          <p:cNvSpPr txBox="1"/>
-          <p:nvPr/>
-        </p:nvSpPr>
-        <p:spPr>
-          <a:xfrm>
-            <a:off x="688501" y="823671"/>
-            <a:ext cx="5426697" cy="5210657"/>
-          </a:xfrm>
-          <a:prstGeom prst="rect">
-            <a:avLst/>
-          </a:prstGeom>
-          <a:ln w="12700">
-            <a:miter lim="400000"/>
-          </a:ln>
-          <a:extLst>
-            <a:ext uri="{C572A759-6A51-4108-AA02-DFA0A04FC94B}">
-              <ma14:wrappingTextBoxFlag xmlns:ma14="http://schemas.microsoft.com/office/mac/drawingml/2011/main" xmlns="" val="1"/>
-            </a:ext>
-          </a:extLst>
-        </p:spPr>
-        <p:txBody>
-          <a:bodyPr wrap="square" lIns="45719" rIns="45719">
-            <a:spAutoFit/>
-          </a:bodyPr>
-          <a:lstStyle>
-            <a:lvl1pPr algn="just">
-              <a:lnSpc>
-                <a:spcPct val="150000"/>
-              </a:lnSpc>
-              <a:defRPr sz="900">
-                <a:solidFill>
-                  <a:srgbClr val="FFFFFF"/>
-                </a:solidFill>
-                <a:latin typeface="Lato Regular"/>
-                <a:ea typeface="Lato Regular"/>
-                <a:cs typeface="Lato Regular"/>
-                <a:sym typeface="Lato Regular"/>
-              </a:defRPr>
-            </a:lvl1pPr>
-          </a:lstStyle>
-          <a:p>
-            <a:r>
-              <a:rPr lang="en-US" sz="1600" dirty="0"/>
-              <a:t>The approach applied gives </a:t>
-            </a:r>
-            <a:r>
-              <a:rPr lang="en-US" sz="1600" u="sng" dirty="0"/>
-              <a:t>good results</a:t>
-            </a:r>
-            <a:r>
-              <a:rPr lang="en-US" sz="1600" dirty="0"/>
-              <a:t>. </a:t>
-            </a:r>
-          </a:p>
-          <a:p>
-            <a:endParaRPr lang="en-US" sz="1600" dirty="0"/>
-          </a:p>
-          <a:p>
-            <a:r>
-              <a:rPr lang="en-US" sz="1600" dirty="0"/>
-              <a:t>In particular, the integration with geo-spatial data is important in order to consider different types of trips and also the outlier cut of too long trips and too short to be meaningful.</a:t>
-            </a:r>
-          </a:p>
-          <a:p>
-            <a:endParaRPr lang="en-US" sz="1600" dirty="0"/>
-          </a:p>
-          <a:p>
-            <a:r>
-              <a:rPr lang="en-US" sz="1600" dirty="0"/>
-              <a:t>The models tried are quite </a:t>
-            </a:r>
-            <a:r>
-              <a:rPr lang="en-US" sz="1600" u="sng" dirty="0"/>
-              <a:t>complex</a:t>
-            </a:r>
-            <a:r>
-              <a:rPr lang="en-US" sz="1600" dirty="0"/>
-              <a:t> but the best is the </a:t>
-            </a:r>
-            <a:r>
-              <a:rPr lang="en-US" sz="1600" u="sng" dirty="0"/>
-              <a:t>simplest one </a:t>
-            </a:r>
-            <a:r>
-              <a:rPr lang="en-US" sz="1600" dirty="0"/>
-              <a:t>(5 layers instead of 7 layers),usually a simpler model avoids overfitting and is more robust.</a:t>
-            </a:r>
-          </a:p>
-          <a:p>
-            <a:endParaRPr lang="en-US" sz="1600" dirty="0"/>
-          </a:p>
-          <a:p>
-            <a:r>
-              <a:rPr lang="en-US" sz="1600" dirty="0"/>
-              <a:t>The project could be improved in the future by adding some traffic information or based on this model bring a real-time one, that can be much more useful.</a:t>
-            </a:r>
-            <a:endParaRPr sz="1600" dirty="0"/>
-          </a:p>
-        </p:txBody>
-      </p:sp>
-    </p:spTree>
-    <p:extLst>
-      <p:ext uri="{BB962C8B-B14F-4D97-AF65-F5344CB8AC3E}">
-        <p14:creationId xmlns:p14="http://schemas.microsoft.com/office/powerpoint/2010/main" val="2933212610"/>
-      </p:ext>
-    </p:extLst>
-  </p:cSld>
-  <p:clrMapOvr>
-    <a:masterClrMapping/>
-  </p:clrMapOvr>
-  <p:transition spd="med"/>
-</p:sld>
-</file>
-
-<file path=ppt/slides/slide12.xml><?xml version="1.0" encoding="utf-8"?>
-<p:sld xmlns:a="http://schemas.openxmlformats.org/drawingml/2006/main" xmlns:r="http://schemas.openxmlformats.org/officeDocument/2006/relationships" xmlns:p="http://schemas.openxmlformats.org/presentationml/2006/main">
-  <p:cSld>
     <p:bg>
       <p:bgPr>
         <a:solidFill>
@@ -4259,7 +3693,7 @@
             <a:avLst/>
           </a:prstGeom>
           <a:solidFill>
-            <a:srgbClr val="1E1E1E"/>
+            <a:srgbClr val="CC0001"/>
           </a:solidFill>
           <a:ln w="12700">
             <a:miter lim="400000"/>
@@ -4292,7 +3726,7 @@
           </a:ln>
           <a:extLst>
             <a:ext uri="{C572A759-6A51-4108-AA02-DFA0A04FC94B}">
-              <ma14:wrappingTextBoxFlag xmlns:ma14="http://schemas.microsoft.com/office/mac/drawingml/2011/main" xmlns="" val="1"/>
+              <ma14:wrappingTextBoxFlag xmlns="" xmlns:ma14="http://schemas.microsoft.com/office/mac/drawingml/2011/main" val="1"/>
             </a:ext>
           </a:extLst>
         </p:spPr>
@@ -4345,7 +3779,7 @@
               </a:ext>
             </a:extLst>
           </a:blip>
-          <a:srcRect l="25862" r="25862"/>
+          <a:srcRect l="13611" r="13611"/>
           <a:stretch/>
         </p:blipFill>
         <p:spPr>
@@ -4383,7 +3817,7 @@
           <a:effectLst/>
           <a:extLst>
             <a:ext uri="{C572A759-6A51-4108-AA02-DFA0A04FC94B}">
-              <ma14:wrappingTextBoxFlag xmlns:ma14="http://schemas.microsoft.com/office/mac/drawingml/2011/main" xmlns="" val="1"/>
+              <ma14:wrappingTextBoxFlag xmlns="" xmlns:ma14="http://schemas.microsoft.com/office/mac/drawingml/2011/main" val="1"/>
             </a:ext>
           </a:extLst>
         </p:spPr>
@@ -4421,10 +3855,10 @@
       </p:sp>
       <p:sp>
         <p:nvSpPr>
-          <p:cNvPr id="13" name="CasellaDiTesto 12">
+          <p:cNvPr id="7" name="CasellaDiTesto 6">
             <a:extLst>
               <a:ext uri="{FF2B5EF4-FFF2-40B4-BE49-F238E27FC236}">
-                <a16:creationId xmlns:a16="http://schemas.microsoft.com/office/drawing/2014/main" id="{AFAF0DBC-7F91-48B0-8E07-8C303A29AC0F}"/>
+                <a16:creationId xmlns:a16="http://schemas.microsoft.com/office/drawing/2014/main" id="{4E57EC21-BDAC-4F2F-A326-C637D38A17B9}"/>
               </a:ext>
             </a:extLst>
           </p:cNvPr>
@@ -4433,7 +3867,7 @@
         </p:nvSpPr>
         <p:spPr>
           <a:xfrm>
-            <a:off x="6885518" y="6077635"/>
+            <a:off x="7060093" y="6033411"/>
             <a:ext cx="6097464" cy="169277"/>
           </a:xfrm>
           <a:prstGeom prst="rect">
@@ -4473,11 +3907,104 @@
                   </a:schemeClr>
                 </a:solidFill>
               </a:rPr>
-              <a:t>Image from https://fortune.com/2016/07/13/study-nyc-taxi-outperforming-uber/</a:t>
-            </a:r>
+              <a:t>Image </a:t>
+            </a:r>
+            <a:r>
+              <a:rPr lang="it-IT" sz="500" dirty="0" err="1">
+                <a:solidFill>
+                  <a:schemeClr val="bg1">
+                    <a:lumMod val="75000"/>
+                  </a:schemeClr>
+                </a:solidFill>
+              </a:rPr>
+              <a:t>taken</a:t>
+            </a:r>
+            <a:r>
+              <a:rPr lang="it-IT" sz="500" dirty="0">
+                <a:solidFill>
+                  <a:schemeClr val="bg1">
+                    <a:lumMod val="75000"/>
+                  </a:schemeClr>
+                </a:solidFill>
+              </a:rPr>
+              <a:t> from CNN </a:t>
+            </a:r>
+            <a:r>
+              <a:rPr lang="it-IT" sz="500" dirty="0" err="1">
+                <a:solidFill>
+                  <a:schemeClr val="bg1">
+                    <a:lumMod val="75000"/>
+                  </a:schemeClr>
+                </a:solidFill>
+              </a:rPr>
+              <a:t>twitter</a:t>
+            </a:r>
+            <a:r>
+              <a:rPr lang="it-IT" sz="500" dirty="0">
+                <a:solidFill>
+                  <a:schemeClr val="bg1">
+                    <a:lumMod val="75000"/>
+                  </a:schemeClr>
+                </a:solidFill>
+              </a:rPr>
+              <a:t> </a:t>
+            </a:r>
+            <a:r>
+              <a:rPr lang="it-IT" sz="500" dirty="0" err="1">
+                <a:solidFill>
+                  <a:schemeClr val="bg1">
+                    <a:lumMod val="75000"/>
+                  </a:schemeClr>
+                </a:solidFill>
+              </a:rPr>
+              <a:t>profile</a:t>
+            </a:r>
+            <a:endParaRPr lang="it-IT" sz="500" dirty="0">
+              <a:solidFill>
+                <a:schemeClr val="bg1">
+                  <a:lumMod val="75000"/>
+                </a:schemeClr>
+              </a:solidFill>
+            </a:endParaRPr>
           </a:p>
         </p:txBody>
       </p:sp>
+      <p:pic>
+        <p:nvPicPr>
+          <p:cNvPr id="9" name="Immagine 8" descr="Immagine che contiene testo&#10;&#10;Descrizione generata automaticamente">
+            <a:extLst>
+              <a:ext uri="{FF2B5EF4-FFF2-40B4-BE49-F238E27FC236}">
+                <a16:creationId xmlns:a16="http://schemas.microsoft.com/office/drawing/2014/main" id="{22CB0F86-B857-4C60-A8ED-EA9F9A0EFF31}"/>
+              </a:ext>
+            </a:extLst>
+          </p:cNvPr>
+          <p:cNvPicPr>
+            <a:picLocks noChangeAspect="1"/>
+          </p:cNvPicPr>
+          <p:nvPr/>
+        </p:nvPicPr>
+        <p:blipFill>
+          <a:blip r:embed="rId3">
+            <a:extLst>
+              <a:ext uri="{28A0092B-C50C-407E-A947-70E740481C1C}">
+                <a14:useLocalDpi xmlns:a14="http://schemas.microsoft.com/office/drawing/2010/main" val="0"/>
+              </a:ext>
+            </a:extLst>
+          </a:blip>
+          <a:stretch>
+            <a:fillRect/>
+          </a:stretch>
+        </p:blipFill>
+        <p:spPr>
+          <a:xfrm>
+            <a:off x="611099" y="358064"/>
+            <a:ext cx="1638110" cy="543229"/>
+          </a:xfrm>
+          <a:prstGeom prst="rect">
+            <a:avLst/>
+          </a:prstGeom>
+        </p:spPr>
+      </p:pic>
     </p:spTree>
   </p:cSld>
   <p:clrMapOvr>
@@ -4633,7 +4160,7 @@
           </a:ln>
           <a:extLst>
             <a:ext uri="{C572A759-6A51-4108-AA02-DFA0A04FC94B}">
-              <ma14:wrappingTextBoxFlag xmlns:ma14="http://schemas.microsoft.com/office/mac/drawingml/2011/main" xmlns="" val="1"/>
+              <ma14:wrappingTextBoxFlag xmlns="" xmlns:ma14="http://schemas.microsoft.com/office/mac/drawingml/2011/main" val="1"/>
             </a:ext>
           </a:extLst>
         </p:spPr>
@@ -4659,12 +4186,20 @@
           </a:lstStyle>
           <a:p>
             <a:r>
+              <a:rPr lang="it-IT" sz="1800" dirty="0">
+                <a:solidFill>
+                  <a:schemeClr val="bg1"/>
+                </a:solidFill>
+              </a:rPr>
+              <a:t>Create </a:t>
+            </a:r>
+            <a:r>
               <a:rPr lang="it-IT" sz="1800" dirty="0" err="1">
                 <a:solidFill>
                   <a:schemeClr val="bg1"/>
                 </a:solidFill>
               </a:rPr>
-              <a:t>Predict</a:t>
+              <a:t>summaries</a:t>
             </a:r>
             <a:r>
               <a:rPr lang="it-IT" sz="1800" dirty="0">
@@ -4672,63 +4207,7 @@
                   <a:schemeClr val="bg1"/>
                 </a:solidFill>
               </a:rPr>
-              <a:t> the taxi trip duration </a:t>
-            </a:r>
-            <a:r>
-              <a:rPr lang="it-IT" sz="1800" dirty="0" err="1">
-                <a:solidFill>
-                  <a:schemeClr val="bg1"/>
-                </a:solidFill>
-              </a:rPr>
-              <a:t>given</a:t>
-            </a:r>
-            <a:r>
-              <a:rPr lang="it-IT" sz="1800" dirty="0">
-                <a:solidFill>
-                  <a:schemeClr val="bg1"/>
-                </a:solidFill>
-              </a:rPr>
-              <a:t> the </a:t>
-            </a:r>
-            <a:r>
-              <a:rPr lang="it-IT" sz="1800" dirty="0" err="1">
-                <a:solidFill>
-                  <a:schemeClr val="bg1"/>
-                </a:solidFill>
-              </a:rPr>
-              <a:t>attributes</a:t>
-            </a:r>
-            <a:r>
-              <a:rPr lang="it-IT" sz="1800" dirty="0">
-                <a:solidFill>
-                  <a:schemeClr val="bg1"/>
-                </a:solidFill>
-              </a:rPr>
-              <a:t> in the dataset </a:t>
-            </a:r>
-            <a:r>
-              <a:rPr lang="it-IT" sz="1800" dirty="0" err="1">
-                <a:solidFill>
-                  <a:schemeClr val="bg1"/>
-                </a:solidFill>
-              </a:rPr>
-              <a:t>available</a:t>
-            </a:r>
-            <a:r>
-              <a:rPr lang="it-IT" sz="1800" dirty="0">
-                <a:solidFill>
-                  <a:schemeClr val="bg1"/>
-                </a:solidFill>
-              </a:rPr>
-              <a:t> on </a:t>
-            </a:r>
-            <a:r>
-              <a:rPr lang="it-IT" sz="1800" dirty="0" err="1">
-                <a:solidFill>
-                  <a:schemeClr val="bg1"/>
-                </a:solidFill>
-              </a:rPr>
-              <a:t>Kaggle</a:t>
+              <a:t> from the CNN stories dataset</a:t>
             </a:r>
             <a:endParaRPr sz="1800" dirty="0">
               <a:solidFill>
@@ -4757,7 +4236,7 @@
           </a:ln>
           <a:extLst>
             <a:ext uri="{C572A759-6A51-4108-AA02-DFA0A04FC94B}">
-              <ma14:wrappingTextBoxFlag xmlns:ma14="http://schemas.microsoft.com/office/mac/drawingml/2011/main" xmlns="" val="1"/>
+              <ma14:wrappingTextBoxFlag xmlns="" xmlns:ma14="http://schemas.microsoft.com/office/mac/drawingml/2011/main" val="1"/>
             </a:ext>
           </a:extLst>
         </p:spPr>
@@ -4954,7 +4433,7 @@
           <a:bodyPr lIns="45719" rIns="45719"/>
           <a:lstStyle/>
           <a:p>
-            <a:endParaRPr/>
+            <a:endParaRPr lang="it-IT"/>
           </a:p>
         </p:txBody>
       </p:sp>
@@ -4966,8 +4445,8 @@
         </p:nvSpPr>
         <p:spPr>
           <a:xfrm>
-            <a:off x="6193474" y="1140813"/>
-            <a:ext cx="5426697" cy="4570867"/>
+            <a:off x="6193475" y="1305350"/>
+            <a:ext cx="5053646" cy="2625334"/>
           </a:xfrm>
           <a:prstGeom prst="rect">
             <a:avLst/>
@@ -4977,7 +4456,7 @@
           </a:ln>
           <a:extLst>
             <a:ext uri="{C572A759-6A51-4108-AA02-DFA0A04FC94B}">
-              <ma14:wrappingTextBoxFlag xmlns:ma14="http://schemas.microsoft.com/office/mac/drawingml/2011/main" xmlns="" val="1"/>
+              <ma14:wrappingTextBoxFlag xmlns="" xmlns:ma14="http://schemas.microsoft.com/office/mac/drawingml/2011/main" val="1"/>
             </a:ext>
           </a:extLst>
         </p:spPr>
@@ -5003,19 +4482,19 @@
           </a:lstStyle>
           <a:p>
             <a:r>
-              <a:rPr lang="en-US" sz="1400" dirty="0"/>
+              <a:rPr lang="en-US" sz="1600" dirty="0"/>
               <a:t>The dataset was taken from </a:t>
             </a:r>
             <a:r>
-              <a:rPr lang="en-US" sz="1400" u="sng" dirty="0"/>
-              <a:t>Kaggle</a:t>
-            </a:r>
-            <a:r>
-              <a:rPr lang="en-US" sz="1400" dirty="0"/>
+              <a:rPr lang="en-US" sz="1600" u="sng" dirty="0"/>
+              <a:t>the DeepMind Q&amp;A Dataset</a:t>
+            </a:r>
+            <a:r>
+              <a:rPr lang="en-US" sz="1600" dirty="0"/>
               <a:t> and can be found at this </a:t>
             </a:r>
             <a:r>
-              <a:rPr lang="en-US" sz="1400" dirty="0">
+              <a:rPr lang="en-US" sz="1600" dirty="0">
                 <a:solidFill>
                   <a:schemeClr val="bg1"/>
                 </a:solidFill>
@@ -5030,7 +4509,7 @@
               <a:t>link</a:t>
             </a:r>
             <a:r>
-              <a:rPr lang="en-US" sz="1400" dirty="0"/>
+              <a:rPr lang="en-US" sz="1600" dirty="0"/>
               <a:t>. The dataset presented some issues that had to be solved before applying our models:</a:t>
             </a:r>
           </a:p>
@@ -5039,16 +4518,8 @@
               <a:buAutoNum type="arabicParenR"/>
             </a:pPr>
             <a:r>
-              <a:rPr lang="en-US" sz="1400" dirty="0"/>
-              <a:t>Some records contained presumably </a:t>
-            </a:r>
-            <a:r>
-              <a:rPr lang="en-US" sz="1400" b="1" dirty="0"/>
-              <a:t>wrong information </a:t>
-            </a:r>
-            <a:r>
-              <a:rPr lang="en-US" sz="1400" dirty="0"/>
-              <a:t>regarding the trip duration. (i.e. trips whose distance was 700 or more km completed in less than an hour)</a:t>
+              <a:rPr lang="en-US" sz="1600" dirty="0"/>
+              <a:t>Each story presented more than one summary</a:t>
             </a:r>
           </a:p>
           <a:p>
@@ -5056,53 +4527,76 @@
               <a:buAutoNum type="arabicParenR"/>
             </a:pPr>
             <a:r>
-              <a:rPr lang="en-US" sz="1400" dirty="0"/>
-              <a:t>Trips that presented a </a:t>
-            </a:r>
-            <a:r>
-              <a:rPr lang="en-US" sz="1400" u="sng" dirty="0"/>
-              <a:t>trip duration </a:t>
-            </a:r>
-            <a:r>
-              <a:rPr lang="en-US" sz="1400" dirty="0"/>
-              <a:t>less than </a:t>
-            </a:r>
-            <a:r>
-              <a:rPr lang="en-US" sz="1400" u="sng" dirty="0"/>
-              <a:t>10 seconds</a:t>
-            </a:r>
-            <a:r>
-              <a:rPr lang="en-US" sz="1400" dirty="0"/>
-              <a:t>. </a:t>
-            </a:r>
-          </a:p>
+              <a:rPr lang="en-US" sz="1600" dirty="0"/>
+              <a:t>The text was taken from the </a:t>
+            </a:r>
+            <a:r>
+              <a:rPr lang="en-US" sz="1600" dirty="0" err="1"/>
+              <a:t>cnn</a:t>
+            </a:r>
+            <a:r>
+              <a:rPr lang="en-US" sz="1600" dirty="0"/>
+              <a:t> website, so preprocessing steps were needed:</a:t>
+            </a:r>
+          </a:p>
+        </p:txBody>
+      </p:sp>
+      <p:sp>
+        <p:nvSpPr>
+          <p:cNvPr id="7" name="Rectangle 2">
+            <a:extLst>
+              <a:ext uri="{FF2B5EF4-FFF2-40B4-BE49-F238E27FC236}">
+                <a16:creationId xmlns:a16="http://schemas.microsoft.com/office/drawing/2014/main" id="{1661135F-EC4C-4C6D-A7BB-188BAAA55AB6}"/>
+              </a:ext>
+            </a:extLst>
+          </p:cNvPr>
+          <p:cNvSpPr txBox="1"/>
+          <p:nvPr/>
+        </p:nvSpPr>
+        <p:spPr>
+          <a:xfrm>
+            <a:off x="6672440" y="4005193"/>
+            <a:ext cx="5053646" cy="1148007"/>
+          </a:xfrm>
+          <a:prstGeom prst="rect">
+            <a:avLst/>
+          </a:prstGeom>
+          <a:ln w="12700">
+            <a:miter lim="400000"/>
+          </a:ln>
+          <a:extLst>
+            <a:ext uri="{C572A759-6A51-4108-AA02-DFA0A04FC94B}">
+              <ma14:wrappingTextBoxFlag xmlns="" xmlns:ma14="http://schemas.microsoft.com/office/mac/drawingml/2011/main" val="1"/>
+            </a:ext>
+          </a:extLst>
+        </p:spPr>
+        <p:txBody>
+          <a:bodyPr wrap="square" lIns="45719" rIns="45719">
+            <a:spAutoFit/>
+          </a:bodyPr>
+          <a:lstStyle>
+            <a:lvl1pPr algn="just">
+              <a:lnSpc>
+                <a:spcPct val="150000"/>
+              </a:lnSpc>
+              <a:defRPr sz="900">
+                <a:solidFill>
+                  <a:srgbClr val="FFFFFF"/>
+                </a:solidFill>
+                <a:latin typeface="Lato Regular"/>
+                <a:ea typeface="Lato Regular"/>
+                <a:cs typeface="Lato Regular"/>
+                <a:sym typeface="Lato Regular"/>
+              </a:defRPr>
+            </a:lvl1pPr>
+          </a:lstStyle>
           <a:p>
             <a:pPr marL="228600" indent="-228600">
               <a:buAutoNum type="arabicParenR"/>
             </a:pPr>
             <a:r>
-              <a:rPr lang="en-US" sz="1400" dirty="0" err="1"/>
-              <a:t>Geopositional</a:t>
-            </a:r>
-            <a:r>
-              <a:rPr lang="en-US" sz="1400" dirty="0"/>
-              <a:t> data encoded in </a:t>
-            </a:r>
-            <a:r>
-              <a:rPr lang="en-US" sz="1400" u="sng" dirty="0"/>
-              <a:t>latitude</a:t>
-            </a:r>
-            <a:r>
-              <a:rPr lang="en-US" sz="1400" dirty="0"/>
-              <a:t> and </a:t>
-            </a:r>
-            <a:r>
-              <a:rPr lang="en-US" sz="1400" u="sng" dirty="0"/>
-              <a:t>longitude</a:t>
-            </a:r>
-            <a:r>
-              <a:rPr lang="en-US" sz="1400" dirty="0"/>
-              <a:t>. This Is not the ideal format to feed to the models</a:t>
+              <a:rPr lang="en-US" sz="1600" dirty="0"/>
+              <a:t>Normalization</a:t>
             </a:r>
           </a:p>
           <a:p>
@@ -5110,28 +4604,8 @@
               <a:buAutoNum type="arabicParenR"/>
             </a:pPr>
             <a:r>
-              <a:rPr lang="en-US" sz="1400" dirty="0"/>
-              <a:t>Datetime attribute contained more than one information (</a:t>
-            </a:r>
-            <a:r>
-              <a:rPr lang="en-US" sz="1400" u="sng" dirty="0"/>
-              <a:t>day, time, weekday or n</a:t>
-            </a:r>
-            <a:r>
-              <a:rPr lang="en-US" sz="1400" b="1" dirty="0"/>
-              <a:t>ot</a:t>
-            </a:r>
-            <a:r>
-              <a:rPr lang="en-US" sz="1400" dirty="0"/>
-              <a:t>, </a:t>
-            </a:r>
-            <a:r>
-              <a:rPr lang="en-US" sz="1400" dirty="0" err="1"/>
-              <a:t>etc</a:t>
-            </a:r>
-            <a:r>
-              <a:rPr lang="en-US" sz="1400" dirty="0"/>
-              <a:t>)</a:t>
+              <a:rPr lang="en-US" sz="1600" dirty="0"/>
+              <a:t>Lemmatization</a:t>
             </a:r>
           </a:p>
           <a:p>
@@ -5139,34 +4613,48 @@
               <a:buAutoNum type="arabicParenR"/>
             </a:pPr>
             <a:r>
-              <a:rPr lang="en-US" sz="1400" dirty="0"/>
-              <a:t>No </a:t>
-            </a:r>
-            <a:r>
-              <a:rPr lang="en-US" sz="1400" b="1" dirty="0"/>
-              <a:t>distance</a:t>
-            </a:r>
-            <a:r>
-              <a:rPr lang="en-US" sz="1400" dirty="0"/>
-              <a:t> between the points is given. This had to be calculated.</a:t>
-            </a:r>
-          </a:p>
-          <a:p>
-            <a:pPr marL="228600" indent="-228600">
-              <a:buAutoNum type="arabicParenR"/>
-            </a:pPr>
-            <a:r>
-              <a:rPr lang="en-US" sz="1400" dirty="0"/>
-              <a:t>No </a:t>
-            </a:r>
-            <a:r>
-              <a:rPr lang="en-US" sz="1400" u="sng" dirty="0"/>
-              <a:t>aggregate geographical </a:t>
-            </a:r>
-            <a:r>
-              <a:rPr lang="en-US" sz="1400" dirty="0"/>
-              <a:t>info (county/block) was given.</a:t>
-            </a:r>
+              <a:rPr lang="en-US" sz="1600" dirty="0"/>
+              <a:t>Tokenization</a:t>
+            </a:r>
+          </a:p>
+        </p:txBody>
+      </p:sp>
+      <p:sp>
+        <p:nvSpPr>
+          <p:cNvPr id="10" name="Rectangle 5">
+            <a:extLst>
+              <a:ext uri="{FF2B5EF4-FFF2-40B4-BE49-F238E27FC236}">
+                <a16:creationId xmlns:a16="http://schemas.microsoft.com/office/drawing/2014/main" id="{16724CC2-8A2D-42E6-B858-A4652105D42A}"/>
+              </a:ext>
+            </a:extLst>
+          </p:cNvPr>
+          <p:cNvSpPr/>
+          <p:nvPr/>
+        </p:nvSpPr>
+        <p:spPr>
+          <a:xfrm flipH="1">
+            <a:off x="6095999" y="211029"/>
+            <a:ext cx="3307019" cy="879217"/>
+          </a:xfrm>
+          <a:prstGeom prst="rect">
+            <a:avLst/>
+          </a:prstGeom>
+          <a:solidFill>
+            <a:srgbClr val="CC0001"/>
+          </a:solidFill>
+          <a:ln w="12700">
+            <a:miter lim="400000"/>
+          </a:ln>
+        </p:spPr>
+        <p:txBody>
+          <a:bodyPr lIns="45719" rIns="45719"/>
+          <a:lstStyle/>
+          <a:p>
+            <a:r>
+              <a:rPr lang="it-IT" dirty="0"/>
+              <a:t>   </a:t>
+            </a:r>
+            <a:endParaRPr dirty="0"/>
           </a:p>
         </p:txBody>
       </p:sp>
@@ -5195,7 +4683,7 @@
           </a:ln>
           <a:extLst>
             <a:ext uri="{C572A759-6A51-4108-AA02-DFA0A04FC94B}">
-              <ma14:wrappingTextBoxFlag xmlns:ma14="http://schemas.microsoft.com/office/mac/drawingml/2011/main" xmlns="" val="1"/>
+              <ma14:wrappingTextBoxFlag xmlns="" xmlns:ma14="http://schemas.microsoft.com/office/mac/drawingml/2011/main" val="1"/>
             </a:ext>
           </a:extLst>
         </p:spPr>
@@ -5229,78 +4717,6 @@
           </a:p>
         </p:txBody>
       </p:sp>
-      <p:pic>
-        <p:nvPicPr>
-          <p:cNvPr id="9" name="Immagine 8">
-            <a:extLst>
-              <a:ext uri="{FF2B5EF4-FFF2-40B4-BE49-F238E27FC236}">
-                <a16:creationId xmlns:a16="http://schemas.microsoft.com/office/drawing/2014/main" id="{60F8AC77-14B4-46FE-B207-C52B55D0D459}"/>
-              </a:ext>
-            </a:extLst>
-          </p:cNvPr>
-          <p:cNvPicPr>
-            <a:picLocks noChangeAspect="1"/>
-          </p:cNvPicPr>
-          <p:nvPr/>
-        </p:nvPicPr>
-        <p:blipFill>
-          <a:blip r:embed="rId3" cstate="print">
-            <a:extLst>
-              <a:ext uri="{28A0092B-C50C-407E-A947-70E740481C1C}">
-                <a14:useLocalDpi xmlns:a14="http://schemas.microsoft.com/office/drawing/2010/main" val="0"/>
-              </a:ext>
-            </a:extLst>
-          </a:blip>
-          <a:stretch>
-            <a:fillRect/>
-          </a:stretch>
-        </p:blipFill>
-        <p:spPr>
-          <a:xfrm>
-            <a:off x="794787" y="777585"/>
-            <a:ext cx="4278881" cy="2394947"/>
-          </a:xfrm>
-          <a:prstGeom prst="rect">
-            <a:avLst/>
-          </a:prstGeom>
-        </p:spPr>
-      </p:pic>
-      <p:pic>
-        <p:nvPicPr>
-          <p:cNvPr id="3" name="Immagine 2" descr="Immagine che contiene testo&#10;&#10;Descrizione generata automaticamente">
-            <a:extLst>
-              <a:ext uri="{FF2B5EF4-FFF2-40B4-BE49-F238E27FC236}">
-                <a16:creationId xmlns:a16="http://schemas.microsoft.com/office/drawing/2014/main" id="{2522CA00-EC4C-4EFF-B027-8B8B5F903F2D}"/>
-              </a:ext>
-            </a:extLst>
-          </p:cNvPr>
-          <p:cNvPicPr>
-            <a:picLocks noChangeAspect="1"/>
-          </p:cNvPicPr>
-          <p:nvPr/>
-        </p:nvPicPr>
-        <p:blipFill>
-          <a:blip r:embed="rId4" cstate="print">
-            <a:extLst>
-              <a:ext uri="{28A0092B-C50C-407E-A947-70E740481C1C}">
-                <a14:useLocalDpi xmlns:a14="http://schemas.microsoft.com/office/drawing/2010/main" val="0"/>
-              </a:ext>
-            </a:extLst>
-          </a:blip>
-          <a:stretch>
-            <a:fillRect/>
-          </a:stretch>
-        </p:blipFill>
-        <p:spPr>
-          <a:xfrm>
-            <a:off x="1236785" y="3429000"/>
-            <a:ext cx="3467099" cy="2767044"/>
-          </a:xfrm>
-          <a:prstGeom prst="rect">
-            <a:avLst/>
-          </a:prstGeom>
-        </p:spPr>
-      </p:pic>
     </p:spTree>
     <p:extLst>
       <p:ext uri="{BB962C8B-B14F-4D97-AF65-F5344CB8AC3E}">
@@ -5371,133 +4787,6 @@
       </p:sp>
       <p:sp>
         <p:nvSpPr>
-          <p:cNvPr id="10" name="TextBox 5">
-            <a:extLst>
-              <a:ext uri="{FF2B5EF4-FFF2-40B4-BE49-F238E27FC236}">
-                <a16:creationId xmlns:a16="http://schemas.microsoft.com/office/drawing/2014/main" id="{1C768714-9359-4798-9B60-BE4421470C89}"/>
-              </a:ext>
-            </a:extLst>
-          </p:cNvPr>
-          <p:cNvSpPr txBox="1"/>
-          <p:nvPr/>
-        </p:nvSpPr>
-        <p:spPr>
-          <a:xfrm>
-            <a:off x="337797" y="336458"/>
-            <a:ext cx="1821972" cy="646331"/>
-          </a:xfrm>
-          <a:prstGeom prst="rect">
-            <a:avLst/>
-          </a:prstGeom>
-          <a:ln w="12700">
-            <a:miter lim="400000"/>
-          </a:ln>
-          <a:extLst>
-            <a:ext uri="{C572A759-6A51-4108-AA02-DFA0A04FC94B}">
-              <ma14:wrappingTextBoxFlag xmlns:ma14="http://schemas.microsoft.com/office/mac/drawingml/2011/main" xmlns="" val="1"/>
-            </a:ext>
-          </a:extLst>
-        </p:spPr>
-        <p:txBody>
-          <a:bodyPr wrap="none" lIns="45719" rIns="45719">
-            <a:spAutoFit/>
-          </a:bodyPr>
-          <a:lstStyle>
-            <a:lvl1pPr>
-              <a:defRPr sz="3600">
-                <a:solidFill>
-                  <a:srgbClr val="FFFFFF"/>
-                </a:solidFill>
-                <a:latin typeface="Montserrat Bold"/>
-                <a:ea typeface="Montserrat Bold"/>
-                <a:cs typeface="Montserrat Bold"/>
-                <a:sym typeface="Montserrat Bold"/>
-              </a:defRPr>
-            </a:lvl1pPr>
-          </a:lstStyle>
-          <a:p>
-            <a:r>
-              <a:rPr lang="it-IT" dirty="0"/>
-              <a:t>Solutions</a:t>
-            </a:r>
-            <a:endParaRPr dirty="0"/>
-          </a:p>
-        </p:txBody>
-      </p:sp>
-      <p:pic>
-        <p:nvPicPr>
-          <p:cNvPr id="4" name="Immagine 3">
-            <a:extLst>
-              <a:ext uri="{FF2B5EF4-FFF2-40B4-BE49-F238E27FC236}">
-                <a16:creationId xmlns:a16="http://schemas.microsoft.com/office/drawing/2014/main" id="{75948F6D-9B09-493B-8260-E132D98899FE}"/>
-              </a:ext>
-            </a:extLst>
-          </p:cNvPr>
-          <p:cNvPicPr>
-            <a:picLocks noChangeAspect="1"/>
-          </p:cNvPicPr>
-          <p:nvPr/>
-        </p:nvPicPr>
-        <p:blipFill>
-          <a:blip r:embed="rId2" cstate="print">
-            <a:extLst>
-              <a:ext uri="{28A0092B-C50C-407E-A947-70E740481C1C}">
-                <a14:useLocalDpi xmlns:a14="http://schemas.microsoft.com/office/drawing/2010/main" val="0"/>
-              </a:ext>
-            </a:extLst>
-          </a:blip>
-          <a:stretch>
-            <a:fillRect/>
-          </a:stretch>
-        </p:blipFill>
-        <p:spPr>
-          <a:xfrm>
-            <a:off x="7019635" y="406112"/>
-            <a:ext cx="4467825" cy="2500701"/>
-          </a:xfrm>
-          <a:prstGeom prst="rect">
-            <a:avLst/>
-          </a:prstGeom>
-        </p:spPr>
-      </p:pic>
-      <p:pic>
-        <p:nvPicPr>
-          <p:cNvPr id="6" name="Immagine 5">
-            <a:extLst>
-              <a:ext uri="{FF2B5EF4-FFF2-40B4-BE49-F238E27FC236}">
-                <a16:creationId xmlns:a16="http://schemas.microsoft.com/office/drawing/2014/main" id="{4506FD1D-9EB3-4477-AF28-793B074879A1}"/>
-              </a:ext>
-            </a:extLst>
-          </p:cNvPr>
-          <p:cNvPicPr>
-            <a:picLocks noChangeAspect="1"/>
-          </p:cNvPicPr>
-          <p:nvPr/>
-        </p:nvPicPr>
-        <p:blipFill>
-          <a:blip r:embed="rId3" cstate="print">
-            <a:extLst>
-              <a:ext uri="{28A0092B-C50C-407E-A947-70E740481C1C}">
-                <a14:useLocalDpi xmlns:a14="http://schemas.microsoft.com/office/drawing/2010/main" val="0"/>
-              </a:ext>
-            </a:extLst>
-          </a:blip>
-          <a:stretch>
-            <a:fillRect/>
-          </a:stretch>
-        </p:blipFill>
-        <p:spPr>
-          <a:xfrm>
-            <a:off x="7338627" y="3312925"/>
-            <a:ext cx="3933112" cy="3138962"/>
-          </a:xfrm>
-          <a:prstGeom prst="rect">
-            <a:avLst/>
-          </a:prstGeom>
-        </p:spPr>
-      </p:pic>
-      <p:sp>
-        <p:nvSpPr>
           <p:cNvPr id="15" name="Rectangle 2">
             <a:extLst>
               <a:ext uri="{FF2B5EF4-FFF2-40B4-BE49-F238E27FC236}">
@@ -5511,7 +4800,7 @@
         <p:spPr>
           <a:xfrm>
             <a:off x="337797" y="1305149"/>
-            <a:ext cx="5426697" cy="4247701"/>
+            <a:ext cx="5426697" cy="4570867"/>
           </a:xfrm>
           <a:prstGeom prst="rect">
             <a:avLst/>
@@ -5521,7 +4810,7 @@
           </a:ln>
           <a:extLst>
             <a:ext uri="{C572A759-6A51-4108-AA02-DFA0A04FC94B}">
-              <ma14:wrappingTextBoxFlag xmlns:ma14="http://schemas.microsoft.com/office/mac/drawingml/2011/main" xmlns="" val="1"/>
+              <ma14:wrappingTextBoxFlag xmlns="" xmlns:ma14="http://schemas.microsoft.com/office/mac/drawingml/2011/main" val="1"/>
             </a:ext>
           </a:extLst>
         </p:spPr>
@@ -5552,94 +4841,198 @@
             </a:r>
           </a:p>
           <a:p>
-            <a:pPr marL="228600" indent="-228600">
-              <a:buAutoNum type="arabicParenR"/>
+            <a:pPr marL="342900" indent="-342900">
+              <a:buFont typeface="+mj-lt"/>
+              <a:buAutoNum type="arabicPeriod"/>
             </a:pPr>
             <a:r>
               <a:rPr lang="en-US" sz="1400" dirty="0"/>
-              <a:t>Records that contained presumably wrong information regarding the trip duration </a:t>
-            </a:r>
-            <a:r>
-              <a:rPr lang="en-US" sz="1400" u="sng" dirty="0"/>
-              <a:t>have been removed</a:t>
-            </a:r>
+              <a:t>Normalization</a:t>
+            </a:r>
+          </a:p>
+          <a:p>
+            <a:pPr marL="342900" indent="-342900">
+              <a:buFont typeface="+mj-lt"/>
+              <a:buAutoNum type="arabicPeriod"/>
+            </a:pPr>
+            <a:endParaRPr lang="en-US" sz="1400" dirty="0"/>
+          </a:p>
+          <a:p>
+            <a:pPr marL="342900" indent="-342900">
+              <a:buFont typeface="+mj-lt"/>
+              <a:buAutoNum type="arabicPeriod"/>
+            </a:pPr>
+            <a:endParaRPr lang="en-US" sz="1400" dirty="0"/>
+          </a:p>
+          <a:p>
+            <a:pPr marL="342900" indent="-342900">
+              <a:buFont typeface="+mj-lt"/>
+              <a:buAutoNum type="arabicPeriod"/>
+            </a:pPr>
+            <a:endParaRPr lang="en-US" sz="1400" dirty="0"/>
+          </a:p>
+          <a:p>
+            <a:pPr marL="342900" indent="-342900">
+              <a:buFont typeface="+mj-lt"/>
+              <a:buAutoNum type="arabicPeriod"/>
+            </a:pPr>
+            <a:endParaRPr lang="en-US" sz="1400" dirty="0"/>
+          </a:p>
+          <a:p>
+            <a:pPr marL="342900" indent="-342900">
+              <a:buFont typeface="+mj-lt"/>
+              <a:buAutoNum type="arabicPeriod"/>
+            </a:pPr>
+            <a:endParaRPr lang="en-US" sz="1400" dirty="0"/>
+          </a:p>
+          <a:p>
+            <a:pPr marL="342900" indent="-342900">
+              <a:buFont typeface="+mj-lt"/>
+              <a:buAutoNum type="arabicPeriod"/>
+            </a:pPr>
             <a:r>
               <a:rPr lang="en-US" sz="1400" dirty="0"/>
-              <a:t>.</a:t>
-            </a:r>
-          </a:p>
-          <a:p>
-            <a:pPr marL="228600" indent="-228600">
-              <a:buAutoNum type="arabicParenR"/>
+              <a:t>Lemmatization</a:t>
+            </a:r>
+          </a:p>
+          <a:p>
+            <a:pPr marL="342900" indent="-342900">
+              <a:buFont typeface="+mj-lt"/>
+              <a:buAutoNum type="arabicPeriod"/>
             </a:pPr>
+            <a:endParaRPr lang="en-US" sz="1400" dirty="0"/>
+          </a:p>
+          <a:p>
+            <a:pPr marL="342900" indent="-342900">
+              <a:buFont typeface="+mj-lt"/>
+              <a:buAutoNum type="arabicPeriod"/>
+            </a:pPr>
+            <a:endParaRPr lang="en-US" sz="1400" dirty="0"/>
+          </a:p>
+          <a:p>
+            <a:pPr marL="342900" indent="-342900">
+              <a:buFont typeface="+mj-lt"/>
+              <a:buAutoNum type="arabicPeriod"/>
+            </a:pPr>
+            <a:endParaRPr lang="en-US" sz="1400" dirty="0"/>
+          </a:p>
+          <a:p>
+            <a:pPr marL="342900" indent="-342900">
+              <a:buFont typeface="+mj-lt"/>
+              <a:buAutoNum type="arabicPeriod"/>
+            </a:pPr>
+            <a:endParaRPr lang="en-US" sz="1400" dirty="0"/>
+          </a:p>
+          <a:p>
+            <a:pPr marL="342900" indent="-342900">
+              <a:buFont typeface="+mj-lt"/>
+              <a:buAutoNum type="arabicPeriod"/>
+            </a:pPr>
+            <a:endParaRPr lang="en-US" sz="1400" dirty="0"/>
+          </a:p>
+          <a:p>
+            <a:pPr marL="342900" indent="-342900">
+              <a:buFont typeface="+mj-lt"/>
+              <a:buAutoNum type="arabicPeriod"/>
+            </a:pPr>
             <a:r>
               <a:rPr lang="en-US" sz="1400" dirty="0"/>
-              <a:t>Trips that presented a trip duration less than 10 seconds </a:t>
-            </a:r>
-            <a:r>
-              <a:rPr lang="en-US" sz="1400" u="sng" dirty="0"/>
-              <a:t>have been removed</a:t>
-            </a:r>
-            <a:r>
-              <a:rPr lang="en-US" sz="1400" dirty="0"/>
-              <a:t>. </a:t>
-            </a:r>
-          </a:p>
-          <a:p>
-            <a:pPr marL="228600" indent="-228600">
-              <a:buAutoNum type="arabicParenR"/>
-            </a:pPr>
-            <a:r>
-              <a:rPr lang="en-US" sz="1400" dirty="0" err="1"/>
-              <a:t>Geopositional</a:t>
-            </a:r>
-            <a:r>
-              <a:rPr lang="en-US" sz="1400" dirty="0"/>
-              <a:t> data encoded in latitude and longitude have been converted to </a:t>
-            </a:r>
-            <a:r>
-              <a:rPr lang="en-US" sz="1400" dirty="0" err="1"/>
-              <a:t>x,y,z</a:t>
-            </a:r>
-            <a:r>
-              <a:rPr lang="en-US" sz="1400" dirty="0"/>
-              <a:t> format.</a:t>
-            </a:r>
-          </a:p>
-          <a:p>
-            <a:pPr marL="228600" indent="-228600">
-              <a:buAutoNum type="arabicParenR"/>
-            </a:pPr>
-            <a:r>
-              <a:rPr lang="en-US" sz="1400" dirty="0"/>
-              <a:t>Datetime attribute has been used to extract other attributes like hour, weekday or not.</a:t>
-            </a:r>
-          </a:p>
-          <a:p>
-            <a:pPr marL="228600" indent="-228600">
-              <a:buAutoNum type="arabicParenR"/>
-            </a:pPr>
-            <a:r>
-              <a:rPr lang="en-US" sz="1400" dirty="0"/>
-              <a:t>The distance between points has been calculated using the </a:t>
-            </a:r>
-            <a:r>
-              <a:rPr lang="en-US" sz="1400" u="sng" dirty="0"/>
-              <a:t>Manhattan</a:t>
-            </a:r>
-            <a:r>
-              <a:rPr lang="en-US" sz="1400" dirty="0"/>
-              <a:t> distance.</a:t>
-            </a:r>
-          </a:p>
-          <a:p>
-            <a:pPr marL="228600" indent="-228600">
-              <a:buAutoNum type="arabicParenR"/>
-            </a:pPr>
-            <a:r>
-              <a:rPr lang="en-US" sz="1400" dirty="0"/>
-              <a:t>Geospatial information regarding Counties has been incorporated in our Kaggle dataset.</a:t>
-            </a:r>
+              <a:t>Tokenization</a:t>
+            </a:r>
+          </a:p>
+        </p:txBody>
+      </p:sp>
+      <p:sp>
+        <p:nvSpPr>
+          <p:cNvPr id="7" name="Rectangle 5">
+            <a:extLst>
+              <a:ext uri="{FF2B5EF4-FFF2-40B4-BE49-F238E27FC236}">
+                <a16:creationId xmlns:a16="http://schemas.microsoft.com/office/drawing/2014/main" id="{0D626FBD-3259-474B-8F00-564D7385271F}"/>
+              </a:ext>
+            </a:extLst>
+          </p:cNvPr>
+          <p:cNvSpPr/>
+          <p:nvPr/>
+        </p:nvSpPr>
+        <p:spPr>
+          <a:xfrm flipH="1">
+            <a:off x="248304" y="264752"/>
+            <a:ext cx="2000957" cy="799117"/>
+          </a:xfrm>
+          <a:prstGeom prst="rect">
+            <a:avLst/>
+          </a:prstGeom>
+          <a:solidFill>
+            <a:srgbClr val="CC0001"/>
+          </a:solidFill>
+          <a:ln w="12700">
+            <a:miter lim="400000"/>
+          </a:ln>
+        </p:spPr>
+        <p:txBody>
+          <a:bodyPr lIns="45719" rIns="45719"/>
+          <a:lstStyle/>
+          <a:p>
+            <a:r>
+              <a:rPr lang="it-IT" dirty="0"/>
+              <a:t>   </a:t>
+            </a:r>
+            <a:endParaRPr dirty="0"/>
+          </a:p>
+        </p:txBody>
+      </p:sp>
+      <p:sp>
+        <p:nvSpPr>
+          <p:cNvPr id="10" name="TextBox 5">
+            <a:extLst>
+              <a:ext uri="{FF2B5EF4-FFF2-40B4-BE49-F238E27FC236}">
+                <a16:creationId xmlns:a16="http://schemas.microsoft.com/office/drawing/2014/main" id="{1C768714-9359-4798-9B60-BE4421470C89}"/>
+              </a:ext>
+            </a:extLst>
+          </p:cNvPr>
+          <p:cNvSpPr txBox="1"/>
+          <p:nvPr/>
+        </p:nvSpPr>
+        <p:spPr>
+          <a:xfrm>
+            <a:off x="337797" y="336458"/>
+            <a:ext cx="1821972" cy="646331"/>
+          </a:xfrm>
+          <a:prstGeom prst="rect">
+            <a:avLst/>
+          </a:prstGeom>
+          <a:ln w="12700">
+            <a:miter lim="400000"/>
+          </a:ln>
+          <a:extLst>
+            <a:ext uri="{C572A759-6A51-4108-AA02-DFA0A04FC94B}">
+              <ma14:wrappingTextBoxFlag xmlns="" xmlns:ma14="http://schemas.microsoft.com/office/mac/drawingml/2011/main" val="1"/>
+            </a:ext>
+          </a:extLst>
+        </p:spPr>
+        <p:txBody>
+          <a:bodyPr wrap="none" lIns="45719" rIns="45719">
+            <a:spAutoFit/>
+          </a:bodyPr>
+          <a:lstStyle>
+            <a:lvl1pPr>
+              <a:defRPr sz="3600">
+                <a:solidFill>
+                  <a:srgbClr val="FFFFFF"/>
+                </a:solidFill>
+                <a:latin typeface="Montserrat Bold"/>
+                <a:ea typeface="Montserrat Bold"/>
+                <a:cs typeface="Montserrat Bold"/>
+                <a:sym typeface="Montserrat Bold"/>
+              </a:defRPr>
+            </a:lvl1pPr>
+          </a:lstStyle>
+          <a:p>
+            <a:r>
+              <a:rPr lang="it-IT" dirty="0"/>
+              <a:t>Solutions</a:t>
+            </a:r>
+            <a:endParaRPr dirty="0"/>
           </a:p>
         </p:txBody>
       </p:sp>
@@ -5707,7 +5100,7 @@
         <p:spPr>
           <a:xfrm>
             <a:off x="359926" y="1805592"/>
-            <a:ext cx="5286894" cy="2796920"/>
+            <a:ext cx="5286894" cy="1517338"/>
           </a:xfrm>
           <a:prstGeom prst="rect">
             <a:avLst/>
@@ -5717,7 +5110,7 @@
           </a:ln>
           <a:extLst>
             <a:ext uri="{C572A759-6A51-4108-AA02-DFA0A04FC94B}">
-              <ma14:wrappingTextBoxFlag xmlns:ma14="http://schemas.microsoft.com/office/mac/drawingml/2011/main" xmlns="" val="1"/>
+              <ma14:wrappingTextBoxFlag xmlns="" xmlns:ma14="http://schemas.microsoft.com/office/mac/drawingml/2011/main" val="1"/>
             </a:ext>
           </a:extLst>
         </p:spPr>
@@ -5743,10 +5136,49 @@
           </a:lstStyle>
           <a:p>
             <a:r>
-              <a:rPr lang="en-US" sz="2000" dirty="0"/>
+              <a:rPr lang="en-US" sz="1600" dirty="0"/>
               <a:t>Given the large number of records, it was decided to use neural networks to solve the problem of predicting the taxi trip duration. The choice of the model and the hyperparameters was made after several empirical tests.</a:t>
             </a:r>
-            <a:endParaRPr sz="2000" dirty="0"/>
+            <a:endParaRPr sz="1600" dirty="0"/>
+          </a:p>
+        </p:txBody>
+      </p:sp>
+      <p:sp>
+        <p:nvSpPr>
+          <p:cNvPr id="6" name="Rectangle 5">
+            <a:extLst>
+              <a:ext uri="{FF2B5EF4-FFF2-40B4-BE49-F238E27FC236}">
+                <a16:creationId xmlns:a16="http://schemas.microsoft.com/office/drawing/2014/main" id="{F73B7E4A-CD4F-463A-B0FD-2EF6E69FCD79}"/>
+              </a:ext>
+            </a:extLst>
+          </p:cNvPr>
+          <p:cNvSpPr/>
+          <p:nvPr/>
+        </p:nvSpPr>
+        <p:spPr>
+          <a:xfrm flipH="1">
+            <a:off x="240321" y="246199"/>
+            <a:ext cx="5286893" cy="1354001"/>
+          </a:xfrm>
+          <a:prstGeom prst="rect">
+            <a:avLst/>
+          </a:prstGeom>
+          <a:solidFill>
+            <a:srgbClr val="CC0001"/>
+          </a:solidFill>
+          <a:ln w="12700">
+            <a:miter lim="400000"/>
+          </a:ln>
+        </p:spPr>
+        <p:txBody>
+          <a:bodyPr lIns="45719" rIns="45719"/>
+          <a:lstStyle/>
+          <a:p>
+            <a:r>
+              <a:rPr lang="it-IT" dirty="0"/>
+              <a:t>   </a:t>
+            </a:r>
+            <a:endParaRPr dirty="0"/>
           </a:p>
         </p:txBody>
       </p:sp>
@@ -5775,7 +5207,7 @@
           </a:ln>
           <a:extLst>
             <a:ext uri="{C572A759-6A51-4108-AA02-DFA0A04FC94B}">
-              <ma14:wrappingTextBoxFlag xmlns:ma14="http://schemas.microsoft.com/office/mac/drawingml/2011/main" xmlns="" val="1"/>
+              <ma14:wrappingTextBoxFlag xmlns="" xmlns:ma14="http://schemas.microsoft.com/office/mac/drawingml/2011/main" val="1"/>
             </a:ext>
           </a:extLst>
         </p:spPr>
@@ -5824,42 +5256,6 @@
           </a:p>
         </p:txBody>
       </p:sp>
-      <p:pic>
-        <p:nvPicPr>
-          <p:cNvPr id="4" name="Immagine 3">
-            <a:extLst>
-              <a:ext uri="{FF2B5EF4-FFF2-40B4-BE49-F238E27FC236}">
-                <a16:creationId xmlns:a16="http://schemas.microsoft.com/office/drawing/2014/main" id="{DDC8828F-63A8-4E32-AE8B-280160FC50E3}"/>
-              </a:ext>
-            </a:extLst>
-          </p:cNvPr>
-          <p:cNvPicPr>
-            <a:picLocks noChangeAspect="1"/>
-          </p:cNvPicPr>
-          <p:nvPr/>
-        </p:nvPicPr>
-        <p:blipFill>
-          <a:blip r:embed="rId2">
-            <a:extLst>
-              <a:ext uri="{28A0092B-C50C-407E-A947-70E740481C1C}">
-                <a14:useLocalDpi xmlns:a14="http://schemas.microsoft.com/office/drawing/2010/main" val="0"/>
-              </a:ext>
-            </a:extLst>
-          </a:blip>
-          <a:stretch>
-            <a:fillRect/>
-          </a:stretch>
-        </p:blipFill>
-        <p:spPr>
-          <a:xfrm rot="5400000">
-            <a:off x="6317399" y="1930152"/>
-            <a:ext cx="5445483" cy="2669563"/>
-          </a:xfrm>
-          <a:prstGeom prst="rect">
-            <a:avLst/>
-          </a:prstGeom>
-        </p:spPr>
-      </p:pic>
     </p:spTree>
     <p:extLst>
       <p:ext uri="{BB962C8B-B14F-4D97-AF65-F5344CB8AC3E}">
@@ -5935,7 +5331,7 @@
         <p:spPr>
           <a:xfrm>
             <a:off x="337797" y="1140813"/>
-            <a:ext cx="5426697" cy="3733330"/>
+            <a:ext cx="5426697" cy="409343"/>
           </a:xfrm>
           <a:prstGeom prst="rect">
             <a:avLst/>
@@ -5945,7 +5341,7 @@
           </a:ln>
           <a:extLst>
             <a:ext uri="{C572A759-6A51-4108-AA02-DFA0A04FC94B}">
-              <ma14:wrappingTextBoxFlag xmlns:ma14="http://schemas.microsoft.com/office/mac/drawingml/2011/main" xmlns="" val="1"/>
+              <ma14:wrappingTextBoxFlag xmlns="" xmlns:ma14="http://schemas.microsoft.com/office/mac/drawingml/2011/main" val="1"/>
             </a:ext>
           </a:extLst>
         </p:spPr>
@@ -5972,54 +5368,47 @@
           <a:p>
             <a:r>
               <a:rPr lang="en-US" sz="1600" dirty="0"/>
-              <a:t>This is model that resulted to be the best, in the end. It uses </a:t>
-            </a:r>
-            <a:r>
-              <a:rPr lang="en-US" sz="1600" b="1" dirty="0"/>
-              <a:t>Dense</a:t>
-            </a:r>
-            <a:r>
-              <a:rPr lang="en-US" sz="1600" dirty="0"/>
-              <a:t> layers, each with decreasing number of units and with the </a:t>
-            </a:r>
-            <a:r>
-              <a:rPr lang="en-US" sz="1600" b="1" dirty="0" err="1"/>
-              <a:t>ReLU</a:t>
-            </a:r>
-            <a:r>
-              <a:rPr lang="en-US" sz="1600" dirty="0"/>
-              <a:t> activation function, each followed by a </a:t>
-            </a:r>
-            <a:r>
-              <a:rPr lang="en-US" sz="1600" b="1" dirty="0" err="1"/>
-              <a:t>BatchNormalization</a:t>
-            </a:r>
-            <a:r>
-              <a:rPr lang="en-US" sz="1600" dirty="0"/>
-              <a:t> layer. This layer normalizes the results obtained from the previous dense layer, resulting in better and faster learning, and less overfitting.</a:t>
-            </a:r>
-          </a:p>
-          <a:p>
-            <a:r>
-              <a:rPr lang="en-US" sz="1600" dirty="0"/>
-              <a:t>This layers all follows a </a:t>
-            </a:r>
-            <a:r>
-              <a:rPr lang="en-US" sz="1600" b="1" dirty="0"/>
-              <a:t>Gaussian Noise</a:t>
-            </a:r>
-            <a:r>
-              <a:rPr lang="en-US" sz="1600" dirty="0"/>
-              <a:t> layer, with very small hyperparameter. This is because adding noise to an </a:t>
-            </a:r>
-            <a:r>
-              <a:rPr lang="en-US" sz="1600" dirty="0" err="1"/>
-              <a:t>underconstrained</a:t>
-            </a:r>
-            <a:r>
-              <a:rPr lang="en-US" sz="1600" dirty="0"/>
-              <a:t> neural network model can have a regularizing effect and reduce overfitting.</a:t>
-            </a:r>
+              <a:t>This</a:t>
+            </a:r>
+          </a:p>
+        </p:txBody>
+      </p:sp>
+      <p:sp>
+        <p:nvSpPr>
+          <p:cNvPr id="6" name="Rectangle 5">
+            <a:extLst>
+              <a:ext uri="{FF2B5EF4-FFF2-40B4-BE49-F238E27FC236}">
+                <a16:creationId xmlns:a16="http://schemas.microsoft.com/office/drawing/2014/main" id="{A826A8C9-62D5-42FB-926F-B339372E77E7}"/>
+              </a:ext>
+            </a:extLst>
+          </p:cNvPr>
+          <p:cNvSpPr/>
+          <p:nvPr/>
+        </p:nvSpPr>
+        <p:spPr>
+          <a:xfrm flipH="1">
+            <a:off x="198010" y="278594"/>
+            <a:ext cx="2430890" cy="784689"/>
+          </a:xfrm>
+          <a:prstGeom prst="rect">
+            <a:avLst/>
+          </a:prstGeom>
+          <a:solidFill>
+            <a:srgbClr val="CC0001"/>
+          </a:solidFill>
+          <a:ln w="12700">
+            <a:miter lim="400000"/>
+          </a:ln>
+        </p:spPr>
+        <p:txBody>
+          <a:bodyPr lIns="45719" rIns="45719"/>
+          <a:lstStyle/>
+          <a:p>
+            <a:r>
+              <a:rPr lang="it-IT" dirty="0"/>
+              <a:t>   </a:t>
+            </a:r>
+            <a:endParaRPr dirty="0"/>
           </a:p>
         </p:txBody>
       </p:sp>
@@ -6038,7 +5427,7 @@
         <p:spPr>
           <a:xfrm>
             <a:off x="337797" y="336458"/>
-            <a:ext cx="4066176" cy="646331"/>
+            <a:ext cx="2124939" cy="646331"/>
           </a:xfrm>
           <a:prstGeom prst="rect">
             <a:avLst/>
@@ -6048,7 +5437,7 @@
           </a:ln>
           <a:extLst>
             <a:ext uri="{C572A759-6A51-4108-AA02-DFA0A04FC94B}">
-              <ma14:wrappingTextBoxFlag xmlns:ma14="http://schemas.microsoft.com/office/mac/drawingml/2011/main" xmlns="" val="1"/>
+              <ma14:wrappingTextBoxFlag xmlns="" xmlns:ma14="http://schemas.microsoft.com/office/mac/drawingml/2011/main" val="1"/>
             </a:ext>
           </a:extLst>
         </p:spPr>
@@ -6072,48 +5461,12 @@
           <a:p>
             <a:r>
               <a:rPr lang="it-IT" b="1" dirty="0"/>
-              <a:t>Best model: Model 1</a:t>
+              <a:t>The model</a:t>
             </a:r>
             <a:endParaRPr b="1" dirty="0"/>
           </a:p>
         </p:txBody>
       </p:sp>
-      <p:pic>
-        <p:nvPicPr>
-          <p:cNvPr id="8" name="Immagine 7" descr="Immagine che contiene tavolo&#10;&#10;Descrizione generata automaticamente">
-            <a:extLst>
-              <a:ext uri="{FF2B5EF4-FFF2-40B4-BE49-F238E27FC236}">
-                <a16:creationId xmlns:a16="http://schemas.microsoft.com/office/drawing/2014/main" id="{AADA5F72-CC7C-4E24-ADFF-26CCC038385A}"/>
-              </a:ext>
-            </a:extLst>
-          </p:cNvPr>
-          <p:cNvPicPr>
-            <a:picLocks noChangeAspect="1"/>
-          </p:cNvPicPr>
-          <p:nvPr/>
-        </p:nvPicPr>
-        <p:blipFill>
-          <a:blip r:embed="rId2">
-            <a:extLst>
-              <a:ext uri="{28A0092B-C50C-407E-A947-70E740481C1C}">
-                <a14:useLocalDpi xmlns:a14="http://schemas.microsoft.com/office/drawing/2010/main" val="0"/>
-              </a:ext>
-            </a:extLst>
-          </a:blip>
-          <a:stretch>
-            <a:fillRect/>
-          </a:stretch>
-        </p:blipFill>
-        <p:spPr>
-          <a:xfrm>
-            <a:off x="6801986" y="693751"/>
-            <a:ext cx="4856845" cy="5470498"/>
-          </a:xfrm>
-          <a:prstGeom prst="rect">
-            <a:avLst/>
-          </a:prstGeom>
-        </p:spPr>
-      </p:pic>
     </p:spTree>
     <p:extLst>
       <p:ext uri="{BB962C8B-B14F-4D97-AF65-F5344CB8AC3E}">
@@ -6164,7 +5517,7 @@
           </a:ln>
           <a:extLst>
             <a:ext uri="{C572A759-6A51-4108-AA02-DFA0A04FC94B}">
-              <ma14:wrappingTextBoxFlag xmlns:ma14="http://schemas.microsoft.com/office/mac/drawingml/2011/main" xmlns="" val="1"/>
+              <ma14:wrappingTextBoxFlag xmlns="" xmlns:ma14="http://schemas.microsoft.com/office/mac/drawingml/2011/main" val="1"/>
             </a:ext>
           </a:extLst>
         </p:spPr>
@@ -6283,7 +5636,7 @@
           </a:ln>
           <a:extLst>
             <a:ext uri="{C572A759-6A51-4108-AA02-DFA0A04FC94B}">
-              <ma14:wrappingTextBoxFlag xmlns:ma14="http://schemas.microsoft.com/office/mac/drawingml/2011/main" xmlns="" val="1"/>
+              <ma14:wrappingTextBoxFlag xmlns="" xmlns:ma14="http://schemas.microsoft.com/office/mac/drawingml/2011/main" val="1"/>
             </a:ext>
           </a:extLst>
         </p:spPr>
@@ -6310,42 +5663,6 @@
           </a:p>
         </p:txBody>
       </p:sp>
-      <p:pic>
-        <p:nvPicPr>
-          <p:cNvPr id="4" name="Immagine 3">
-            <a:extLst>
-              <a:ext uri="{FF2B5EF4-FFF2-40B4-BE49-F238E27FC236}">
-                <a16:creationId xmlns:a16="http://schemas.microsoft.com/office/drawing/2014/main" id="{F0193568-147D-41B9-BB58-2B63B7BDDB4F}"/>
-              </a:ext>
-            </a:extLst>
-          </p:cNvPr>
-          <p:cNvPicPr>
-            <a:picLocks noChangeAspect="1"/>
-          </p:cNvPicPr>
-          <p:nvPr/>
-        </p:nvPicPr>
-        <p:blipFill>
-          <a:blip r:embed="rId2">
-            <a:extLst>
-              <a:ext uri="{28A0092B-C50C-407E-A947-70E740481C1C}">
-                <a14:useLocalDpi xmlns:a14="http://schemas.microsoft.com/office/drawing/2010/main" val="0"/>
-              </a:ext>
-            </a:extLst>
-          </a:blip>
-          <a:stretch>
-            <a:fillRect/>
-          </a:stretch>
-        </p:blipFill>
-        <p:spPr>
-          <a:xfrm>
-            <a:off x="1797075" y="1801728"/>
-            <a:ext cx="8088889" cy="4520635"/>
-          </a:xfrm>
-          <a:prstGeom prst="rect">
-            <a:avLst/>
-          </a:prstGeom>
-        </p:spPr>
-      </p:pic>
     </p:spTree>
   </p:cSld>
   <p:clrMapOvr>
@@ -6380,8 +5697,8 @@
         </p:nvSpPr>
         <p:spPr>
           <a:xfrm>
-            <a:off x="2899232" y="934519"/>
-            <a:ext cx="5884575" cy="270652"/>
+            <a:off x="3153713" y="934519"/>
+            <a:ext cx="5884575" cy="478401"/>
           </a:xfrm>
           <a:prstGeom prst="rect">
             <a:avLst/>
@@ -6391,7 +5708,7 @@
           </a:ln>
           <a:extLst>
             <a:ext uri="{C572A759-6A51-4108-AA02-DFA0A04FC94B}">
-              <ma14:wrappingTextBoxFlag xmlns:ma14="http://schemas.microsoft.com/office/mac/drawingml/2011/main" xmlns="" val="1"/>
+              <ma14:wrappingTextBoxFlag xmlns="" xmlns:ma14="http://schemas.microsoft.com/office/mac/drawingml/2011/main" val="1"/>
             </a:ext>
           </a:extLst>
         </p:spPr>
@@ -6422,15 +5739,7 @@
             </a:r>
             <a:r>
               <a:rPr lang="it-IT" dirty="0" err="1"/>
-              <a:t>graph</a:t>
-            </a:r>
-            <a:r>
-              <a:rPr lang="it-IT" dirty="0"/>
-              <a:t> shows the </a:t>
-            </a:r>
-            <a:r>
-              <a:rPr lang="it-IT" dirty="0" err="1"/>
-              <a:t>error</a:t>
+              <a:t>graphs</a:t>
             </a:r>
             <a:r>
               <a:rPr lang="it-IT" dirty="0"/>
@@ -6438,25 +5747,64 @@
             </a:r>
             <a:r>
               <a:rPr lang="it-IT" dirty="0" err="1"/>
-              <a:t>divided</a:t>
+              <a:t>represent</a:t>
             </a:r>
             <a:r>
               <a:rPr lang="it-IT" dirty="0"/>
-              <a:t> by trip </a:t>
+              <a:t> the </a:t>
             </a:r>
             <a:r>
               <a:rPr lang="it-IT" dirty="0" err="1"/>
-              <a:t>duration’s</a:t>
+              <a:t>loss</a:t>
             </a:r>
             <a:r>
               <a:rPr lang="it-IT" dirty="0"/>
-              <a:t> bin </a:t>
+              <a:t> </a:t>
             </a:r>
             <a:r>
               <a:rPr lang="it-IT" dirty="0" err="1"/>
-              <a:t>category</a:t>
-            </a:r>
-            <a:endParaRPr dirty="0"/>
+              <a:t>function</a:t>
+            </a:r>
+            <a:r>
+              <a:rPr lang="it-IT" dirty="0"/>
+              <a:t> of the model and the </a:t>
+            </a:r>
+            <a:r>
+              <a:rPr lang="it-IT" dirty="0" err="1"/>
+              <a:t>scatter</a:t>
+            </a:r>
+            <a:r>
+              <a:rPr lang="it-IT" dirty="0"/>
+              <a:t> plot of the </a:t>
+            </a:r>
+            <a:r>
+              <a:rPr lang="it-IT" dirty="0" err="1"/>
+              <a:t>prediction</a:t>
+            </a:r>
+            <a:r>
+              <a:rPr lang="it-IT" dirty="0"/>
+              <a:t> </a:t>
+            </a:r>
+            <a:r>
+              <a:rPr lang="it-IT" dirty="0" err="1"/>
+              <a:t>against</a:t>
+            </a:r>
+            <a:r>
+              <a:rPr lang="it-IT" dirty="0"/>
+              <a:t> the </a:t>
+            </a:r>
+            <a:r>
+              <a:rPr lang="it-IT" dirty="0" err="1"/>
+              <a:t>real</a:t>
+            </a:r>
+            <a:r>
+              <a:rPr lang="it-IT" dirty="0"/>
+              <a:t> duration</a:t>
+            </a:r>
+            <a:r>
+              <a:rPr dirty="0"/>
+              <a:t>.</a:t>
+            </a:r>
           </a:p>
         </p:txBody>
       </p:sp>
@@ -6479,7 +5827,7 @@
           </a:ln>
           <a:extLst>
             <a:ext uri="{C572A759-6A51-4108-AA02-DFA0A04FC94B}">
-              <ma14:wrappingTextBoxFlag xmlns:ma14="http://schemas.microsoft.com/office/mac/drawingml/2011/main" xmlns="" val="1"/>
+              <ma14:wrappingTextBoxFlag xmlns="" xmlns:ma14="http://schemas.microsoft.com/office/mac/drawingml/2011/main" val="1"/>
             </a:ext>
           </a:extLst>
         </p:spPr>
@@ -6506,46 +5854,10 @@
           </a:p>
         </p:txBody>
       </p:sp>
-      <p:pic>
-        <p:nvPicPr>
-          <p:cNvPr id="3" name="Immagine 2">
-            <a:extLst>
-              <a:ext uri="{FF2B5EF4-FFF2-40B4-BE49-F238E27FC236}">
-                <a16:creationId xmlns:a16="http://schemas.microsoft.com/office/drawing/2014/main" id="{F05700AF-8073-4991-B377-3DDC3E9FAFBF}"/>
-              </a:ext>
-            </a:extLst>
-          </p:cNvPr>
-          <p:cNvPicPr>
-            <a:picLocks noChangeAspect="1"/>
-          </p:cNvPicPr>
-          <p:nvPr/>
-        </p:nvPicPr>
-        <p:blipFill>
-          <a:blip r:embed="rId2" cstate="print">
-            <a:extLst>
-              <a:ext uri="{28A0092B-C50C-407E-A947-70E740481C1C}">
-                <a14:useLocalDpi xmlns:a14="http://schemas.microsoft.com/office/drawing/2010/main" val="0"/>
-              </a:ext>
-            </a:extLst>
-          </a:blip>
-          <a:stretch>
-            <a:fillRect/>
-          </a:stretch>
-        </p:blipFill>
-        <p:spPr>
-          <a:xfrm>
-            <a:off x="3298436" y="1310195"/>
-            <a:ext cx="5086165" cy="5086165"/>
-          </a:xfrm>
-          <a:prstGeom prst="rect">
-            <a:avLst/>
-          </a:prstGeom>
-        </p:spPr>
-      </p:pic>
     </p:spTree>
     <p:extLst>
       <p:ext uri="{BB962C8B-B14F-4D97-AF65-F5344CB8AC3E}">
-        <p14:creationId xmlns:p14="http://schemas.microsoft.com/office/powerpoint/2010/main" val="3409751324"/>
+        <p14:creationId xmlns:p14="http://schemas.microsoft.com/office/powerpoint/2010/main" val="4176706947"/>
       </p:ext>
     </p:extLst>
   </p:cSld>
@@ -6573,184 +5885,21 @@
           <a:chExt cx="0" cy="0"/>
         </a:xfrm>
       </p:grpSpPr>
-      <p:sp>
-        <p:nvSpPr>
-          <p:cNvPr id="346" name="Rectangle 11"/>
-          <p:cNvSpPr txBox="1"/>
-          <p:nvPr/>
-        </p:nvSpPr>
-        <p:spPr>
-          <a:xfrm>
-            <a:off x="3153713" y="934519"/>
-            <a:ext cx="5884575" cy="478401"/>
-          </a:xfrm>
-          <a:prstGeom prst="rect">
-            <a:avLst/>
-          </a:prstGeom>
-          <a:ln w="12700">
-            <a:miter lim="400000"/>
-          </a:ln>
-          <a:extLst>
-            <a:ext uri="{C572A759-6A51-4108-AA02-DFA0A04FC94B}">
-              <ma14:wrappingTextBoxFlag xmlns:ma14="http://schemas.microsoft.com/office/mac/drawingml/2011/main" xmlns="" val="1"/>
-            </a:ext>
-          </a:extLst>
-        </p:spPr>
-        <p:txBody>
-          <a:bodyPr lIns="45719" rIns="45719">
-            <a:spAutoFit/>
-          </a:bodyPr>
-          <a:lstStyle>
-            <a:lvl1pPr algn="ctr">
-              <a:lnSpc>
-                <a:spcPct val="150000"/>
-              </a:lnSpc>
-              <a:defRPr sz="900">
-                <a:solidFill>
-                  <a:srgbClr val="A7A7A7"/>
-                </a:solidFill>
-                <a:latin typeface="Lato Regular"/>
-                <a:ea typeface="Lato Regular"/>
-                <a:cs typeface="Lato Regular"/>
-                <a:sym typeface="Lato Regular"/>
-              </a:defRPr>
-            </a:lvl1pPr>
-          </a:lstStyle>
-          <a:p>
-            <a:r>
-              <a:rPr lang="it-IT" dirty="0"/>
-              <a:t>The following </a:t>
-            </a:r>
-            <a:r>
-              <a:rPr lang="it-IT" dirty="0" err="1"/>
-              <a:t>graphs</a:t>
-            </a:r>
-            <a:r>
-              <a:rPr lang="it-IT" dirty="0"/>
-              <a:t> </a:t>
-            </a:r>
-            <a:r>
-              <a:rPr lang="it-IT" dirty="0" err="1"/>
-              <a:t>represent</a:t>
-            </a:r>
-            <a:r>
-              <a:rPr lang="it-IT" dirty="0"/>
-              <a:t> the </a:t>
-            </a:r>
-            <a:r>
-              <a:rPr lang="it-IT" dirty="0" err="1"/>
-              <a:t>loss</a:t>
-            </a:r>
-            <a:r>
-              <a:rPr lang="it-IT" dirty="0"/>
-              <a:t> </a:t>
-            </a:r>
-            <a:r>
-              <a:rPr lang="it-IT" dirty="0" err="1"/>
-              <a:t>function</a:t>
-            </a:r>
-            <a:r>
-              <a:rPr lang="it-IT" dirty="0"/>
-              <a:t> of the model and the </a:t>
-            </a:r>
-            <a:r>
-              <a:rPr lang="it-IT" dirty="0" err="1"/>
-              <a:t>scatter</a:t>
-            </a:r>
-            <a:r>
-              <a:rPr lang="it-IT" dirty="0"/>
-              <a:t> plot of the </a:t>
-            </a:r>
-            <a:r>
-              <a:rPr lang="it-IT" dirty="0" err="1"/>
-              <a:t>prediction</a:t>
-            </a:r>
-            <a:r>
-              <a:rPr lang="it-IT" dirty="0"/>
-              <a:t> </a:t>
-            </a:r>
-            <a:r>
-              <a:rPr lang="it-IT" dirty="0" err="1"/>
-              <a:t>against</a:t>
-            </a:r>
-            <a:r>
-              <a:rPr lang="it-IT" dirty="0"/>
-              <a:t> the </a:t>
-            </a:r>
-            <a:r>
-              <a:rPr lang="it-IT" dirty="0" err="1"/>
-              <a:t>real</a:t>
-            </a:r>
-            <a:r>
-              <a:rPr lang="it-IT" dirty="0"/>
-              <a:t> duration</a:t>
-            </a:r>
-            <a:r>
-              <a:rPr dirty="0"/>
-              <a:t>.</a:t>
-            </a:r>
-          </a:p>
-        </p:txBody>
-      </p:sp>
-      <p:sp>
-        <p:nvSpPr>
-          <p:cNvPr id="347" name="TextBox 12"/>
-          <p:cNvSpPr txBox="1"/>
-          <p:nvPr/>
-        </p:nvSpPr>
-        <p:spPr>
-          <a:xfrm>
-            <a:off x="5123697" y="288188"/>
-            <a:ext cx="1435647" cy="646331"/>
-          </a:xfrm>
-          <a:prstGeom prst="rect">
-            <a:avLst/>
-          </a:prstGeom>
-          <a:ln w="12700">
-            <a:miter lim="400000"/>
-          </a:ln>
-          <a:extLst>
-            <a:ext uri="{C572A759-6A51-4108-AA02-DFA0A04FC94B}">
-              <ma14:wrappingTextBoxFlag xmlns:ma14="http://schemas.microsoft.com/office/mac/drawingml/2011/main" xmlns="" val="1"/>
-            </a:ext>
-          </a:extLst>
-        </p:spPr>
-        <p:txBody>
-          <a:bodyPr wrap="none" lIns="45719" rIns="45719">
-            <a:spAutoFit/>
-          </a:bodyPr>
-          <a:lstStyle>
-            <a:lvl1pPr>
-              <a:defRPr sz="3600">
-                <a:latin typeface="Montserrat Bold"/>
-                <a:ea typeface="Montserrat Bold"/>
-                <a:cs typeface="Montserrat Bold"/>
-                <a:sym typeface="Montserrat Bold"/>
-              </a:defRPr>
-            </a:lvl1pPr>
-          </a:lstStyle>
-          <a:p>
-            <a:r>
-              <a:rPr lang="it-IT" dirty="0" err="1"/>
-              <a:t>Results</a:t>
-            </a:r>
-            <a:endParaRPr dirty="0"/>
-          </a:p>
-        </p:txBody>
-      </p:sp>
       <p:pic>
         <p:nvPicPr>
-          <p:cNvPr id="4" name="Immagine 3">
+          <p:cNvPr id="11" name="Segnaposto immagine 7">
             <a:extLst>
               <a:ext uri="{FF2B5EF4-FFF2-40B4-BE49-F238E27FC236}">
-                <a16:creationId xmlns:a16="http://schemas.microsoft.com/office/drawing/2014/main" id="{F0193568-147D-41B9-BB58-2B63B7BDDB4F}"/>
+                <a16:creationId xmlns:a16="http://schemas.microsoft.com/office/drawing/2014/main" id="{8C5A5DB1-987B-42ED-85A2-E141F23D5C0D}"/>
               </a:ext>
             </a:extLst>
           </p:cNvPr>
           <p:cNvPicPr>
-            <a:picLocks noChangeAspect="1"/>
+            <a:picLocks noGrp="1" noChangeAspect="1"/>
           </p:cNvPicPr>
-          <p:nvPr/>
+          <p:nvPr>
+            <p:ph type="pic" sz="half" idx="13"/>
+          </p:nvPr>
         </p:nvPicPr>
         <p:blipFill>
           <a:blip r:embed="rId2">
@@ -6760,23 +5909,226 @@
               </a:ext>
             </a:extLst>
           </a:blip>
-          <a:srcRect/>
+          <a:srcRect l="23941" r="23941"/>
           <a:stretch/>
         </p:blipFill>
         <p:spPr>
           <a:xfrm>
-            <a:off x="1984695" y="1801728"/>
-            <a:ext cx="7713648" cy="4520635"/>
+            <a:off x="6803700" y="0"/>
+            <a:ext cx="5388300" cy="6858000"/>
+          </a:xfrm>
+        </p:spPr>
+      </p:pic>
+      <p:sp>
+        <p:nvSpPr>
+          <p:cNvPr id="6" name="Rectangle 5">
+            <a:extLst>
+              <a:ext uri="{FF2B5EF4-FFF2-40B4-BE49-F238E27FC236}">
+                <a16:creationId xmlns:a16="http://schemas.microsoft.com/office/drawing/2014/main" id="{28D22E49-36C9-4FDD-AC98-B506103FD91C}"/>
+              </a:ext>
+            </a:extLst>
+          </p:cNvPr>
+          <p:cNvSpPr/>
+          <p:nvPr/>
+        </p:nvSpPr>
+        <p:spPr>
+          <a:xfrm flipH="1">
+            <a:off x="7720838" y="1068552"/>
+            <a:ext cx="3554023" cy="1285701"/>
           </a:xfrm>
           <a:prstGeom prst="rect">
             <a:avLst/>
           </a:prstGeom>
-        </p:spPr>
-      </p:pic>
+          <a:solidFill>
+            <a:srgbClr val="CC0001"/>
+          </a:solidFill>
+          <a:ln w="12700">
+            <a:miter lim="400000"/>
+          </a:ln>
+        </p:spPr>
+        <p:txBody>
+          <a:bodyPr lIns="45719" rIns="45719"/>
+          <a:lstStyle/>
+          <a:p>
+            <a:r>
+              <a:rPr lang="it-IT" dirty="0"/>
+              <a:t>   </a:t>
+            </a:r>
+            <a:endParaRPr dirty="0"/>
+          </a:p>
+        </p:txBody>
+      </p:sp>
+      <p:sp>
+        <p:nvSpPr>
+          <p:cNvPr id="5" name="Rectangle 5">
+            <a:extLst>
+              <a:ext uri="{FF2B5EF4-FFF2-40B4-BE49-F238E27FC236}">
+                <a16:creationId xmlns:a16="http://schemas.microsoft.com/office/drawing/2014/main" id="{DD142950-86D7-4CE7-B724-C21F6D3BF783}"/>
+              </a:ext>
+            </a:extLst>
+          </p:cNvPr>
+          <p:cNvSpPr/>
+          <p:nvPr/>
+        </p:nvSpPr>
+        <p:spPr>
+          <a:xfrm flipH="1">
+            <a:off x="0" y="0"/>
+            <a:ext cx="6803700" cy="6858000"/>
+          </a:xfrm>
+          <a:prstGeom prst="rect">
+            <a:avLst/>
+          </a:prstGeom>
+          <a:solidFill>
+            <a:srgbClr val="1E1E1E"/>
+          </a:solidFill>
+          <a:ln w="12700">
+            <a:miter lim="400000"/>
+          </a:ln>
+        </p:spPr>
+        <p:txBody>
+          <a:bodyPr lIns="45719" rIns="45719"/>
+          <a:lstStyle/>
+          <a:p>
+            <a:endParaRPr/>
+          </a:p>
+        </p:txBody>
+      </p:sp>
+      <p:sp>
+        <p:nvSpPr>
+          <p:cNvPr id="355" name="TextBox 6"/>
+          <p:cNvSpPr txBox="1"/>
+          <p:nvPr/>
+        </p:nvSpPr>
+        <p:spPr>
+          <a:xfrm flipH="1">
+            <a:off x="7964898" y="1281826"/>
+            <a:ext cx="3065902" cy="830997"/>
+          </a:xfrm>
+          <a:prstGeom prst="rect">
+            <a:avLst/>
+          </a:prstGeom>
+          <a:ln w="12700">
+            <a:miter lim="400000"/>
+          </a:ln>
+          <a:extLst>
+            <a:ext uri="{C572A759-6A51-4108-AA02-DFA0A04FC94B}">
+              <ma14:wrappingTextBoxFlag xmlns="" xmlns:ma14="http://schemas.microsoft.com/office/mac/drawingml/2011/main" val="1"/>
+            </a:ext>
+          </a:extLst>
+        </p:spPr>
+        <p:txBody>
+          <a:bodyPr wrap="square" lIns="45719" rIns="45719">
+            <a:spAutoFit/>
+          </a:bodyPr>
+          <a:lstStyle>
+            <a:lvl1pPr>
+              <a:defRPr sz="4800">
+                <a:solidFill>
+                  <a:srgbClr val="1E1E1E"/>
+                </a:solidFill>
+                <a:latin typeface="Montserrat Bold"/>
+                <a:ea typeface="Montserrat Bold"/>
+                <a:cs typeface="Montserrat Bold"/>
+                <a:sym typeface="Montserrat Bold"/>
+              </a:defRPr>
+            </a:lvl1pPr>
+          </a:lstStyle>
+          <a:p>
+            <a:r>
+              <a:rPr lang="it-IT" dirty="0" err="1">
+                <a:solidFill>
+                  <a:schemeClr val="bg1"/>
+                </a:solidFill>
+              </a:rPr>
+              <a:t>Conclusions</a:t>
+            </a:r>
+            <a:endParaRPr dirty="0">
+              <a:solidFill>
+                <a:schemeClr val="bg1"/>
+              </a:solidFill>
+            </a:endParaRPr>
+          </a:p>
+        </p:txBody>
+      </p:sp>
+      <p:sp>
+        <p:nvSpPr>
+          <p:cNvPr id="9" name="Rectangle 2">
+            <a:extLst>
+              <a:ext uri="{FF2B5EF4-FFF2-40B4-BE49-F238E27FC236}">
+                <a16:creationId xmlns:a16="http://schemas.microsoft.com/office/drawing/2014/main" id="{EA675272-0EC3-4D7A-A2E0-CCB77F6407AB}"/>
+              </a:ext>
+            </a:extLst>
+          </p:cNvPr>
+          <p:cNvSpPr txBox="1"/>
+          <p:nvPr/>
+        </p:nvSpPr>
+        <p:spPr>
+          <a:xfrm>
+            <a:off x="688501" y="823671"/>
+            <a:ext cx="5426697" cy="1148007"/>
+          </a:xfrm>
+          <a:prstGeom prst="rect">
+            <a:avLst/>
+          </a:prstGeom>
+          <a:ln w="12700">
+            <a:miter lim="400000"/>
+          </a:ln>
+          <a:extLst>
+            <a:ext uri="{C572A759-6A51-4108-AA02-DFA0A04FC94B}">
+              <ma14:wrappingTextBoxFlag xmlns="" xmlns:ma14="http://schemas.microsoft.com/office/mac/drawingml/2011/main" val="1"/>
+            </a:ext>
+          </a:extLst>
+        </p:spPr>
+        <p:txBody>
+          <a:bodyPr wrap="square" lIns="45719" rIns="45719">
+            <a:spAutoFit/>
+          </a:bodyPr>
+          <a:lstStyle>
+            <a:lvl1pPr algn="just">
+              <a:lnSpc>
+                <a:spcPct val="150000"/>
+              </a:lnSpc>
+              <a:defRPr sz="900">
+                <a:solidFill>
+                  <a:srgbClr val="FFFFFF"/>
+                </a:solidFill>
+                <a:latin typeface="Lato Regular"/>
+                <a:ea typeface="Lato Regular"/>
+                <a:cs typeface="Lato Regular"/>
+                <a:sym typeface="Lato Regular"/>
+              </a:defRPr>
+            </a:lvl1pPr>
+          </a:lstStyle>
+          <a:p>
+            <a:r>
+              <a:rPr lang="en-US" sz="1600" dirty="0"/>
+              <a:t>The approach applied gives </a:t>
+            </a:r>
+            <a:r>
+              <a:rPr lang="en-US" sz="1600" u="sng" dirty="0"/>
+              <a:t>good results</a:t>
+            </a:r>
+            <a:r>
+              <a:rPr lang="en-US" sz="1600" dirty="0"/>
+              <a:t>. </a:t>
+            </a:r>
+          </a:p>
+          <a:p>
+            <a:endParaRPr lang="en-US" sz="1600" dirty="0"/>
+          </a:p>
+          <a:p>
+            <a:r>
+              <a:rPr lang="en-US" sz="1600" dirty="0"/>
+              <a:t>In particular, </a:t>
+            </a:r>
+            <a:endParaRPr sz="1600" dirty="0"/>
+          </a:p>
+        </p:txBody>
+      </p:sp>
     </p:spTree>
     <p:extLst>
       <p:ext uri="{BB962C8B-B14F-4D97-AF65-F5344CB8AC3E}">
-        <p14:creationId xmlns:p14="http://schemas.microsoft.com/office/powerpoint/2010/main" val="4176706947"/>
+        <p14:creationId xmlns:p14="http://schemas.microsoft.com/office/powerpoint/2010/main" val="2933212610"/>
       </p:ext>
     </p:extLst>
   </p:cSld>

--- a/presentation/presentation.pptx
+++ b/presentation/presentation.pptx
@@ -5,19 +5,20 @@
     <p:sldMasterId id="2147483648" r:id="rId1"/>
   </p:sldMasterIdLst>
   <p:notesMasterIdLst>
-    <p:notesMasterId r:id="rId12"/>
+    <p:notesMasterId r:id="rId13"/>
   </p:notesMasterIdLst>
   <p:sldIdLst>
     <p:sldId id="256" r:id="rId2"/>
     <p:sldId id="305" r:id="rId3"/>
     <p:sldId id="302" r:id="rId4"/>
     <p:sldId id="260" r:id="rId5"/>
-    <p:sldId id="301" r:id="rId6"/>
-    <p:sldId id="304" r:id="rId7"/>
-    <p:sldId id="261" r:id="rId8"/>
-    <p:sldId id="308" r:id="rId9"/>
-    <p:sldId id="310" r:id="rId10"/>
-    <p:sldId id="299" r:id="rId11"/>
+    <p:sldId id="311" r:id="rId6"/>
+    <p:sldId id="301" r:id="rId7"/>
+    <p:sldId id="304" r:id="rId8"/>
+    <p:sldId id="261" r:id="rId9"/>
+    <p:sldId id="308" r:id="rId10"/>
+    <p:sldId id="310" r:id="rId11"/>
+    <p:sldId id="299" r:id="rId12"/>
   </p:sldIdLst>
   <p:sldSz cx="12192000" cy="6858000"/>
   <p:notesSz cx="6858000" cy="9144000"/>
@@ -2411,7 +2412,9 @@
     <p:bg>
       <p:bgPr>
         <a:solidFill>
-          <a:srgbClr val="FFFFFF"/>
+          <a:schemeClr val="bg1">
+            <a:lumMod val="85000"/>
+          </a:schemeClr>
         </a:solidFill>
         <a:effectLst/>
       </p:bgPr>
@@ -2453,7 +2456,7 @@
           </a:ln>
           <a:extLst>
             <a:ext uri="{C572A759-6A51-4108-AA02-DFA0A04FC94B}">
-              <ma14:wrappingTextBoxFlag xmlns="" xmlns:ma14="http://schemas.microsoft.com/office/mac/drawingml/2011/main" val="1"/>
+              <ma14:wrappingTextBoxFlag xmlns:ma14="http://schemas.microsoft.com/office/mac/drawingml/2011/main" xmlns="" val="1"/>
             </a:ext>
           </a:extLst>
         </p:spPr>
@@ -2492,7 +2495,7 @@
           </a:ln>
           <a:extLst>
             <a:ext uri="{C572A759-6A51-4108-AA02-DFA0A04FC94B}">
-              <ma14:wrappingTextBoxFlag xmlns="" xmlns:ma14="http://schemas.microsoft.com/office/mac/drawingml/2011/main" val="1"/>
+              <ma14:wrappingTextBoxFlag xmlns:ma14="http://schemas.microsoft.com/office/mac/drawingml/2011/main" xmlns="" val="1"/>
             </a:ext>
           </a:extLst>
         </p:spPr>
@@ -3392,14 +3395,6 @@
 <file path=ppt/slides/slide1.xml><?xml version="1.0" encoding="utf-8"?>
 <p:sld xmlns:a="http://schemas.openxmlformats.org/drawingml/2006/main" xmlns:r="http://schemas.openxmlformats.org/officeDocument/2006/relationships" xmlns:p="http://schemas.openxmlformats.org/presentationml/2006/main">
   <p:cSld>
-    <p:bg>
-      <p:bgPr>
-        <a:solidFill>
-          <a:srgbClr val="EDEDED"/>
-        </a:solidFill>
-        <a:effectLst/>
-      </p:bgPr>
-    </p:bg>
     <p:spTree>
       <p:nvGrpSpPr>
         <p:cNvPr id="1" name=""/>
@@ -3479,7 +3474,7 @@
             <a:effectLst/>
             <a:extLst>
               <a:ext uri="{C572A759-6A51-4108-AA02-DFA0A04FC94B}">
-                <ma14:wrappingTextBoxFlag xmlns="" xmlns:ma14="http://schemas.microsoft.com/office/mac/drawingml/2011/main" val="1"/>
+                <ma14:wrappingTextBoxFlag xmlns:ma14="http://schemas.microsoft.com/office/mac/drawingml/2011/main" xmlns="" val="1"/>
               </a:ext>
             </a:extLst>
           </p:spPr>
@@ -3537,7 +3532,7 @@
             <a:effectLst/>
             <a:extLst>
               <a:ext uri="{C572A759-6A51-4108-AA02-DFA0A04FC94B}">
-                <ma14:wrappingTextBoxFlag xmlns="" xmlns:ma14="http://schemas.microsoft.com/office/mac/drawingml/2011/main" val="1"/>
+                <ma14:wrappingTextBoxFlag xmlns:ma14="http://schemas.microsoft.com/office/mac/drawingml/2011/main" xmlns="" val="1"/>
               </a:ext>
             </a:extLst>
           </p:spPr>
@@ -3656,2221 +3651,6 @@
 <file path=ppt/slides/slide10.xml><?xml version="1.0" encoding="utf-8"?>
 <p:sld xmlns:a="http://schemas.openxmlformats.org/drawingml/2006/main" xmlns:r="http://schemas.openxmlformats.org/officeDocument/2006/relationships" xmlns:p="http://schemas.openxmlformats.org/presentationml/2006/main">
   <p:cSld>
-    <p:bg>
-      <p:bgPr>
-        <a:solidFill>
-          <a:schemeClr val="bg1"/>
-        </a:solidFill>
-        <a:effectLst/>
-      </p:bgPr>
-    </p:bg>
-    <p:spTree>
-      <p:nvGrpSpPr>
-        <p:cNvPr id="1" name=""/>
-        <p:cNvGrpSpPr/>
-        <p:nvPr/>
-      </p:nvGrpSpPr>
-      <p:grpSpPr>
-        <a:xfrm>
-          <a:off x="0" y="0"/>
-          <a:ext cx="0" cy="0"/>
-          <a:chOff x="0" y="0"/>
-          <a:chExt cx="0" cy="0"/>
-        </a:xfrm>
-      </p:grpSpPr>
-      <p:sp>
-        <p:nvSpPr>
-          <p:cNvPr id="697" name="Rectangle 5"/>
-          <p:cNvSpPr/>
-          <p:nvPr/>
-        </p:nvSpPr>
-        <p:spPr>
-          <a:xfrm>
-            <a:off x="-142160" y="2595884"/>
-            <a:ext cx="12329065" cy="2759671"/>
-          </a:xfrm>
-          <a:prstGeom prst="rect">
-            <a:avLst/>
-          </a:prstGeom>
-          <a:solidFill>
-            <a:srgbClr val="CC0001"/>
-          </a:solidFill>
-          <a:ln w="12700">
-            <a:miter lim="400000"/>
-          </a:ln>
-        </p:spPr>
-        <p:txBody>
-          <a:bodyPr lIns="45719" rIns="45719"/>
-          <a:lstStyle/>
-          <a:p>
-            <a:endParaRPr/>
-          </a:p>
-        </p:txBody>
-      </p:sp>
-      <p:sp>
-        <p:nvSpPr>
-          <p:cNvPr id="698" name="TextBox 4"/>
-          <p:cNvSpPr txBox="1"/>
-          <p:nvPr/>
-        </p:nvSpPr>
-        <p:spPr>
-          <a:xfrm>
-            <a:off x="861408" y="2745286"/>
-            <a:ext cx="4071076" cy="1200329"/>
-          </a:xfrm>
-          <a:prstGeom prst="rect">
-            <a:avLst/>
-          </a:prstGeom>
-          <a:ln w="12700">
-            <a:miter lim="400000"/>
-          </a:ln>
-          <a:extLst>
-            <a:ext uri="{C572A759-6A51-4108-AA02-DFA0A04FC94B}">
-              <ma14:wrappingTextBoxFlag xmlns="" xmlns:ma14="http://schemas.microsoft.com/office/mac/drawingml/2011/main" val="1"/>
-            </a:ext>
-          </a:extLst>
-        </p:spPr>
-        <p:txBody>
-          <a:bodyPr wrap="square" lIns="45719" rIns="45719">
-            <a:spAutoFit/>
-          </a:bodyPr>
-          <a:lstStyle>
-            <a:lvl1pPr>
-              <a:defRPr sz="8700">
-                <a:solidFill>
-                  <a:srgbClr val="FFFFFF"/>
-                </a:solidFill>
-                <a:latin typeface="Montserrat Bold"/>
-                <a:ea typeface="Montserrat Bold"/>
-                <a:cs typeface="Montserrat Bold"/>
-                <a:sym typeface="Montserrat Bold"/>
-              </a:defRPr>
-            </a:lvl1pPr>
-          </a:lstStyle>
-          <a:p>
-            <a:r>
-              <a:rPr sz="7200" dirty="0"/>
-              <a:t>Thank You</a:t>
-            </a:r>
-          </a:p>
-        </p:txBody>
-      </p:sp>
-      <p:pic>
-        <p:nvPicPr>
-          <p:cNvPr id="4" name="Segnaposto immagine 3">
-            <a:extLst>
-              <a:ext uri="{FF2B5EF4-FFF2-40B4-BE49-F238E27FC236}">
-                <a16:creationId xmlns:a16="http://schemas.microsoft.com/office/drawing/2014/main" id="{BBC6FAC9-1071-4827-841D-6ECF9760C484}"/>
-              </a:ext>
-            </a:extLst>
-          </p:cNvPr>
-          <p:cNvPicPr>
-            <a:picLocks noGrp="1" noChangeAspect="1"/>
-          </p:cNvPicPr>
-          <p:nvPr>
-            <p:ph type="pic" sz="half" idx="13"/>
-          </p:nvPr>
-        </p:nvPicPr>
-        <p:blipFill>
-          <a:blip r:embed="rId2">
-            <a:extLst>
-              <a:ext uri="{28A0092B-C50C-407E-A947-70E740481C1C}">
-                <a14:useLocalDpi xmlns:a14="http://schemas.microsoft.com/office/drawing/2010/main" val="0"/>
-              </a:ext>
-            </a:extLst>
-          </a:blip>
-          <a:srcRect l="13611" r="13611"/>
-          <a:stretch/>
-        </p:blipFill>
-        <p:spPr>
-          <a:xfrm>
-            <a:off x="6850824" y="534011"/>
-            <a:ext cx="4213818" cy="5789978"/>
-          </a:xfrm>
-        </p:spPr>
-      </p:pic>
-      <p:sp>
-        <p:nvSpPr>
-          <p:cNvPr id="8" name="TextBox 14">
-            <a:extLst>
-              <a:ext uri="{FF2B5EF4-FFF2-40B4-BE49-F238E27FC236}">
-                <a16:creationId xmlns:a16="http://schemas.microsoft.com/office/drawing/2014/main" id="{90908CF4-6984-45DA-BDB1-EA008A628C39}"/>
-              </a:ext>
-            </a:extLst>
-          </p:cNvPr>
-          <p:cNvSpPr txBox="1"/>
-          <p:nvPr/>
-        </p:nvSpPr>
-        <p:spPr>
-          <a:xfrm>
-            <a:off x="861408" y="4263476"/>
-            <a:ext cx="3237423" cy="523218"/>
-          </a:xfrm>
-          <a:prstGeom prst="rect">
-            <a:avLst/>
-          </a:prstGeom>
-          <a:noFill/>
-          <a:ln w="12700" cap="flat">
-            <a:noFill/>
-            <a:miter lim="400000"/>
-          </a:ln>
-          <a:effectLst/>
-          <a:extLst>
-            <a:ext uri="{C572A759-6A51-4108-AA02-DFA0A04FC94B}">
-              <ma14:wrappingTextBoxFlag xmlns="" xmlns:ma14="http://schemas.microsoft.com/office/mac/drawingml/2011/main" val="1"/>
-            </a:ext>
-          </a:extLst>
-        </p:spPr>
-        <p:txBody>
-          <a:bodyPr wrap="none" lIns="45719" tIns="45719" rIns="45719" bIns="45719" numCol="1" anchor="t">
-            <a:spAutoFit/>
-          </a:bodyPr>
-          <a:lstStyle>
-            <a:lvl1pPr>
-              <a:defRPr sz="1400" spc="300">
-                <a:solidFill>
-                  <a:srgbClr val="FFFFFF"/>
-                </a:solidFill>
-                <a:latin typeface="Montserrat"/>
-                <a:ea typeface="Montserrat"/>
-                <a:cs typeface="Montserrat"/>
-                <a:sym typeface="Montserrat"/>
-              </a:defRPr>
-            </a:lvl1pPr>
-          </a:lstStyle>
-          <a:p>
-            <a:r>
-              <a:rPr lang="it-IT" dirty="0"/>
-              <a:t>Christian Uccheddu - 800428</a:t>
-            </a:r>
-          </a:p>
-          <a:p>
-            <a:r>
-              <a:rPr lang="it-IT" dirty="0"/>
-              <a:t>Federico De Servi - 812166</a:t>
-            </a:r>
-            <a:endParaRPr dirty="0"/>
-          </a:p>
-        </p:txBody>
-      </p:sp>
-      <p:sp>
-        <p:nvSpPr>
-          <p:cNvPr id="7" name="CasellaDiTesto 6">
-            <a:extLst>
-              <a:ext uri="{FF2B5EF4-FFF2-40B4-BE49-F238E27FC236}">
-                <a16:creationId xmlns:a16="http://schemas.microsoft.com/office/drawing/2014/main" id="{4E57EC21-BDAC-4F2F-A326-C637D38A17B9}"/>
-              </a:ext>
-            </a:extLst>
-          </p:cNvPr>
-          <p:cNvSpPr txBox="1"/>
-          <p:nvPr/>
-        </p:nvSpPr>
-        <p:spPr>
-          <a:xfrm>
-            <a:off x="7060093" y="6033411"/>
-            <a:ext cx="6097464" cy="169277"/>
-          </a:xfrm>
-          <a:prstGeom prst="rect">
-            <a:avLst/>
-          </a:prstGeom>
-          <a:noFill/>
-          <a:ln w="12700" cap="flat">
-            <a:noFill/>
-            <a:miter lim="400000"/>
-          </a:ln>
-          <a:effectLst/>
-          <a:sp3d/>
-        </p:spPr>
-        <p:style>
-          <a:lnRef idx="0">
-            <a:scrgbClr r="0" g="0" b="0"/>
-          </a:lnRef>
-          <a:fillRef idx="0">
-            <a:scrgbClr r="0" g="0" b="0"/>
-          </a:fillRef>
-          <a:effectRef idx="0">
-            <a:scrgbClr r="0" g="0" b="0"/>
-          </a:effectRef>
-          <a:fontRef idx="none"/>
-        </p:style>
-        <p:txBody>
-          <a:bodyPr wrap="square">
-            <a:spAutoFit/>
-          </a:bodyPr>
-          <a:lstStyle/>
-          <a:p>
-            <a:r>
-              <a:rPr lang="it-IT" sz="500" dirty="0">
-                <a:solidFill>
-                  <a:schemeClr val="bg1">
-                    <a:lumMod val="75000"/>
-                  </a:schemeClr>
-                </a:solidFill>
-              </a:rPr>
-              <a:t>Image </a:t>
-            </a:r>
-            <a:r>
-              <a:rPr lang="it-IT" sz="500" dirty="0" err="1">
-                <a:solidFill>
-                  <a:schemeClr val="bg1">
-                    <a:lumMod val="75000"/>
-                  </a:schemeClr>
-                </a:solidFill>
-              </a:rPr>
-              <a:t>taken</a:t>
-            </a:r>
-            <a:r>
-              <a:rPr lang="it-IT" sz="500" dirty="0">
-                <a:solidFill>
-                  <a:schemeClr val="bg1">
-                    <a:lumMod val="75000"/>
-                  </a:schemeClr>
-                </a:solidFill>
-              </a:rPr>
-              <a:t> from CNN </a:t>
-            </a:r>
-            <a:r>
-              <a:rPr lang="it-IT" sz="500" dirty="0" err="1">
-                <a:solidFill>
-                  <a:schemeClr val="bg1">
-                    <a:lumMod val="75000"/>
-                  </a:schemeClr>
-                </a:solidFill>
-              </a:rPr>
-              <a:t>twitter</a:t>
-            </a:r>
-            <a:r>
-              <a:rPr lang="it-IT" sz="500" dirty="0">
-                <a:solidFill>
-                  <a:schemeClr val="bg1">
-                    <a:lumMod val="75000"/>
-                  </a:schemeClr>
-                </a:solidFill>
-              </a:rPr>
-              <a:t> </a:t>
-            </a:r>
-            <a:r>
-              <a:rPr lang="it-IT" sz="500" dirty="0" err="1">
-                <a:solidFill>
-                  <a:schemeClr val="bg1">
-                    <a:lumMod val="75000"/>
-                  </a:schemeClr>
-                </a:solidFill>
-              </a:rPr>
-              <a:t>profile</a:t>
-            </a:r>
-            <a:endParaRPr lang="it-IT" sz="500" dirty="0">
-              <a:solidFill>
-                <a:schemeClr val="bg1">
-                  <a:lumMod val="75000"/>
-                </a:schemeClr>
-              </a:solidFill>
-            </a:endParaRPr>
-          </a:p>
-        </p:txBody>
-      </p:sp>
-      <p:pic>
-        <p:nvPicPr>
-          <p:cNvPr id="9" name="Immagine 8" descr="Immagine che contiene testo&#10;&#10;Descrizione generata automaticamente">
-            <a:extLst>
-              <a:ext uri="{FF2B5EF4-FFF2-40B4-BE49-F238E27FC236}">
-                <a16:creationId xmlns:a16="http://schemas.microsoft.com/office/drawing/2014/main" id="{22CB0F86-B857-4C60-A8ED-EA9F9A0EFF31}"/>
-              </a:ext>
-            </a:extLst>
-          </p:cNvPr>
-          <p:cNvPicPr>
-            <a:picLocks noChangeAspect="1"/>
-          </p:cNvPicPr>
-          <p:nvPr/>
-        </p:nvPicPr>
-        <p:blipFill>
-          <a:blip r:embed="rId3">
-            <a:extLst>
-              <a:ext uri="{28A0092B-C50C-407E-A947-70E740481C1C}">
-                <a14:useLocalDpi xmlns:a14="http://schemas.microsoft.com/office/drawing/2010/main" val="0"/>
-              </a:ext>
-            </a:extLst>
-          </a:blip>
-          <a:stretch>
-            <a:fillRect/>
-          </a:stretch>
-        </p:blipFill>
-        <p:spPr>
-          <a:xfrm>
-            <a:off x="611099" y="358064"/>
-            <a:ext cx="1638110" cy="543229"/>
-          </a:xfrm>
-          <a:prstGeom prst="rect">
-            <a:avLst/>
-          </a:prstGeom>
-        </p:spPr>
-      </p:pic>
-    </p:spTree>
-  </p:cSld>
-  <p:clrMapOvr>
-    <a:masterClrMapping/>
-  </p:clrMapOvr>
-  <p:transition spd="med"/>
-</p:sld>
-</file>
-
-<file path=ppt/slides/slide2.xml><?xml version="1.0" encoding="utf-8"?>
-<p:sld xmlns:a="http://schemas.openxmlformats.org/drawingml/2006/main" xmlns:r="http://schemas.openxmlformats.org/officeDocument/2006/relationships" xmlns:p="http://schemas.openxmlformats.org/presentationml/2006/main">
-  <p:cSld>
-    <p:spTree>
-      <p:nvGrpSpPr>
-        <p:cNvPr id="1" name=""/>
-        <p:cNvGrpSpPr/>
-        <p:nvPr/>
-      </p:nvGrpSpPr>
-      <p:grpSpPr>
-        <a:xfrm>
-          <a:off x="0" y="0"/>
-          <a:ext cx="0" cy="0"/>
-          <a:chOff x="0" y="0"/>
-          <a:chExt cx="0" cy="0"/>
-        </a:xfrm>
-      </p:grpSpPr>
-      <p:pic>
-        <p:nvPicPr>
-          <p:cNvPr id="3" name="Immagine 2" descr="Immagine che contiene testo&#10;&#10;Descrizione generata automaticamente">
-            <a:extLst>
-              <a:ext uri="{FF2B5EF4-FFF2-40B4-BE49-F238E27FC236}">
-                <a16:creationId xmlns:a16="http://schemas.microsoft.com/office/drawing/2014/main" id="{BB9DD561-EA88-4925-A078-DDE0F442D2E7}"/>
-              </a:ext>
-            </a:extLst>
-          </p:cNvPr>
-          <p:cNvPicPr>
-            <a:picLocks noChangeAspect="1"/>
-          </p:cNvPicPr>
-          <p:nvPr/>
-        </p:nvPicPr>
-        <p:blipFill>
-          <a:blip r:embed="rId2">
-            <a:extLst>
-              <a:ext uri="{28A0092B-C50C-407E-A947-70E740481C1C}">
-                <a14:useLocalDpi xmlns:a14="http://schemas.microsoft.com/office/drawing/2010/main" val="0"/>
-              </a:ext>
-            </a:extLst>
-          </a:blip>
-          <a:stretch>
-            <a:fillRect/>
-          </a:stretch>
-        </p:blipFill>
-        <p:spPr>
-          <a:xfrm>
-            <a:off x="94517" y="245261"/>
-            <a:ext cx="5401387" cy="6458851"/>
-          </a:xfrm>
-          <a:prstGeom prst="rect">
-            <a:avLst/>
-          </a:prstGeom>
-        </p:spPr>
-      </p:pic>
-      <p:sp>
-        <p:nvSpPr>
-          <p:cNvPr id="6" name="Rectangle 5">
-            <a:extLst>
-              <a:ext uri="{FF2B5EF4-FFF2-40B4-BE49-F238E27FC236}">
-                <a16:creationId xmlns:a16="http://schemas.microsoft.com/office/drawing/2014/main" id="{28D22E49-36C9-4FDD-AC98-B506103FD91C}"/>
-              </a:ext>
-            </a:extLst>
-          </p:cNvPr>
-          <p:cNvSpPr/>
-          <p:nvPr/>
-        </p:nvSpPr>
-        <p:spPr>
-          <a:xfrm flipH="1">
-            <a:off x="734513" y="673210"/>
-            <a:ext cx="3307019" cy="1285701"/>
-          </a:xfrm>
-          <a:prstGeom prst="rect">
-            <a:avLst/>
-          </a:prstGeom>
-          <a:solidFill>
-            <a:srgbClr val="CC0001"/>
-          </a:solidFill>
-          <a:ln w="12700">
-            <a:miter lim="400000"/>
-          </a:ln>
-        </p:spPr>
-        <p:txBody>
-          <a:bodyPr lIns="45719" rIns="45719"/>
-          <a:lstStyle/>
-          <a:p>
-            <a:r>
-              <a:rPr lang="it-IT" dirty="0"/>
-              <a:t>   </a:t>
-            </a:r>
-            <a:endParaRPr dirty="0"/>
-          </a:p>
-        </p:txBody>
-      </p:sp>
-      <p:sp>
-        <p:nvSpPr>
-          <p:cNvPr id="5" name="Rectangle 5">
-            <a:extLst>
-              <a:ext uri="{FF2B5EF4-FFF2-40B4-BE49-F238E27FC236}">
-                <a16:creationId xmlns:a16="http://schemas.microsoft.com/office/drawing/2014/main" id="{DD142950-86D7-4CE7-B724-C21F6D3BF783}"/>
-              </a:ext>
-            </a:extLst>
-          </p:cNvPr>
-          <p:cNvSpPr/>
-          <p:nvPr/>
-        </p:nvSpPr>
-        <p:spPr>
-          <a:xfrm flipH="1">
-            <a:off x="6016197" y="2429103"/>
-            <a:ext cx="5631117" cy="1999793"/>
-          </a:xfrm>
-          <a:prstGeom prst="rect">
-            <a:avLst/>
-          </a:prstGeom>
-          <a:solidFill>
-            <a:srgbClr val="1E1E1E"/>
-          </a:solidFill>
-          <a:ln w="12700">
-            <a:miter lim="400000"/>
-          </a:ln>
-        </p:spPr>
-        <p:txBody>
-          <a:bodyPr lIns="45719" rIns="45719"/>
-          <a:lstStyle/>
-          <a:p>
-            <a:endParaRPr/>
-          </a:p>
-        </p:txBody>
-      </p:sp>
-      <p:sp>
-        <p:nvSpPr>
-          <p:cNvPr id="354" name="Rectangle 5"/>
-          <p:cNvSpPr txBox="1"/>
-          <p:nvPr/>
-        </p:nvSpPr>
-        <p:spPr>
-          <a:xfrm flipH="1">
-            <a:off x="6473396" y="2911762"/>
-            <a:ext cx="4653625" cy="864467"/>
-          </a:xfrm>
-          <a:prstGeom prst="rect">
-            <a:avLst/>
-          </a:prstGeom>
-          <a:ln w="12700">
-            <a:miter lim="400000"/>
-          </a:ln>
-          <a:extLst>
-            <a:ext uri="{C572A759-6A51-4108-AA02-DFA0A04FC94B}">
-              <ma14:wrappingTextBoxFlag xmlns="" xmlns:ma14="http://schemas.microsoft.com/office/mac/drawingml/2011/main" val="1"/>
-            </a:ext>
-          </a:extLst>
-        </p:spPr>
-        <p:txBody>
-          <a:bodyPr wrap="square" lIns="45719" rIns="45719">
-            <a:spAutoFit/>
-          </a:bodyPr>
-          <a:lstStyle>
-            <a:lvl1pPr algn="just">
-              <a:lnSpc>
-                <a:spcPct val="150000"/>
-              </a:lnSpc>
-              <a:defRPr sz="900">
-                <a:solidFill>
-                  <a:srgbClr val="808080"/>
-                </a:solidFill>
-                <a:latin typeface="Lato Regular"/>
-                <a:ea typeface="Lato Regular"/>
-                <a:cs typeface="Lato Regular"/>
-                <a:sym typeface="Lato Regular"/>
-              </a:defRPr>
-            </a:lvl1pPr>
-          </a:lstStyle>
-          <a:p>
-            <a:r>
-              <a:rPr lang="it-IT" sz="1800" dirty="0">
-                <a:solidFill>
-                  <a:schemeClr val="bg1"/>
-                </a:solidFill>
-              </a:rPr>
-              <a:t>Create </a:t>
-            </a:r>
-            <a:r>
-              <a:rPr lang="it-IT" sz="1800" dirty="0" err="1">
-                <a:solidFill>
-                  <a:schemeClr val="bg1"/>
-                </a:solidFill>
-              </a:rPr>
-              <a:t>summaries</a:t>
-            </a:r>
-            <a:r>
-              <a:rPr lang="it-IT" sz="1800" dirty="0">
-                <a:solidFill>
-                  <a:schemeClr val="bg1"/>
-                </a:solidFill>
-              </a:rPr>
-              <a:t> from the CNN stories dataset</a:t>
-            </a:r>
-            <a:endParaRPr sz="1800" dirty="0">
-              <a:solidFill>
-                <a:schemeClr val="bg1"/>
-              </a:solidFill>
-            </a:endParaRPr>
-          </a:p>
-        </p:txBody>
-      </p:sp>
-      <p:sp>
-        <p:nvSpPr>
-          <p:cNvPr id="355" name="TextBox 6"/>
-          <p:cNvSpPr txBox="1"/>
-          <p:nvPr/>
-        </p:nvSpPr>
-        <p:spPr>
-          <a:xfrm flipH="1">
-            <a:off x="1117734" y="900563"/>
-            <a:ext cx="2467981" cy="830997"/>
-          </a:xfrm>
-          <a:prstGeom prst="rect">
-            <a:avLst/>
-          </a:prstGeom>
-          <a:ln w="12700">
-            <a:miter lim="400000"/>
-          </a:ln>
-          <a:extLst>
-            <a:ext uri="{C572A759-6A51-4108-AA02-DFA0A04FC94B}">
-              <ma14:wrappingTextBoxFlag xmlns="" xmlns:ma14="http://schemas.microsoft.com/office/mac/drawingml/2011/main" val="1"/>
-            </a:ext>
-          </a:extLst>
-        </p:spPr>
-        <p:txBody>
-          <a:bodyPr wrap="none" lIns="45719" rIns="45719">
-            <a:spAutoFit/>
-          </a:bodyPr>
-          <a:lstStyle>
-            <a:lvl1pPr>
-              <a:defRPr sz="4800">
-                <a:solidFill>
-                  <a:srgbClr val="1E1E1E"/>
-                </a:solidFill>
-                <a:latin typeface="Montserrat Bold"/>
-                <a:ea typeface="Montserrat Bold"/>
-                <a:cs typeface="Montserrat Bold"/>
-                <a:sym typeface="Montserrat Bold"/>
-              </a:defRPr>
-            </a:lvl1pPr>
-          </a:lstStyle>
-          <a:p>
-            <a:r>
-              <a:rPr lang="it-IT" dirty="0" err="1">
-                <a:solidFill>
-                  <a:schemeClr val="bg1"/>
-                </a:solidFill>
-              </a:rPr>
-              <a:t>Objective</a:t>
-            </a:r>
-            <a:endParaRPr dirty="0">
-              <a:solidFill>
-                <a:schemeClr val="bg1"/>
-              </a:solidFill>
-            </a:endParaRPr>
-          </a:p>
-        </p:txBody>
-      </p:sp>
-      <p:cxnSp>
-        <p:nvCxnSpPr>
-          <p:cNvPr id="4" name="Connettore 2 3">
-            <a:extLst>
-              <a:ext uri="{FF2B5EF4-FFF2-40B4-BE49-F238E27FC236}">
-                <a16:creationId xmlns:a16="http://schemas.microsoft.com/office/drawing/2014/main" id="{9794FF03-AD26-4C19-9362-5311D4078DB7}"/>
-              </a:ext>
-            </a:extLst>
-          </p:cNvPr>
-          <p:cNvCxnSpPr>
-            <a:cxnSpLocks/>
-          </p:cNvCxnSpPr>
-          <p:nvPr/>
-        </p:nvCxnSpPr>
-        <p:spPr>
-          <a:xfrm>
-            <a:off x="3886200" y="1846385"/>
-            <a:ext cx="2129997" cy="582718"/>
-          </a:xfrm>
-          <a:prstGeom prst="straightConnector1">
-            <a:avLst/>
-          </a:prstGeom>
-          <a:ln w="57150">
-            <a:solidFill>
-              <a:srgbClr val="1E1E1E"/>
-            </a:solidFill>
-            <a:tailEnd type="triangle"/>
-          </a:ln>
-        </p:spPr>
-        <p:style>
-          <a:lnRef idx="1">
-            <a:schemeClr val="dk1"/>
-          </a:lnRef>
-          <a:fillRef idx="0">
-            <a:schemeClr val="dk1"/>
-          </a:fillRef>
-          <a:effectRef idx="0">
-            <a:schemeClr val="dk1"/>
-          </a:effectRef>
-          <a:fontRef idx="minor">
-            <a:schemeClr val="tx1"/>
-          </a:fontRef>
-        </p:style>
-      </p:cxnSp>
-      <p:sp>
-        <p:nvSpPr>
-          <p:cNvPr id="17" name="CasellaDiTesto 16">
-            <a:extLst>
-              <a:ext uri="{FF2B5EF4-FFF2-40B4-BE49-F238E27FC236}">
-                <a16:creationId xmlns:a16="http://schemas.microsoft.com/office/drawing/2014/main" id="{1AE2CE8B-E006-4D41-A7A3-E0223F7629FA}"/>
-              </a:ext>
-            </a:extLst>
-          </p:cNvPr>
-          <p:cNvSpPr txBox="1"/>
-          <p:nvPr/>
-        </p:nvSpPr>
-        <p:spPr>
-          <a:xfrm>
-            <a:off x="94517" y="6534835"/>
-            <a:ext cx="6097464" cy="169277"/>
-          </a:xfrm>
-          <a:prstGeom prst="rect">
-            <a:avLst/>
-          </a:prstGeom>
-          <a:noFill/>
-          <a:ln w="12700" cap="flat">
-            <a:noFill/>
-            <a:miter lim="400000"/>
-          </a:ln>
-          <a:effectLst/>
-          <a:sp3d/>
-        </p:spPr>
-        <p:style>
-          <a:lnRef idx="0">
-            <a:scrgbClr r="0" g="0" b="0"/>
-          </a:lnRef>
-          <a:fillRef idx="0">
-            <a:scrgbClr r="0" g="0" b="0"/>
-          </a:fillRef>
-          <a:effectRef idx="0">
-            <a:scrgbClr r="0" g="0" b="0"/>
-          </a:effectRef>
-          <a:fontRef idx="none"/>
-        </p:style>
-        <p:txBody>
-          <a:bodyPr wrap="square">
-            <a:spAutoFit/>
-          </a:bodyPr>
-          <a:lstStyle/>
-          <a:p>
-            <a:r>
-              <a:rPr lang="it-IT" sz="500" dirty="0">
-                <a:solidFill>
-                  <a:schemeClr val="bg1">
-                    <a:lumMod val="75000"/>
-                  </a:schemeClr>
-                </a:solidFill>
-              </a:rPr>
-              <a:t>Image from cnn.com</a:t>
-            </a:r>
-          </a:p>
-        </p:txBody>
-      </p:sp>
-    </p:spTree>
-    <p:extLst>
-      <p:ext uri="{BB962C8B-B14F-4D97-AF65-F5344CB8AC3E}">
-        <p14:creationId xmlns:p14="http://schemas.microsoft.com/office/powerpoint/2010/main" val="2090360757"/>
-      </p:ext>
-    </p:extLst>
-  </p:cSld>
-  <p:clrMapOvr>
-    <a:masterClrMapping/>
-  </p:clrMapOvr>
-  <p:transition spd="med"/>
-</p:sld>
-</file>
-
-<file path=ppt/slides/slide3.xml><?xml version="1.0" encoding="utf-8"?>
-<p:sld xmlns:a="http://schemas.openxmlformats.org/drawingml/2006/main" xmlns:r="http://schemas.openxmlformats.org/officeDocument/2006/relationships" xmlns:p="http://schemas.openxmlformats.org/presentationml/2006/main">
-  <p:cSld>
-    <p:spTree>
-      <p:nvGrpSpPr>
-        <p:cNvPr id="1" name=""/>
-        <p:cNvGrpSpPr/>
-        <p:nvPr/>
-      </p:nvGrpSpPr>
-      <p:grpSpPr>
-        <a:xfrm>
-          <a:off x="0" y="0"/>
-          <a:ext cx="0" cy="0"/>
-          <a:chOff x="0" y="0"/>
-          <a:chExt cx="0" cy="0"/>
-        </a:xfrm>
-      </p:grpSpPr>
-      <p:sp>
-        <p:nvSpPr>
-          <p:cNvPr id="330" name="Rectangle 5"/>
-          <p:cNvSpPr/>
-          <p:nvPr/>
-        </p:nvSpPr>
-        <p:spPr>
-          <a:xfrm>
-            <a:off x="5914290" y="0"/>
-            <a:ext cx="6277710" cy="6858000"/>
-          </a:xfrm>
-          <a:prstGeom prst="rect">
-            <a:avLst/>
-          </a:prstGeom>
-          <a:solidFill>
-            <a:srgbClr val="1E1E1E"/>
-          </a:solidFill>
-          <a:ln w="12700">
-            <a:miter lim="400000"/>
-          </a:ln>
-        </p:spPr>
-        <p:txBody>
-          <a:bodyPr lIns="45719" rIns="45719"/>
-          <a:lstStyle/>
-          <a:p>
-            <a:endParaRPr lang="it-IT"/>
-          </a:p>
-        </p:txBody>
-      </p:sp>
-      <p:sp>
-        <p:nvSpPr>
-          <p:cNvPr id="331" name="Rectangle 2"/>
-          <p:cNvSpPr txBox="1"/>
-          <p:nvPr/>
-        </p:nvSpPr>
-        <p:spPr>
-          <a:xfrm>
-            <a:off x="6193475" y="1305350"/>
-            <a:ext cx="5053646" cy="2625334"/>
-          </a:xfrm>
-          <a:prstGeom prst="rect">
-            <a:avLst/>
-          </a:prstGeom>
-          <a:ln w="12700">
-            <a:miter lim="400000"/>
-          </a:ln>
-          <a:extLst>
-            <a:ext uri="{C572A759-6A51-4108-AA02-DFA0A04FC94B}">
-              <ma14:wrappingTextBoxFlag xmlns="" xmlns:ma14="http://schemas.microsoft.com/office/mac/drawingml/2011/main" val="1"/>
-            </a:ext>
-          </a:extLst>
-        </p:spPr>
-        <p:txBody>
-          <a:bodyPr wrap="square" lIns="45719" rIns="45719">
-            <a:spAutoFit/>
-          </a:bodyPr>
-          <a:lstStyle>
-            <a:lvl1pPr algn="just">
-              <a:lnSpc>
-                <a:spcPct val="150000"/>
-              </a:lnSpc>
-              <a:defRPr sz="900">
-                <a:solidFill>
-                  <a:srgbClr val="FFFFFF"/>
-                </a:solidFill>
-                <a:latin typeface="Lato Regular"/>
-                <a:ea typeface="Lato Regular"/>
-                <a:cs typeface="Lato Regular"/>
-                <a:sym typeface="Lato Regular"/>
-              </a:defRPr>
-            </a:lvl1pPr>
-          </a:lstStyle>
-          <a:p>
-            <a:r>
-              <a:rPr lang="en-US" sz="1600" dirty="0"/>
-              <a:t>The dataset was taken from </a:t>
-            </a:r>
-            <a:r>
-              <a:rPr lang="en-US" sz="1600" u="sng" dirty="0"/>
-              <a:t>the DeepMind Q&amp;A Dataset</a:t>
-            </a:r>
-            <a:r>
-              <a:rPr lang="en-US" sz="1600" dirty="0"/>
-              <a:t> and can be found at this </a:t>
-            </a:r>
-            <a:r>
-              <a:rPr lang="en-US" sz="1600" dirty="0">
-                <a:solidFill>
-                  <a:schemeClr val="bg1"/>
-                </a:solidFill>
-                <a:hlinkClick r:id="rId2">
-                  <a:extLst>
-                    <a:ext uri="{A12FA001-AC4F-418D-AE19-62706E023703}">
-                      <ahyp:hlinkClr xmlns:ahyp="http://schemas.microsoft.com/office/drawing/2018/hyperlinkcolor" val="tx"/>
-                    </a:ext>
-                  </a:extLst>
-                </a:hlinkClick>
-              </a:rPr>
-              <a:t>link</a:t>
-            </a:r>
-            <a:r>
-              <a:rPr lang="en-US" sz="1600" dirty="0"/>
-              <a:t>. The dataset presented some issues that had to be solved before applying our models:</a:t>
-            </a:r>
-          </a:p>
-          <a:p>
-            <a:pPr marL="228600" indent="-228600">
-              <a:buAutoNum type="arabicParenR"/>
-            </a:pPr>
-            <a:r>
-              <a:rPr lang="en-US" sz="1600" dirty="0"/>
-              <a:t>Each story presented more than one summary</a:t>
-            </a:r>
-          </a:p>
-          <a:p>
-            <a:pPr marL="228600" indent="-228600">
-              <a:buAutoNum type="arabicParenR"/>
-            </a:pPr>
-            <a:r>
-              <a:rPr lang="en-US" sz="1600" dirty="0"/>
-              <a:t>The text was taken from the </a:t>
-            </a:r>
-            <a:r>
-              <a:rPr lang="en-US" sz="1600" dirty="0" err="1"/>
-              <a:t>cnn</a:t>
-            </a:r>
-            <a:r>
-              <a:rPr lang="en-US" sz="1600" dirty="0"/>
-              <a:t> website, so preprocessing steps were needed:</a:t>
-            </a:r>
-          </a:p>
-        </p:txBody>
-      </p:sp>
-      <p:sp>
-        <p:nvSpPr>
-          <p:cNvPr id="7" name="Rectangle 2">
-            <a:extLst>
-              <a:ext uri="{FF2B5EF4-FFF2-40B4-BE49-F238E27FC236}">
-                <a16:creationId xmlns:a16="http://schemas.microsoft.com/office/drawing/2014/main" id="{1661135F-EC4C-4C6D-A7BB-188BAAA55AB6}"/>
-              </a:ext>
-            </a:extLst>
-          </p:cNvPr>
-          <p:cNvSpPr txBox="1"/>
-          <p:nvPr/>
-        </p:nvSpPr>
-        <p:spPr>
-          <a:xfrm>
-            <a:off x="6672440" y="4005193"/>
-            <a:ext cx="5053646" cy="1148007"/>
-          </a:xfrm>
-          <a:prstGeom prst="rect">
-            <a:avLst/>
-          </a:prstGeom>
-          <a:ln w="12700">
-            <a:miter lim="400000"/>
-          </a:ln>
-          <a:extLst>
-            <a:ext uri="{C572A759-6A51-4108-AA02-DFA0A04FC94B}">
-              <ma14:wrappingTextBoxFlag xmlns="" xmlns:ma14="http://schemas.microsoft.com/office/mac/drawingml/2011/main" val="1"/>
-            </a:ext>
-          </a:extLst>
-        </p:spPr>
-        <p:txBody>
-          <a:bodyPr wrap="square" lIns="45719" rIns="45719">
-            <a:spAutoFit/>
-          </a:bodyPr>
-          <a:lstStyle>
-            <a:lvl1pPr algn="just">
-              <a:lnSpc>
-                <a:spcPct val="150000"/>
-              </a:lnSpc>
-              <a:defRPr sz="900">
-                <a:solidFill>
-                  <a:srgbClr val="FFFFFF"/>
-                </a:solidFill>
-                <a:latin typeface="Lato Regular"/>
-                <a:ea typeface="Lato Regular"/>
-                <a:cs typeface="Lato Regular"/>
-                <a:sym typeface="Lato Regular"/>
-              </a:defRPr>
-            </a:lvl1pPr>
-          </a:lstStyle>
-          <a:p>
-            <a:pPr marL="228600" indent="-228600">
-              <a:buAutoNum type="arabicParenR"/>
-            </a:pPr>
-            <a:r>
-              <a:rPr lang="en-US" sz="1600" dirty="0"/>
-              <a:t>Normalization</a:t>
-            </a:r>
-          </a:p>
-          <a:p>
-            <a:pPr marL="228600" indent="-228600">
-              <a:buAutoNum type="arabicParenR"/>
-            </a:pPr>
-            <a:r>
-              <a:rPr lang="en-US" sz="1600" dirty="0"/>
-              <a:t>Lemmatization</a:t>
-            </a:r>
-          </a:p>
-          <a:p>
-            <a:pPr marL="228600" indent="-228600">
-              <a:buAutoNum type="arabicParenR"/>
-            </a:pPr>
-            <a:r>
-              <a:rPr lang="en-US" sz="1600" dirty="0"/>
-              <a:t>Tokenization</a:t>
-            </a:r>
-          </a:p>
-        </p:txBody>
-      </p:sp>
-      <p:sp>
-        <p:nvSpPr>
-          <p:cNvPr id="10" name="Rectangle 5">
-            <a:extLst>
-              <a:ext uri="{FF2B5EF4-FFF2-40B4-BE49-F238E27FC236}">
-                <a16:creationId xmlns:a16="http://schemas.microsoft.com/office/drawing/2014/main" id="{16724CC2-8A2D-42E6-B858-A4652105D42A}"/>
-              </a:ext>
-            </a:extLst>
-          </p:cNvPr>
-          <p:cNvSpPr/>
-          <p:nvPr/>
-        </p:nvSpPr>
-        <p:spPr>
-          <a:xfrm flipH="1">
-            <a:off x="6095999" y="211029"/>
-            <a:ext cx="3307019" cy="879217"/>
-          </a:xfrm>
-          <a:prstGeom prst="rect">
-            <a:avLst/>
-          </a:prstGeom>
-          <a:solidFill>
-            <a:srgbClr val="CC0001"/>
-          </a:solidFill>
-          <a:ln w="12700">
-            <a:miter lim="400000"/>
-          </a:ln>
-        </p:spPr>
-        <p:txBody>
-          <a:bodyPr lIns="45719" rIns="45719"/>
-          <a:lstStyle/>
-          <a:p>
-            <a:r>
-              <a:rPr lang="it-IT" dirty="0"/>
-              <a:t>   </a:t>
-            </a:r>
-            <a:endParaRPr dirty="0"/>
-          </a:p>
-        </p:txBody>
-      </p:sp>
-      <p:sp>
-        <p:nvSpPr>
-          <p:cNvPr id="8" name="TextBox 5">
-            <a:extLst>
-              <a:ext uri="{FF2B5EF4-FFF2-40B4-BE49-F238E27FC236}">
-                <a16:creationId xmlns:a16="http://schemas.microsoft.com/office/drawing/2014/main" id="{2D7E1F90-7546-4231-8DCD-7A9B5FD8F7D6}"/>
-              </a:ext>
-            </a:extLst>
-          </p:cNvPr>
-          <p:cNvSpPr txBox="1"/>
-          <p:nvPr/>
-        </p:nvSpPr>
-        <p:spPr>
-          <a:xfrm>
-            <a:off x="6193474" y="336458"/>
-            <a:ext cx="3064298" cy="646331"/>
-          </a:xfrm>
-          <a:prstGeom prst="rect">
-            <a:avLst/>
-          </a:prstGeom>
-          <a:ln w="12700">
-            <a:miter lim="400000"/>
-          </a:ln>
-          <a:extLst>
-            <a:ext uri="{C572A759-6A51-4108-AA02-DFA0A04FC94B}">
-              <ma14:wrappingTextBoxFlag xmlns="" xmlns:ma14="http://schemas.microsoft.com/office/mac/drawingml/2011/main" val="1"/>
-            </a:ext>
-          </a:extLst>
-        </p:spPr>
-        <p:txBody>
-          <a:bodyPr wrap="none" lIns="45719" rIns="45719">
-            <a:spAutoFit/>
-          </a:bodyPr>
-          <a:lstStyle>
-            <a:lvl1pPr>
-              <a:defRPr sz="3600">
-                <a:solidFill>
-                  <a:srgbClr val="FFFFFF"/>
-                </a:solidFill>
-                <a:latin typeface="Montserrat Bold"/>
-                <a:ea typeface="Montserrat Bold"/>
-                <a:cs typeface="Montserrat Bold"/>
-                <a:sym typeface="Montserrat Bold"/>
-              </a:defRPr>
-            </a:lvl1pPr>
-          </a:lstStyle>
-          <a:p>
-            <a:r>
-              <a:rPr lang="it-IT" dirty="0" err="1"/>
-              <a:t>Original</a:t>
-            </a:r>
-            <a:r>
-              <a:rPr lang="it-IT" dirty="0"/>
-              <a:t> dataset</a:t>
-            </a:r>
-            <a:endParaRPr dirty="0"/>
-          </a:p>
-        </p:txBody>
-      </p:sp>
-    </p:spTree>
-    <p:extLst>
-      <p:ext uri="{BB962C8B-B14F-4D97-AF65-F5344CB8AC3E}">
-        <p14:creationId xmlns:p14="http://schemas.microsoft.com/office/powerpoint/2010/main" val="2859109652"/>
-      </p:ext>
-    </p:extLst>
-  </p:cSld>
-  <p:clrMapOvr>
-    <a:masterClrMapping/>
-  </p:clrMapOvr>
-  <p:transition spd="med"/>
-</p:sld>
-</file>
-
-<file path=ppt/slides/slide4.xml><?xml version="1.0" encoding="utf-8"?>
-<p:sld xmlns:a="http://schemas.openxmlformats.org/drawingml/2006/main" xmlns:r="http://schemas.openxmlformats.org/officeDocument/2006/relationships" xmlns:p="http://schemas.openxmlformats.org/presentationml/2006/main">
-  <p:cSld>
-    <p:bg>
-      <p:bgPr>
-        <a:solidFill>
-          <a:schemeClr val="bg1"/>
-        </a:solidFill>
-        <a:effectLst/>
-      </p:bgPr>
-    </p:bg>
-    <p:spTree>
-      <p:nvGrpSpPr>
-        <p:cNvPr id="1" name=""/>
-        <p:cNvGrpSpPr/>
-        <p:nvPr/>
-      </p:nvGrpSpPr>
-      <p:grpSpPr>
-        <a:xfrm>
-          <a:off x="0" y="0"/>
-          <a:ext cx="0" cy="0"/>
-          <a:chOff x="0" y="0"/>
-          <a:chExt cx="0" cy="0"/>
-        </a:xfrm>
-      </p:grpSpPr>
-      <p:sp>
-        <p:nvSpPr>
-          <p:cNvPr id="338" name="Rectangle 5"/>
-          <p:cNvSpPr/>
-          <p:nvPr/>
-        </p:nvSpPr>
-        <p:spPr>
-          <a:xfrm>
-            <a:off x="1" y="0"/>
-            <a:ext cx="6240886" cy="6858000"/>
-          </a:xfrm>
-          <a:prstGeom prst="rect">
-            <a:avLst/>
-          </a:prstGeom>
-          <a:solidFill>
-            <a:srgbClr val="1E1E1E"/>
-          </a:solidFill>
-          <a:ln w="12700">
-            <a:miter lim="400000"/>
-          </a:ln>
-        </p:spPr>
-        <p:txBody>
-          <a:bodyPr lIns="45719" rIns="45719"/>
-          <a:lstStyle/>
-          <a:p>
-            <a:endParaRPr/>
-          </a:p>
-        </p:txBody>
-      </p:sp>
-      <p:sp>
-        <p:nvSpPr>
-          <p:cNvPr id="15" name="Rectangle 2">
-            <a:extLst>
-              <a:ext uri="{FF2B5EF4-FFF2-40B4-BE49-F238E27FC236}">
-                <a16:creationId xmlns:a16="http://schemas.microsoft.com/office/drawing/2014/main" id="{20666E64-E24F-49CA-A8DD-262D268D3F2E}"/>
-              </a:ext>
-            </a:extLst>
-          </p:cNvPr>
-          <p:cNvSpPr txBox="1"/>
-          <p:nvPr/>
-        </p:nvSpPr>
-        <p:spPr>
-          <a:xfrm>
-            <a:off x="337797" y="1305149"/>
-            <a:ext cx="5426697" cy="4570867"/>
-          </a:xfrm>
-          <a:prstGeom prst="rect">
-            <a:avLst/>
-          </a:prstGeom>
-          <a:ln w="12700">
-            <a:miter lim="400000"/>
-          </a:ln>
-          <a:extLst>
-            <a:ext uri="{C572A759-6A51-4108-AA02-DFA0A04FC94B}">
-              <ma14:wrappingTextBoxFlag xmlns="" xmlns:ma14="http://schemas.microsoft.com/office/mac/drawingml/2011/main" val="1"/>
-            </a:ext>
-          </a:extLst>
-        </p:spPr>
-        <p:txBody>
-          <a:bodyPr wrap="square" lIns="45719" rIns="45719">
-            <a:spAutoFit/>
-          </a:bodyPr>
-          <a:lstStyle>
-            <a:lvl1pPr algn="just">
-              <a:lnSpc>
-                <a:spcPct val="150000"/>
-              </a:lnSpc>
-              <a:defRPr sz="900">
-                <a:solidFill>
-                  <a:srgbClr val="FFFFFF"/>
-                </a:solidFill>
-                <a:latin typeface="Lato Regular"/>
-                <a:ea typeface="Lato Regular"/>
-                <a:cs typeface="Lato Regular"/>
-                <a:sym typeface="Lato Regular"/>
-              </a:defRPr>
-            </a:lvl1pPr>
-          </a:lstStyle>
-          <a:p>
-            <a:r>
-              <a:rPr lang="en-US" sz="1400" dirty="0"/>
-              <a:t>The solutions that had been applied were:</a:t>
-            </a:r>
-          </a:p>
-          <a:p>
-            <a:pPr marL="342900" indent="-342900">
-              <a:buFont typeface="+mj-lt"/>
-              <a:buAutoNum type="arabicPeriod"/>
-            </a:pPr>
-            <a:r>
-              <a:rPr lang="en-US" sz="1400" dirty="0"/>
-              <a:t>Normalization</a:t>
-            </a:r>
-          </a:p>
-          <a:p>
-            <a:pPr marL="342900" indent="-342900">
-              <a:buFont typeface="+mj-lt"/>
-              <a:buAutoNum type="arabicPeriod"/>
-            </a:pPr>
-            <a:endParaRPr lang="en-US" sz="1400" dirty="0"/>
-          </a:p>
-          <a:p>
-            <a:pPr marL="342900" indent="-342900">
-              <a:buFont typeface="+mj-lt"/>
-              <a:buAutoNum type="arabicPeriod"/>
-            </a:pPr>
-            <a:endParaRPr lang="en-US" sz="1400" dirty="0"/>
-          </a:p>
-          <a:p>
-            <a:pPr marL="342900" indent="-342900">
-              <a:buFont typeface="+mj-lt"/>
-              <a:buAutoNum type="arabicPeriod"/>
-            </a:pPr>
-            <a:endParaRPr lang="en-US" sz="1400" dirty="0"/>
-          </a:p>
-          <a:p>
-            <a:pPr marL="342900" indent="-342900">
-              <a:buFont typeface="+mj-lt"/>
-              <a:buAutoNum type="arabicPeriod"/>
-            </a:pPr>
-            <a:endParaRPr lang="en-US" sz="1400" dirty="0"/>
-          </a:p>
-          <a:p>
-            <a:pPr marL="342900" indent="-342900">
-              <a:buFont typeface="+mj-lt"/>
-              <a:buAutoNum type="arabicPeriod"/>
-            </a:pPr>
-            <a:endParaRPr lang="en-US" sz="1400" dirty="0"/>
-          </a:p>
-          <a:p>
-            <a:pPr marL="342900" indent="-342900">
-              <a:buFont typeface="+mj-lt"/>
-              <a:buAutoNum type="arabicPeriod"/>
-            </a:pPr>
-            <a:r>
-              <a:rPr lang="en-US" sz="1400" dirty="0"/>
-              <a:t>Lemmatization</a:t>
-            </a:r>
-          </a:p>
-          <a:p>
-            <a:pPr marL="342900" indent="-342900">
-              <a:buFont typeface="+mj-lt"/>
-              <a:buAutoNum type="arabicPeriod"/>
-            </a:pPr>
-            <a:endParaRPr lang="en-US" sz="1400" dirty="0"/>
-          </a:p>
-          <a:p>
-            <a:pPr marL="342900" indent="-342900">
-              <a:buFont typeface="+mj-lt"/>
-              <a:buAutoNum type="arabicPeriod"/>
-            </a:pPr>
-            <a:endParaRPr lang="en-US" sz="1400" dirty="0"/>
-          </a:p>
-          <a:p>
-            <a:pPr marL="342900" indent="-342900">
-              <a:buFont typeface="+mj-lt"/>
-              <a:buAutoNum type="arabicPeriod"/>
-            </a:pPr>
-            <a:endParaRPr lang="en-US" sz="1400" dirty="0"/>
-          </a:p>
-          <a:p>
-            <a:pPr marL="342900" indent="-342900">
-              <a:buFont typeface="+mj-lt"/>
-              <a:buAutoNum type="arabicPeriod"/>
-            </a:pPr>
-            <a:endParaRPr lang="en-US" sz="1400" dirty="0"/>
-          </a:p>
-          <a:p>
-            <a:pPr marL="342900" indent="-342900">
-              <a:buFont typeface="+mj-lt"/>
-              <a:buAutoNum type="arabicPeriod"/>
-            </a:pPr>
-            <a:endParaRPr lang="en-US" sz="1400" dirty="0"/>
-          </a:p>
-          <a:p>
-            <a:pPr marL="342900" indent="-342900">
-              <a:buFont typeface="+mj-lt"/>
-              <a:buAutoNum type="arabicPeriod"/>
-            </a:pPr>
-            <a:r>
-              <a:rPr lang="en-US" sz="1400" dirty="0"/>
-              <a:t>Tokenization</a:t>
-            </a:r>
-          </a:p>
-        </p:txBody>
-      </p:sp>
-      <p:sp>
-        <p:nvSpPr>
-          <p:cNvPr id="7" name="Rectangle 5">
-            <a:extLst>
-              <a:ext uri="{FF2B5EF4-FFF2-40B4-BE49-F238E27FC236}">
-                <a16:creationId xmlns:a16="http://schemas.microsoft.com/office/drawing/2014/main" id="{0D626FBD-3259-474B-8F00-564D7385271F}"/>
-              </a:ext>
-            </a:extLst>
-          </p:cNvPr>
-          <p:cNvSpPr/>
-          <p:nvPr/>
-        </p:nvSpPr>
-        <p:spPr>
-          <a:xfrm flipH="1">
-            <a:off x="248304" y="264752"/>
-            <a:ext cx="2000957" cy="799117"/>
-          </a:xfrm>
-          <a:prstGeom prst="rect">
-            <a:avLst/>
-          </a:prstGeom>
-          <a:solidFill>
-            <a:srgbClr val="CC0001"/>
-          </a:solidFill>
-          <a:ln w="12700">
-            <a:miter lim="400000"/>
-          </a:ln>
-        </p:spPr>
-        <p:txBody>
-          <a:bodyPr lIns="45719" rIns="45719"/>
-          <a:lstStyle/>
-          <a:p>
-            <a:r>
-              <a:rPr lang="it-IT" dirty="0"/>
-              <a:t>   </a:t>
-            </a:r>
-            <a:endParaRPr dirty="0"/>
-          </a:p>
-        </p:txBody>
-      </p:sp>
-      <p:sp>
-        <p:nvSpPr>
-          <p:cNvPr id="10" name="TextBox 5">
-            <a:extLst>
-              <a:ext uri="{FF2B5EF4-FFF2-40B4-BE49-F238E27FC236}">
-                <a16:creationId xmlns:a16="http://schemas.microsoft.com/office/drawing/2014/main" id="{1C768714-9359-4798-9B60-BE4421470C89}"/>
-              </a:ext>
-            </a:extLst>
-          </p:cNvPr>
-          <p:cNvSpPr txBox="1"/>
-          <p:nvPr/>
-        </p:nvSpPr>
-        <p:spPr>
-          <a:xfrm>
-            <a:off x="337797" y="336458"/>
-            <a:ext cx="1821972" cy="646331"/>
-          </a:xfrm>
-          <a:prstGeom prst="rect">
-            <a:avLst/>
-          </a:prstGeom>
-          <a:ln w="12700">
-            <a:miter lim="400000"/>
-          </a:ln>
-          <a:extLst>
-            <a:ext uri="{C572A759-6A51-4108-AA02-DFA0A04FC94B}">
-              <ma14:wrappingTextBoxFlag xmlns="" xmlns:ma14="http://schemas.microsoft.com/office/mac/drawingml/2011/main" val="1"/>
-            </a:ext>
-          </a:extLst>
-        </p:spPr>
-        <p:txBody>
-          <a:bodyPr wrap="none" lIns="45719" rIns="45719">
-            <a:spAutoFit/>
-          </a:bodyPr>
-          <a:lstStyle>
-            <a:lvl1pPr>
-              <a:defRPr sz="3600">
-                <a:solidFill>
-                  <a:srgbClr val="FFFFFF"/>
-                </a:solidFill>
-                <a:latin typeface="Montserrat Bold"/>
-                <a:ea typeface="Montserrat Bold"/>
-                <a:cs typeface="Montserrat Bold"/>
-                <a:sym typeface="Montserrat Bold"/>
-              </a:defRPr>
-            </a:lvl1pPr>
-          </a:lstStyle>
-          <a:p>
-            <a:r>
-              <a:rPr lang="it-IT" dirty="0"/>
-              <a:t>Solutions</a:t>
-            </a:r>
-            <a:endParaRPr dirty="0"/>
-          </a:p>
-        </p:txBody>
-      </p:sp>
-    </p:spTree>
-  </p:cSld>
-  <p:clrMapOvr>
-    <a:masterClrMapping/>
-  </p:clrMapOvr>
-  <p:transition spd="med"/>
-</p:sld>
-</file>
-
-<file path=ppt/slides/slide5.xml><?xml version="1.0" encoding="utf-8"?>
-<p:sld xmlns:a="http://schemas.openxmlformats.org/drawingml/2006/main" xmlns:r="http://schemas.openxmlformats.org/officeDocument/2006/relationships" xmlns:p="http://schemas.openxmlformats.org/presentationml/2006/main">
-  <p:cSld>
-    <p:spTree>
-      <p:nvGrpSpPr>
-        <p:cNvPr id="1" name=""/>
-        <p:cNvGrpSpPr/>
-        <p:nvPr/>
-      </p:nvGrpSpPr>
-      <p:grpSpPr>
-        <a:xfrm>
-          <a:off x="0" y="0"/>
-          <a:ext cx="0" cy="0"/>
-          <a:chOff x="0" y="0"/>
-          <a:chExt cx="0" cy="0"/>
-        </a:xfrm>
-      </p:grpSpPr>
-      <p:sp>
-        <p:nvSpPr>
-          <p:cNvPr id="330" name="Rectangle 5"/>
-          <p:cNvSpPr/>
-          <p:nvPr/>
-        </p:nvSpPr>
-        <p:spPr>
-          <a:xfrm>
-            <a:off x="0" y="0"/>
-            <a:ext cx="12192000" cy="6858000"/>
-          </a:xfrm>
-          <a:prstGeom prst="rect">
-            <a:avLst/>
-          </a:prstGeom>
-          <a:solidFill>
-            <a:srgbClr val="1E1E1E"/>
-          </a:solidFill>
-          <a:ln w="12700">
-            <a:miter lim="400000"/>
-          </a:ln>
-        </p:spPr>
-        <p:txBody>
-          <a:bodyPr lIns="45719" rIns="45719"/>
-          <a:lstStyle/>
-          <a:p>
-            <a:endParaRPr/>
-          </a:p>
-        </p:txBody>
-      </p:sp>
-      <p:sp>
-        <p:nvSpPr>
-          <p:cNvPr id="331" name="Rectangle 2"/>
-          <p:cNvSpPr txBox="1"/>
-          <p:nvPr/>
-        </p:nvSpPr>
-        <p:spPr>
-          <a:xfrm>
-            <a:off x="359926" y="1805592"/>
-            <a:ext cx="5286894" cy="1517338"/>
-          </a:xfrm>
-          <a:prstGeom prst="rect">
-            <a:avLst/>
-          </a:prstGeom>
-          <a:ln w="12700">
-            <a:miter lim="400000"/>
-          </a:ln>
-          <a:extLst>
-            <a:ext uri="{C572A759-6A51-4108-AA02-DFA0A04FC94B}">
-              <ma14:wrappingTextBoxFlag xmlns="" xmlns:ma14="http://schemas.microsoft.com/office/mac/drawingml/2011/main" val="1"/>
-            </a:ext>
-          </a:extLst>
-        </p:spPr>
-        <p:txBody>
-          <a:bodyPr wrap="square" lIns="45719" rIns="45719">
-            <a:spAutoFit/>
-          </a:bodyPr>
-          <a:lstStyle>
-            <a:lvl1pPr algn="just">
-              <a:lnSpc>
-                <a:spcPct val="150000"/>
-              </a:lnSpc>
-              <a:defRPr sz="900">
-                <a:solidFill>
-                  <a:srgbClr val="FFFFFF"/>
-                </a:solidFill>
-                <a:latin typeface="Lato Regular"/>
-                <a:ea typeface="Lato Regular"/>
-                <a:cs typeface="Lato Regular"/>
-                <a:sym typeface="Lato Regular"/>
-              </a:defRPr>
-            </a:lvl1pPr>
-          </a:lstStyle>
-          <a:p>
-            <a:r>
-              <a:rPr lang="en-US" sz="1600" dirty="0"/>
-              <a:t>Given the large number of records, it was decided to use neural networks to solve the problem of predicting the taxi trip duration. The choice of the model and the hyperparameters was made after several empirical tests.</a:t>
-            </a:r>
-            <a:endParaRPr sz="1600" dirty="0"/>
-          </a:p>
-        </p:txBody>
-      </p:sp>
-      <p:sp>
-        <p:nvSpPr>
-          <p:cNvPr id="6" name="Rectangle 5">
-            <a:extLst>
-              <a:ext uri="{FF2B5EF4-FFF2-40B4-BE49-F238E27FC236}">
-                <a16:creationId xmlns:a16="http://schemas.microsoft.com/office/drawing/2014/main" id="{F73B7E4A-CD4F-463A-B0FD-2EF6E69FCD79}"/>
-              </a:ext>
-            </a:extLst>
-          </p:cNvPr>
-          <p:cNvSpPr/>
-          <p:nvPr/>
-        </p:nvSpPr>
-        <p:spPr>
-          <a:xfrm flipH="1">
-            <a:off x="240321" y="246199"/>
-            <a:ext cx="5286893" cy="1354001"/>
-          </a:xfrm>
-          <a:prstGeom prst="rect">
-            <a:avLst/>
-          </a:prstGeom>
-          <a:solidFill>
-            <a:srgbClr val="CC0001"/>
-          </a:solidFill>
-          <a:ln w="12700">
-            <a:miter lim="400000"/>
-          </a:ln>
-        </p:spPr>
-        <p:txBody>
-          <a:bodyPr lIns="45719" rIns="45719"/>
-          <a:lstStyle/>
-          <a:p>
-            <a:r>
-              <a:rPr lang="it-IT" dirty="0"/>
-              <a:t>   </a:t>
-            </a:r>
-            <a:endParaRPr dirty="0"/>
-          </a:p>
-        </p:txBody>
-      </p:sp>
-      <p:sp>
-        <p:nvSpPr>
-          <p:cNvPr id="8" name="TextBox 5">
-            <a:extLst>
-              <a:ext uri="{FF2B5EF4-FFF2-40B4-BE49-F238E27FC236}">
-                <a16:creationId xmlns:a16="http://schemas.microsoft.com/office/drawing/2014/main" id="{2D7E1F90-7546-4231-8DCD-7A9B5FD8F7D6}"/>
-              </a:ext>
-            </a:extLst>
-          </p:cNvPr>
-          <p:cNvSpPr txBox="1"/>
-          <p:nvPr/>
-        </p:nvSpPr>
-        <p:spPr>
-          <a:xfrm>
-            <a:off x="359926" y="316182"/>
-            <a:ext cx="5591675" cy="1754326"/>
-          </a:xfrm>
-          <a:prstGeom prst="rect">
-            <a:avLst/>
-          </a:prstGeom>
-          <a:ln w="12700">
-            <a:miter lim="400000"/>
-          </a:ln>
-          <a:extLst>
-            <a:ext uri="{C572A759-6A51-4108-AA02-DFA0A04FC94B}">
-              <ma14:wrappingTextBoxFlag xmlns="" xmlns:ma14="http://schemas.microsoft.com/office/mac/drawingml/2011/main" val="1"/>
-            </a:ext>
-          </a:extLst>
-        </p:spPr>
-        <p:txBody>
-          <a:bodyPr wrap="square" lIns="45719" rIns="45719">
-            <a:spAutoFit/>
-          </a:bodyPr>
-          <a:lstStyle>
-            <a:lvl1pPr>
-              <a:defRPr sz="3600">
-                <a:solidFill>
-                  <a:srgbClr val="FFFFFF"/>
-                </a:solidFill>
-                <a:latin typeface="Montserrat Bold"/>
-                <a:ea typeface="Montserrat Bold"/>
-                <a:cs typeface="Montserrat Bold"/>
-                <a:sym typeface="Montserrat Bold"/>
-              </a:defRPr>
-            </a:lvl1pPr>
-          </a:lstStyle>
-          <a:p>
-            <a:r>
-              <a:rPr lang="it-IT" dirty="0" err="1"/>
-              <a:t>Methodological</a:t>
-            </a:r>
-            <a:r>
-              <a:rPr lang="it-IT" dirty="0"/>
-              <a:t> </a:t>
-            </a:r>
-            <a:r>
-              <a:rPr lang="it-IT" dirty="0" err="1"/>
-              <a:t>approach</a:t>
-            </a:r>
-            <a:r>
-              <a:rPr lang="it-IT" dirty="0"/>
-              <a:t> and </a:t>
-            </a:r>
-            <a:r>
-              <a:rPr lang="it-IT" dirty="0" err="1"/>
-              <a:t>evaluation</a:t>
-            </a:r>
-            <a:endParaRPr lang="it-IT" dirty="0"/>
-          </a:p>
-          <a:p>
-            <a:endParaRPr dirty="0"/>
-          </a:p>
-        </p:txBody>
-      </p:sp>
-    </p:spTree>
-    <p:extLst>
-      <p:ext uri="{BB962C8B-B14F-4D97-AF65-F5344CB8AC3E}">
-        <p14:creationId xmlns:p14="http://schemas.microsoft.com/office/powerpoint/2010/main" val="487848631"/>
-      </p:ext>
-    </p:extLst>
-  </p:cSld>
-  <p:clrMapOvr>
-    <a:masterClrMapping/>
-  </p:clrMapOvr>
-  <p:transition spd="med"/>
-</p:sld>
-</file>
-
-<file path=ppt/slides/slide6.xml><?xml version="1.0" encoding="utf-8"?>
-<p:sld xmlns:a="http://schemas.openxmlformats.org/drawingml/2006/main" xmlns:r="http://schemas.openxmlformats.org/officeDocument/2006/relationships" xmlns:p="http://schemas.openxmlformats.org/presentationml/2006/main">
-  <p:cSld>
-    <p:spTree>
-      <p:nvGrpSpPr>
-        <p:cNvPr id="1" name=""/>
-        <p:cNvGrpSpPr/>
-        <p:nvPr/>
-      </p:nvGrpSpPr>
-      <p:grpSpPr>
-        <a:xfrm>
-          <a:off x="0" y="0"/>
-          <a:ext cx="0" cy="0"/>
-          <a:chOff x="0" y="0"/>
-          <a:chExt cx="0" cy="0"/>
-        </a:xfrm>
-      </p:grpSpPr>
-      <p:sp>
-        <p:nvSpPr>
-          <p:cNvPr id="338" name="Rectangle 5"/>
-          <p:cNvSpPr/>
-          <p:nvPr/>
-        </p:nvSpPr>
-        <p:spPr>
-          <a:xfrm>
-            <a:off x="1" y="0"/>
-            <a:ext cx="6240886" cy="6858000"/>
-          </a:xfrm>
-          <a:prstGeom prst="rect">
-            <a:avLst/>
-          </a:prstGeom>
-          <a:solidFill>
-            <a:srgbClr val="1E1E1E"/>
-          </a:solidFill>
-          <a:ln w="12700">
-            <a:miter lim="400000"/>
-          </a:ln>
-        </p:spPr>
-        <p:txBody>
-          <a:bodyPr lIns="45719" rIns="45719"/>
-          <a:lstStyle/>
-          <a:p>
-            <a:endParaRPr/>
-          </a:p>
-        </p:txBody>
-      </p:sp>
-      <p:sp>
-        <p:nvSpPr>
-          <p:cNvPr id="9" name="Rectangle 2">
-            <a:extLst>
-              <a:ext uri="{FF2B5EF4-FFF2-40B4-BE49-F238E27FC236}">
-                <a16:creationId xmlns:a16="http://schemas.microsoft.com/office/drawing/2014/main" id="{9A1D70F6-7B6C-44AA-AA6B-77ED02BEDC86}"/>
-              </a:ext>
-            </a:extLst>
-          </p:cNvPr>
-          <p:cNvSpPr txBox="1"/>
-          <p:nvPr/>
-        </p:nvSpPr>
-        <p:spPr>
-          <a:xfrm>
-            <a:off x="337797" y="1140813"/>
-            <a:ext cx="5426697" cy="409343"/>
-          </a:xfrm>
-          <a:prstGeom prst="rect">
-            <a:avLst/>
-          </a:prstGeom>
-          <a:ln w="12700">
-            <a:miter lim="400000"/>
-          </a:ln>
-          <a:extLst>
-            <a:ext uri="{C572A759-6A51-4108-AA02-DFA0A04FC94B}">
-              <ma14:wrappingTextBoxFlag xmlns="" xmlns:ma14="http://schemas.microsoft.com/office/mac/drawingml/2011/main" val="1"/>
-            </a:ext>
-          </a:extLst>
-        </p:spPr>
-        <p:txBody>
-          <a:bodyPr wrap="square" lIns="45719" rIns="45719">
-            <a:spAutoFit/>
-          </a:bodyPr>
-          <a:lstStyle>
-            <a:lvl1pPr algn="just">
-              <a:lnSpc>
-                <a:spcPct val="150000"/>
-              </a:lnSpc>
-              <a:defRPr sz="900">
-                <a:solidFill>
-                  <a:srgbClr val="FFFFFF"/>
-                </a:solidFill>
-                <a:latin typeface="Lato Regular"/>
-                <a:ea typeface="Lato Regular"/>
-                <a:cs typeface="Lato Regular"/>
-                <a:sym typeface="Lato Regular"/>
-              </a:defRPr>
-            </a:lvl1pPr>
-          </a:lstStyle>
-          <a:p>
-            <a:r>
-              <a:rPr lang="en-US" sz="1600" dirty="0"/>
-              <a:t>This</a:t>
-            </a:r>
-          </a:p>
-        </p:txBody>
-      </p:sp>
-      <p:sp>
-        <p:nvSpPr>
-          <p:cNvPr id="6" name="Rectangle 5">
-            <a:extLst>
-              <a:ext uri="{FF2B5EF4-FFF2-40B4-BE49-F238E27FC236}">
-                <a16:creationId xmlns:a16="http://schemas.microsoft.com/office/drawing/2014/main" id="{A826A8C9-62D5-42FB-926F-B339372E77E7}"/>
-              </a:ext>
-            </a:extLst>
-          </p:cNvPr>
-          <p:cNvSpPr/>
-          <p:nvPr/>
-        </p:nvSpPr>
-        <p:spPr>
-          <a:xfrm flipH="1">
-            <a:off x="198010" y="278594"/>
-            <a:ext cx="2430890" cy="784689"/>
-          </a:xfrm>
-          <a:prstGeom prst="rect">
-            <a:avLst/>
-          </a:prstGeom>
-          <a:solidFill>
-            <a:srgbClr val="CC0001"/>
-          </a:solidFill>
-          <a:ln w="12700">
-            <a:miter lim="400000"/>
-          </a:ln>
-        </p:spPr>
-        <p:txBody>
-          <a:bodyPr lIns="45719" rIns="45719"/>
-          <a:lstStyle/>
-          <a:p>
-            <a:r>
-              <a:rPr lang="it-IT" dirty="0"/>
-              <a:t>   </a:t>
-            </a:r>
-            <a:endParaRPr dirty="0"/>
-          </a:p>
-        </p:txBody>
-      </p:sp>
-      <p:sp>
-        <p:nvSpPr>
-          <p:cNvPr id="10" name="TextBox 5">
-            <a:extLst>
-              <a:ext uri="{FF2B5EF4-FFF2-40B4-BE49-F238E27FC236}">
-                <a16:creationId xmlns:a16="http://schemas.microsoft.com/office/drawing/2014/main" id="{1C768714-9359-4798-9B60-BE4421470C89}"/>
-              </a:ext>
-            </a:extLst>
-          </p:cNvPr>
-          <p:cNvSpPr txBox="1"/>
-          <p:nvPr/>
-        </p:nvSpPr>
-        <p:spPr>
-          <a:xfrm>
-            <a:off x="337797" y="336458"/>
-            <a:ext cx="2124939" cy="646331"/>
-          </a:xfrm>
-          <a:prstGeom prst="rect">
-            <a:avLst/>
-          </a:prstGeom>
-          <a:ln w="12700">
-            <a:miter lim="400000"/>
-          </a:ln>
-          <a:extLst>
-            <a:ext uri="{C572A759-6A51-4108-AA02-DFA0A04FC94B}">
-              <ma14:wrappingTextBoxFlag xmlns="" xmlns:ma14="http://schemas.microsoft.com/office/mac/drawingml/2011/main" val="1"/>
-            </a:ext>
-          </a:extLst>
-        </p:spPr>
-        <p:txBody>
-          <a:bodyPr wrap="none" lIns="45719" rIns="45719">
-            <a:spAutoFit/>
-          </a:bodyPr>
-          <a:lstStyle>
-            <a:lvl1pPr>
-              <a:defRPr sz="3600">
-                <a:solidFill>
-                  <a:srgbClr val="FFFFFF"/>
-                </a:solidFill>
-                <a:latin typeface="Montserrat Bold"/>
-                <a:ea typeface="Montserrat Bold"/>
-                <a:cs typeface="Montserrat Bold"/>
-                <a:sym typeface="Montserrat Bold"/>
-              </a:defRPr>
-            </a:lvl1pPr>
-          </a:lstStyle>
-          <a:p>
-            <a:r>
-              <a:rPr lang="it-IT" b="1" dirty="0"/>
-              <a:t>The model</a:t>
-            </a:r>
-            <a:endParaRPr b="1" dirty="0"/>
-          </a:p>
-        </p:txBody>
-      </p:sp>
-    </p:spTree>
-    <p:extLst>
-      <p:ext uri="{BB962C8B-B14F-4D97-AF65-F5344CB8AC3E}">
-        <p14:creationId xmlns:p14="http://schemas.microsoft.com/office/powerpoint/2010/main" val="3601882057"/>
-      </p:ext>
-    </p:extLst>
-  </p:cSld>
-  <p:clrMapOvr>
-    <a:masterClrMapping/>
-  </p:clrMapOvr>
-  <p:transition spd="med"/>
-</p:sld>
-</file>
-
-<file path=ppt/slides/slide7.xml><?xml version="1.0" encoding="utf-8"?>
-<p:sld xmlns:a="http://schemas.openxmlformats.org/drawingml/2006/main" xmlns:r="http://schemas.openxmlformats.org/officeDocument/2006/relationships" xmlns:p="http://schemas.openxmlformats.org/presentationml/2006/main">
-  <p:cSld>
-    <p:spTree>
-      <p:nvGrpSpPr>
-        <p:cNvPr id="1" name=""/>
-        <p:cNvGrpSpPr/>
-        <p:nvPr/>
-      </p:nvGrpSpPr>
-      <p:grpSpPr>
-        <a:xfrm>
-          <a:off x="0" y="0"/>
-          <a:ext cx="0" cy="0"/>
-          <a:chOff x="0" y="0"/>
-          <a:chExt cx="0" cy="0"/>
-        </a:xfrm>
-      </p:grpSpPr>
-      <p:sp>
-        <p:nvSpPr>
-          <p:cNvPr id="346" name="Rectangle 11"/>
-          <p:cNvSpPr txBox="1"/>
-          <p:nvPr/>
-        </p:nvSpPr>
-        <p:spPr>
-          <a:xfrm>
-            <a:off x="3153713" y="934519"/>
-            <a:ext cx="5884575" cy="478401"/>
-          </a:xfrm>
-          <a:prstGeom prst="rect">
-            <a:avLst/>
-          </a:prstGeom>
-          <a:ln w="12700">
-            <a:miter lim="400000"/>
-          </a:ln>
-          <a:extLst>
-            <a:ext uri="{C572A759-6A51-4108-AA02-DFA0A04FC94B}">
-              <ma14:wrappingTextBoxFlag xmlns="" xmlns:ma14="http://schemas.microsoft.com/office/mac/drawingml/2011/main" val="1"/>
-            </a:ext>
-          </a:extLst>
-        </p:spPr>
-        <p:txBody>
-          <a:bodyPr lIns="45719" rIns="45719">
-            <a:spAutoFit/>
-          </a:bodyPr>
-          <a:lstStyle>
-            <a:lvl1pPr algn="ctr">
-              <a:lnSpc>
-                <a:spcPct val="150000"/>
-              </a:lnSpc>
-              <a:defRPr sz="900">
-                <a:solidFill>
-                  <a:srgbClr val="A7A7A7"/>
-                </a:solidFill>
-                <a:latin typeface="Lato Regular"/>
-                <a:ea typeface="Lato Regular"/>
-                <a:cs typeface="Lato Regular"/>
-                <a:sym typeface="Lato Regular"/>
-              </a:defRPr>
-            </a:lvl1pPr>
-          </a:lstStyle>
-          <a:p>
-            <a:r>
-              <a:rPr lang="it-IT" dirty="0"/>
-              <a:t>The following </a:t>
-            </a:r>
-            <a:r>
-              <a:rPr lang="it-IT" dirty="0" err="1"/>
-              <a:t>graphs</a:t>
-            </a:r>
-            <a:r>
-              <a:rPr lang="it-IT" dirty="0"/>
-              <a:t> </a:t>
-            </a:r>
-            <a:r>
-              <a:rPr lang="it-IT" dirty="0" err="1"/>
-              <a:t>represent</a:t>
-            </a:r>
-            <a:r>
-              <a:rPr lang="it-IT" dirty="0"/>
-              <a:t> the </a:t>
-            </a:r>
-            <a:r>
-              <a:rPr lang="it-IT" dirty="0" err="1"/>
-              <a:t>loss</a:t>
-            </a:r>
-            <a:r>
-              <a:rPr lang="it-IT" dirty="0"/>
-              <a:t> </a:t>
-            </a:r>
-            <a:r>
-              <a:rPr lang="it-IT" dirty="0" err="1"/>
-              <a:t>function</a:t>
-            </a:r>
-            <a:r>
-              <a:rPr lang="it-IT" dirty="0"/>
-              <a:t> of the model and the </a:t>
-            </a:r>
-            <a:r>
-              <a:rPr lang="it-IT" dirty="0" err="1"/>
-              <a:t>scatter</a:t>
-            </a:r>
-            <a:r>
-              <a:rPr lang="it-IT" dirty="0"/>
-              <a:t> plot of the </a:t>
-            </a:r>
-            <a:r>
-              <a:rPr lang="it-IT" dirty="0" err="1"/>
-              <a:t>prediction</a:t>
-            </a:r>
-            <a:r>
-              <a:rPr lang="it-IT" dirty="0"/>
-              <a:t> </a:t>
-            </a:r>
-            <a:r>
-              <a:rPr lang="it-IT" dirty="0" err="1"/>
-              <a:t>against</a:t>
-            </a:r>
-            <a:r>
-              <a:rPr lang="it-IT" dirty="0"/>
-              <a:t> the </a:t>
-            </a:r>
-            <a:r>
-              <a:rPr lang="it-IT" dirty="0" err="1"/>
-              <a:t>real</a:t>
-            </a:r>
-            <a:r>
-              <a:rPr lang="it-IT" dirty="0"/>
-              <a:t> duration</a:t>
-            </a:r>
-            <a:r>
-              <a:rPr dirty="0"/>
-              <a:t>.</a:t>
-            </a:r>
-          </a:p>
-        </p:txBody>
-      </p:sp>
-      <p:sp>
-        <p:nvSpPr>
-          <p:cNvPr id="347" name="TextBox 12"/>
-          <p:cNvSpPr txBox="1"/>
-          <p:nvPr/>
-        </p:nvSpPr>
-        <p:spPr>
-          <a:xfrm>
-            <a:off x="5123697" y="288188"/>
-            <a:ext cx="1435647" cy="646331"/>
-          </a:xfrm>
-          <a:prstGeom prst="rect">
-            <a:avLst/>
-          </a:prstGeom>
-          <a:ln w="12700">
-            <a:miter lim="400000"/>
-          </a:ln>
-          <a:extLst>
-            <a:ext uri="{C572A759-6A51-4108-AA02-DFA0A04FC94B}">
-              <ma14:wrappingTextBoxFlag xmlns="" xmlns:ma14="http://schemas.microsoft.com/office/mac/drawingml/2011/main" val="1"/>
-            </a:ext>
-          </a:extLst>
-        </p:spPr>
-        <p:txBody>
-          <a:bodyPr wrap="none" lIns="45719" rIns="45719">
-            <a:spAutoFit/>
-          </a:bodyPr>
-          <a:lstStyle>
-            <a:lvl1pPr>
-              <a:defRPr sz="3600">
-                <a:latin typeface="Montserrat Bold"/>
-                <a:ea typeface="Montserrat Bold"/>
-                <a:cs typeface="Montserrat Bold"/>
-                <a:sym typeface="Montserrat Bold"/>
-              </a:defRPr>
-            </a:lvl1pPr>
-          </a:lstStyle>
-          <a:p>
-            <a:r>
-              <a:rPr lang="it-IT" dirty="0" err="1"/>
-              <a:t>Results</a:t>
-            </a:r>
-            <a:endParaRPr dirty="0"/>
-          </a:p>
-        </p:txBody>
-      </p:sp>
-    </p:spTree>
-  </p:cSld>
-  <p:clrMapOvr>
-    <a:masterClrMapping/>
-  </p:clrMapOvr>
-  <p:transition spd="med"/>
-</p:sld>
-</file>
-
-<file path=ppt/slides/slide8.xml><?xml version="1.0" encoding="utf-8"?>
-<p:sld xmlns:a="http://schemas.openxmlformats.org/drawingml/2006/main" xmlns:r="http://schemas.openxmlformats.org/officeDocument/2006/relationships" xmlns:p="http://schemas.openxmlformats.org/presentationml/2006/main">
-  <p:cSld>
-    <p:spTree>
-      <p:nvGrpSpPr>
-        <p:cNvPr id="1" name=""/>
-        <p:cNvGrpSpPr/>
-        <p:nvPr/>
-      </p:nvGrpSpPr>
-      <p:grpSpPr>
-        <a:xfrm>
-          <a:off x="0" y="0"/>
-          <a:ext cx="0" cy="0"/>
-          <a:chOff x="0" y="0"/>
-          <a:chExt cx="0" cy="0"/>
-        </a:xfrm>
-      </p:grpSpPr>
-      <p:sp>
-        <p:nvSpPr>
-          <p:cNvPr id="346" name="Rectangle 11"/>
-          <p:cNvSpPr txBox="1"/>
-          <p:nvPr/>
-        </p:nvSpPr>
-        <p:spPr>
-          <a:xfrm>
-            <a:off x="3153713" y="934519"/>
-            <a:ext cx="5884575" cy="478401"/>
-          </a:xfrm>
-          <a:prstGeom prst="rect">
-            <a:avLst/>
-          </a:prstGeom>
-          <a:ln w="12700">
-            <a:miter lim="400000"/>
-          </a:ln>
-          <a:extLst>
-            <a:ext uri="{C572A759-6A51-4108-AA02-DFA0A04FC94B}">
-              <ma14:wrappingTextBoxFlag xmlns="" xmlns:ma14="http://schemas.microsoft.com/office/mac/drawingml/2011/main" val="1"/>
-            </a:ext>
-          </a:extLst>
-        </p:spPr>
-        <p:txBody>
-          <a:bodyPr lIns="45719" rIns="45719">
-            <a:spAutoFit/>
-          </a:bodyPr>
-          <a:lstStyle>
-            <a:lvl1pPr algn="ctr">
-              <a:lnSpc>
-                <a:spcPct val="150000"/>
-              </a:lnSpc>
-              <a:defRPr sz="900">
-                <a:solidFill>
-                  <a:srgbClr val="A7A7A7"/>
-                </a:solidFill>
-                <a:latin typeface="Lato Regular"/>
-                <a:ea typeface="Lato Regular"/>
-                <a:cs typeface="Lato Regular"/>
-                <a:sym typeface="Lato Regular"/>
-              </a:defRPr>
-            </a:lvl1pPr>
-          </a:lstStyle>
-          <a:p>
-            <a:r>
-              <a:rPr lang="it-IT" dirty="0"/>
-              <a:t>The following </a:t>
-            </a:r>
-            <a:r>
-              <a:rPr lang="it-IT" dirty="0" err="1"/>
-              <a:t>graphs</a:t>
-            </a:r>
-            <a:r>
-              <a:rPr lang="it-IT" dirty="0"/>
-              <a:t> </a:t>
-            </a:r>
-            <a:r>
-              <a:rPr lang="it-IT" dirty="0" err="1"/>
-              <a:t>represent</a:t>
-            </a:r>
-            <a:r>
-              <a:rPr lang="it-IT" dirty="0"/>
-              <a:t> the </a:t>
-            </a:r>
-            <a:r>
-              <a:rPr lang="it-IT" dirty="0" err="1"/>
-              <a:t>loss</a:t>
-            </a:r>
-            <a:r>
-              <a:rPr lang="it-IT" dirty="0"/>
-              <a:t> </a:t>
-            </a:r>
-            <a:r>
-              <a:rPr lang="it-IT" dirty="0" err="1"/>
-              <a:t>function</a:t>
-            </a:r>
-            <a:r>
-              <a:rPr lang="it-IT" dirty="0"/>
-              <a:t> of the model and the </a:t>
-            </a:r>
-            <a:r>
-              <a:rPr lang="it-IT" dirty="0" err="1"/>
-              <a:t>scatter</a:t>
-            </a:r>
-            <a:r>
-              <a:rPr lang="it-IT" dirty="0"/>
-              <a:t> plot of the </a:t>
-            </a:r>
-            <a:r>
-              <a:rPr lang="it-IT" dirty="0" err="1"/>
-              <a:t>prediction</a:t>
-            </a:r>
-            <a:r>
-              <a:rPr lang="it-IT" dirty="0"/>
-              <a:t> </a:t>
-            </a:r>
-            <a:r>
-              <a:rPr lang="it-IT" dirty="0" err="1"/>
-              <a:t>against</a:t>
-            </a:r>
-            <a:r>
-              <a:rPr lang="it-IT" dirty="0"/>
-              <a:t> the </a:t>
-            </a:r>
-            <a:r>
-              <a:rPr lang="it-IT" dirty="0" err="1"/>
-              <a:t>real</a:t>
-            </a:r>
-            <a:r>
-              <a:rPr lang="it-IT" dirty="0"/>
-              <a:t> duration</a:t>
-            </a:r>
-            <a:r>
-              <a:rPr dirty="0"/>
-              <a:t>.</a:t>
-            </a:r>
-          </a:p>
-        </p:txBody>
-      </p:sp>
-      <p:sp>
-        <p:nvSpPr>
-          <p:cNvPr id="347" name="TextBox 12"/>
-          <p:cNvSpPr txBox="1"/>
-          <p:nvPr/>
-        </p:nvSpPr>
-        <p:spPr>
-          <a:xfrm>
-            <a:off x="5123697" y="288188"/>
-            <a:ext cx="1435647" cy="646331"/>
-          </a:xfrm>
-          <a:prstGeom prst="rect">
-            <a:avLst/>
-          </a:prstGeom>
-          <a:ln w="12700">
-            <a:miter lim="400000"/>
-          </a:ln>
-          <a:extLst>
-            <a:ext uri="{C572A759-6A51-4108-AA02-DFA0A04FC94B}">
-              <ma14:wrappingTextBoxFlag xmlns="" xmlns:ma14="http://schemas.microsoft.com/office/mac/drawingml/2011/main" val="1"/>
-            </a:ext>
-          </a:extLst>
-        </p:spPr>
-        <p:txBody>
-          <a:bodyPr wrap="none" lIns="45719" rIns="45719">
-            <a:spAutoFit/>
-          </a:bodyPr>
-          <a:lstStyle>
-            <a:lvl1pPr>
-              <a:defRPr sz="3600">
-                <a:latin typeface="Montserrat Bold"/>
-                <a:ea typeface="Montserrat Bold"/>
-                <a:cs typeface="Montserrat Bold"/>
-                <a:sym typeface="Montserrat Bold"/>
-              </a:defRPr>
-            </a:lvl1pPr>
-          </a:lstStyle>
-          <a:p>
-            <a:r>
-              <a:rPr lang="it-IT" dirty="0" err="1"/>
-              <a:t>Results</a:t>
-            </a:r>
-            <a:endParaRPr dirty="0"/>
-          </a:p>
-        </p:txBody>
-      </p:sp>
-    </p:spTree>
-    <p:extLst>
-      <p:ext uri="{BB962C8B-B14F-4D97-AF65-F5344CB8AC3E}">
-        <p14:creationId xmlns:p14="http://schemas.microsoft.com/office/powerpoint/2010/main" val="4176706947"/>
-      </p:ext>
-    </p:extLst>
-  </p:cSld>
-  <p:clrMapOvr>
-    <a:masterClrMapping/>
-  </p:clrMapOvr>
-  <p:transition spd="med"/>
-</p:sld>
-</file>
-
-<file path=ppt/slides/slide9.xml><?xml version="1.0" encoding="utf-8"?>
-<p:sld xmlns:a="http://schemas.openxmlformats.org/drawingml/2006/main" xmlns:r="http://schemas.openxmlformats.org/officeDocument/2006/relationships" xmlns:p="http://schemas.openxmlformats.org/presentationml/2006/main">
-  <p:cSld>
     <p:spTree>
       <p:nvGrpSpPr>
         <p:cNvPr id="1" name=""/>
@@ -6012,7 +3792,7 @@
           </a:ln>
           <a:extLst>
             <a:ext uri="{C572A759-6A51-4108-AA02-DFA0A04FC94B}">
-              <ma14:wrappingTextBoxFlag xmlns="" xmlns:ma14="http://schemas.microsoft.com/office/mac/drawingml/2011/main" val="1"/>
+              <ma14:wrappingTextBoxFlag xmlns:ma14="http://schemas.microsoft.com/office/mac/drawingml/2011/main" xmlns="" val="1"/>
             </a:ext>
           </a:extLst>
         </p:spPr>
@@ -6075,7 +3855,7 @@
           </a:ln>
           <a:extLst>
             <a:ext uri="{C572A759-6A51-4108-AA02-DFA0A04FC94B}">
-              <ma14:wrappingTextBoxFlag xmlns="" xmlns:ma14="http://schemas.microsoft.com/office/mac/drawingml/2011/main" val="1"/>
+              <ma14:wrappingTextBoxFlag xmlns:ma14="http://schemas.microsoft.com/office/mac/drawingml/2011/main" xmlns="" val="1"/>
             </a:ext>
           </a:extLst>
         </p:spPr>
@@ -6129,6 +3909,2831 @@
     <p:extLst>
       <p:ext uri="{BB962C8B-B14F-4D97-AF65-F5344CB8AC3E}">
         <p14:creationId xmlns:p14="http://schemas.microsoft.com/office/powerpoint/2010/main" val="2933212610"/>
+      </p:ext>
+    </p:extLst>
+  </p:cSld>
+  <p:clrMapOvr>
+    <a:masterClrMapping/>
+  </p:clrMapOvr>
+  <p:transition spd="med"/>
+</p:sld>
+</file>
+
+<file path=ppt/slides/slide11.xml><?xml version="1.0" encoding="utf-8"?>
+<p:sld xmlns:a="http://schemas.openxmlformats.org/drawingml/2006/main" xmlns:r="http://schemas.openxmlformats.org/officeDocument/2006/relationships" xmlns:p="http://schemas.openxmlformats.org/presentationml/2006/main">
+  <p:cSld>
+    <p:spTree>
+      <p:nvGrpSpPr>
+        <p:cNvPr id="1" name=""/>
+        <p:cNvGrpSpPr/>
+        <p:nvPr/>
+      </p:nvGrpSpPr>
+      <p:grpSpPr>
+        <a:xfrm>
+          <a:off x="0" y="0"/>
+          <a:ext cx="0" cy="0"/>
+          <a:chOff x="0" y="0"/>
+          <a:chExt cx="0" cy="0"/>
+        </a:xfrm>
+      </p:grpSpPr>
+      <p:sp>
+        <p:nvSpPr>
+          <p:cNvPr id="697" name="Rectangle 5"/>
+          <p:cNvSpPr/>
+          <p:nvPr/>
+        </p:nvSpPr>
+        <p:spPr>
+          <a:xfrm>
+            <a:off x="-142160" y="2595884"/>
+            <a:ext cx="12329065" cy="2759671"/>
+          </a:xfrm>
+          <a:prstGeom prst="rect">
+            <a:avLst/>
+          </a:prstGeom>
+          <a:solidFill>
+            <a:srgbClr val="CC0001"/>
+          </a:solidFill>
+          <a:ln w="12700">
+            <a:miter lim="400000"/>
+          </a:ln>
+        </p:spPr>
+        <p:txBody>
+          <a:bodyPr lIns="45719" rIns="45719"/>
+          <a:lstStyle/>
+          <a:p>
+            <a:endParaRPr/>
+          </a:p>
+        </p:txBody>
+      </p:sp>
+      <p:sp>
+        <p:nvSpPr>
+          <p:cNvPr id="698" name="TextBox 4"/>
+          <p:cNvSpPr txBox="1"/>
+          <p:nvPr/>
+        </p:nvSpPr>
+        <p:spPr>
+          <a:xfrm>
+            <a:off x="861408" y="2745286"/>
+            <a:ext cx="4071076" cy="1200329"/>
+          </a:xfrm>
+          <a:prstGeom prst="rect">
+            <a:avLst/>
+          </a:prstGeom>
+          <a:ln w="12700">
+            <a:miter lim="400000"/>
+          </a:ln>
+          <a:extLst>
+            <a:ext uri="{C572A759-6A51-4108-AA02-DFA0A04FC94B}">
+              <ma14:wrappingTextBoxFlag xmlns:ma14="http://schemas.microsoft.com/office/mac/drawingml/2011/main" xmlns="" val="1"/>
+            </a:ext>
+          </a:extLst>
+        </p:spPr>
+        <p:txBody>
+          <a:bodyPr wrap="square" lIns="45719" rIns="45719">
+            <a:spAutoFit/>
+          </a:bodyPr>
+          <a:lstStyle>
+            <a:lvl1pPr>
+              <a:defRPr sz="8700">
+                <a:solidFill>
+                  <a:srgbClr val="FFFFFF"/>
+                </a:solidFill>
+                <a:latin typeface="Montserrat Bold"/>
+                <a:ea typeface="Montserrat Bold"/>
+                <a:cs typeface="Montserrat Bold"/>
+                <a:sym typeface="Montserrat Bold"/>
+              </a:defRPr>
+            </a:lvl1pPr>
+          </a:lstStyle>
+          <a:p>
+            <a:r>
+              <a:rPr sz="7200" dirty="0"/>
+              <a:t>Thank You</a:t>
+            </a:r>
+          </a:p>
+        </p:txBody>
+      </p:sp>
+      <p:pic>
+        <p:nvPicPr>
+          <p:cNvPr id="4" name="Segnaposto immagine 3">
+            <a:extLst>
+              <a:ext uri="{FF2B5EF4-FFF2-40B4-BE49-F238E27FC236}">
+                <a16:creationId xmlns:a16="http://schemas.microsoft.com/office/drawing/2014/main" id="{BBC6FAC9-1071-4827-841D-6ECF9760C484}"/>
+              </a:ext>
+            </a:extLst>
+          </p:cNvPr>
+          <p:cNvPicPr>
+            <a:picLocks noGrp="1" noChangeAspect="1"/>
+          </p:cNvPicPr>
+          <p:nvPr>
+            <p:ph type="pic" sz="half" idx="13"/>
+          </p:nvPr>
+        </p:nvPicPr>
+        <p:blipFill>
+          <a:blip r:embed="rId2">
+            <a:extLst>
+              <a:ext uri="{28A0092B-C50C-407E-A947-70E740481C1C}">
+                <a14:useLocalDpi xmlns:a14="http://schemas.microsoft.com/office/drawing/2010/main" val="0"/>
+              </a:ext>
+            </a:extLst>
+          </a:blip>
+          <a:srcRect l="13611" r="13611"/>
+          <a:stretch/>
+        </p:blipFill>
+        <p:spPr>
+          <a:xfrm>
+            <a:off x="6850824" y="534011"/>
+            <a:ext cx="4213818" cy="5789978"/>
+          </a:xfrm>
+        </p:spPr>
+      </p:pic>
+      <p:sp>
+        <p:nvSpPr>
+          <p:cNvPr id="8" name="TextBox 14">
+            <a:extLst>
+              <a:ext uri="{FF2B5EF4-FFF2-40B4-BE49-F238E27FC236}">
+                <a16:creationId xmlns:a16="http://schemas.microsoft.com/office/drawing/2014/main" id="{90908CF4-6984-45DA-BDB1-EA008A628C39}"/>
+              </a:ext>
+            </a:extLst>
+          </p:cNvPr>
+          <p:cNvSpPr txBox="1"/>
+          <p:nvPr/>
+        </p:nvSpPr>
+        <p:spPr>
+          <a:xfrm>
+            <a:off x="861408" y="4263476"/>
+            <a:ext cx="3237423" cy="523218"/>
+          </a:xfrm>
+          <a:prstGeom prst="rect">
+            <a:avLst/>
+          </a:prstGeom>
+          <a:noFill/>
+          <a:ln w="12700" cap="flat">
+            <a:noFill/>
+            <a:miter lim="400000"/>
+          </a:ln>
+          <a:effectLst/>
+          <a:extLst>
+            <a:ext uri="{C572A759-6A51-4108-AA02-DFA0A04FC94B}">
+              <ma14:wrappingTextBoxFlag xmlns:ma14="http://schemas.microsoft.com/office/mac/drawingml/2011/main" xmlns="" val="1"/>
+            </a:ext>
+          </a:extLst>
+        </p:spPr>
+        <p:txBody>
+          <a:bodyPr wrap="none" lIns="45719" tIns="45719" rIns="45719" bIns="45719" numCol="1" anchor="t">
+            <a:spAutoFit/>
+          </a:bodyPr>
+          <a:lstStyle>
+            <a:lvl1pPr>
+              <a:defRPr sz="1400" spc="300">
+                <a:solidFill>
+                  <a:srgbClr val="FFFFFF"/>
+                </a:solidFill>
+                <a:latin typeface="Montserrat"/>
+                <a:ea typeface="Montserrat"/>
+                <a:cs typeface="Montserrat"/>
+                <a:sym typeface="Montserrat"/>
+              </a:defRPr>
+            </a:lvl1pPr>
+          </a:lstStyle>
+          <a:p>
+            <a:r>
+              <a:rPr lang="it-IT" dirty="0"/>
+              <a:t>Christian Uccheddu - 800428</a:t>
+            </a:r>
+          </a:p>
+          <a:p>
+            <a:r>
+              <a:rPr lang="it-IT" dirty="0"/>
+              <a:t>Federico De Servi - 812166</a:t>
+            </a:r>
+            <a:endParaRPr dirty="0"/>
+          </a:p>
+        </p:txBody>
+      </p:sp>
+      <p:sp>
+        <p:nvSpPr>
+          <p:cNvPr id="7" name="CasellaDiTesto 6">
+            <a:extLst>
+              <a:ext uri="{FF2B5EF4-FFF2-40B4-BE49-F238E27FC236}">
+                <a16:creationId xmlns:a16="http://schemas.microsoft.com/office/drawing/2014/main" id="{4E57EC21-BDAC-4F2F-A326-C637D38A17B9}"/>
+              </a:ext>
+            </a:extLst>
+          </p:cNvPr>
+          <p:cNvSpPr txBox="1"/>
+          <p:nvPr/>
+        </p:nvSpPr>
+        <p:spPr>
+          <a:xfrm>
+            <a:off x="7060093" y="6033411"/>
+            <a:ext cx="6097464" cy="169277"/>
+          </a:xfrm>
+          <a:prstGeom prst="rect">
+            <a:avLst/>
+          </a:prstGeom>
+          <a:noFill/>
+          <a:ln w="12700" cap="flat">
+            <a:noFill/>
+            <a:miter lim="400000"/>
+          </a:ln>
+          <a:effectLst/>
+          <a:sp3d/>
+        </p:spPr>
+        <p:style>
+          <a:lnRef idx="0">
+            <a:scrgbClr r="0" g="0" b="0"/>
+          </a:lnRef>
+          <a:fillRef idx="0">
+            <a:scrgbClr r="0" g="0" b="0"/>
+          </a:fillRef>
+          <a:effectRef idx="0">
+            <a:scrgbClr r="0" g="0" b="0"/>
+          </a:effectRef>
+          <a:fontRef idx="none"/>
+        </p:style>
+        <p:txBody>
+          <a:bodyPr wrap="square">
+            <a:spAutoFit/>
+          </a:bodyPr>
+          <a:lstStyle/>
+          <a:p>
+            <a:r>
+              <a:rPr lang="it-IT" sz="500" dirty="0">
+                <a:solidFill>
+                  <a:schemeClr val="bg1">
+                    <a:lumMod val="75000"/>
+                  </a:schemeClr>
+                </a:solidFill>
+              </a:rPr>
+              <a:t>Image </a:t>
+            </a:r>
+            <a:r>
+              <a:rPr lang="it-IT" sz="500" dirty="0" err="1">
+                <a:solidFill>
+                  <a:schemeClr val="bg1">
+                    <a:lumMod val="75000"/>
+                  </a:schemeClr>
+                </a:solidFill>
+              </a:rPr>
+              <a:t>taken</a:t>
+            </a:r>
+            <a:r>
+              <a:rPr lang="it-IT" sz="500" dirty="0">
+                <a:solidFill>
+                  <a:schemeClr val="bg1">
+                    <a:lumMod val="75000"/>
+                  </a:schemeClr>
+                </a:solidFill>
+              </a:rPr>
+              <a:t> from CNN </a:t>
+            </a:r>
+            <a:r>
+              <a:rPr lang="it-IT" sz="500" dirty="0" err="1">
+                <a:solidFill>
+                  <a:schemeClr val="bg1">
+                    <a:lumMod val="75000"/>
+                  </a:schemeClr>
+                </a:solidFill>
+              </a:rPr>
+              <a:t>twitter</a:t>
+            </a:r>
+            <a:r>
+              <a:rPr lang="it-IT" sz="500" dirty="0">
+                <a:solidFill>
+                  <a:schemeClr val="bg1">
+                    <a:lumMod val="75000"/>
+                  </a:schemeClr>
+                </a:solidFill>
+              </a:rPr>
+              <a:t> </a:t>
+            </a:r>
+            <a:r>
+              <a:rPr lang="it-IT" sz="500" dirty="0" err="1">
+                <a:solidFill>
+                  <a:schemeClr val="bg1">
+                    <a:lumMod val="75000"/>
+                  </a:schemeClr>
+                </a:solidFill>
+              </a:rPr>
+              <a:t>profile</a:t>
+            </a:r>
+            <a:endParaRPr lang="it-IT" sz="500" dirty="0">
+              <a:solidFill>
+                <a:schemeClr val="bg1">
+                  <a:lumMod val="75000"/>
+                </a:schemeClr>
+              </a:solidFill>
+            </a:endParaRPr>
+          </a:p>
+        </p:txBody>
+      </p:sp>
+      <p:pic>
+        <p:nvPicPr>
+          <p:cNvPr id="9" name="Immagine 8" descr="Immagine che contiene testo&#10;&#10;Descrizione generata automaticamente">
+            <a:extLst>
+              <a:ext uri="{FF2B5EF4-FFF2-40B4-BE49-F238E27FC236}">
+                <a16:creationId xmlns:a16="http://schemas.microsoft.com/office/drawing/2014/main" id="{22CB0F86-B857-4C60-A8ED-EA9F9A0EFF31}"/>
+              </a:ext>
+            </a:extLst>
+          </p:cNvPr>
+          <p:cNvPicPr>
+            <a:picLocks noChangeAspect="1"/>
+          </p:cNvPicPr>
+          <p:nvPr/>
+        </p:nvPicPr>
+        <p:blipFill>
+          <a:blip r:embed="rId3">
+            <a:extLst>
+              <a:ext uri="{28A0092B-C50C-407E-A947-70E740481C1C}">
+                <a14:useLocalDpi xmlns:a14="http://schemas.microsoft.com/office/drawing/2010/main" val="0"/>
+              </a:ext>
+            </a:extLst>
+          </a:blip>
+          <a:stretch>
+            <a:fillRect/>
+          </a:stretch>
+        </p:blipFill>
+        <p:spPr>
+          <a:xfrm>
+            <a:off x="611099" y="358064"/>
+            <a:ext cx="1638110" cy="543229"/>
+          </a:xfrm>
+          <a:prstGeom prst="rect">
+            <a:avLst/>
+          </a:prstGeom>
+        </p:spPr>
+      </p:pic>
+    </p:spTree>
+  </p:cSld>
+  <p:clrMapOvr>
+    <a:masterClrMapping/>
+  </p:clrMapOvr>
+  <p:transition spd="med"/>
+</p:sld>
+</file>
+
+<file path=ppt/slides/slide2.xml><?xml version="1.0" encoding="utf-8"?>
+<p:sld xmlns:a="http://schemas.openxmlformats.org/drawingml/2006/main" xmlns:r="http://schemas.openxmlformats.org/officeDocument/2006/relationships" xmlns:p="http://schemas.openxmlformats.org/presentationml/2006/main">
+  <p:cSld>
+    <p:spTree>
+      <p:nvGrpSpPr>
+        <p:cNvPr id="1" name=""/>
+        <p:cNvGrpSpPr/>
+        <p:nvPr/>
+      </p:nvGrpSpPr>
+      <p:grpSpPr>
+        <a:xfrm>
+          <a:off x="0" y="0"/>
+          <a:ext cx="0" cy="0"/>
+          <a:chOff x="0" y="0"/>
+          <a:chExt cx="0" cy="0"/>
+        </a:xfrm>
+      </p:grpSpPr>
+      <p:sp>
+        <p:nvSpPr>
+          <p:cNvPr id="2" name="Rettangolo 1">
+            <a:extLst>
+              <a:ext uri="{FF2B5EF4-FFF2-40B4-BE49-F238E27FC236}">
+                <a16:creationId xmlns:a16="http://schemas.microsoft.com/office/drawing/2014/main" id="{64C7DC46-5380-4D7B-8E96-FB87F7D4EC5B}"/>
+              </a:ext>
+            </a:extLst>
+          </p:cNvPr>
+          <p:cNvSpPr/>
+          <p:nvPr/>
+        </p:nvSpPr>
+        <p:spPr>
+          <a:xfrm>
+            <a:off x="0" y="0"/>
+            <a:ext cx="5477800" cy="6858000"/>
+          </a:xfrm>
+          <a:prstGeom prst="rect">
+            <a:avLst/>
+          </a:prstGeom>
+          <a:solidFill>
+            <a:srgbClr val="FFFFFF"/>
+          </a:solidFill>
+          <a:ln w="12700" cap="flat">
+            <a:noFill/>
+            <a:prstDash val="solid"/>
+            <a:miter lim="800000"/>
+          </a:ln>
+          <a:effectLst/>
+          <a:sp3d/>
+        </p:spPr>
+        <p:style>
+          <a:lnRef idx="0">
+            <a:scrgbClr r="0" g="0" b="0"/>
+          </a:lnRef>
+          <a:fillRef idx="0">
+            <a:scrgbClr r="0" g="0" b="0"/>
+          </a:fillRef>
+          <a:effectRef idx="0">
+            <a:scrgbClr r="0" g="0" b="0"/>
+          </a:effectRef>
+          <a:fontRef idx="none"/>
+        </p:style>
+        <p:txBody>
+          <a:bodyPr rot="0" spcFirstLastPara="1" vertOverflow="overflow" horzOverflow="overflow" vert="horz" wrap="square" lIns="45719" tIns="45719" rIns="45719" bIns="45719" numCol="1" spcCol="38100" rtlCol="0" anchor="ctr">
+            <a:spAutoFit/>
+          </a:bodyPr>
+          <a:lstStyle/>
+          <a:p>
+            <a:pPr marL="0" marR="0" indent="0" algn="l" defTabSz="914400" rtl="0" fontAlgn="auto" latinLnBrk="0" hangingPunct="0">
+              <a:lnSpc>
+                <a:spcPct val="100000"/>
+              </a:lnSpc>
+              <a:spcBef>
+                <a:spcPts val="0"/>
+              </a:spcBef>
+              <a:spcAft>
+                <a:spcPts val="0"/>
+              </a:spcAft>
+              <a:buClrTx/>
+              <a:buSzTx/>
+              <a:buFontTx/>
+              <a:buNone/>
+              <a:tabLst/>
+            </a:pPr>
+            <a:endParaRPr kumimoji="0" lang="it-IT" sz="1800" b="0" i="0" u="none" strike="noStrike" cap="none" spc="0" normalizeH="0" baseline="0">
+              <a:ln>
+                <a:noFill/>
+              </a:ln>
+              <a:solidFill>
+                <a:srgbClr val="000000"/>
+              </a:solidFill>
+              <a:effectLst/>
+              <a:uFillTx/>
+              <a:latin typeface="+mj-lt"/>
+              <a:ea typeface="+mj-ea"/>
+              <a:cs typeface="+mj-cs"/>
+              <a:sym typeface="Calibri"/>
+            </a:endParaRPr>
+          </a:p>
+        </p:txBody>
+      </p:sp>
+      <p:pic>
+        <p:nvPicPr>
+          <p:cNvPr id="3" name="Immagine 2" descr="Immagine che contiene testo&#10;&#10;Descrizione generata automaticamente">
+            <a:extLst>
+              <a:ext uri="{FF2B5EF4-FFF2-40B4-BE49-F238E27FC236}">
+                <a16:creationId xmlns:a16="http://schemas.microsoft.com/office/drawing/2014/main" id="{BB9DD561-EA88-4925-A078-DDE0F442D2E7}"/>
+              </a:ext>
+            </a:extLst>
+          </p:cNvPr>
+          <p:cNvPicPr>
+            <a:picLocks noChangeAspect="1"/>
+          </p:cNvPicPr>
+          <p:nvPr/>
+        </p:nvPicPr>
+        <p:blipFill>
+          <a:blip r:embed="rId2">
+            <a:extLst>
+              <a:ext uri="{28A0092B-C50C-407E-A947-70E740481C1C}">
+                <a14:useLocalDpi xmlns:a14="http://schemas.microsoft.com/office/drawing/2010/main" val="0"/>
+              </a:ext>
+            </a:extLst>
+          </a:blip>
+          <a:stretch>
+            <a:fillRect/>
+          </a:stretch>
+        </p:blipFill>
+        <p:spPr>
+          <a:xfrm>
+            <a:off x="0" y="153889"/>
+            <a:ext cx="5477800" cy="6550224"/>
+          </a:xfrm>
+          <a:prstGeom prst="rect">
+            <a:avLst/>
+          </a:prstGeom>
+        </p:spPr>
+      </p:pic>
+      <p:sp>
+        <p:nvSpPr>
+          <p:cNvPr id="6" name="Rectangle 5">
+            <a:extLst>
+              <a:ext uri="{FF2B5EF4-FFF2-40B4-BE49-F238E27FC236}">
+                <a16:creationId xmlns:a16="http://schemas.microsoft.com/office/drawing/2014/main" id="{28D22E49-36C9-4FDD-AC98-B506103FD91C}"/>
+              </a:ext>
+            </a:extLst>
+          </p:cNvPr>
+          <p:cNvSpPr/>
+          <p:nvPr/>
+        </p:nvSpPr>
+        <p:spPr>
+          <a:xfrm flipH="1">
+            <a:off x="734513" y="673210"/>
+            <a:ext cx="3307019" cy="1285701"/>
+          </a:xfrm>
+          <a:prstGeom prst="rect">
+            <a:avLst/>
+          </a:prstGeom>
+          <a:solidFill>
+            <a:srgbClr val="CC0001"/>
+          </a:solidFill>
+          <a:ln w="12700">
+            <a:miter lim="400000"/>
+          </a:ln>
+        </p:spPr>
+        <p:txBody>
+          <a:bodyPr lIns="45719" rIns="45719"/>
+          <a:lstStyle/>
+          <a:p>
+            <a:r>
+              <a:rPr lang="it-IT" dirty="0"/>
+              <a:t>   </a:t>
+            </a:r>
+            <a:endParaRPr dirty="0"/>
+          </a:p>
+        </p:txBody>
+      </p:sp>
+      <p:sp>
+        <p:nvSpPr>
+          <p:cNvPr id="5" name="Rectangle 5">
+            <a:extLst>
+              <a:ext uri="{FF2B5EF4-FFF2-40B4-BE49-F238E27FC236}">
+                <a16:creationId xmlns:a16="http://schemas.microsoft.com/office/drawing/2014/main" id="{DD142950-86D7-4CE7-B724-C21F6D3BF783}"/>
+              </a:ext>
+            </a:extLst>
+          </p:cNvPr>
+          <p:cNvSpPr/>
+          <p:nvPr/>
+        </p:nvSpPr>
+        <p:spPr>
+          <a:xfrm flipH="1">
+            <a:off x="6016197" y="2429103"/>
+            <a:ext cx="5631117" cy="1999793"/>
+          </a:xfrm>
+          <a:prstGeom prst="rect">
+            <a:avLst/>
+          </a:prstGeom>
+          <a:solidFill>
+            <a:srgbClr val="CC0001"/>
+          </a:solidFill>
+          <a:ln w="12700">
+            <a:miter lim="400000"/>
+          </a:ln>
+        </p:spPr>
+        <p:txBody>
+          <a:bodyPr lIns="45719" rIns="45719"/>
+          <a:lstStyle/>
+          <a:p>
+            <a:endParaRPr/>
+          </a:p>
+        </p:txBody>
+      </p:sp>
+      <p:sp>
+        <p:nvSpPr>
+          <p:cNvPr id="354" name="Rectangle 5"/>
+          <p:cNvSpPr txBox="1"/>
+          <p:nvPr/>
+        </p:nvSpPr>
+        <p:spPr>
+          <a:xfrm flipH="1">
+            <a:off x="6473396" y="2771086"/>
+            <a:ext cx="4653625" cy="1121846"/>
+          </a:xfrm>
+          <a:prstGeom prst="rect">
+            <a:avLst/>
+          </a:prstGeom>
+          <a:ln w="12700">
+            <a:miter lim="400000"/>
+          </a:ln>
+          <a:extLst>
+            <a:ext uri="{C572A759-6A51-4108-AA02-DFA0A04FC94B}">
+              <ma14:wrappingTextBoxFlag xmlns:ma14="http://schemas.microsoft.com/office/mac/drawingml/2011/main" xmlns="" val="1"/>
+            </a:ext>
+          </a:extLst>
+        </p:spPr>
+        <p:txBody>
+          <a:bodyPr wrap="square" lIns="45719" rIns="45719">
+            <a:spAutoFit/>
+          </a:bodyPr>
+          <a:lstStyle>
+            <a:lvl1pPr algn="just">
+              <a:lnSpc>
+                <a:spcPct val="150000"/>
+              </a:lnSpc>
+              <a:defRPr sz="900">
+                <a:solidFill>
+                  <a:srgbClr val="808080"/>
+                </a:solidFill>
+                <a:latin typeface="Lato Regular"/>
+                <a:ea typeface="Lato Regular"/>
+                <a:cs typeface="Lato Regular"/>
+                <a:sym typeface="Lato Regular"/>
+              </a:defRPr>
+            </a:lvl1pPr>
+          </a:lstStyle>
+          <a:p>
+            <a:pPr algn="ctr"/>
+            <a:r>
+              <a:rPr lang="it-IT" sz="2400" dirty="0">
+                <a:solidFill>
+                  <a:schemeClr val="bg1"/>
+                </a:solidFill>
+              </a:rPr>
+              <a:t>Create </a:t>
+            </a:r>
+            <a:r>
+              <a:rPr lang="it-IT" sz="2400" dirty="0" err="1">
+                <a:solidFill>
+                  <a:schemeClr val="bg1"/>
+                </a:solidFill>
+              </a:rPr>
+              <a:t>summaries</a:t>
+            </a:r>
+            <a:r>
+              <a:rPr lang="it-IT" sz="2400" dirty="0">
+                <a:solidFill>
+                  <a:schemeClr val="bg1"/>
+                </a:solidFill>
+              </a:rPr>
+              <a:t> from the CNN stories dataset</a:t>
+            </a:r>
+            <a:endParaRPr sz="2400" dirty="0">
+              <a:solidFill>
+                <a:schemeClr val="bg1"/>
+              </a:solidFill>
+            </a:endParaRPr>
+          </a:p>
+        </p:txBody>
+      </p:sp>
+      <p:sp>
+        <p:nvSpPr>
+          <p:cNvPr id="355" name="TextBox 6"/>
+          <p:cNvSpPr txBox="1"/>
+          <p:nvPr/>
+        </p:nvSpPr>
+        <p:spPr>
+          <a:xfrm flipH="1">
+            <a:off x="1117734" y="900563"/>
+            <a:ext cx="2467981" cy="830997"/>
+          </a:xfrm>
+          <a:prstGeom prst="rect">
+            <a:avLst/>
+          </a:prstGeom>
+          <a:ln w="12700">
+            <a:miter lim="400000"/>
+          </a:ln>
+          <a:extLst>
+            <a:ext uri="{C572A759-6A51-4108-AA02-DFA0A04FC94B}">
+              <ma14:wrappingTextBoxFlag xmlns:ma14="http://schemas.microsoft.com/office/mac/drawingml/2011/main" xmlns="" val="1"/>
+            </a:ext>
+          </a:extLst>
+        </p:spPr>
+        <p:txBody>
+          <a:bodyPr wrap="none" lIns="45719" rIns="45719">
+            <a:spAutoFit/>
+          </a:bodyPr>
+          <a:lstStyle>
+            <a:lvl1pPr>
+              <a:defRPr sz="4800">
+                <a:solidFill>
+                  <a:srgbClr val="1E1E1E"/>
+                </a:solidFill>
+                <a:latin typeface="Montserrat Bold"/>
+                <a:ea typeface="Montserrat Bold"/>
+                <a:cs typeface="Montserrat Bold"/>
+                <a:sym typeface="Montserrat Bold"/>
+              </a:defRPr>
+            </a:lvl1pPr>
+          </a:lstStyle>
+          <a:p>
+            <a:r>
+              <a:rPr lang="it-IT" dirty="0" err="1">
+                <a:solidFill>
+                  <a:schemeClr val="bg1"/>
+                </a:solidFill>
+              </a:rPr>
+              <a:t>Objective</a:t>
+            </a:r>
+            <a:endParaRPr dirty="0">
+              <a:solidFill>
+                <a:schemeClr val="bg1"/>
+              </a:solidFill>
+            </a:endParaRPr>
+          </a:p>
+        </p:txBody>
+      </p:sp>
+      <p:cxnSp>
+        <p:nvCxnSpPr>
+          <p:cNvPr id="4" name="Connettore 2 3">
+            <a:extLst>
+              <a:ext uri="{FF2B5EF4-FFF2-40B4-BE49-F238E27FC236}">
+                <a16:creationId xmlns:a16="http://schemas.microsoft.com/office/drawing/2014/main" id="{9794FF03-AD26-4C19-9362-5311D4078DB7}"/>
+              </a:ext>
+            </a:extLst>
+          </p:cNvPr>
+          <p:cNvCxnSpPr>
+            <a:cxnSpLocks/>
+          </p:cNvCxnSpPr>
+          <p:nvPr/>
+        </p:nvCxnSpPr>
+        <p:spPr>
+          <a:xfrm>
+            <a:off x="3886200" y="1846385"/>
+            <a:ext cx="2129997" cy="582718"/>
+          </a:xfrm>
+          <a:prstGeom prst="straightConnector1">
+            <a:avLst/>
+          </a:prstGeom>
+          <a:ln w="57150">
+            <a:solidFill>
+              <a:srgbClr val="CC0001"/>
+            </a:solidFill>
+            <a:tailEnd type="triangle"/>
+          </a:ln>
+        </p:spPr>
+        <p:style>
+          <a:lnRef idx="1">
+            <a:schemeClr val="dk1"/>
+          </a:lnRef>
+          <a:fillRef idx="0">
+            <a:schemeClr val="dk1"/>
+          </a:fillRef>
+          <a:effectRef idx="0">
+            <a:schemeClr val="dk1"/>
+          </a:effectRef>
+          <a:fontRef idx="minor">
+            <a:schemeClr val="tx1"/>
+          </a:fontRef>
+        </p:style>
+      </p:cxnSp>
+      <p:sp>
+        <p:nvSpPr>
+          <p:cNvPr id="17" name="CasellaDiTesto 16">
+            <a:extLst>
+              <a:ext uri="{FF2B5EF4-FFF2-40B4-BE49-F238E27FC236}">
+                <a16:creationId xmlns:a16="http://schemas.microsoft.com/office/drawing/2014/main" id="{1AE2CE8B-E006-4D41-A7A3-E0223F7629FA}"/>
+              </a:ext>
+            </a:extLst>
+          </p:cNvPr>
+          <p:cNvSpPr txBox="1"/>
+          <p:nvPr/>
+        </p:nvSpPr>
+        <p:spPr>
+          <a:xfrm>
+            <a:off x="94517" y="6534835"/>
+            <a:ext cx="6097464" cy="169277"/>
+          </a:xfrm>
+          <a:prstGeom prst="rect">
+            <a:avLst/>
+          </a:prstGeom>
+          <a:noFill/>
+          <a:ln w="12700" cap="flat">
+            <a:noFill/>
+            <a:miter lim="400000"/>
+          </a:ln>
+          <a:effectLst/>
+          <a:sp3d/>
+        </p:spPr>
+        <p:style>
+          <a:lnRef idx="0">
+            <a:scrgbClr r="0" g="0" b="0"/>
+          </a:lnRef>
+          <a:fillRef idx="0">
+            <a:scrgbClr r="0" g="0" b="0"/>
+          </a:fillRef>
+          <a:effectRef idx="0">
+            <a:scrgbClr r="0" g="0" b="0"/>
+          </a:effectRef>
+          <a:fontRef idx="none"/>
+        </p:style>
+        <p:txBody>
+          <a:bodyPr wrap="square">
+            <a:spAutoFit/>
+          </a:bodyPr>
+          <a:lstStyle/>
+          <a:p>
+            <a:r>
+              <a:rPr lang="it-IT" sz="500" dirty="0">
+                <a:solidFill>
+                  <a:schemeClr val="bg1">
+                    <a:lumMod val="75000"/>
+                  </a:schemeClr>
+                </a:solidFill>
+              </a:rPr>
+              <a:t>Image from cnn.com</a:t>
+            </a:r>
+          </a:p>
+        </p:txBody>
+      </p:sp>
+    </p:spTree>
+    <p:extLst>
+      <p:ext uri="{BB962C8B-B14F-4D97-AF65-F5344CB8AC3E}">
+        <p14:creationId xmlns:p14="http://schemas.microsoft.com/office/powerpoint/2010/main" val="2090360757"/>
+      </p:ext>
+    </p:extLst>
+  </p:cSld>
+  <p:clrMapOvr>
+    <a:masterClrMapping/>
+  </p:clrMapOvr>
+  <p:transition spd="med"/>
+</p:sld>
+</file>
+
+<file path=ppt/slides/slide3.xml><?xml version="1.0" encoding="utf-8"?>
+<p:sld xmlns:a="http://schemas.openxmlformats.org/drawingml/2006/main" xmlns:r="http://schemas.openxmlformats.org/officeDocument/2006/relationships" xmlns:p="http://schemas.openxmlformats.org/presentationml/2006/main">
+  <p:cSld>
+    <p:spTree>
+      <p:nvGrpSpPr>
+        <p:cNvPr id="1" name=""/>
+        <p:cNvGrpSpPr/>
+        <p:nvPr/>
+      </p:nvGrpSpPr>
+      <p:grpSpPr>
+        <a:xfrm>
+          <a:off x="0" y="0"/>
+          <a:ext cx="0" cy="0"/>
+          <a:chOff x="0" y="0"/>
+          <a:chExt cx="0" cy="0"/>
+        </a:xfrm>
+      </p:grpSpPr>
+      <p:sp>
+        <p:nvSpPr>
+          <p:cNvPr id="331" name="Rectangle 2"/>
+          <p:cNvSpPr txBox="1"/>
+          <p:nvPr/>
+        </p:nvSpPr>
+        <p:spPr>
+          <a:xfrm>
+            <a:off x="944732" y="1288431"/>
+            <a:ext cx="10497483" cy="1886670"/>
+          </a:xfrm>
+          <a:prstGeom prst="rect">
+            <a:avLst/>
+          </a:prstGeom>
+          <a:ln w="12700">
+            <a:miter lim="400000"/>
+          </a:ln>
+          <a:extLst>
+            <a:ext uri="{C572A759-6A51-4108-AA02-DFA0A04FC94B}">
+              <ma14:wrappingTextBoxFlag xmlns:ma14="http://schemas.microsoft.com/office/mac/drawingml/2011/main" xmlns="" val="1"/>
+            </a:ext>
+          </a:extLst>
+        </p:spPr>
+        <p:txBody>
+          <a:bodyPr wrap="square" lIns="45719" rIns="45719">
+            <a:spAutoFit/>
+          </a:bodyPr>
+          <a:lstStyle>
+            <a:lvl1pPr algn="just">
+              <a:lnSpc>
+                <a:spcPct val="150000"/>
+              </a:lnSpc>
+              <a:defRPr sz="900">
+                <a:solidFill>
+                  <a:srgbClr val="FFFFFF"/>
+                </a:solidFill>
+                <a:latin typeface="Lato Regular"/>
+                <a:ea typeface="Lato Regular"/>
+                <a:cs typeface="Lato Regular"/>
+                <a:sym typeface="Lato Regular"/>
+              </a:defRPr>
+            </a:lvl1pPr>
+          </a:lstStyle>
+          <a:p>
+            <a:pPr algn="ctr"/>
+            <a:r>
+              <a:rPr lang="en-US" sz="1600" dirty="0">
+                <a:solidFill>
+                  <a:schemeClr val="tx1"/>
+                </a:solidFill>
+              </a:rPr>
+              <a:t>The dataset was taken from </a:t>
+            </a:r>
+            <a:r>
+              <a:rPr lang="en-US" sz="1600" u="sng" dirty="0">
+                <a:solidFill>
+                  <a:schemeClr val="tx1"/>
+                </a:solidFill>
+              </a:rPr>
+              <a:t>the DeepMind Q&amp;A Dataset</a:t>
+            </a:r>
+            <a:r>
+              <a:rPr lang="en-US" sz="1600" dirty="0">
+                <a:solidFill>
+                  <a:schemeClr val="tx1"/>
+                </a:solidFill>
+              </a:rPr>
+              <a:t> and can be found at this </a:t>
+            </a:r>
+            <a:r>
+              <a:rPr lang="en-US" sz="1600" dirty="0">
+                <a:solidFill>
+                  <a:schemeClr val="tx1"/>
+                </a:solidFill>
+                <a:hlinkClick r:id="rId2">
+                  <a:extLst>
+                    <a:ext uri="{A12FA001-AC4F-418D-AE19-62706E023703}">
+                      <ahyp:hlinkClr xmlns:ahyp="http://schemas.microsoft.com/office/drawing/2018/hyperlinkcolor" val="tx"/>
+                    </a:ext>
+                  </a:extLst>
+                </a:hlinkClick>
+              </a:rPr>
+              <a:t>link</a:t>
+            </a:r>
+            <a:r>
+              <a:rPr lang="en-US" sz="1600" dirty="0">
+                <a:solidFill>
+                  <a:schemeClr val="tx1"/>
+                </a:solidFill>
+              </a:rPr>
+              <a:t>. The dataset presented some issues that had to be solved before applying our models:</a:t>
+            </a:r>
+          </a:p>
+          <a:p>
+            <a:pPr marL="228600" indent="-228600" algn="ctr">
+              <a:buAutoNum type="arabicParenR"/>
+            </a:pPr>
+            <a:r>
+              <a:rPr lang="en-US" sz="1600" dirty="0">
+                <a:solidFill>
+                  <a:schemeClr val="tx1"/>
+                </a:solidFill>
+              </a:rPr>
+              <a:t>Each story presented more than one summary</a:t>
+            </a:r>
+          </a:p>
+          <a:p>
+            <a:pPr marL="228600" indent="-228600" algn="ctr">
+              <a:buAutoNum type="arabicParenR"/>
+            </a:pPr>
+            <a:r>
+              <a:rPr lang="en-US" sz="1600" dirty="0">
+                <a:solidFill>
+                  <a:schemeClr val="tx1"/>
+                </a:solidFill>
+              </a:rPr>
+              <a:t>The text was taken from the CNN website, so it contained abbreviations, html symbols, contractions, non alphabetic characters, </a:t>
+            </a:r>
+            <a:r>
+              <a:rPr lang="en-US" sz="1600" dirty="0" err="1">
+                <a:solidFill>
+                  <a:schemeClr val="tx1"/>
+                </a:solidFill>
+              </a:rPr>
+              <a:t>etc</a:t>
+            </a:r>
+            <a:r>
+              <a:rPr lang="en-US" sz="1600" dirty="0">
+                <a:solidFill>
+                  <a:schemeClr val="tx1"/>
+                </a:solidFill>
+              </a:rPr>
+              <a:t>… and was not suitable as input for our Summarization model</a:t>
+            </a:r>
+          </a:p>
+        </p:txBody>
+      </p:sp>
+      <p:sp>
+        <p:nvSpPr>
+          <p:cNvPr id="10" name="Rectangle 5">
+            <a:extLst>
+              <a:ext uri="{FF2B5EF4-FFF2-40B4-BE49-F238E27FC236}">
+                <a16:creationId xmlns:a16="http://schemas.microsoft.com/office/drawing/2014/main" id="{16724CC2-8A2D-42E6-B858-A4652105D42A}"/>
+              </a:ext>
+            </a:extLst>
+          </p:cNvPr>
+          <p:cNvSpPr/>
+          <p:nvPr/>
+        </p:nvSpPr>
+        <p:spPr>
+          <a:xfrm flipH="1">
+            <a:off x="4539964" y="211029"/>
+            <a:ext cx="3307019" cy="879217"/>
+          </a:xfrm>
+          <a:prstGeom prst="rect">
+            <a:avLst/>
+          </a:prstGeom>
+          <a:solidFill>
+            <a:srgbClr val="CC0001"/>
+          </a:solidFill>
+          <a:ln w="12700">
+            <a:miter lim="400000"/>
+          </a:ln>
+        </p:spPr>
+        <p:txBody>
+          <a:bodyPr lIns="45719" rIns="45719"/>
+          <a:lstStyle/>
+          <a:p>
+            <a:r>
+              <a:rPr lang="it-IT" dirty="0"/>
+              <a:t>   </a:t>
+            </a:r>
+            <a:endParaRPr dirty="0"/>
+          </a:p>
+        </p:txBody>
+      </p:sp>
+      <p:sp>
+        <p:nvSpPr>
+          <p:cNvPr id="8" name="TextBox 5">
+            <a:extLst>
+              <a:ext uri="{FF2B5EF4-FFF2-40B4-BE49-F238E27FC236}">
+                <a16:creationId xmlns:a16="http://schemas.microsoft.com/office/drawing/2014/main" id="{2D7E1F90-7546-4231-8DCD-7A9B5FD8F7D6}"/>
+              </a:ext>
+            </a:extLst>
+          </p:cNvPr>
+          <p:cNvSpPr txBox="1"/>
+          <p:nvPr/>
+        </p:nvSpPr>
+        <p:spPr>
+          <a:xfrm>
+            <a:off x="4661324" y="336458"/>
+            <a:ext cx="3064298" cy="646331"/>
+          </a:xfrm>
+          <a:prstGeom prst="rect">
+            <a:avLst/>
+          </a:prstGeom>
+          <a:ln w="12700">
+            <a:miter lim="400000"/>
+          </a:ln>
+          <a:extLst>
+            <a:ext uri="{C572A759-6A51-4108-AA02-DFA0A04FC94B}">
+              <ma14:wrappingTextBoxFlag xmlns:ma14="http://schemas.microsoft.com/office/mac/drawingml/2011/main" xmlns="" val="1"/>
+            </a:ext>
+          </a:extLst>
+        </p:spPr>
+        <p:txBody>
+          <a:bodyPr wrap="none" lIns="45719" rIns="45719">
+            <a:spAutoFit/>
+          </a:bodyPr>
+          <a:lstStyle>
+            <a:lvl1pPr>
+              <a:defRPr sz="3600">
+                <a:solidFill>
+                  <a:srgbClr val="FFFFFF"/>
+                </a:solidFill>
+                <a:latin typeface="Montserrat Bold"/>
+                <a:ea typeface="Montserrat Bold"/>
+                <a:cs typeface="Montserrat Bold"/>
+                <a:sym typeface="Montserrat Bold"/>
+              </a:defRPr>
+            </a:lvl1pPr>
+          </a:lstStyle>
+          <a:p>
+            <a:r>
+              <a:rPr lang="it-IT" dirty="0" err="1"/>
+              <a:t>Original</a:t>
+            </a:r>
+            <a:r>
+              <a:rPr lang="it-IT" dirty="0"/>
+              <a:t> dataset</a:t>
+            </a:r>
+            <a:endParaRPr dirty="0"/>
+          </a:p>
+        </p:txBody>
+      </p:sp>
+      <p:pic>
+        <p:nvPicPr>
+          <p:cNvPr id="3" name="Immagine 2" descr="Immagine che contiene testo&#10;&#10;Descrizione generata automaticamente">
+            <a:extLst>
+              <a:ext uri="{FF2B5EF4-FFF2-40B4-BE49-F238E27FC236}">
+                <a16:creationId xmlns:a16="http://schemas.microsoft.com/office/drawing/2014/main" id="{605B9B0C-79BB-4888-AF63-2F7F3550608E}"/>
+              </a:ext>
+            </a:extLst>
+          </p:cNvPr>
+          <p:cNvPicPr>
+            <a:picLocks noChangeAspect="1"/>
+          </p:cNvPicPr>
+          <p:nvPr/>
+        </p:nvPicPr>
+        <p:blipFill>
+          <a:blip r:embed="rId3">
+            <a:extLst>
+              <a:ext uri="{28A0092B-C50C-407E-A947-70E740481C1C}">
+                <a14:useLocalDpi xmlns:a14="http://schemas.microsoft.com/office/drawing/2010/main" val="0"/>
+              </a:ext>
+            </a:extLst>
+          </a:blip>
+          <a:stretch>
+            <a:fillRect/>
+          </a:stretch>
+        </p:blipFill>
+        <p:spPr>
+          <a:xfrm>
+            <a:off x="944733" y="4289340"/>
+            <a:ext cx="10497483" cy="1692951"/>
+          </a:xfrm>
+          <a:prstGeom prst="rect">
+            <a:avLst/>
+          </a:prstGeom>
+        </p:spPr>
+      </p:pic>
+    </p:spTree>
+    <p:extLst>
+      <p:ext uri="{BB962C8B-B14F-4D97-AF65-F5344CB8AC3E}">
+        <p14:creationId xmlns:p14="http://schemas.microsoft.com/office/powerpoint/2010/main" val="2859109652"/>
+      </p:ext>
+    </p:extLst>
+  </p:cSld>
+  <p:clrMapOvr>
+    <a:masterClrMapping/>
+  </p:clrMapOvr>
+  <p:transition spd="med"/>
+</p:sld>
+</file>
+
+<file path=ppt/slides/slide4.xml><?xml version="1.0" encoding="utf-8"?>
+<p:sld xmlns:a="http://schemas.openxmlformats.org/drawingml/2006/main" xmlns:r="http://schemas.openxmlformats.org/officeDocument/2006/relationships" xmlns:p="http://schemas.openxmlformats.org/presentationml/2006/main">
+  <p:cSld>
+    <p:spTree>
+      <p:nvGrpSpPr>
+        <p:cNvPr id="1" name=""/>
+        <p:cNvGrpSpPr/>
+        <p:nvPr/>
+      </p:nvGrpSpPr>
+      <p:grpSpPr>
+        <a:xfrm>
+          <a:off x="0" y="0"/>
+          <a:ext cx="0" cy="0"/>
+          <a:chOff x="0" y="0"/>
+          <a:chExt cx="0" cy="0"/>
+        </a:xfrm>
+      </p:grpSpPr>
+      <p:sp>
+        <p:nvSpPr>
+          <p:cNvPr id="338" name="Rectangle 5"/>
+          <p:cNvSpPr/>
+          <p:nvPr/>
+        </p:nvSpPr>
+        <p:spPr>
+          <a:xfrm>
+            <a:off x="1" y="0"/>
+            <a:ext cx="6240886" cy="6858000"/>
+          </a:xfrm>
+          <a:prstGeom prst="rect">
+            <a:avLst/>
+          </a:prstGeom>
+          <a:solidFill>
+            <a:srgbClr val="1E1E1E"/>
+          </a:solidFill>
+          <a:ln w="12700">
+            <a:miter lim="400000"/>
+          </a:ln>
+        </p:spPr>
+        <p:txBody>
+          <a:bodyPr lIns="45719" rIns="45719"/>
+          <a:lstStyle/>
+          <a:p>
+            <a:endParaRPr/>
+          </a:p>
+        </p:txBody>
+      </p:sp>
+      <p:sp>
+        <p:nvSpPr>
+          <p:cNvPr id="15" name="Rectangle 2">
+            <a:extLst>
+              <a:ext uri="{FF2B5EF4-FFF2-40B4-BE49-F238E27FC236}">
+                <a16:creationId xmlns:a16="http://schemas.microsoft.com/office/drawing/2014/main" id="{20666E64-E24F-49CA-A8DD-262D268D3F2E}"/>
+              </a:ext>
+            </a:extLst>
+          </p:cNvPr>
+          <p:cNvSpPr txBox="1"/>
+          <p:nvPr/>
+        </p:nvSpPr>
+        <p:spPr>
+          <a:xfrm>
+            <a:off x="337797" y="1305149"/>
+            <a:ext cx="5426697" cy="4570867"/>
+          </a:xfrm>
+          <a:prstGeom prst="rect">
+            <a:avLst/>
+          </a:prstGeom>
+          <a:ln w="12700">
+            <a:miter lim="400000"/>
+          </a:ln>
+          <a:extLst>
+            <a:ext uri="{C572A759-6A51-4108-AA02-DFA0A04FC94B}">
+              <ma14:wrappingTextBoxFlag xmlns:ma14="http://schemas.microsoft.com/office/mac/drawingml/2011/main" xmlns="" val="1"/>
+            </a:ext>
+          </a:extLst>
+        </p:spPr>
+        <p:txBody>
+          <a:bodyPr wrap="square" lIns="45719" rIns="45719">
+            <a:spAutoFit/>
+          </a:bodyPr>
+          <a:lstStyle>
+            <a:lvl1pPr algn="just">
+              <a:lnSpc>
+                <a:spcPct val="150000"/>
+              </a:lnSpc>
+              <a:defRPr sz="900">
+                <a:solidFill>
+                  <a:srgbClr val="FFFFFF"/>
+                </a:solidFill>
+                <a:latin typeface="Lato Regular"/>
+                <a:ea typeface="Lato Regular"/>
+                <a:cs typeface="Lato Regular"/>
+                <a:sym typeface="Lato Regular"/>
+              </a:defRPr>
+            </a:lvl1pPr>
+          </a:lstStyle>
+          <a:p>
+            <a:r>
+              <a:rPr lang="en-US" sz="1400" dirty="0"/>
+              <a:t>The solutions that had been applied were:</a:t>
+            </a:r>
+          </a:p>
+          <a:p>
+            <a:pPr marL="342900" indent="-342900">
+              <a:buFont typeface="+mj-lt"/>
+              <a:buAutoNum type="arabicPeriod"/>
+            </a:pPr>
+            <a:r>
+              <a:rPr lang="en-US" sz="1400" dirty="0"/>
+              <a:t>Each row now contained one story and one summary. This meant repeating the stories where necessary.</a:t>
+            </a:r>
+          </a:p>
+          <a:p>
+            <a:pPr marL="342900" indent="-342900">
+              <a:buFont typeface="+mj-lt"/>
+              <a:buAutoNum type="arabicPeriod"/>
+            </a:pPr>
+            <a:r>
+              <a:rPr lang="en-US" sz="1400" dirty="0"/>
+              <a:t>Normalization</a:t>
+            </a:r>
+          </a:p>
+          <a:p>
+            <a:pPr marL="342900" indent="-342900">
+              <a:buFont typeface="+mj-lt"/>
+              <a:buAutoNum type="arabicPeriod"/>
+            </a:pPr>
+            <a:endParaRPr lang="en-US" sz="1400" dirty="0"/>
+          </a:p>
+          <a:p>
+            <a:pPr marL="342900" indent="-342900">
+              <a:buFont typeface="+mj-lt"/>
+              <a:buAutoNum type="arabicPeriod"/>
+            </a:pPr>
+            <a:endParaRPr lang="en-US" sz="1400" dirty="0"/>
+          </a:p>
+          <a:p>
+            <a:pPr marL="342900" indent="-342900">
+              <a:buFont typeface="+mj-lt"/>
+              <a:buAutoNum type="arabicPeriod"/>
+            </a:pPr>
+            <a:endParaRPr lang="en-US" sz="1400" dirty="0"/>
+          </a:p>
+          <a:p>
+            <a:pPr marL="342900" indent="-342900">
+              <a:buFont typeface="+mj-lt"/>
+              <a:buAutoNum type="arabicPeriod"/>
+            </a:pPr>
+            <a:endParaRPr lang="en-US" sz="1400" dirty="0"/>
+          </a:p>
+          <a:p>
+            <a:pPr marL="342900" indent="-342900">
+              <a:buFont typeface="+mj-lt"/>
+              <a:buAutoNum type="arabicPeriod"/>
+            </a:pPr>
+            <a:endParaRPr lang="en-US" sz="1400" dirty="0"/>
+          </a:p>
+          <a:p>
+            <a:pPr marL="342900" indent="-342900">
+              <a:buFont typeface="+mj-lt"/>
+              <a:buAutoNum type="arabicPeriod"/>
+            </a:pPr>
+            <a:endParaRPr lang="en-US" sz="1400" dirty="0"/>
+          </a:p>
+          <a:p>
+            <a:pPr marL="342900" indent="-342900">
+              <a:buFont typeface="+mj-lt"/>
+              <a:buAutoNum type="arabicPeriod"/>
+            </a:pPr>
+            <a:endParaRPr lang="en-US" sz="1400" dirty="0"/>
+          </a:p>
+          <a:p>
+            <a:pPr marL="342900" indent="-342900">
+              <a:buFont typeface="+mj-lt"/>
+              <a:buAutoNum type="arabicPeriod"/>
+            </a:pPr>
+            <a:r>
+              <a:rPr lang="en-US" sz="1400" dirty="0"/>
+              <a:t>Lemmatization</a:t>
+            </a:r>
+          </a:p>
+          <a:p>
+            <a:pPr marL="342900" indent="-342900">
+              <a:buFont typeface="+mj-lt"/>
+              <a:buAutoNum type="arabicPeriod"/>
+            </a:pPr>
+            <a:endParaRPr lang="en-US" sz="1400" dirty="0"/>
+          </a:p>
+          <a:p>
+            <a:pPr marL="342900" indent="-342900">
+              <a:buFont typeface="+mj-lt"/>
+              <a:buAutoNum type="arabicPeriod"/>
+            </a:pPr>
+            <a:r>
+              <a:rPr lang="en-US" sz="1400" dirty="0"/>
+              <a:t>Tokenization</a:t>
+            </a:r>
+          </a:p>
+        </p:txBody>
+      </p:sp>
+      <p:sp>
+        <p:nvSpPr>
+          <p:cNvPr id="7" name="Rectangle 5">
+            <a:extLst>
+              <a:ext uri="{FF2B5EF4-FFF2-40B4-BE49-F238E27FC236}">
+                <a16:creationId xmlns:a16="http://schemas.microsoft.com/office/drawing/2014/main" id="{0D626FBD-3259-474B-8F00-564D7385271F}"/>
+              </a:ext>
+            </a:extLst>
+          </p:cNvPr>
+          <p:cNvSpPr/>
+          <p:nvPr/>
+        </p:nvSpPr>
+        <p:spPr>
+          <a:xfrm flipH="1">
+            <a:off x="248304" y="264752"/>
+            <a:ext cx="2000957" cy="799117"/>
+          </a:xfrm>
+          <a:prstGeom prst="rect">
+            <a:avLst/>
+          </a:prstGeom>
+          <a:solidFill>
+            <a:srgbClr val="CC0001"/>
+          </a:solidFill>
+          <a:ln w="12700">
+            <a:miter lim="400000"/>
+          </a:ln>
+        </p:spPr>
+        <p:txBody>
+          <a:bodyPr lIns="45719" rIns="45719"/>
+          <a:lstStyle/>
+          <a:p>
+            <a:r>
+              <a:rPr lang="it-IT" dirty="0"/>
+              <a:t>   </a:t>
+            </a:r>
+            <a:endParaRPr dirty="0"/>
+          </a:p>
+        </p:txBody>
+      </p:sp>
+      <p:sp>
+        <p:nvSpPr>
+          <p:cNvPr id="10" name="TextBox 5">
+            <a:extLst>
+              <a:ext uri="{FF2B5EF4-FFF2-40B4-BE49-F238E27FC236}">
+                <a16:creationId xmlns:a16="http://schemas.microsoft.com/office/drawing/2014/main" id="{1C768714-9359-4798-9B60-BE4421470C89}"/>
+              </a:ext>
+            </a:extLst>
+          </p:cNvPr>
+          <p:cNvSpPr txBox="1"/>
+          <p:nvPr/>
+        </p:nvSpPr>
+        <p:spPr>
+          <a:xfrm>
+            <a:off x="337797" y="336458"/>
+            <a:ext cx="1821972" cy="646331"/>
+          </a:xfrm>
+          <a:prstGeom prst="rect">
+            <a:avLst/>
+          </a:prstGeom>
+          <a:ln w="12700">
+            <a:miter lim="400000"/>
+          </a:ln>
+          <a:extLst>
+            <a:ext uri="{C572A759-6A51-4108-AA02-DFA0A04FC94B}">
+              <ma14:wrappingTextBoxFlag xmlns:ma14="http://schemas.microsoft.com/office/mac/drawingml/2011/main" xmlns="" val="1"/>
+            </a:ext>
+          </a:extLst>
+        </p:spPr>
+        <p:txBody>
+          <a:bodyPr wrap="none" lIns="45719" rIns="45719">
+            <a:spAutoFit/>
+          </a:bodyPr>
+          <a:lstStyle>
+            <a:lvl1pPr>
+              <a:defRPr sz="3600">
+                <a:solidFill>
+                  <a:srgbClr val="FFFFFF"/>
+                </a:solidFill>
+                <a:latin typeface="Montserrat Bold"/>
+                <a:ea typeface="Montserrat Bold"/>
+                <a:cs typeface="Montserrat Bold"/>
+                <a:sym typeface="Montserrat Bold"/>
+              </a:defRPr>
+            </a:lvl1pPr>
+          </a:lstStyle>
+          <a:p>
+            <a:r>
+              <a:rPr lang="it-IT" dirty="0"/>
+              <a:t>Solutions</a:t>
+            </a:r>
+            <a:endParaRPr dirty="0"/>
+          </a:p>
+        </p:txBody>
+      </p:sp>
+      <p:sp>
+        <p:nvSpPr>
+          <p:cNvPr id="8" name="Rectangle 2">
+            <a:extLst>
+              <a:ext uri="{FF2B5EF4-FFF2-40B4-BE49-F238E27FC236}">
+                <a16:creationId xmlns:a16="http://schemas.microsoft.com/office/drawing/2014/main" id="{049F9AC0-F51F-4D81-B225-1790CF4832DE}"/>
+              </a:ext>
+            </a:extLst>
+          </p:cNvPr>
+          <p:cNvSpPr txBox="1"/>
+          <p:nvPr/>
+        </p:nvSpPr>
+        <p:spPr>
+          <a:xfrm>
+            <a:off x="6822831" y="2485665"/>
+            <a:ext cx="4619384" cy="1339213"/>
+          </a:xfrm>
+          <a:prstGeom prst="rect">
+            <a:avLst/>
+          </a:prstGeom>
+          <a:ln w="12700">
+            <a:miter lim="400000"/>
+          </a:ln>
+          <a:extLst>
+            <a:ext uri="{C572A759-6A51-4108-AA02-DFA0A04FC94B}">
+              <ma14:wrappingTextBoxFlag xmlns:ma14="http://schemas.microsoft.com/office/mac/drawingml/2011/main" xmlns="" val="1"/>
+            </a:ext>
+          </a:extLst>
+        </p:spPr>
+        <p:txBody>
+          <a:bodyPr wrap="square" lIns="45719" rIns="45719">
+            <a:spAutoFit/>
+          </a:bodyPr>
+          <a:lstStyle>
+            <a:lvl1pPr algn="just">
+              <a:lnSpc>
+                <a:spcPct val="150000"/>
+              </a:lnSpc>
+              <a:defRPr sz="900">
+                <a:solidFill>
+                  <a:srgbClr val="FFFFFF"/>
+                </a:solidFill>
+                <a:latin typeface="Lato Regular"/>
+                <a:ea typeface="Lato Regular"/>
+                <a:cs typeface="Lato Regular"/>
+                <a:sym typeface="Lato Regular"/>
+              </a:defRPr>
+            </a:lvl1pPr>
+          </a:lstStyle>
+          <a:p>
+            <a:pPr algn="ctr"/>
+            <a:r>
+              <a:rPr lang="en-US" sz="1400" dirty="0">
+                <a:solidFill>
+                  <a:schemeClr val="tx1"/>
+                </a:solidFill>
+              </a:rPr>
+              <a:t>Additional preprocessing steps required by the nature of the problem and of the model used are applied, like:</a:t>
+            </a:r>
+          </a:p>
+          <a:p>
+            <a:pPr marL="285750" indent="-285750" algn="ctr">
+              <a:buFont typeface="Arial" panose="020B0604020202020204" pitchFamily="34" charset="0"/>
+              <a:buChar char="•"/>
+            </a:pPr>
+            <a:r>
+              <a:rPr lang="en-US" sz="1400" dirty="0">
+                <a:solidFill>
+                  <a:schemeClr val="tx1"/>
+                </a:solidFill>
+              </a:rPr>
+              <a:t>Adding start and stop tokens at the beginning and at the end of each summary</a:t>
+            </a:r>
+          </a:p>
+        </p:txBody>
+      </p:sp>
+      <p:sp>
+        <p:nvSpPr>
+          <p:cNvPr id="9" name="TextBox 5">
+            <a:extLst>
+              <a:ext uri="{FF2B5EF4-FFF2-40B4-BE49-F238E27FC236}">
+                <a16:creationId xmlns:a16="http://schemas.microsoft.com/office/drawing/2014/main" id="{D8A4FC2A-88EE-415F-BB79-BCDB5AC1BA21}"/>
+              </a:ext>
+            </a:extLst>
+          </p:cNvPr>
+          <p:cNvSpPr txBox="1"/>
+          <p:nvPr/>
+        </p:nvSpPr>
+        <p:spPr>
+          <a:xfrm>
+            <a:off x="7575527" y="1403258"/>
+            <a:ext cx="3113992" cy="646331"/>
+          </a:xfrm>
+          <a:prstGeom prst="rect">
+            <a:avLst/>
+          </a:prstGeom>
+          <a:ln w="12700">
+            <a:miter lim="400000"/>
+          </a:ln>
+          <a:extLst>
+            <a:ext uri="{C572A759-6A51-4108-AA02-DFA0A04FC94B}">
+              <ma14:wrappingTextBoxFlag xmlns:ma14="http://schemas.microsoft.com/office/mac/drawingml/2011/main" xmlns="" val="1"/>
+            </a:ext>
+          </a:extLst>
+        </p:spPr>
+        <p:txBody>
+          <a:bodyPr wrap="none" lIns="45719" rIns="45719">
+            <a:spAutoFit/>
+          </a:bodyPr>
+          <a:lstStyle>
+            <a:lvl1pPr>
+              <a:defRPr sz="3600">
+                <a:solidFill>
+                  <a:srgbClr val="FFFFFF"/>
+                </a:solidFill>
+                <a:latin typeface="Montserrat Bold"/>
+                <a:ea typeface="Montserrat Bold"/>
+                <a:cs typeface="Montserrat Bold"/>
+                <a:sym typeface="Montserrat Bold"/>
+              </a:defRPr>
+            </a:lvl1pPr>
+          </a:lstStyle>
+          <a:p>
+            <a:r>
+              <a:rPr lang="it-IT" dirty="0" err="1">
+                <a:solidFill>
+                  <a:schemeClr val="tx1"/>
+                </a:solidFill>
+              </a:rPr>
+              <a:t>Additional</a:t>
+            </a:r>
+            <a:r>
+              <a:rPr lang="it-IT" dirty="0">
+                <a:solidFill>
+                  <a:schemeClr val="tx1"/>
+                </a:solidFill>
+              </a:rPr>
+              <a:t> steps</a:t>
+            </a:r>
+            <a:endParaRPr dirty="0">
+              <a:solidFill>
+                <a:schemeClr val="tx1"/>
+              </a:solidFill>
+            </a:endParaRPr>
+          </a:p>
+        </p:txBody>
+      </p:sp>
+      <p:sp>
+        <p:nvSpPr>
+          <p:cNvPr id="12" name="Rectangle 2">
+            <a:extLst>
+              <a:ext uri="{FF2B5EF4-FFF2-40B4-BE49-F238E27FC236}">
+                <a16:creationId xmlns:a16="http://schemas.microsoft.com/office/drawing/2014/main" id="{976639CC-B89E-447D-953F-94D73095A8FD}"/>
+              </a:ext>
+            </a:extLst>
+          </p:cNvPr>
+          <p:cNvSpPr txBox="1"/>
+          <p:nvPr/>
+        </p:nvSpPr>
+        <p:spPr>
+          <a:xfrm>
+            <a:off x="749785" y="2670523"/>
+            <a:ext cx="3888372" cy="2308709"/>
+          </a:xfrm>
+          <a:prstGeom prst="rect">
+            <a:avLst/>
+          </a:prstGeom>
+          <a:ln w="12700">
+            <a:miter lim="400000"/>
+          </a:ln>
+          <a:extLst>
+            <a:ext uri="{C572A759-6A51-4108-AA02-DFA0A04FC94B}">
+              <ma14:wrappingTextBoxFlag xmlns:ma14="http://schemas.microsoft.com/office/mac/drawingml/2011/main" xmlns="" val="1"/>
+            </a:ext>
+          </a:extLst>
+        </p:spPr>
+        <p:txBody>
+          <a:bodyPr wrap="square" lIns="45719" rIns="45719">
+            <a:spAutoFit/>
+          </a:bodyPr>
+          <a:lstStyle>
+            <a:lvl1pPr algn="just">
+              <a:lnSpc>
+                <a:spcPct val="150000"/>
+              </a:lnSpc>
+              <a:defRPr sz="900">
+                <a:solidFill>
+                  <a:srgbClr val="FFFFFF"/>
+                </a:solidFill>
+                <a:latin typeface="Lato Regular"/>
+                <a:ea typeface="Lato Regular"/>
+                <a:cs typeface="Lato Regular"/>
+                <a:sym typeface="Lato Regular"/>
+              </a:defRPr>
+            </a:lvl1pPr>
+          </a:lstStyle>
+          <a:p>
+            <a:pPr marL="342900" indent="-342900">
+              <a:buFont typeface="+mj-lt"/>
+              <a:buAutoNum type="arabicPeriod"/>
+            </a:pPr>
+            <a:r>
+              <a:rPr lang="en-US" sz="1400" dirty="0"/>
+              <a:t>Non-ascii characters removal</a:t>
+            </a:r>
+          </a:p>
+          <a:p>
+            <a:pPr marL="342900" indent="-342900">
+              <a:buFont typeface="+mj-lt"/>
+              <a:buAutoNum type="arabicPeriod"/>
+            </a:pPr>
+            <a:r>
+              <a:rPr lang="en-US" sz="1400" dirty="0"/>
+              <a:t>All to lowercase</a:t>
+            </a:r>
+          </a:p>
+          <a:p>
+            <a:pPr marL="342900" indent="-342900">
+              <a:buFont typeface="+mj-lt"/>
+              <a:buAutoNum type="arabicPeriod"/>
+            </a:pPr>
+            <a:r>
+              <a:rPr lang="en-US" sz="1400" dirty="0"/>
+              <a:t>Punctuation removal</a:t>
+            </a:r>
+          </a:p>
+          <a:p>
+            <a:pPr marL="342900" indent="-342900">
+              <a:buFont typeface="+mj-lt"/>
+              <a:buAutoNum type="arabicPeriod"/>
+            </a:pPr>
+            <a:r>
+              <a:rPr lang="en-US" sz="1400" dirty="0"/>
+              <a:t>Numbers removal</a:t>
+            </a:r>
+          </a:p>
+          <a:p>
+            <a:pPr marL="342900" indent="-342900">
+              <a:buFont typeface="+mj-lt"/>
+              <a:buAutoNum type="arabicPeriod"/>
+            </a:pPr>
+            <a:r>
+              <a:rPr lang="en-US" sz="1400" dirty="0"/>
+              <a:t>Contractions mapping</a:t>
+            </a:r>
+          </a:p>
+          <a:p>
+            <a:pPr marL="342900" indent="-342900">
+              <a:buFont typeface="+mj-lt"/>
+              <a:buAutoNum type="arabicPeriod"/>
+            </a:pPr>
+            <a:r>
+              <a:rPr lang="en-US" sz="1400" dirty="0"/>
+              <a:t>Stop-words removal</a:t>
+            </a:r>
+          </a:p>
+          <a:p>
+            <a:pPr marL="342900" indent="-342900">
+              <a:buFont typeface="+mj-lt"/>
+              <a:buAutoNum type="arabicPeriod"/>
+            </a:pPr>
+            <a:endParaRPr lang="en-US" sz="1400" dirty="0"/>
+          </a:p>
+        </p:txBody>
+      </p:sp>
+    </p:spTree>
+  </p:cSld>
+  <p:clrMapOvr>
+    <a:masterClrMapping/>
+  </p:clrMapOvr>
+  <p:transition spd="med"/>
+</p:sld>
+</file>
+
+<file path=ppt/slides/slide5.xml><?xml version="1.0" encoding="utf-8"?>
+<p:sld xmlns:a="http://schemas.openxmlformats.org/drawingml/2006/main" xmlns:r="http://schemas.openxmlformats.org/officeDocument/2006/relationships" xmlns:p="http://schemas.openxmlformats.org/presentationml/2006/main">
+  <p:cSld>
+    <p:spTree>
+      <p:nvGrpSpPr>
+        <p:cNvPr id="1" name=""/>
+        <p:cNvGrpSpPr/>
+        <p:nvPr/>
+      </p:nvGrpSpPr>
+      <p:grpSpPr>
+        <a:xfrm>
+          <a:off x="0" y="0"/>
+          <a:ext cx="0" cy="0"/>
+          <a:chOff x="0" y="0"/>
+          <a:chExt cx="0" cy="0"/>
+        </a:xfrm>
+      </p:grpSpPr>
+      <p:sp>
+        <p:nvSpPr>
+          <p:cNvPr id="331" name="Rectangle 2"/>
+          <p:cNvSpPr txBox="1"/>
+          <p:nvPr/>
+        </p:nvSpPr>
+        <p:spPr>
+          <a:xfrm>
+            <a:off x="944732" y="1288431"/>
+            <a:ext cx="10497483" cy="409343"/>
+          </a:xfrm>
+          <a:prstGeom prst="rect">
+            <a:avLst/>
+          </a:prstGeom>
+          <a:ln w="12700">
+            <a:miter lim="400000"/>
+          </a:ln>
+          <a:extLst>
+            <a:ext uri="{C572A759-6A51-4108-AA02-DFA0A04FC94B}">
+              <ma14:wrappingTextBoxFlag xmlns="" xmlns:ma14="http://schemas.microsoft.com/office/mac/drawingml/2011/main" val="1"/>
+            </a:ext>
+          </a:extLst>
+        </p:spPr>
+        <p:txBody>
+          <a:bodyPr wrap="square" lIns="45719" rIns="45719">
+            <a:spAutoFit/>
+          </a:bodyPr>
+          <a:lstStyle>
+            <a:lvl1pPr algn="just">
+              <a:lnSpc>
+                <a:spcPct val="150000"/>
+              </a:lnSpc>
+              <a:defRPr sz="900">
+                <a:solidFill>
+                  <a:srgbClr val="FFFFFF"/>
+                </a:solidFill>
+                <a:latin typeface="Lato Regular"/>
+                <a:ea typeface="Lato Regular"/>
+                <a:cs typeface="Lato Regular"/>
+                <a:sym typeface="Lato Regular"/>
+              </a:defRPr>
+            </a:lvl1pPr>
+          </a:lstStyle>
+          <a:p>
+            <a:pPr algn="ctr"/>
+            <a:r>
+              <a:rPr lang="en-US" sz="1600" dirty="0">
+                <a:solidFill>
+                  <a:schemeClr val="tx1"/>
+                </a:solidFill>
+              </a:rPr>
+              <a:t>Here is the resulting dataset after all the preprocessing steps:</a:t>
+            </a:r>
+          </a:p>
+        </p:txBody>
+      </p:sp>
+      <p:sp>
+        <p:nvSpPr>
+          <p:cNvPr id="10" name="Rectangle 5">
+            <a:extLst>
+              <a:ext uri="{FF2B5EF4-FFF2-40B4-BE49-F238E27FC236}">
+                <a16:creationId xmlns:a16="http://schemas.microsoft.com/office/drawing/2014/main" id="{16724CC2-8A2D-42E6-B858-A4652105D42A}"/>
+              </a:ext>
+            </a:extLst>
+          </p:cNvPr>
+          <p:cNvSpPr/>
+          <p:nvPr/>
+        </p:nvSpPr>
+        <p:spPr>
+          <a:xfrm flipH="1">
+            <a:off x="4432182" y="211029"/>
+            <a:ext cx="3522583" cy="879217"/>
+          </a:xfrm>
+          <a:prstGeom prst="rect">
+            <a:avLst/>
+          </a:prstGeom>
+          <a:solidFill>
+            <a:srgbClr val="CC0001"/>
+          </a:solidFill>
+          <a:ln w="12700">
+            <a:miter lim="400000"/>
+          </a:ln>
+        </p:spPr>
+        <p:txBody>
+          <a:bodyPr lIns="45719" rIns="45719"/>
+          <a:lstStyle/>
+          <a:p>
+            <a:r>
+              <a:rPr lang="it-IT" dirty="0"/>
+              <a:t>   </a:t>
+            </a:r>
+            <a:endParaRPr dirty="0"/>
+          </a:p>
+        </p:txBody>
+      </p:sp>
+      <p:sp>
+        <p:nvSpPr>
+          <p:cNvPr id="8" name="TextBox 5">
+            <a:extLst>
+              <a:ext uri="{FF2B5EF4-FFF2-40B4-BE49-F238E27FC236}">
+                <a16:creationId xmlns:a16="http://schemas.microsoft.com/office/drawing/2014/main" id="{2D7E1F90-7546-4231-8DCD-7A9B5FD8F7D6}"/>
+              </a:ext>
+            </a:extLst>
+          </p:cNvPr>
+          <p:cNvSpPr txBox="1"/>
+          <p:nvPr/>
+        </p:nvSpPr>
+        <p:spPr>
+          <a:xfrm>
+            <a:off x="4529878" y="336458"/>
+            <a:ext cx="3327191" cy="646331"/>
+          </a:xfrm>
+          <a:prstGeom prst="rect">
+            <a:avLst/>
+          </a:prstGeom>
+          <a:ln w="12700">
+            <a:miter lim="400000"/>
+          </a:ln>
+          <a:extLst>
+            <a:ext uri="{C572A759-6A51-4108-AA02-DFA0A04FC94B}">
+              <ma14:wrappingTextBoxFlag xmlns="" xmlns:ma14="http://schemas.microsoft.com/office/mac/drawingml/2011/main" val="1"/>
+            </a:ext>
+          </a:extLst>
+        </p:spPr>
+        <p:txBody>
+          <a:bodyPr wrap="none" lIns="45719" rIns="45719">
+            <a:spAutoFit/>
+          </a:bodyPr>
+          <a:lstStyle>
+            <a:lvl1pPr>
+              <a:defRPr sz="3600">
+                <a:solidFill>
+                  <a:srgbClr val="FFFFFF"/>
+                </a:solidFill>
+                <a:latin typeface="Montserrat Bold"/>
+                <a:ea typeface="Montserrat Bold"/>
+                <a:cs typeface="Montserrat Bold"/>
+                <a:sym typeface="Montserrat Bold"/>
+              </a:defRPr>
+            </a:lvl1pPr>
+          </a:lstStyle>
+          <a:p>
+            <a:r>
+              <a:rPr lang="it-IT" dirty="0" err="1"/>
+              <a:t>Resulting</a:t>
+            </a:r>
+            <a:r>
+              <a:rPr lang="it-IT" dirty="0"/>
+              <a:t> dataset</a:t>
+            </a:r>
+            <a:endParaRPr dirty="0"/>
+          </a:p>
+        </p:txBody>
+      </p:sp>
+      <p:pic>
+        <p:nvPicPr>
+          <p:cNvPr id="4" name="Immagine 3" descr="Immagine che contiene testo&#10;&#10;Descrizione generata automaticamente">
+            <a:extLst>
+              <a:ext uri="{FF2B5EF4-FFF2-40B4-BE49-F238E27FC236}">
+                <a16:creationId xmlns:a16="http://schemas.microsoft.com/office/drawing/2014/main" id="{AFCA21DE-0203-4692-B515-4AA069321B6C}"/>
+              </a:ext>
+            </a:extLst>
+          </p:cNvPr>
+          <p:cNvPicPr>
+            <a:picLocks noChangeAspect="1"/>
+          </p:cNvPicPr>
+          <p:nvPr/>
+        </p:nvPicPr>
+        <p:blipFill>
+          <a:blip r:embed="rId2">
+            <a:extLst>
+              <a:ext uri="{28A0092B-C50C-407E-A947-70E740481C1C}">
+                <a14:useLocalDpi xmlns:a14="http://schemas.microsoft.com/office/drawing/2010/main" val="0"/>
+              </a:ext>
+            </a:extLst>
+          </a:blip>
+          <a:stretch>
+            <a:fillRect/>
+          </a:stretch>
+        </p:blipFill>
+        <p:spPr>
+          <a:xfrm>
+            <a:off x="637442" y="2346743"/>
+            <a:ext cx="10917115" cy="3377636"/>
+          </a:xfrm>
+          <a:prstGeom prst="rect">
+            <a:avLst/>
+          </a:prstGeom>
+        </p:spPr>
+      </p:pic>
+    </p:spTree>
+    <p:extLst>
+      <p:ext uri="{BB962C8B-B14F-4D97-AF65-F5344CB8AC3E}">
+        <p14:creationId xmlns:p14="http://schemas.microsoft.com/office/powerpoint/2010/main" val="719782963"/>
+      </p:ext>
+    </p:extLst>
+  </p:cSld>
+  <p:clrMapOvr>
+    <a:masterClrMapping/>
+  </p:clrMapOvr>
+  <p:transition spd="med"/>
+</p:sld>
+</file>
+
+<file path=ppt/slides/slide6.xml><?xml version="1.0" encoding="utf-8"?>
+<p:sld xmlns:a="http://schemas.openxmlformats.org/drawingml/2006/main" xmlns:r="http://schemas.openxmlformats.org/officeDocument/2006/relationships" xmlns:p="http://schemas.openxmlformats.org/presentationml/2006/main">
+  <p:cSld>
+    <p:spTree>
+      <p:nvGrpSpPr>
+        <p:cNvPr id="1" name=""/>
+        <p:cNvGrpSpPr/>
+        <p:nvPr/>
+      </p:nvGrpSpPr>
+      <p:grpSpPr>
+        <a:xfrm>
+          <a:off x="0" y="0"/>
+          <a:ext cx="0" cy="0"/>
+          <a:chOff x="0" y="0"/>
+          <a:chExt cx="0" cy="0"/>
+        </a:xfrm>
+      </p:grpSpPr>
+      <p:sp>
+        <p:nvSpPr>
+          <p:cNvPr id="330" name="Rectangle 5"/>
+          <p:cNvSpPr/>
+          <p:nvPr/>
+        </p:nvSpPr>
+        <p:spPr>
+          <a:xfrm>
+            <a:off x="0" y="0"/>
+            <a:ext cx="12192000" cy="6858000"/>
+          </a:xfrm>
+          <a:prstGeom prst="rect">
+            <a:avLst/>
+          </a:prstGeom>
+          <a:solidFill>
+            <a:srgbClr val="1E1E1E"/>
+          </a:solidFill>
+          <a:ln w="12700">
+            <a:miter lim="400000"/>
+          </a:ln>
+        </p:spPr>
+        <p:txBody>
+          <a:bodyPr lIns="45719" rIns="45719"/>
+          <a:lstStyle/>
+          <a:p>
+            <a:endParaRPr/>
+          </a:p>
+        </p:txBody>
+      </p:sp>
+      <p:sp>
+        <p:nvSpPr>
+          <p:cNvPr id="331" name="Rectangle 2"/>
+          <p:cNvSpPr txBox="1"/>
+          <p:nvPr/>
+        </p:nvSpPr>
+        <p:spPr>
+          <a:xfrm>
+            <a:off x="359926" y="1805592"/>
+            <a:ext cx="5286894" cy="778675"/>
+          </a:xfrm>
+          <a:prstGeom prst="rect">
+            <a:avLst/>
+          </a:prstGeom>
+          <a:ln w="12700">
+            <a:miter lim="400000"/>
+          </a:ln>
+          <a:extLst>
+            <a:ext uri="{C572A759-6A51-4108-AA02-DFA0A04FC94B}">
+              <ma14:wrappingTextBoxFlag xmlns:ma14="http://schemas.microsoft.com/office/mac/drawingml/2011/main" xmlns="" val="1"/>
+            </a:ext>
+          </a:extLst>
+        </p:spPr>
+        <p:txBody>
+          <a:bodyPr wrap="square" lIns="45719" rIns="45719">
+            <a:spAutoFit/>
+          </a:bodyPr>
+          <a:lstStyle>
+            <a:lvl1pPr algn="just">
+              <a:lnSpc>
+                <a:spcPct val="150000"/>
+              </a:lnSpc>
+              <a:defRPr sz="900">
+                <a:solidFill>
+                  <a:srgbClr val="FFFFFF"/>
+                </a:solidFill>
+                <a:latin typeface="Lato Regular"/>
+                <a:ea typeface="Lato Regular"/>
+                <a:cs typeface="Lato Regular"/>
+                <a:sym typeface="Lato Regular"/>
+              </a:defRPr>
+            </a:lvl1pPr>
+          </a:lstStyle>
+          <a:p>
+            <a:r>
+              <a:rPr lang="en-US" sz="1600" dirty="0"/>
+              <a:t>First, we selected a max length of text to take and a max summary length based on the distribution of the data.</a:t>
+            </a:r>
+            <a:endParaRPr sz="1600" dirty="0"/>
+          </a:p>
+        </p:txBody>
+      </p:sp>
+      <p:sp>
+        <p:nvSpPr>
+          <p:cNvPr id="6" name="Rectangle 5">
+            <a:extLst>
+              <a:ext uri="{FF2B5EF4-FFF2-40B4-BE49-F238E27FC236}">
+                <a16:creationId xmlns:a16="http://schemas.microsoft.com/office/drawing/2014/main" id="{F73B7E4A-CD4F-463A-B0FD-2EF6E69FCD79}"/>
+              </a:ext>
+            </a:extLst>
+          </p:cNvPr>
+          <p:cNvSpPr/>
+          <p:nvPr/>
+        </p:nvSpPr>
+        <p:spPr>
+          <a:xfrm flipH="1">
+            <a:off x="384720" y="315841"/>
+            <a:ext cx="5286893" cy="1354001"/>
+          </a:xfrm>
+          <a:prstGeom prst="rect">
+            <a:avLst/>
+          </a:prstGeom>
+          <a:solidFill>
+            <a:srgbClr val="CC0001"/>
+          </a:solidFill>
+          <a:ln w="12700">
+            <a:miter lim="400000"/>
+          </a:ln>
+        </p:spPr>
+        <p:txBody>
+          <a:bodyPr lIns="45719" rIns="45719"/>
+          <a:lstStyle/>
+          <a:p>
+            <a:r>
+              <a:rPr lang="it-IT" dirty="0"/>
+              <a:t>   </a:t>
+            </a:r>
+            <a:endParaRPr dirty="0"/>
+          </a:p>
+        </p:txBody>
+      </p:sp>
+      <p:sp>
+        <p:nvSpPr>
+          <p:cNvPr id="8" name="TextBox 5">
+            <a:extLst>
+              <a:ext uri="{FF2B5EF4-FFF2-40B4-BE49-F238E27FC236}">
+                <a16:creationId xmlns:a16="http://schemas.microsoft.com/office/drawing/2014/main" id="{2D7E1F90-7546-4231-8DCD-7A9B5FD8F7D6}"/>
+              </a:ext>
+            </a:extLst>
+          </p:cNvPr>
+          <p:cNvSpPr txBox="1"/>
+          <p:nvPr/>
+        </p:nvSpPr>
+        <p:spPr>
+          <a:xfrm>
+            <a:off x="504325" y="385824"/>
+            <a:ext cx="5591675" cy="1754326"/>
+          </a:xfrm>
+          <a:prstGeom prst="rect">
+            <a:avLst/>
+          </a:prstGeom>
+          <a:ln w="12700">
+            <a:miter lim="400000"/>
+          </a:ln>
+          <a:extLst>
+            <a:ext uri="{C572A759-6A51-4108-AA02-DFA0A04FC94B}">
+              <ma14:wrappingTextBoxFlag xmlns:ma14="http://schemas.microsoft.com/office/mac/drawingml/2011/main" xmlns="" val="1"/>
+            </a:ext>
+          </a:extLst>
+        </p:spPr>
+        <p:txBody>
+          <a:bodyPr wrap="square" lIns="45719" rIns="45719">
+            <a:spAutoFit/>
+          </a:bodyPr>
+          <a:lstStyle>
+            <a:lvl1pPr>
+              <a:defRPr sz="3600">
+                <a:solidFill>
+                  <a:srgbClr val="FFFFFF"/>
+                </a:solidFill>
+                <a:latin typeface="Montserrat Bold"/>
+                <a:ea typeface="Montserrat Bold"/>
+                <a:cs typeface="Montserrat Bold"/>
+                <a:sym typeface="Montserrat Bold"/>
+              </a:defRPr>
+            </a:lvl1pPr>
+          </a:lstStyle>
+          <a:p>
+            <a:r>
+              <a:rPr lang="it-IT" dirty="0" err="1"/>
+              <a:t>Methodological</a:t>
+            </a:r>
+            <a:r>
+              <a:rPr lang="it-IT" dirty="0"/>
+              <a:t> </a:t>
+            </a:r>
+            <a:r>
+              <a:rPr lang="it-IT" dirty="0" err="1"/>
+              <a:t>approach</a:t>
+            </a:r>
+            <a:r>
+              <a:rPr lang="it-IT" dirty="0"/>
+              <a:t> and </a:t>
+            </a:r>
+            <a:r>
+              <a:rPr lang="it-IT" dirty="0" err="1"/>
+              <a:t>evaluation</a:t>
+            </a:r>
+            <a:endParaRPr lang="it-IT" dirty="0"/>
+          </a:p>
+          <a:p>
+            <a:endParaRPr dirty="0"/>
+          </a:p>
+        </p:txBody>
+      </p:sp>
+      <p:sp>
+        <p:nvSpPr>
+          <p:cNvPr id="9" name="Rettangolo 8">
+            <a:extLst>
+              <a:ext uri="{FF2B5EF4-FFF2-40B4-BE49-F238E27FC236}">
+                <a16:creationId xmlns:a16="http://schemas.microsoft.com/office/drawing/2014/main" id="{3CCB6209-3FCD-43F7-9025-9D5316D25660}"/>
+              </a:ext>
+            </a:extLst>
+          </p:cNvPr>
+          <p:cNvSpPr/>
+          <p:nvPr/>
+        </p:nvSpPr>
+        <p:spPr>
+          <a:xfrm>
+            <a:off x="359926" y="2792649"/>
+            <a:ext cx="5286894" cy="3502644"/>
+          </a:xfrm>
+          <a:prstGeom prst="rect">
+            <a:avLst/>
+          </a:prstGeom>
+          <a:solidFill>
+            <a:srgbClr val="FFFFFF"/>
+          </a:solidFill>
+          <a:ln w="12700" cap="flat">
+            <a:noFill/>
+            <a:prstDash val="solid"/>
+            <a:miter lim="800000"/>
+          </a:ln>
+          <a:effectLst/>
+          <a:sp3d/>
+        </p:spPr>
+        <p:style>
+          <a:lnRef idx="0">
+            <a:scrgbClr r="0" g="0" b="0"/>
+          </a:lnRef>
+          <a:fillRef idx="0">
+            <a:scrgbClr r="0" g="0" b="0"/>
+          </a:fillRef>
+          <a:effectRef idx="0">
+            <a:scrgbClr r="0" g="0" b="0"/>
+          </a:effectRef>
+          <a:fontRef idx="none"/>
+        </p:style>
+        <p:txBody>
+          <a:bodyPr rot="0" spcFirstLastPara="1" vertOverflow="overflow" horzOverflow="overflow" vert="horz" wrap="square" lIns="45719" tIns="45719" rIns="45719" bIns="45719" numCol="1" spcCol="38100" rtlCol="0" anchor="ctr">
+            <a:spAutoFit/>
+          </a:bodyPr>
+          <a:lstStyle/>
+          <a:p>
+            <a:pPr marL="0" marR="0" indent="0" algn="l" defTabSz="914400" rtl="0" fontAlgn="auto" latinLnBrk="0" hangingPunct="0">
+              <a:lnSpc>
+                <a:spcPct val="100000"/>
+              </a:lnSpc>
+              <a:spcBef>
+                <a:spcPts val="0"/>
+              </a:spcBef>
+              <a:spcAft>
+                <a:spcPts val="0"/>
+              </a:spcAft>
+              <a:buClrTx/>
+              <a:buSzTx/>
+              <a:buFontTx/>
+              <a:buNone/>
+              <a:tabLst/>
+            </a:pPr>
+            <a:endParaRPr kumimoji="0" lang="it-IT" sz="1800" b="0" i="0" u="none" strike="noStrike" cap="none" spc="0" normalizeH="0" baseline="0">
+              <a:ln>
+                <a:noFill/>
+              </a:ln>
+              <a:solidFill>
+                <a:srgbClr val="000000"/>
+              </a:solidFill>
+              <a:effectLst/>
+              <a:uFillTx/>
+              <a:latin typeface="+mj-lt"/>
+              <a:ea typeface="+mj-ea"/>
+              <a:cs typeface="+mj-cs"/>
+              <a:sym typeface="Calibri"/>
+            </a:endParaRPr>
+          </a:p>
+        </p:txBody>
+      </p:sp>
+      <p:pic>
+        <p:nvPicPr>
+          <p:cNvPr id="3" name="Immagine 2">
+            <a:extLst>
+              <a:ext uri="{FF2B5EF4-FFF2-40B4-BE49-F238E27FC236}">
+                <a16:creationId xmlns:a16="http://schemas.microsoft.com/office/drawing/2014/main" id="{DD08FA2B-A1D9-49FE-B238-0A30C4DA7A48}"/>
+              </a:ext>
+            </a:extLst>
+          </p:cNvPr>
+          <p:cNvPicPr>
+            <a:picLocks noChangeAspect="1"/>
+          </p:cNvPicPr>
+          <p:nvPr/>
+        </p:nvPicPr>
+        <p:blipFill>
+          <a:blip r:embed="rId2">
+            <a:extLst>
+              <a:ext uri="{28A0092B-C50C-407E-A947-70E740481C1C}">
+                <a14:useLocalDpi xmlns:a14="http://schemas.microsoft.com/office/drawing/2010/main" val="0"/>
+              </a:ext>
+            </a:extLst>
+          </a:blip>
+          <a:stretch>
+            <a:fillRect/>
+          </a:stretch>
+        </p:blipFill>
+        <p:spPr>
+          <a:xfrm>
+            <a:off x="491936" y="2822675"/>
+            <a:ext cx="4848225" cy="3352800"/>
+          </a:xfrm>
+          <a:prstGeom prst="rect">
+            <a:avLst/>
+          </a:prstGeom>
+        </p:spPr>
+      </p:pic>
+      <p:sp>
+        <p:nvSpPr>
+          <p:cNvPr id="11" name="Rectangle 2">
+            <a:extLst>
+              <a:ext uri="{FF2B5EF4-FFF2-40B4-BE49-F238E27FC236}">
+                <a16:creationId xmlns:a16="http://schemas.microsoft.com/office/drawing/2014/main" id="{2DEE25DD-A4B1-4903-809A-EE68351B8707}"/>
+              </a:ext>
+            </a:extLst>
+          </p:cNvPr>
+          <p:cNvSpPr txBox="1"/>
+          <p:nvPr/>
+        </p:nvSpPr>
+        <p:spPr>
+          <a:xfrm>
+            <a:off x="6309911" y="385824"/>
+            <a:ext cx="5286894" cy="778675"/>
+          </a:xfrm>
+          <a:prstGeom prst="rect">
+            <a:avLst/>
+          </a:prstGeom>
+          <a:ln w="12700">
+            <a:miter lim="400000"/>
+          </a:ln>
+          <a:extLst>
+            <a:ext uri="{C572A759-6A51-4108-AA02-DFA0A04FC94B}">
+              <ma14:wrappingTextBoxFlag xmlns:ma14="http://schemas.microsoft.com/office/mac/drawingml/2011/main" xmlns="" val="1"/>
+            </a:ext>
+          </a:extLst>
+        </p:spPr>
+        <p:txBody>
+          <a:bodyPr wrap="square" lIns="45719" rIns="45719">
+            <a:spAutoFit/>
+          </a:bodyPr>
+          <a:lstStyle>
+            <a:lvl1pPr algn="just">
+              <a:lnSpc>
+                <a:spcPct val="150000"/>
+              </a:lnSpc>
+              <a:defRPr sz="900">
+                <a:solidFill>
+                  <a:srgbClr val="FFFFFF"/>
+                </a:solidFill>
+                <a:latin typeface="Lato Regular"/>
+                <a:ea typeface="Lato Regular"/>
+                <a:cs typeface="Lato Regular"/>
+                <a:sym typeface="Lato Regular"/>
+              </a:defRPr>
+            </a:lvl1pPr>
+          </a:lstStyle>
+          <a:p>
+            <a:r>
+              <a:rPr lang="en-US" sz="1600" dirty="0"/>
+              <a:t>Then we implemented an Abstractive Summarization model. DESCRIZIONE QUA</a:t>
+            </a:r>
+            <a:endParaRPr sz="1600" dirty="0"/>
+          </a:p>
+        </p:txBody>
+      </p:sp>
+    </p:spTree>
+    <p:extLst>
+      <p:ext uri="{BB962C8B-B14F-4D97-AF65-F5344CB8AC3E}">
+        <p14:creationId xmlns:p14="http://schemas.microsoft.com/office/powerpoint/2010/main" val="487848631"/>
+      </p:ext>
+    </p:extLst>
+  </p:cSld>
+  <p:clrMapOvr>
+    <a:masterClrMapping/>
+  </p:clrMapOvr>
+  <p:transition spd="med"/>
+</p:sld>
+</file>
+
+<file path=ppt/slides/slide7.xml><?xml version="1.0" encoding="utf-8"?>
+<p:sld xmlns:a="http://schemas.openxmlformats.org/drawingml/2006/main" xmlns:r="http://schemas.openxmlformats.org/officeDocument/2006/relationships" xmlns:p="http://schemas.openxmlformats.org/presentationml/2006/main">
+  <p:cSld>
+    <p:spTree>
+      <p:nvGrpSpPr>
+        <p:cNvPr id="1" name=""/>
+        <p:cNvGrpSpPr/>
+        <p:nvPr/>
+      </p:nvGrpSpPr>
+      <p:grpSpPr>
+        <a:xfrm>
+          <a:off x="0" y="0"/>
+          <a:ext cx="0" cy="0"/>
+          <a:chOff x="0" y="0"/>
+          <a:chExt cx="0" cy="0"/>
+        </a:xfrm>
+      </p:grpSpPr>
+      <p:sp>
+        <p:nvSpPr>
+          <p:cNvPr id="338" name="Rectangle 5"/>
+          <p:cNvSpPr/>
+          <p:nvPr/>
+        </p:nvSpPr>
+        <p:spPr>
+          <a:xfrm>
+            <a:off x="1" y="0"/>
+            <a:ext cx="6240886" cy="6858000"/>
+          </a:xfrm>
+          <a:prstGeom prst="rect">
+            <a:avLst/>
+          </a:prstGeom>
+          <a:solidFill>
+            <a:srgbClr val="1E1E1E"/>
+          </a:solidFill>
+          <a:ln w="12700">
+            <a:miter lim="400000"/>
+          </a:ln>
+        </p:spPr>
+        <p:txBody>
+          <a:bodyPr lIns="45719" rIns="45719"/>
+          <a:lstStyle/>
+          <a:p>
+            <a:endParaRPr/>
+          </a:p>
+        </p:txBody>
+      </p:sp>
+      <p:sp>
+        <p:nvSpPr>
+          <p:cNvPr id="9" name="Rectangle 2">
+            <a:extLst>
+              <a:ext uri="{FF2B5EF4-FFF2-40B4-BE49-F238E27FC236}">
+                <a16:creationId xmlns:a16="http://schemas.microsoft.com/office/drawing/2014/main" id="{9A1D70F6-7B6C-44AA-AA6B-77ED02BEDC86}"/>
+              </a:ext>
+            </a:extLst>
+          </p:cNvPr>
+          <p:cNvSpPr txBox="1"/>
+          <p:nvPr/>
+        </p:nvSpPr>
+        <p:spPr>
+          <a:xfrm>
+            <a:off x="337797" y="1422167"/>
+            <a:ext cx="5426697" cy="4471993"/>
+          </a:xfrm>
+          <a:prstGeom prst="rect">
+            <a:avLst/>
+          </a:prstGeom>
+          <a:ln w="12700">
+            <a:miter lim="400000"/>
+          </a:ln>
+          <a:extLst>
+            <a:ext uri="{C572A759-6A51-4108-AA02-DFA0A04FC94B}">
+              <ma14:wrappingTextBoxFlag xmlns:ma14="http://schemas.microsoft.com/office/mac/drawingml/2011/main" xmlns="" val="1"/>
+            </a:ext>
+          </a:extLst>
+        </p:spPr>
+        <p:txBody>
+          <a:bodyPr wrap="square" lIns="45719" rIns="45719">
+            <a:spAutoFit/>
+          </a:bodyPr>
+          <a:lstStyle>
+            <a:lvl1pPr algn="just">
+              <a:lnSpc>
+                <a:spcPct val="150000"/>
+              </a:lnSpc>
+              <a:defRPr sz="900">
+                <a:solidFill>
+                  <a:srgbClr val="FFFFFF"/>
+                </a:solidFill>
+                <a:latin typeface="Lato Regular"/>
+                <a:ea typeface="Lato Regular"/>
+                <a:cs typeface="Lato Regular"/>
+                <a:sym typeface="Lato Regular"/>
+              </a:defRPr>
+            </a:lvl1pPr>
+          </a:lstStyle>
+          <a:p>
+            <a:r>
+              <a:rPr lang="en-US" sz="1600" dirty="0"/>
+              <a:t>The model used is structurally simple.</a:t>
+            </a:r>
+          </a:p>
+          <a:p>
+            <a:r>
+              <a:rPr lang="en-US" sz="1600" dirty="0"/>
+              <a:t>The encoder is composed of an Embedding layer followed by a single LSTM layer.</a:t>
+            </a:r>
+          </a:p>
+          <a:p>
+            <a:r>
+              <a:rPr lang="en-US" sz="1600" dirty="0"/>
+              <a:t>The decoder is composed similarly to the encoder, with one Embedding and one LSTM layer.</a:t>
+            </a:r>
+          </a:p>
+          <a:p>
+            <a:r>
+              <a:rPr lang="en-US" sz="1600" dirty="0"/>
+              <a:t>Between the two, an Attention layer is placed. </a:t>
+            </a:r>
+          </a:p>
+          <a:p>
+            <a:r>
+              <a:rPr lang="en-US" sz="1600" dirty="0"/>
+              <a:t>Then, a Time-distributed Dense layer is added at the end.</a:t>
+            </a:r>
+          </a:p>
+          <a:p>
+            <a:endParaRPr lang="en-US" sz="1600" dirty="0"/>
+          </a:p>
+          <a:p>
+            <a:r>
+              <a:rPr lang="en-US" sz="1600" dirty="0"/>
+              <a:t>Although the relatively simple structure, this model contained more than 10 Million parameters that had to be trained locally on our machines. This </a:t>
+            </a:r>
+            <a:r>
+              <a:rPr lang="en-US" sz="1600" dirty="0" err="1"/>
+              <a:t>explaines</a:t>
+            </a:r>
+            <a:r>
+              <a:rPr lang="en-US" sz="1600" dirty="0"/>
+              <a:t> why only 10 epochs has been used to train the model.</a:t>
+            </a:r>
+          </a:p>
+        </p:txBody>
+      </p:sp>
+      <p:sp>
+        <p:nvSpPr>
+          <p:cNvPr id="6" name="Rectangle 5">
+            <a:extLst>
+              <a:ext uri="{FF2B5EF4-FFF2-40B4-BE49-F238E27FC236}">
+                <a16:creationId xmlns:a16="http://schemas.microsoft.com/office/drawing/2014/main" id="{A826A8C9-62D5-42FB-926F-B339372E77E7}"/>
+              </a:ext>
+            </a:extLst>
+          </p:cNvPr>
+          <p:cNvSpPr/>
+          <p:nvPr/>
+        </p:nvSpPr>
+        <p:spPr>
+          <a:xfrm flipH="1">
+            <a:off x="364174" y="226827"/>
+            <a:ext cx="2430890" cy="784689"/>
+          </a:xfrm>
+          <a:prstGeom prst="rect">
+            <a:avLst/>
+          </a:prstGeom>
+          <a:solidFill>
+            <a:srgbClr val="CC0001"/>
+          </a:solidFill>
+          <a:ln w="12700">
+            <a:miter lim="400000"/>
+          </a:ln>
+        </p:spPr>
+        <p:txBody>
+          <a:bodyPr lIns="45719" rIns="45719"/>
+          <a:lstStyle/>
+          <a:p>
+            <a:r>
+              <a:rPr lang="it-IT" dirty="0"/>
+              <a:t>   </a:t>
+            </a:r>
+            <a:endParaRPr dirty="0"/>
+          </a:p>
+        </p:txBody>
+      </p:sp>
+      <p:sp>
+        <p:nvSpPr>
+          <p:cNvPr id="10" name="TextBox 5">
+            <a:extLst>
+              <a:ext uri="{FF2B5EF4-FFF2-40B4-BE49-F238E27FC236}">
+                <a16:creationId xmlns:a16="http://schemas.microsoft.com/office/drawing/2014/main" id="{1C768714-9359-4798-9B60-BE4421470C89}"/>
+              </a:ext>
+            </a:extLst>
+          </p:cNvPr>
+          <p:cNvSpPr txBox="1"/>
+          <p:nvPr/>
+        </p:nvSpPr>
+        <p:spPr>
+          <a:xfrm>
+            <a:off x="503961" y="284691"/>
+            <a:ext cx="2124939" cy="646331"/>
+          </a:xfrm>
+          <a:prstGeom prst="rect">
+            <a:avLst/>
+          </a:prstGeom>
+          <a:ln w="12700">
+            <a:miter lim="400000"/>
+          </a:ln>
+          <a:extLst>
+            <a:ext uri="{C572A759-6A51-4108-AA02-DFA0A04FC94B}">
+              <ma14:wrappingTextBoxFlag xmlns:ma14="http://schemas.microsoft.com/office/mac/drawingml/2011/main" xmlns="" val="1"/>
+            </a:ext>
+          </a:extLst>
+        </p:spPr>
+        <p:txBody>
+          <a:bodyPr wrap="none" lIns="45719" rIns="45719">
+            <a:spAutoFit/>
+          </a:bodyPr>
+          <a:lstStyle>
+            <a:lvl1pPr>
+              <a:defRPr sz="3600">
+                <a:solidFill>
+                  <a:srgbClr val="FFFFFF"/>
+                </a:solidFill>
+                <a:latin typeface="Montserrat Bold"/>
+                <a:ea typeface="Montserrat Bold"/>
+                <a:cs typeface="Montserrat Bold"/>
+                <a:sym typeface="Montserrat Bold"/>
+              </a:defRPr>
+            </a:lvl1pPr>
+          </a:lstStyle>
+          <a:p>
+            <a:r>
+              <a:rPr lang="it-IT" b="1" dirty="0"/>
+              <a:t>The model</a:t>
+            </a:r>
+            <a:endParaRPr b="1" dirty="0"/>
+          </a:p>
+        </p:txBody>
+      </p:sp>
+      <p:pic>
+        <p:nvPicPr>
+          <p:cNvPr id="3" name="Immagine 2" descr="Immagine che contiene tavolo&#10;&#10;Descrizione generata automaticamente">
+            <a:extLst>
+              <a:ext uri="{FF2B5EF4-FFF2-40B4-BE49-F238E27FC236}">
+                <a16:creationId xmlns:a16="http://schemas.microsoft.com/office/drawing/2014/main" id="{F2076EFF-3C87-4D6B-9471-F2DDB7A962A9}"/>
+              </a:ext>
+            </a:extLst>
+          </p:cNvPr>
+          <p:cNvPicPr>
+            <a:picLocks noChangeAspect="1"/>
+          </p:cNvPicPr>
+          <p:nvPr/>
+        </p:nvPicPr>
+        <p:blipFill>
+          <a:blip r:embed="rId2">
+            <a:extLst>
+              <a:ext uri="{28A0092B-C50C-407E-A947-70E740481C1C}">
+                <a14:useLocalDpi xmlns:a14="http://schemas.microsoft.com/office/drawing/2010/main" val="0"/>
+              </a:ext>
+            </a:extLst>
+          </a:blip>
+          <a:stretch>
+            <a:fillRect/>
+          </a:stretch>
+        </p:blipFill>
+        <p:spPr>
+          <a:xfrm>
+            <a:off x="6606870" y="1793623"/>
+            <a:ext cx="5125477" cy="3270754"/>
+          </a:xfrm>
+          <a:prstGeom prst="rect">
+            <a:avLst/>
+          </a:prstGeom>
+        </p:spPr>
+      </p:pic>
+    </p:spTree>
+    <p:extLst>
+      <p:ext uri="{BB962C8B-B14F-4D97-AF65-F5344CB8AC3E}">
+        <p14:creationId xmlns:p14="http://schemas.microsoft.com/office/powerpoint/2010/main" val="3601882057"/>
+      </p:ext>
+    </p:extLst>
+  </p:cSld>
+  <p:clrMapOvr>
+    <a:masterClrMapping/>
+  </p:clrMapOvr>
+  <p:transition spd="med"/>
+</p:sld>
+</file>
+
+<file path=ppt/slides/slide8.xml><?xml version="1.0" encoding="utf-8"?>
+<p:sld xmlns:a="http://schemas.openxmlformats.org/drawingml/2006/main" xmlns:r="http://schemas.openxmlformats.org/officeDocument/2006/relationships" xmlns:p="http://schemas.openxmlformats.org/presentationml/2006/main">
+  <p:cSld>
+    <p:spTree>
+      <p:nvGrpSpPr>
+        <p:cNvPr id="1" name=""/>
+        <p:cNvGrpSpPr/>
+        <p:nvPr/>
+      </p:nvGrpSpPr>
+      <p:grpSpPr>
+        <a:xfrm>
+          <a:off x="0" y="0"/>
+          <a:ext cx="0" cy="0"/>
+          <a:chOff x="0" y="0"/>
+          <a:chExt cx="0" cy="0"/>
+        </a:xfrm>
+      </p:grpSpPr>
+      <p:sp>
+        <p:nvSpPr>
+          <p:cNvPr id="346" name="Rectangle 11"/>
+          <p:cNvSpPr txBox="1"/>
+          <p:nvPr/>
+        </p:nvSpPr>
+        <p:spPr>
+          <a:xfrm>
+            <a:off x="3153713" y="934519"/>
+            <a:ext cx="5884575" cy="270652"/>
+          </a:xfrm>
+          <a:prstGeom prst="rect">
+            <a:avLst/>
+          </a:prstGeom>
+          <a:ln w="12700">
+            <a:miter lim="400000"/>
+          </a:ln>
+          <a:extLst>
+            <a:ext uri="{C572A759-6A51-4108-AA02-DFA0A04FC94B}">
+              <ma14:wrappingTextBoxFlag xmlns:ma14="http://schemas.microsoft.com/office/mac/drawingml/2011/main" xmlns="" val="1"/>
+            </a:ext>
+          </a:extLst>
+        </p:spPr>
+        <p:txBody>
+          <a:bodyPr lIns="45719" rIns="45719">
+            <a:spAutoFit/>
+          </a:bodyPr>
+          <a:lstStyle>
+            <a:lvl1pPr algn="ctr">
+              <a:lnSpc>
+                <a:spcPct val="150000"/>
+              </a:lnSpc>
+              <a:defRPr sz="900">
+                <a:solidFill>
+                  <a:srgbClr val="A7A7A7"/>
+                </a:solidFill>
+                <a:latin typeface="Lato Regular"/>
+                <a:ea typeface="Lato Regular"/>
+                <a:cs typeface="Lato Regular"/>
+                <a:sym typeface="Lato Regular"/>
+              </a:defRPr>
+            </a:lvl1pPr>
+          </a:lstStyle>
+          <a:p>
+            <a:r>
+              <a:rPr lang="it-IT" dirty="0"/>
+              <a:t>The following </a:t>
+            </a:r>
+            <a:r>
+              <a:rPr lang="it-IT" dirty="0" err="1"/>
+              <a:t>graphs</a:t>
+            </a:r>
+            <a:r>
+              <a:rPr lang="it-IT" dirty="0"/>
+              <a:t> </a:t>
+            </a:r>
+            <a:r>
+              <a:rPr lang="it-IT" dirty="0" err="1"/>
+              <a:t>represent</a:t>
+            </a:r>
+            <a:r>
+              <a:rPr lang="it-IT" dirty="0"/>
+              <a:t> the </a:t>
+            </a:r>
+            <a:r>
+              <a:rPr lang="it-IT" dirty="0" err="1"/>
+              <a:t>loss</a:t>
+            </a:r>
+            <a:r>
+              <a:rPr lang="it-IT" dirty="0"/>
+              <a:t> </a:t>
+            </a:r>
+            <a:r>
+              <a:rPr lang="it-IT" dirty="0" err="1"/>
+              <a:t>function</a:t>
+            </a:r>
+            <a:r>
+              <a:rPr lang="it-IT" dirty="0"/>
+              <a:t> of the model</a:t>
+            </a:r>
+            <a:endParaRPr dirty="0"/>
+          </a:p>
+        </p:txBody>
+      </p:sp>
+      <p:sp>
+        <p:nvSpPr>
+          <p:cNvPr id="347" name="TextBox 12"/>
+          <p:cNvSpPr txBox="1"/>
+          <p:nvPr/>
+        </p:nvSpPr>
+        <p:spPr>
+          <a:xfrm>
+            <a:off x="5123697" y="288188"/>
+            <a:ext cx="1435647" cy="646331"/>
+          </a:xfrm>
+          <a:prstGeom prst="rect">
+            <a:avLst/>
+          </a:prstGeom>
+          <a:ln w="12700">
+            <a:miter lim="400000"/>
+          </a:ln>
+          <a:extLst>
+            <a:ext uri="{C572A759-6A51-4108-AA02-DFA0A04FC94B}">
+              <ma14:wrappingTextBoxFlag xmlns:ma14="http://schemas.microsoft.com/office/mac/drawingml/2011/main" xmlns="" val="1"/>
+            </a:ext>
+          </a:extLst>
+        </p:spPr>
+        <p:txBody>
+          <a:bodyPr wrap="none" lIns="45719" rIns="45719">
+            <a:spAutoFit/>
+          </a:bodyPr>
+          <a:lstStyle>
+            <a:lvl1pPr>
+              <a:defRPr sz="3600">
+                <a:latin typeface="Montserrat Bold"/>
+                <a:ea typeface="Montserrat Bold"/>
+                <a:cs typeface="Montserrat Bold"/>
+                <a:sym typeface="Montserrat Bold"/>
+              </a:defRPr>
+            </a:lvl1pPr>
+          </a:lstStyle>
+          <a:p>
+            <a:r>
+              <a:rPr lang="it-IT" dirty="0" err="1"/>
+              <a:t>Results</a:t>
+            </a:r>
+            <a:endParaRPr dirty="0"/>
+          </a:p>
+        </p:txBody>
+      </p:sp>
+    </p:spTree>
+  </p:cSld>
+  <p:clrMapOvr>
+    <a:masterClrMapping/>
+  </p:clrMapOvr>
+  <p:transition spd="med"/>
+</p:sld>
+</file>
+
+<file path=ppt/slides/slide9.xml><?xml version="1.0" encoding="utf-8"?>
+<p:sld xmlns:a="http://schemas.openxmlformats.org/drawingml/2006/main" xmlns:r="http://schemas.openxmlformats.org/officeDocument/2006/relationships" xmlns:p="http://schemas.openxmlformats.org/presentationml/2006/main">
+  <p:cSld>
+    <p:spTree>
+      <p:nvGrpSpPr>
+        <p:cNvPr id="1" name=""/>
+        <p:cNvGrpSpPr/>
+        <p:nvPr/>
+      </p:nvGrpSpPr>
+      <p:grpSpPr>
+        <a:xfrm>
+          <a:off x="0" y="0"/>
+          <a:ext cx="0" cy="0"/>
+          <a:chOff x="0" y="0"/>
+          <a:chExt cx="0" cy="0"/>
+        </a:xfrm>
+      </p:grpSpPr>
+      <p:sp>
+        <p:nvSpPr>
+          <p:cNvPr id="347" name="TextBox 12"/>
+          <p:cNvSpPr txBox="1"/>
+          <p:nvPr/>
+        </p:nvSpPr>
+        <p:spPr>
+          <a:xfrm>
+            <a:off x="5123697" y="288188"/>
+            <a:ext cx="1435647" cy="646331"/>
+          </a:xfrm>
+          <a:prstGeom prst="rect">
+            <a:avLst/>
+          </a:prstGeom>
+          <a:ln w="12700">
+            <a:miter lim="400000"/>
+          </a:ln>
+          <a:extLst>
+            <a:ext uri="{C572A759-6A51-4108-AA02-DFA0A04FC94B}">
+              <ma14:wrappingTextBoxFlag xmlns:ma14="http://schemas.microsoft.com/office/mac/drawingml/2011/main" xmlns="" val="1"/>
+            </a:ext>
+          </a:extLst>
+        </p:spPr>
+        <p:txBody>
+          <a:bodyPr wrap="none" lIns="45719" rIns="45719">
+            <a:spAutoFit/>
+          </a:bodyPr>
+          <a:lstStyle>
+            <a:lvl1pPr>
+              <a:defRPr sz="3600">
+                <a:latin typeface="Montserrat Bold"/>
+                <a:ea typeface="Montserrat Bold"/>
+                <a:cs typeface="Montserrat Bold"/>
+                <a:sym typeface="Montserrat Bold"/>
+              </a:defRPr>
+            </a:lvl1pPr>
+          </a:lstStyle>
+          <a:p>
+            <a:r>
+              <a:rPr lang="it-IT" dirty="0" err="1"/>
+              <a:t>Results</a:t>
+            </a:r>
+            <a:endParaRPr dirty="0"/>
+          </a:p>
+        </p:txBody>
+      </p:sp>
+    </p:spTree>
+    <p:extLst>
+      <p:ext uri="{BB962C8B-B14F-4D97-AF65-F5344CB8AC3E}">
+        <p14:creationId xmlns:p14="http://schemas.microsoft.com/office/powerpoint/2010/main" val="4176706947"/>
       </p:ext>
     </p:extLst>
   </p:cSld>

--- a/presentation/presentation.pptx
+++ b/presentation/presentation.pptx
@@ -15,8 +15,8 @@
     <p:sldId id="311" r:id="rId6"/>
     <p:sldId id="301" r:id="rId7"/>
     <p:sldId id="304" r:id="rId8"/>
-    <p:sldId id="261" r:id="rId9"/>
-    <p:sldId id="308" r:id="rId10"/>
+    <p:sldId id="312" r:id="rId9"/>
+    <p:sldId id="261" r:id="rId10"/>
     <p:sldId id="310" r:id="rId11"/>
     <p:sldId id="299" r:id="rId12"/>
   </p:sldIdLst>
@@ -2456,7 +2456,7 @@
           </a:ln>
           <a:extLst>
             <a:ext uri="{C572A759-6A51-4108-AA02-DFA0A04FC94B}">
-              <ma14:wrappingTextBoxFlag xmlns:ma14="http://schemas.microsoft.com/office/mac/drawingml/2011/main" xmlns="" val="1"/>
+              <ma14:wrappingTextBoxFlag xmlns="" xmlns:ma14="http://schemas.microsoft.com/office/mac/drawingml/2011/main" val="1"/>
             </a:ext>
           </a:extLst>
         </p:spPr>
@@ -2495,7 +2495,7 @@
           </a:ln>
           <a:extLst>
             <a:ext uri="{C572A759-6A51-4108-AA02-DFA0A04FC94B}">
-              <ma14:wrappingTextBoxFlag xmlns:ma14="http://schemas.microsoft.com/office/mac/drawingml/2011/main" xmlns="" val="1"/>
+              <ma14:wrappingTextBoxFlag xmlns="" xmlns:ma14="http://schemas.microsoft.com/office/mac/drawingml/2011/main" val="1"/>
             </a:ext>
           </a:extLst>
         </p:spPr>
@@ -3474,7 +3474,7 @@
             <a:effectLst/>
             <a:extLst>
               <a:ext uri="{C572A759-6A51-4108-AA02-DFA0A04FC94B}">
-                <ma14:wrappingTextBoxFlag xmlns:ma14="http://schemas.microsoft.com/office/mac/drawingml/2011/main" xmlns="" val="1"/>
+                <ma14:wrappingTextBoxFlag xmlns="" xmlns:ma14="http://schemas.microsoft.com/office/mac/drawingml/2011/main" val="1"/>
               </a:ext>
             </a:extLst>
           </p:spPr>
@@ -3532,7 +3532,7 @@
             <a:effectLst/>
             <a:extLst>
               <a:ext uri="{C572A759-6A51-4108-AA02-DFA0A04FC94B}">
-                <ma14:wrappingTextBoxFlag xmlns:ma14="http://schemas.microsoft.com/office/mac/drawingml/2011/main" xmlns="" val="1"/>
+                <ma14:wrappingTextBoxFlag xmlns="" xmlns:ma14="http://schemas.microsoft.com/office/mac/drawingml/2011/main" val="1"/>
               </a:ext>
             </a:extLst>
           </p:spPr>
@@ -3792,7 +3792,7 @@
           </a:ln>
           <a:extLst>
             <a:ext uri="{C572A759-6A51-4108-AA02-DFA0A04FC94B}">
-              <ma14:wrappingTextBoxFlag xmlns:ma14="http://schemas.microsoft.com/office/mac/drawingml/2011/main" xmlns="" val="1"/>
+              <ma14:wrappingTextBoxFlag xmlns="" xmlns:ma14="http://schemas.microsoft.com/office/mac/drawingml/2011/main" val="1"/>
             </a:ext>
           </a:extLst>
         </p:spPr>
@@ -3844,8 +3844,8 @@
         </p:nvSpPr>
         <p:spPr>
           <a:xfrm>
-            <a:off x="688501" y="823671"/>
-            <a:ext cx="5426697" cy="1148007"/>
+            <a:off x="688502" y="1374431"/>
+            <a:ext cx="5426697" cy="4109138"/>
           </a:xfrm>
           <a:prstGeom prst="rect">
             <a:avLst/>
@@ -3855,7 +3855,7 @@
           </a:ln>
           <a:extLst>
             <a:ext uri="{C572A759-6A51-4108-AA02-DFA0A04FC94B}">
-              <ma14:wrappingTextBoxFlag xmlns:ma14="http://schemas.microsoft.com/office/mac/drawingml/2011/main" xmlns="" val="1"/>
+              <ma14:wrappingTextBoxFlag xmlns="" xmlns:ma14="http://schemas.microsoft.com/office/mac/drawingml/2011/main" val="1"/>
             </a:ext>
           </a:extLst>
         </p:spPr>
@@ -3882,15 +3882,16 @@
           <a:p>
             <a:r>
               <a:rPr lang="en-US" sz="1600" dirty="0"/>
-              <a:t>The approach applied gives </a:t>
-            </a:r>
-            <a:r>
-              <a:rPr lang="en-US" sz="1600" u="sng" dirty="0"/>
-              <a:t>good results</a:t>
-            </a:r>
+              <a:t>It is clear how these Seq2Seq models need more training time and far more computational power than what is available to a normal developer/consumer. </a:t>
+            </a:r>
+          </a:p>
+          <a:p>
+            <a:endParaRPr lang="en-US" sz="1600" dirty="0"/>
+          </a:p>
+          <a:p>
             <a:r>
               <a:rPr lang="en-US" sz="1600" dirty="0"/>
-              <a:t>. </a:t>
+              <a:t>However, what stood out the most is that they were capable to produce a few summaries that impressed, given the limited resources that we had to deal with. </a:t>
             </a:r>
           </a:p>
           <a:p>
@@ -3899,7 +3900,7 @@
           <a:p>
             <a:r>
               <a:rPr lang="en-US" sz="1600" dirty="0"/>
-              <a:t>In particular, </a:t>
+              <a:t>In particular, the model that made use of the bidirectional LSTM generated more complex outputs, and confirms its greater capacity in recognizing patterns in text.</a:t>
             </a:r>
             <a:endParaRPr sz="1600" dirty="0"/>
           </a:p>
@@ -3984,7 +3985,7 @@
           </a:ln>
           <a:extLst>
             <a:ext uri="{C572A759-6A51-4108-AA02-DFA0A04FC94B}">
-              <ma14:wrappingTextBoxFlag xmlns:ma14="http://schemas.microsoft.com/office/mac/drawingml/2011/main" xmlns="" val="1"/>
+              <ma14:wrappingTextBoxFlag xmlns="" xmlns:ma14="http://schemas.microsoft.com/office/mac/drawingml/2011/main" val="1"/>
             </a:ext>
           </a:extLst>
         </p:spPr>
@@ -4075,7 +4076,7 @@
           <a:effectLst/>
           <a:extLst>
             <a:ext uri="{C572A759-6A51-4108-AA02-DFA0A04FC94B}">
-              <ma14:wrappingTextBoxFlag xmlns:ma14="http://schemas.microsoft.com/office/mac/drawingml/2011/main" xmlns="" val="1"/>
+              <ma14:wrappingTextBoxFlag xmlns="" xmlns:ma14="http://schemas.microsoft.com/office/mac/drawingml/2011/main" val="1"/>
             </a:ext>
           </a:extLst>
         </p:spPr>
@@ -4500,7 +4501,7 @@
           </a:ln>
           <a:extLst>
             <a:ext uri="{C572A759-6A51-4108-AA02-DFA0A04FC94B}">
-              <ma14:wrappingTextBoxFlag xmlns:ma14="http://schemas.microsoft.com/office/mac/drawingml/2011/main" xmlns="" val="1"/>
+              <ma14:wrappingTextBoxFlag xmlns="" xmlns:ma14="http://schemas.microsoft.com/office/mac/drawingml/2011/main" val="1"/>
             </a:ext>
           </a:extLst>
         </p:spPr>
@@ -4577,7 +4578,7 @@
           </a:ln>
           <a:extLst>
             <a:ext uri="{C572A759-6A51-4108-AA02-DFA0A04FC94B}">
-              <ma14:wrappingTextBoxFlag xmlns:ma14="http://schemas.microsoft.com/office/mac/drawingml/2011/main" xmlns="" val="1"/>
+              <ma14:wrappingTextBoxFlag xmlns="" xmlns:ma14="http://schemas.microsoft.com/office/mac/drawingml/2011/main" val="1"/>
             </a:ext>
           </a:extLst>
         </p:spPr>
@@ -4768,7 +4769,7 @@
           </a:ln>
           <a:extLst>
             <a:ext uri="{C572A759-6A51-4108-AA02-DFA0A04FC94B}">
-              <ma14:wrappingTextBoxFlag xmlns:ma14="http://schemas.microsoft.com/office/mac/drawingml/2011/main" xmlns="" val="1"/>
+              <ma14:wrappingTextBoxFlag xmlns="" xmlns:ma14="http://schemas.microsoft.com/office/mac/drawingml/2011/main" val="1"/>
             </a:ext>
           </a:extLst>
         </p:spPr>
@@ -4950,7 +4951,7 @@
           </a:ln>
           <a:extLst>
             <a:ext uri="{C572A759-6A51-4108-AA02-DFA0A04FC94B}">
-              <ma14:wrappingTextBoxFlag xmlns:ma14="http://schemas.microsoft.com/office/mac/drawingml/2011/main" xmlns="" val="1"/>
+              <ma14:wrappingTextBoxFlag xmlns="" xmlns:ma14="http://schemas.microsoft.com/office/mac/drawingml/2011/main" val="1"/>
             </a:ext>
           </a:extLst>
         </p:spPr>
@@ -5105,7 +5106,7 @@
           </a:ln>
           <a:extLst>
             <a:ext uri="{C572A759-6A51-4108-AA02-DFA0A04FC94B}">
-              <ma14:wrappingTextBoxFlag xmlns:ma14="http://schemas.microsoft.com/office/mac/drawingml/2011/main" xmlns="" val="1"/>
+              <ma14:wrappingTextBoxFlag xmlns="" xmlns:ma14="http://schemas.microsoft.com/office/mac/drawingml/2011/main" val="1"/>
             </a:ext>
           </a:extLst>
         </p:spPr>
@@ -5297,7 +5298,7 @@
           </a:ln>
           <a:extLst>
             <a:ext uri="{C572A759-6A51-4108-AA02-DFA0A04FC94B}">
-              <ma14:wrappingTextBoxFlag xmlns:ma14="http://schemas.microsoft.com/office/mac/drawingml/2011/main" xmlns="" val="1"/>
+              <ma14:wrappingTextBoxFlag xmlns="" xmlns:ma14="http://schemas.microsoft.com/office/mac/drawingml/2011/main" val="1"/>
             </a:ext>
           </a:extLst>
         </p:spPr>
@@ -5352,7 +5353,7 @@
           </a:ln>
           <a:extLst>
             <a:ext uri="{C572A759-6A51-4108-AA02-DFA0A04FC94B}">
-              <ma14:wrappingTextBoxFlag xmlns:ma14="http://schemas.microsoft.com/office/mac/drawingml/2011/main" xmlns="" val="1"/>
+              <ma14:wrappingTextBoxFlag xmlns="" xmlns:ma14="http://schemas.microsoft.com/office/mac/drawingml/2011/main" val="1"/>
             </a:ext>
           </a:extLst>
         </p:spPr>
@@ -5428,7 +5429,7 @@
           </a:ln>
           <a:extLst>
             <a:ext uri="{C572A759-6A51-4108-AA02-DFA0A04FC94B}">
-              <ma14:wrappingTextBoxFlag xmlns:ma14="http://schemas.microsoft.com/office/mac/drawingml/2011/main" xmlns="" val="1"/>
+              <ma14:wrappingTextBoxFlag xmlns="" xmlns:ma14="http://schemas.microsoft.com/office/mac/drawingml/2011/main" val="1"/>
             </a:ext>
           </a:extLst>
         </p:spPr>
@@ -5499,7 +5500,7 @@
           </a:ln>
           <a:extLst>
             <a:ext uri="{C572A759-6A51-4108-AA02-DFA0A04FC94B}">
-              <ma14:wrappingTextBoxFlag xmlns:ma14="http://schemas.microsoft.com/office/mac/drawingml/2011/main" xmlns="" val="1"/>
+              <ma14:wrappingTextBoxFlag xmlns="" xmlns:ma14="http://schemas.microsoft.com/office/mac/drawingml/2011/main" val="1"/>
             </a:ext>
           </a:extLst>
         </p:spPr>
@@ -5637,7 +5638,7 @@
           </a:ln>
           <a:extLst>
             <a:ext uri="{C572A759-6A51-4108-AA02-DFA0A04FC94B}">
-              <ma14:wrappingTextBoxFlag xmlns="" xmlns:ma14="http://schemas.microsoft.com/office/mac/drawingml/2011/main" val="1"/>
+              <ma14:wrappingTextBoxFlag xmlns:ma14="http://schemas.microsoft.com/office/mac/drawingml/2011/main" xmlns="" val="1"/>
             </a:ext>
           </a:extLst>
         </p:spPr>
@@ -5738,7 +5739,7 @@
           </a:ln>
           <a:extLst>
             <a:ext uri="{C572A759-6A51-4108-AA02-DFA0A04FC94B}">
-              <ma14:wrappingTextBoxFlag xmlns="" xmlns:ma14="http://schemas.microsoft.com/office/mac/drawingml/2011/main" val="1"/>
+              <ma14:wrappingTextBoxFlag xmlns:ma14="http://schemas.microsoft.com/office/mac/drawingml/2011/main" xmlns="" val="1"/>
             </a:ext>
           </a:extLst>
         </p:spPr>
@@ -5887,7 +5888,7 @@
           </a:ln>
           <a:extLst>
             <a:ext uri="{C572A759-6A51-4108-AA02-DFA0A04FC94B}">
-              <ma14:wrappingTextBoxFlag xmlns:ma14="http://schemas.microsoft.com/office/mac/drawingml/2011/main" xmlns="" val="1"/>
+              <ma14:wrappingTextBoxFlag xmlns="" xmlns:ma14="http://schemas.microsoft.com/office/mac/drawingml/2011/main" val="1"/>
             </a:ext>
           </a:extLst>
         </p:spPr>
@@ -5984,7 +5985,7 @@
           </a:ln>
           <a:extLst>
             <a:ext uri="{C572A759-6A51-4108-AA02-DFA0A04FC94B}">
-              <ma14:wrappingTextBoxFlag xmlns:ma14="http://schemas.microsoft.com/office/mac/drawingml/2011/main" xmlns="" val="1"/>
+              <ma14:wrappingTextBoxFlag xmlns="" xmlns:ma14="http://schemas.microsoft.com/office/mac/drawingml/2011/main" val="1"/>
             </a:ext>
           </a:extLst>
         </p:spPr>
@@ -6165,8 +6166,8 @@
         </p:nvSpPr>
         <p:spPr>
           <a:xfrm>
-            <a:off x="6309911" y="385824"/>
-            <a:ext cx="5286894" cy="778675"/>
+            <a:off x="6275963" y="1701729"/>
+            <a:ext cx="5286894" cy="2631811"/>
           </a:xfrm>
           <a:prstGeom prst="rect">
             <a:avLst/>
@@ -6176,7 +6177,7 @@
           </a:ln>
           <a:extLst>
             <a:ext uri="{C572A759-6A51-4108-AA02-DFA0A04FC94B}">
-              <ma14:wrappingTextBoxFlag xmlns:ma14="http://schemas.microsoft.com/office/mac/drawingml/2011/main" xmlns="" val="1"/>
+              <ma14:wrappingTextBoxFlag xmlns="" xmlns:ma14="http://schemas.microsoft.com/office/mac/drawingml/2011/main" val="1"/>
             </a:ext>
           </a:extLst>
         </p:spPr>
@@ -6203,7 +6204,46 @@
           <a:p>
             <a:r>
               <a:rPr lang="en-US" sz="1600" dirty="0"/>
-              <a:t>Then we implemented an Abstractive Summarization model. DESCRIZIONE QUA</a:t>
+              <a:t>Then we implemented an Abstractive Summarization model. </a:t>
+            </a:r>
+          </a:p>
+          <a:p>
+            <a:endParaRPr lang="en-US" sz="1600" dirty="0"/>
+          </a:p>
+          <a:p>
+            <a:r>
+              <a:rPr lang="en-US" sz="1600" dirty="0"/>
+              <a:t>Structure:</a:t>
+            </a:r>
+          </a:p>
+          <a:p>
+            <a:pPr marL="285750" indent="-285750">
+              <a:buFont typeface="Arial" panose="020B0604020202020204" pitchFamily="34" charset="0"/>
+              <a:buChar char="•"/>
+            </a:pPr>
+            <a:r>
+              <a:rPr lang="en-US" sz="1600" dirty="0"/>
+              <a:t>Encoder</a:t>
+            </a:r>
+          </a:p>
+          <a:p>
+            <a:pPr marL="285750" indent="-285750">
+              <a:buFont typeface="Arial" panose="020B0604020202020204" pitchFamily="34" charset="0"/>
+              <a:buChar char="•"/>
+            </a:pPr>
+            <a:r>
+              <a:rPr lang="en-US" sz="1600" dirty="0"/>
+              <a:t>Decoder</a:t>
+            </a:r>
+          </a:p>
+          <a:p>
+            <a:pPr marL="285750" indent="-285750">
+              <a:buFont typeface="Arial" panose="020B0604020202020204" pitchFamily="34" charset="0"/>
+              <a:buChar char="•"/>
+            </a:pPr>
+            <a:r>
+              <a:rPr lang="en-US" sz="1600" dirty="0"/>
+              <a:t>Attention Layer</a:t>
             </a:r>
             <a:endParaRPr sz="1600" dirty="0"/>
           </a:p>
@@ -6294,7 +6334,7 @@
           </a:ln>
           <a:extLst>
             <a:ext uri="{C572A759-6A51-4108-AA02-DFA0A04FC94B}">
-              <ma14:wrappingTextBoxFlag xmlns:ma14="http://schemas.microsoft.com/office/mac/drawingml/2011/main" xmlns="" val="1"/>
+              <ma14:wrappingTextBoxFlag xmlns="" xmlns:ma14="http://schemas.microsoft.com/office/mac/drawingml/2011/main" val="1"/>
             </a:ext>
           </a:extLst>
         </p:spPr>
@@ -6382,7 +6422,7 @@
         <p:spPr>
           <a:xfrm flipH="1">
             <a:off x="364174" y="226827"/>
-            <a:ext cx="2430890" cy="784689"/>
+            <a:ext cx="3236276" cy="784689"/>
           </a:xfrm>
           <a:prstGeom prst="rect">
             <a:avLst/>
@@ -6421,7 +6461,7 @@
         <p:spPr>
           <a:xfrm>
             <a:off x="503961" y="284691"/>
-            <a:ext cx="2124939" cy="646331"/>
+            <a:ext cx="2996972" cy="646331"/>
           </a:xfrm>
           <a:prstGeom prst="rect">
             <a:avLst/>
@@ -6431,7 +6471,7 @@
           </a:ln>
           <a:extLst>
             <a:ext uri="{C572A759-6A51-4108-AA02-DFA0A04FC94B}">
-              <ma14:wrappingTextBoxFlag xmlns:ma14="http://schemas.microsoft.com/office/mac/drawingml/2011/main" xmlns="" val="1"/>
+              <ma14:wrappingTextBoxFlag xmlns="" xmlns:ma14="http://schemas.microsoft.com/office/mac/drawingml/2011/main" val="1"/>
             </a:ext>
           </a:extLst>
         </p:spPr>
@@ -6455,7 +6495,7 @@
           <a:p>
             <a:r>
               <a:rPr lang="it-IT" b="1" dirty="0"/>
-              <a:t>The model</a:t>
+              <a:t>The first model</a:t>
             </a:r>
             <a:endParaRPr b="1" dirty="0"/>
           </a:p>
@@ -6463,10 +6503,10 @@
       </p:sp>
       <p:pic>
         <p:nvPicPr>
-          <p:cNvPr id="3" name="Immagine 2" descr="Immagine che contiene tavolo&#10;&#10;Descrizione generata automaticamente">
+          <p:cNvPr id="4" name="Immagine 3">
             <a:extLst>
               <a:ext uri="{FF2B5EF4-FFF2-40B4-BE49-F238E27FC236}">
-                <a16:creationId xmlns:a16="http://schemas.microsoft.com/office/drawing/2014/main" id="{F2076EFF-3C87-4D6B-9471-F2DDB7A962A9}"/>
+                <a16:creationId xmlns:a16="http://schemas.microsoft.com/office/drawing/2014/main" id="{153E7E1F-F702-4175-B78D-A1E23D40AEAE}"/>
               </a:ext>
             </a:extLst>
           </p:cNvPr>
@@ -6476,7 +6516,7 @@
           <p:nvPr/>
         </p:nvPicPr>
         <p:blipFill>
-          <a:blip r:embed="rId2">
+          <a:blip r:embed="rId2" cstate="print">
             <a:extLst>
               <a:ext uri="{28A0092B-C50C-407E-A947-70E740481C1C}">
                 <a14:useLocalDpi xmlns:a14="http://schemas.microsoft.com/office/drawing/2010/main" val="0"/>
@@ -6489,8 +6529,44 @@
         </p:blipFill>
         <p:spPr>
           <a:xfrm>
-            <a:off x="6606870" y="1793623"/>
-            <a:ext cx="5125477" cy="3270754"/>
+            <a:off x="6832850" y="3533775"/>
+            <a:ext cx="4809065" cy="2705099"/>
+          </a:xfrm>
+          <a:prstGeom prst="rect">
+            <a:avLst/>
+          </a:prstGeom>
+        </p:spPr>
+      </p:pic>
+      <p:pic>
+        <p:nvPicPr>
+          <p:cNvPr id="7" name="Immagine 6">
+            <a:extLst>
+              <a:ext uri="{FF2B5EF4-FFF2-40B4-BE49-F238E27FC236}">
+                <a16:creationId xmlns:a16="http://schemas.microsoft.com/office/drawing/2014/main" id="{9850DE28-9C54-41F8-8150-15895CFAC21A}"/>
+              </a:ext>
+            </a:extLst>
+          </p:cNvPr>
+          <p:cNvPicPr>
+            <a:picLocks noChangeAspect="1"/>
+          </p:cNvPicPr>
+          <p:nvPr/>
+        </p:nvPicPr>
+        <p:blipFill>
+          <a:blip r:embed="rId3" cstate="print">
+            <a:extLst>
+              <a:ext uri="{28A0092B-C50C-407E-A947-70E740481C1C}">
+                <a14:useLocalDpi xmlns:a14="http://schemas.microsoft.com/office/drawing/2010/main" val="0"/>
+              </a:ext>
+            </a:extLst>
+          </a:blip>
+          <a:stretch>
+            <a:fillRect/>
+          </a:stretch>
+        </p:blipFill>
+        <p:spPr>
+          <a:xfrm>
+            <a:off x="6832850" y="284691"/>
+            <a:ext cx="4809065" cy="2705099"/>
           </a:xfrm>
           <a:prstGeom prst="rect">
             <a:avLst/>
@@ -6530,14 +6606,49 @@
       </p:grpSpPr>
       <p:sp>
         <p:nvSpPr>
-          <p:cNvPr id="346" name="Rectangle 11"/>
+          <p:cNvPr id="338" name="Rectangle 5"/>
+          <p:cNvSpPr/>
+          <p:nvPr/>
+        </p:nvSpPr>
+        <p:spPr>
+          <a:xfrm>
+            <a:off x="1" y="0"/>
+            <a:ext cx="6240886" cy="6858000"/>
+          </a:xfrm>
+          <a:prstGeom prst="rect">
+            <a:avLst/>
+          </a:prstGeom>
+          <a:solidFill>
+            <a:srgbClr val="1E1E1E"/>
+          </a:solidFill>
+          <a:ln w="12700">
+            <a:miter lim="400000"/>
+          </a:ln>
+        </p:spPr>
+        <p:txBody>
+          <a:bodyPr lIns="45719" rIns="45719"/>
+          <a:lstStyle/>
+          <a:p>
+            <a:endParaRPr/>
+          </a:p>
+        </p:txBody>
+      </p:sp>
+      <p:sp>
+        <p:nvSpPr>
+          <p:cNvPr id="9" name="Rectangle 2">
+            <a:extLst>
+              <a:ext uri="{FF2B5EF4-FFF2-40B4-BE49-F238E27FC236}">
+                <a16:creationId xmlns:a16="http://schemas.microsoft.com/office/drawing/2014/main" id="{9A1D70F6-7B6C-44AA-AA6B-77ED02BEDC86}"/>
+              </a:ext>
+            </a:extLst>
+          </p:cNvPr>
           <p:cNvSpPr txBox="1"/>
           <p:nvPr/>
         </p:nvSpPr>
         <p:spPr>
           <a:xfrm>
-            <a:off x="3153713" y="934519"/>
-            <a:ext cx="5884575" cy="270652"/>
+            <a:off x="337797" y="1422167"/>
+            <a:ext cx="5426697" cy="3739806"/>
           </a:xfrm>
           <a:prstGeom prst="rect">
             <a:avLst/>
@@ -6552,17 +6663,17 @@
           </a:extLst>
         </p:spPr>
         <p:txBody>
-          <a:bodyPr lIns="45719" rIns="45719">
+          <a:bodyPr wrap="square" lIns="45719" rIns="45719">
             <a:spAutoFit/>
           </a:bodyPr>
           <a:lstStyle>
-            <a:lvl1pPr algn="ctr">
+            <a:lvl1pPr algn="just">
               <a:lnSpc>
                 <a:spcPct val="150000"/>
               </a:lnSpc>
               <a:defRPr sz="900">
                 <a:solidFill>
-                  <a:srgbClr val="A7A7A7"/>
+                  <a:srgbClr val="FFFFFF"/>
                 </a:solidFill>
                 <a:latin typeface="Lato Regular"/>
                 <a:ea typeface="Lato Regular"/>
@@ -6573,55 +6684,91 @@
           </a:lstStyle>
           <a:p>
             <a:r>
-              <a:rPr lang="it-IT" dirty="0"/>
-              <a:t>The following </a:t>
-            </a:r>
-            <a:r>
-              <a:rPr lang="it-IT" dirty="0" err="1"/>
-              <a:t>graphs</a:t>
-            </a:r>
-            <a:r>
-              <a:rPr lang="it-IT" dirty="0"/>
-              <a:t> </a:t>
-            </a:r>
-            <a:r>
-              <a:rPr lang="it-IT" dirty="0" err="1"/>
-              <a:t>represent</a:t>
-            </a:r>
-            <a:r>
-              <a:rPr lang="it-IT" dirty="0"/>
-              <a:t> the </a:t>
-            </a:r>
-            <a:r>
-              <a:rPr lang="it-IT" dirty="0" err="1"/>
-              <a:t>loss</a:t>
-            </a:r>
-            <a:r>
-              <a:rPr lang="it-IT" dirty="0"/>
-              <a:t> </a:t>
-            </a:r>
-            <a:r>
-              <a:rPr lang="it-IT" dirty="0" err="1"/>
-              <a:t>function</a:t>
-            </a:r>
-            <a:r>
-              <a:rPr lang="it-IT" dirty="0"/>
-              <a:t> of the model</a:t>
-            </a:r>
-            <a:endParaRPr dirty="0"/>
+              <a:rPr lang="en-US" sz="1600" dirty="0"/>
+              <a:t> The second model improved from the first model by implementing a bidirectional LSTM encoder,</a:t>
+            </a:r>
+          </a:p>
+          <a:p>
+            <a:r>
+              <a:rPr lang="en-US" sz="1600" dirty="0"/>
+              <a:t>while maintaining a unidirectional decoder.</a:t>
+            </a:r>
+          </a:p>
+          <a:p>
+            <a:endParaRPr lang="en-US" sz="1600" dirty="0"/>
+          </a:p>
+          <a:p>
+            <a:r>
+              <a:rPr lang="en-US" sz="1600" dirty="0"/>
+              <a:t>The forward and reverse hidden states of the bidirectional encoder are then concatenated two by two and then fed as initial states to the unidirectional decoder. </a:t>
+            </a:r>
+          </a:p>
+          <a:p>
+            <a:endParaRPr lang="en-US" sz="1600" dirty="0"/>
+          </a:p>
+          <a:p>
+            <a:r>
+              <a:rPr lang="en-US" sz="1600" dirty="0"/>
+              <a:t>This should give the model better understanding of the patterns in the text</a:t>
+            </a:r>
           </a:p>
         </p:txBody>
       </p:sp>
       <p:sp>
         <p:nvSpPr>
-          <p:cNvPr id="347" name="TextBox 12"/>
+          <p:cNvPr id="6" name="Rectangle 5">
+            <a:extLst>
+              <a:ext uri="{FF2B5EF4-FFF2-40B4-BE49-F238E27FC236}">
+                <a16:creationId xmlns:a16="http://schemas.microsoft.com/office/drawing/2014/main" id="{A826A8C9-62D5-42FB-926F-B339372E77E7}"/>
+              </a:ext>
+            </a:extLst>
+          </p:cNvPr>
+          <p:cNvSpPr/>
+          <p:nvPr/>
+        </p:nvSpPr>
+        <p:spPr>
+          <a:xfrm flipH="1">
+            <a:off x="364174" y="226827"/>
+            <a:ext cx="3725062" cy="784689"/>
+          </a:xfrm>
+          <a:prstGeom prst="rect">
+            <a:avLst/>
+          </a:prstGeom>
+          <a:solidFill>
+            <a:srgbClr val="CC0001"/>
+          </a:solidFill>
+          <a:ln w="12700">
+            <a:miter lim="400000"/>
+          </a:ln>
+        </p:spPr>
+        <p:txBody>
+          <a:bodyPr lIns="45719" rIns="45719"/>
+          <a:lstStyle/>
+          <a:p>
+            <a:r>
+              <a:rPr lang="it-IT" dirty="0"/>
+              <a:t>   </a:t>
+            </a:r>
+            <a:endParaRPr dirty="0"/>
+          </a:p>
+        </p:txBody>
+      </p:sp>
+      <p:sp>
+        <p:nvSpPr>
+          <p:cNvPr id="10" name="TextBox 5">
+            <a:extLst>
+              <a:ext uri="{FF2B5EF4-FFF2-40B4-BE49-F238E27FC236}">
+                <a16:creationId xmlns:a16="http://schemas.microsoft.com/office/drawing/2014/main" id="{1C768714-9359-4798-9B60-BE4421470C89}"/>
+              </a:ext>
+            </a:extLst>
+          </p:cNvPr>
           <p:cNvSpPr txBox="1"/>
           <p:nvPr/>
         </p:nvSpPr>
         <p:spPr>
           <a:xfrm>
-            <a:off x="5123697" y="288188"/>
-            <a:ext cx="1435647" cy="646331"/>
+            <a:off x="503961" y="284691"/>
+            <a:ext cx="3585275" cy="646331"/>
           </a:xfrm>
           <a:prstGeom prst="rect">
             <a:avLst/>
@@ -6642,6 +6789,9 @@
           <a:lstStyle>
             <a:lvl1pPr>
               <a:defRPr sz="3600">
+                <a:solidFill>
+                  <a:srgbClr val="FFFFFF"/>
+                </a:solidFill>
                 <a:latin typeface="Montserrat Bold"/>
                 <a:ea typeface="Montserrat Bold"/>
                 <a:cs typeface="Montserrat Bold"/>
@@ -6651,14 +6801,91 @@
           </a:lstStyle>
           <a:p>
             <a:r>
-              <a:rPr lang="it-IT" dirty="0" err="1"/>
-              <a:t>Results</a:t>
-            </a:r>
-            <a:endParaRPr dirty="0"/>
+              <a:rPr lang="it-IT" b="1" dirty="0"/>
+              <a:t>The second model</a:t>
+            </a:r>
+            <a:endParaRPr b="1" dirty="0"/>
           </a:p>
         </p:txBody>
       </p:sp>
+      <p:pic>
+        <p:nvPicPr>
+          <p:cNvPr id="4" name="Immagine 3">
+            <a:extLst>
+              <a:ext uri="{FF2B5EF4-FFF2-40B4-BE49-F238E27FC236}">
+                <a16:creationId xmlns:a16="http://schemas.microsoft.com/office/drawing/2014/main" id="{153E7E1F-F702-4175-B78D-A1E23D40AEAE}"/>
+              </a:ext>
+            </a:extLst>
+          </p:cNvPr>
+          <p:cNvPicPr>
+            <a:picLocks noChangeAspect="1"/>
+          </p:cNvPicPr>
+          <p:nvPr/>
+        </p:nvPicPr>
+        <p:blipFill>
+          <a:blip r:embed="rId2" cstate="print">
+            <a:extLst>
+              <a:ext uri="{28A0092B-C50C-407E-A947-70E740481C1C}">
+                <a14:useLocalDpi xmlns:a14="http://schemas.microsoft.com/office/drawing/2010/main" val="0"/>
+              </a:ext>
+            </a:extLst>
+          </a:blip>
+          <a:stretch>
+            <a:fillRect/>
+          </a:stretch>
+        </p:blipFill>
+        <p:spPr>
+          <a:xfrm>
+            <a:off x="6832850" y="3662902"/>
+            <a:ext cx="4809065" cy="2705099"/>
+          </a:xfrm>
+          <a:prstGeom prst="rect">
+            <a:avLst/>
+          </a:prstGeom>
+        </p:spPr>
+      </p:pic>
+      <p:pic>
+        <p:nvPicPr>
+          <p:cNvPr id="3" name="Immagine 2">
+            <a:extLst>
+              <a:ext uri="{FF2B5EF4-FFF2-40B4-BE49-F238E27FC236}">
+                <a16:creationId xmlns:a16="http://schemas.microsoft.com/office/drawing/2014/main" id="{2B1954C2-81D5-41A3-B247-D3F777B8C7A9}"/>
+              </a:ext>
+            </a:extLst>
+          </p:cNvPr>
+          <p:cNvPicPr>
+            <a:picLocks noChangeAspect="1"/>
+          </p:cNvPicPr>
+          <p:nvPr/>
+        </p:nvPicPr>
+        <p:blipFill>
+          <a:blip r:embed="rId3" cstate="print">
+            <a:extLst>
+              <a:ext uri="{28A0092B-C50C-407E-A947-70E740481C1C}">
+                <a14:useLocalDpi xmlns:a14="http://schemas.microsoft.com/office/drawing/2010/main" val="0"/>
+              </a:ext>
+            </a:extLst>
+          </a:blip>
+          <a:stretch>
+            <a:fillRect/>
+          </a:stretch>
+        </p:blipFill>
+        <p:spPr>
+          <a:xfrm>
+            <a:off x="6832850" y="490000"/>
+            <a:ext cx="4809065" cy="2705099"/>
+          </a:xfrm>
+          <a:prstGeom prst="rect">
+            <a:avLst/>
+          </a:prstGeom>
+        </p:spPr>
+      </p:pic>
     </p:spTree>
+    <p:extLst>
+      <p:ext uri="{BB962C8B-B14F-4D97-AF65-F5344CB8AC3E}">
+        <p14:creationId xmlns:p14="http://schemas.microsoft.com/office/powerpoint/2010/main" val="1120306313"/>
+      </p:ext>
+    </p:extLst>
   </p:cSld>
   <p:clrMapOvr>
     <a:masterClrMapping/>
@@ -6686,14 +6913,14 @@
       </p:grpSpPr>
       <p:sp>
         <p:nvSpPr>
-          <p:cNvPr id="347" name="TextBox 12"/>
+          <p:cNvPr id="346" name="Rectangle 11"/>
           <p:cNvSpPr txBox="1"/>
           <p:nvPr/>
         </p:nvSpPr>
         <p:spPr>
           <a:xfrm>
-            <a:off x="5123697" y="288188"/>
-            <a:ext cx="1435647" cy="646331"/>
+            <a:off x="3153713" y="934519"/>
+            <a:ext cx="5884575" cy="274306"/>
           </a:xfrm>
           <a:prstGeom prst="rect">
             <a:avLst/>
@@ -6703,7 +6930,99 @@
           </a:ln>
           <a:extLst>
             <a:ext uri="{C572A759-6A51-4108-AA02-DFA0A04FC94B}">
-              <ma14:wrappingTextBoxFlag xmlns:ma14="http://schemas.microsoft.com/office/mac/drawingml/2011/main" xmlns="" val="1"/>
+              <ma14:wrappingTextBoxFlag xmlns="" xmlns:ma14="http://schemas.microsoft.com/office/mac/drawingml/2011/main" val="1"/>
+            </a:ext>
+          </a:extLst>
+        </p:spPr>
+        <p:txBody>
+          <a:bodyPr lIns="45719" rIns="45719">
+            <a:spAutoFit/>
+          </a:bodyPr>
+          <a:lstStyle>
+            <a:lvl1pPr algn="ctr">
+              <a:lnSpc>
+                <a:spcPct val="150000"/>
+              </a:lnSpc>
+              <a:defRPr sz="900">
+                <a:solidFill>
+                  <a:srgbClr val="A7A7A7"/>
+                </a:solidFill>
+                <a:latin typeface="Lato Regular"/>
+                <a:ea typeface="Lato Regular"/>
+                <a:cs typeface="Lato Regular"/>
+                <a:sym typeface="Lato Regular"/>
+              </a:defRPr>
+            </a:lvl1pPr>
+          </a:lstStyle>
+          <a:p>
+            <a:r>
+              <a:rPr lang="it-IT" dirty="0"/>
+              <a:t>The following </a:t>
+            </a:r>
+            <a:r>
+              <a:rPr lang="it-IT" dirty="0" err="1"/>
+              <a:t>graphs</a:t>
+            </a:r>
+            <a:r>
+              <a:rPr lang="it-IT" dirty="0"/>
+              <a:t> </a:t>
+            </a:r>
+            <a:r>
+              <a:rPr lang="it-IT" dirty="0" err="1"/>
+              <a:t>represent</a:t>
+            </a:r>
+            <a:r>
+              <a:rPr lang="it-IT" dirty="0"/>
+              <a:t> the </a:t>
+            </a:r>
+            <a:r>
+              <a:rPr lang="it-IT" dirty="0" err="1"/>
+              <a:t>loss</a:t>
+            </a:r>
+            <a:r>
+              <a:rPr lang="it-IT" dirty="0"/>
+              <a:t> </a:t>
+            </a:r>
+            <a:r>
+              <a:rPr lang="it-IT" dirty="0" err="1"/>
+              <a:t>function</a:t>
+            </a:r>
+            <a:r>
+              <a:rPr lang="it-IT" dirty="0"/>
+              <a:t> of the </a:t>
+            </a:r>
+            <a:r>
+              <a:rPr lang="it-IT" dirty="0" err="1"/>
+              <a:t>two</a:t>
+            </a:r>
+            <a:r>
+              <a:rPr lang="it-IT" dirty="0"/>
+              <a:t> models</a:t>
+            </a:r>
+            <a:endParaRPr dirty="0"/>
+          </a:p>
+        </p:txBody>
+      </p:sp>
+      <p:sp>
+        <p:nvSpPr>
+          <p:cNvPr id="347" name="TextBox 12"/>
+          <p:cNvSpPr txBox="1"/>
+          <p:nvPr/>
+        </p:nvSpPr>
+        <p:spPr>
+          <a:xfrm>
+            <a:off x="5378176" y="288188"/>
+            <a:ext cx="1435647" cy="646331"/>
+          </a:xfrm>
+          <a:prstGeom prst="rect">
+            <a:avLst/>
+          </a:prstGeom>
+          <a:ln w="12700">
+            <a:miter lim="400000"/>
+          </a:ln>
+          <a:extLst>
+            <a:ext uri="{C572A759-6A51-4108-AA02-DFA0A04FC94B}">
+              <ma14:wrappingTextBoxFlag xmlns="" xmlns:ma14="http://schemas.microsoft.com/office/mac/drawingml/2011/main" val="1"/>
             </a:ext>
           </a:extLst>
         </p:spPr>
@@ -6730,12 +7049,243 @@
           </a:p>
         </p:txBody>
       </p:sp>
+      <p:pic>
+        <p:nvPicPr>
+          <p:cNvPr id="3" name="Immagine 2">
+            <a:extLst>
+              <a:ext uri="{FF2B5EF4-FFF2-40B4-BE49-F238E27FC236}">
+                <a16:creationId xmlns:a16="http://schemas.microsoft.com/office/drawing/2014/main" id="{4576A429-5552-40E5-9297-D46C7E3F8047}"/>
+              </a:ext>
+            </a:extLst>
+          </p:cNvPr>
+          <p:cNvPicPr>
+            <a:picLocks noChangeAspect="1"/>
+          </p:cNvPicPr>
+          <p:nvPr/>
+        </p:nvPicPr>
+        <p:blipFill>
+          <a:blip r:embed="rId2">
+            <a:extLst>
+              <a:ext uri="{28A0092B-C50C-407E-A947-70E740481C1C}">
+                <a14:useLocalDpi xmlns:a14="http://schemas.microsoft.com/office/drawing/2010/main" val="0"/>
+              </a:ext>
+            </a:extLst>
+          </a:blip>
+          <a:srcRect/>
+          <a:stretch/>
+        </p:blipFill>
+        <p:spPr>
+          <a:xfrm>
+            <a:off x="1057511" y="1996751"/>
+            <a:ext cx="4668262" cy="3112175"/>
+          </a:xfrm>
+          <a:prstGeom prst="rect">
+            <a:avLst/>
+          </a:prstGeom>
+        </p:spPr>
+      </p:pic>
+      <p:pic>
+        <p:nvPicPr>
+          <p:cNvPr id="5" name="Immagine 4">
+            <a:extLst>
+              <a:ext uri="{FF2B5EF4-FFF2-40B4-BE49-F238E27FC236}">
+                <a16:creationId xmlns:a16="http://schemas.microsoft.com/office/drawing/2014/main" id="{FCA5540E-E2A9-4E2F-AEA6-BA5697E20A5C}"/>
+              </a:ext>
+            </a:extLst>
+          </p:cNvPr>
+          <p:cNvPicPr>
+            <a:picLocks noChangeAspect="1"/>
+          </p:cNvPicPr>
+          <p:nvPr/>
+        </p:nvPicPr>
+        <p:blipFill>
+          <a:blip r:embed="rId3">
+            <a:extLst>
+              <a:ext uri="{28A0092B-C50C-407E-A947-70E740481C1C}">
+                <a14:useLocalDpi xmlns:a14="http://schemas.microsoft.com/office/drawing/2010/main" val="0"/>
+              </a:ext>
+            </a:extLst>
+          </a:blip>
+          <a:srcRect/>
+          <a:stretch/>
+        </p:blipFill>
+        <p:spPr>
+          <a:xfrm>
+            <a:off x="6466226" y="1996752"/>
+            <a:ext cx="4668264" cy="3112176"/>
+          </a:xfrm>
+          <a:prstGeom prst="rect">
+            <a:avLst/>
+          </a:prstGeom>
+        </p:spPr>
+      </p:pic>
+      <p:sp>
+        <p:nvSpPr>
+          <p:cNvPr id="8" name="Rectangle 11">
+            <a:extLst>
+              <a:ext uri="{FF2B5EF4-FFF2-40B4-BE49-F238E27FC236}">
+                <a16:creationId xmlns:a16="http://schemas.microsoft.com/office/drawing/2014/main" id="{8E9E6C74-0619-4F2A-8706-1910E2530F1C}"/>
+              </a:ext>
+            </a:extLst>
+          </p:cNvPr>
+          <p:cNvSpPr txBox="1"/>
+          <p:nvPr/>
+        </p:nvSpPr>
+        <p:spPr>
+          <a:xfrm>
+            <a:off x="1141412" y="5323017"/>
+            <a:ext cx="4354320" cy="334900"/>
+          </a:xfrm>
+          <a:prstGeom prst="rect">
+            <a:avLst/>
+          </a:prstGeom>
+          <a:ln w="12700">
+            <a:miter lim="400000"/>
+          </a:ln>
+          <a:extLst>
+            <a:ext uri="{C572A759-6A51-4108-AA02-DFA0A04FC94B}">
+              <ma14:wrappingTextBoxFlag xmlns="" xmlns:ma14="http://schemas.microsoft.com/office/mac/drawingml/2011/main" val="1"/>
+            </a:ext>
+          </a:extLst>
+        </p:spPr>
+        <p:txBody>
+          <a:bodyPr wrap="square" lIns="45719" rIns="45719">
+            <a:spAutoFit/>
+          </a:bodyPr>
+          <a:lstStyle>
+            <a:lvl1pPr algn="ctr">
+              <a:lnSpc>
+                <a:spcPct val="150000"/>
+              </a:lnSpc>
+              <a:defRPr sz="900">
+                <a:solidFill>
+                  <a:srgbClr val="A7A7A7"/>
+                </a:solidFill>
+                <a:latin typeface="Lato Regular"/>
+                <a:ea typeface="Lato Regular"/>
+                <a:cs typeface="Lato Regular"/>
+                <a:sym typeface="Lato Regular"/>
+              </a:defRPr>
+            </a:lvl1pPr>
+          </a:lstStyle>
+          <a:p>
+            <a:r>
+              <a:rPr lang="it-IT" sz="1200" dirty="0" err="1">
+                <a:solidFill>
+                  <a:schemeClr val="tx1">
+                    <a:lumMod val="75000"/>
+                    <a:lumOff val="25000"/>
+                  </a:schemeClr>
+                </a:solidFill>
+              </a:rPr>
+              <a:t>Monodirectional</a:t>
+            </a:r>
+            <a:r>
+              <a:rPr lang="it-IT" sz="1200" dirty="0">
+                <a:solidFill>
+                  <a:schemeClr val="tx1">
+                    <a:lumMod val="75000"/>
+                    <a:lumOff val="25000"/>
+                  </a:schemeClr>
+                </a:solidFill>
+              </a:rPr>
+              <a:t> model</a:t>
+            </a:r>
+            <a:endParaRPr sz="1200" dirty="0">
+              <a:solidFill>
+                <a:schemeClr val="tx1">
+                  <a:lumMod val="75000"/>
+                  <a:lumOff val="25000"/>
+                </a:schemeClr>
+              </a:solidFill>
+            </a:endParaRPr>
+          </a:p>
+        </p:txBody>
+      </p:sp>
+      <p:sp>
+        <p:nvSpPr>
+          <p:cNvPr id="9" name="Rectangle 11">
+            <a:extLst>
+              <a:ext uri="{FF2B5EF4-FFF2-40B4-BE49-F238E27FC236}">
+                <a16:creationId xmlns:a16="http://schemas.microsoft.com/office/drawing/2014/main" id="{58399E47-CCFB-427E-90D7-C7A2D73FD2E4}"/>
+              </a:ext>
+            </a:extLst>
+          </p:cNvPr>
+          <p:cNvSpPr txBox="1"/>
+          <p:nvPr/>
+        </p:nvSpPr>
+        <p:spPr>
+          <a:xfrm>
+            <a:off x="6623198" y="5323017"/>
+            <a:ext cx="4354320" cy="334900"/>
+          </a:xfrm>
+          <a:prstGeom prst="rect">
+            <a:avLst/>
+          </a:prstGeom>
+          <a:ln w="12700">
+            <a:miter lim="400000"/>
+          </a:ln>
+          <a:extLst>
+            <a:ext uri="{C572A759-6A51-4108-AA02-DFA0A04FC94B}">
+              <ma14:wrappingTextBoxFlag xmlns="" xmlns:ma14="http://schemas.microsoft.com/office/mac/drawingml/2011/main" val="1"/>
+            </a:ext>
+          </a:extLst>
+        </p:spPr>
+        <p:txBody>
+          <a:bodyPr wrap="square" lIns="45719" rIns="45719">
+            <a:spAutoFit/>
+          </a:bodyPr>
+          <a:lstStyle>
+            <a:lvl1pPr algn="ctr">
+              <a:lnSpc>
+                <a:spcPct val="150000"/>
+              </a:lnSpc>
+              <a:defRPr sz="900">
+                <a:solidFill>
+                  <a:srgbClr val="A7A7A7"/>
+                </a:solidFill>
+                <a:latin typeface="Lato Regular"/>
+                <a:ea typeface="Lato Regular"/>
+                <a:cs typeface="Lato Regular"/>
+                <a:sym typeface="Lato Regular"/>
+              </a:defRPr>
+            </a:lvl1pPr>
+          </a:lstStyle>
+          <a:p>
+            <a:r>
+              <a:rPr lang="it-IT" sz="1200" dirty="0" err="1">
+                <a:solidFill>
+                  <a:schemeClr val="tx1">
+                    <a:lumMod val="75000"/>
+                    <a:lumOff val="25000"/>
+                  </a:schemeClr>
+                </a:solidFill>
+              </a:rPr>
+              <a:t>Bidirectional</a:t>
+            </a:r>
+            <a:r>
+              <a:rPr lang="it-IT" sz="1200" dirty="0">
+                <a:solidFill>
+                  <a:schemeClr val="tx1">
+                    <a:lumMod val="75000"/>
+                    <a:lumOff val="25000"/>
+                  </a:schemeClr>
+                </a:solidFill>
+              </a:rPr>
+              <a:t> model</a:t>
+            </a:r>
+            <a:endParaRPr sz="1200" dirty="0">
+              <a:solidFill>
+                <a:schemeClr val="tx1">
+                  <a:lumMod val="75000"/>
+                  <a:lumOff val="25000"/>
+                </a:schemeClr>
+              </a:solidFill>
+            </a:endParaRPr>
+          </a:p>
+        </p:txBody>
+      </p:sp>
     </p:spTree>
-    <p:extLst>
-      <p:ext uri="{BB962C8B-B14F-4D97-AF65-F5344CB8AC3E}">
-        <p14:creationId xmlns:p14="http://schemas.microsoft.com/office/powerpoint/2010/main" val="4176706947"/>
-      </p:ext>
-    </p:extLst>
   </p:cSld>
   <p:clrMapOvr>
     <a:masterClrMapping/>

--- a/presentation/presentation.pptx
+++ b/presentation/presentation.pptx
@@ -2456,7 +2456,7 @@
           </a:ln>
           <a:extLst>
             <a:ext uri="{C572A759-6A51-4108-AA02-DFA0A04FC94B}">
-              <ma14:wrappingTextBoxFlag xmlns="" xmlns:ma14="http://schemas.microsoft.com/office/mac/drawingml/2011/main" val="1"/>
+              <ma14:wrappingTextBoxFlag xmlns:ma14="http://schemas.microsoft.com/office/mac/drawingml/2011/main" xmlns="" val="1"/>
             </a:ext>
           </a:extLst>
         </p:spPr>
@@ -2495,7 +2495,7 @@
           </a:ln>
           <a:extLst>
             <a:ext uri="{C572A759-6A51-4108-AA02-DFA0A04FC94B}">
-              <ma14:wrappingTextBoxFlag xmlns="" xmlns:ma14="http://schemas.microsoft.com/office/mac/drawingml/2011/main" val="1"/>
+              <ma14:wrappingTextBoxFlag xmlns:ma14="http://schemas.microsoft.com/office/mac/drawingml/2011/main" xmlns="" val="1"/>
             </a:ext>
           </a:extLst>
         </p:spPr>
@@ -3474,7 +3474,7 @@
             <a:effectLst/>
             <a:extLst>
               <a:ext uri="{C572A759-6A51-4108-AA02-DFA0A04FC94B}">
-                <ma14:wrappingTextBoxFlag xmlns="" xmlns:ma14="http://schemas.microsoft.com/office/mac/drawingml/2011/main" val="1"/>
+                <ma14:wrappingTextBoxFlag xmlns:ma14="http://schemas.microsoft.com/office/mac/drawingml/2011/main" xmlns="" val="1"/>
               </a:ext>
             </a:extLst>
           </p:spPr>
@@ -3532,7 +3532,7 @@
             <a:effectLst/>
             <a:extLst>
               <a:ext uri="{C572A759-6A51-4108-AA02-DFA0A04FC94B}">
-                <ma14:wrappingTextBoxFlag xmlns="" xmlns:ma14="http://schemas.microsoft.com/office/mac/drawingml/2011/main" val="1"/>
+                <ma14:wrappingTextBoxFlag xmlns:ma14="http://schemas.microsoft.com/office/mac/drawingml/2011/main" xmlns="" val="1"/>
               </a:ext>
             </a:extLst>
           </p:spPr>
@@ -3792,7 +3792,7 @@
           </a:ln>
           <a:extLst>
             <a:ext uri="{C572A759-6A51-4108-AA02-DFA0A04FC94B}">
-              <ma14:wrappingTextBoxFlag xmlns="" xmlns:ma14="http://schemas.microsoft.com/office/mac/drawingml/2011/main" val="1"/>
+              <ma14:wrappingTextBoxFlag xmlns:ma14="http://schemas.microsoft.com/office/mac/drawingml/2011/main" xmlns="" val="1"/>
             </a:ext>
           </a:extLst>
         </p:spPr>
@@ -3855,7 +3855,7 @@
           </a:ln>
           <a:extLst>
             <a:ext uri="{C572A759-6A51-4108-AA02-DFA0A04FC94B}">
-              <ma14:wrappingTextBoxFlag xmlns="" xmlns:ma14="http://schemas.microsoft.com/office/mac/drawingml/2011/main" val="1"/>
+              <ma14:wrappingTextBoxFlag xmlns:ma14="http://schemas.microsoft.com/office/mac/drawingml/2011/main" xmlns="" val="1"/>
             </a:ext>
           </a:extLst>
         </p:spPr>
@@ -3985,7 +3985,7 @@
           </a:ln>
           <a:extLst>
             <a:ext uri="{C572A759-6A51-4108-AA02-DFA0A04FC94B}">
-              <ma14:wrappingTextBoxFlag xmlns="" xmlns:ma14="http://schemas.microsoft.com/office/mac/drawingml/2011/main" val="1"/>
+              <ma14:wrappingTextBoxFlag xmlns:ma14="http://schemas.microsoft.com/office/mac/drawingml/2011/main" xmlns="" val="1"/>
             </a:ext>
           </a:extLst>
         </p:spPr>
@@ -4076,7 +4076,7 @@
           <a:effectLst/>
           <a:extLst>
             <a:ext uri="{C572A759-6A51-4108-AA02-DFA0A04FC94B}">
-              <ma14:wrappingTextBoxFlag xmlns="" xmlns:ma14="http://schemas.microsoft.com/office/mac/drawingml/2011/main" val="1"/>
+              <ma14:wrappingTextBoxFlag xmlns:ma14="http://schemas.microsoft.com/office/mac/drawingml/2011/main" xmlns="" val="1"/>
             </a:ext>
           </a:extLst>
         </p:spPr>
@@ -4501,7 +4501,7 @@
           </a:ln>
           <a:extLst>
             <a:ext uri="{C572A759-6A51-4108-AA02-DFA0A04FC94B}">
-              <ma14:wrappingTextBoxFlag xmlns="" xmlns:ma14="http://schemas.microsoft.com/office/mac/drawingml/2011/main" val="1"/>
+              <ma14:wrappingTextBoxFlag xmlns:ma14="http://schemas.microsoft.com/office/mac/drawingml/2011/main" xmlns="" val="1"/>
             </a:ext>
           </a:extLst>
         </p:spPr>
@@ -4578,7 +4578,7 @@
           </a:ln>
           <a:extLst>
             <a:ext uri="{C572A759-6A51-4108-AA02-DFA0A04FC94B}">
-              <ma14:wrappingTextBoxFlag xmlns="" xmlns:ma14="http://schemas.microsoft.com/office/mac/drawingml/2011/main" val="1"/>
+              <ma14:wrappingTextBoxFlag xmlns:ma14="http://schemas.microsoft.com/office/mac/drawingml/2011/main" xmlns="" val="1"/>
             </a:ext>
           </a:extLst>
         </p:spPr>
@@ -4769,7 +4769,7 @@
           </a:ln>
           <a:extLst>
             <a:ext uri="{C572A759-6A51-4108-AA02-DFA0A04FC94B}">
-              <ma14:wrappingTextBoxFlag xmlns="" xmlns:ma14="http://schemas.microsoft.com/office/mac/drawingml/2011/main" val="1"/>
+              <ma14:wrappingTextBoxFlag xmlns:ma14="http://schemas.microsoft.com/office/mac/drawingml/2011/main" xmlns="" val="1"/>
             </a:ext>
           </a:extLst>
         </p:spPr>
@@ -4951,7 +4951,7 @@
           </a:ln>
           <a:extLst>
             <a:ext uri="{C572A759-6A51-4108-AA02-DFA0A04FC94B}">
-              <ma14:wrappingTextBoxFlag xmlns="" xmlns:ma14="http://schemas.microsoft.com/office/mac/drawingml/2011/main" val="1"/>
+              <ma14:wrappingTextBoxFlag xmlns:ma14="http://schemas.microsoft.com/office/mac/drawingml/2011/main" xmlns="" val="1"/>
             </a:ext>
           </a:extLst>
         </p:spPr>
@@ -5106,7 +5106,7 @@
           </a:ln>
           <a:extLst>
             <a:ext uri="{C572A759-6A51-4108-AA02-DFA0A04FC94B}">
-              <ma14:wrappingTextBoxFlag xmlns="" xmlns:ma14="http://schemas.microsoft.com/office/mac/drawingml/2011/main" val="1"/>
+              <ma14:wrappingTextBoxFlag xmlns:ma14="http://schemas.microsoft.com/office/mac/drawingml/2011/main" xmlns="" val="1"/>
             </a:ext>
           </a:extLst>
         </p:spPr>
@@ -5298,7 +5298,7 @@
           </a:ln>
           <a:extLst>
             <a:ext uri="{C572A759-6A51-4108-AA02-DFA0A04FC94B}">
-              <ma14:wrappingTextBoxFlag xmlns="" xmlns:ma14="http://schemas.microsoft.com/office/mac/drawingml/2011/main" val="1"/>
+              <ma14:wrappingTextBoxFlag xmlns:ma14="http://schemas.microsoft.com/office/mac/drawingml/2011/main" xmlns="" val="1"/>
             </a:ext>
           </a:extLst>
         </p:spPr>
@@ -5353,7 +5353,7 @@
           </a:ln>
           <a:extLst>
             <a:ext uri="{C572A759-6A51-4108-AA02-DFA0A04FC94B}">
-              <ma14:wrappingTextBoxFlag xmlns="" xmlns:ma14="http://schemas.microsoft.com/office/mac/drawingml/2011/main" val="1"/>
+              <ma14:wrappingTextBoxFlag xmlns:ma14="http://schemas.microsoft.com/office/mac/drawingml/2011/main" xmlns="" val="1"/>
             </a:ext>
           </a:extLst>
         </p:spPr>
@@ -5429,7 +5429,7 @@
           </a:ln>
           <a:extLst>
             <a:ext uri="{C572A759-6A51-4108-AA02-DFA0A04FC94B}">
-              <ma14:wrappingTextBoxFlag xmlns="" xmlns:ma14="http://schemas.microsoft.com/office/mac/drawingml/2011/main" val="1"/>
+              <ma14:wrappingTextBoxFlag xmlns:ma14="http://schemas.microsoft.com/office/mac/drawingml/2011/main" xmlns="" val="1"/>
             </a:ext>
           </a:extLst>
         </p:spPr>
@@ -5500,7 +5500,7 @@
           </a:ln>
           <a:extLst>
             <a:ext uri="{C572A759-6A51-4108-AA02-DFA0A04FC94B}">
-              <ma14:wrappingTextBoxFlag xmlns="" xmlns:ma14="http://schemas.microsoft.com/office/mac/drawingml/2011/main" val="1"/>
+              <ma14:wrappingTextBoxFlag xmlns:ma14="http://schemas.microsoft.com/office/mac/drawingml/2011/main" xmlns="" val="1"/>
             </a:ext>
           </a:extLst>
         </p:spPr>
@@ -5638,7 +5638,7 @@
           </a:ln>
           <a:extLst>
             <a:ext uri="{C572A759-6A51-4108-AA02-DFA0A04FC94B}">
-              <ma14:wrappingTextBoxFlag xmlns:ma14="http://schemas.microsoft.com/office/mac/drawingml/2011/main" xmlns="" val="1"/>
+              <ma14:wrappingTextBoxFlag xmlns="" xmlns:ma14="http://schemas.microsoft.com/office/mac/drawingml/2011/main" val="1"/>
             </a:ext>
           </a:extLst>
         </p:spPr>
@@ -5739,7 +5739,7 @@
           </a:ln>
           <a:extLst>
             <a:ext uri="{C572A759-6A51-4108-AA02-DFA0A04FC94B}">
-              <ma14:wrappingTextBoxFlag xmlns:ma14="http://schemas.microsoft.com/office/mac/drawingml/2011/main" xmlns="" val="1"/>
+              <ma14:wrappingTextBoxFlag xmlns="" xmlns:ma14="http://schemas.microsoft.com/office/mac/drawingml/2011/main" val="1"/>
             </a:ext>
           </a:extLst>
         </p:spPr>
@@ -5888,7 +5888,7 @@
           </a:ln>
           <a:extLst>
             <a:ext uri="{C572A759-6A51-4108-AA02-DFA0A04FC94B}">
-              <ma14:wrappingTextBoxFlag xmlns="" xmlns:ma14="http://schemas.microsoft.com/office/mac/drawingml/2011/main" val="1"/>
+              <ma14:wrappingTextBoxFlag xmlns:ma14="http://schemas.microsoft.com/office/mac/drawingml/2011/main" xmlns="" val="1"/>
             </a:ext>
           </a:extLst>
         </p:spPr>
@@ -5935,8 +5935,8 @@
         </p:nvSpPr>
         <p:spPr>
           <a:xfrm flipH="1">
-            <a:off x="384720" y="315841"/>
-            <a:ext cx="5286893" cy="1354001"/>
+            <a:off x="2110883" y="315841"/>
+            <a:ext cx="7975508" cy="823181"/>
           </a:xfrm>
           <a:prstGeom prst="rect">
             <a:avLst/>
@@ -5974,8 +5974,8 @@
         </p:nvSpPr>
         <p:spPr>
           <a:xfrm>
-            <a:off x="504325" y="385824"/>
-            <a:ext cx="5591675" cy="1754326"/>
+            <a:off x="1155677" y="385824"/>
+            <a:ext cx="9880646" cy="1200329"/>
           </a:xfrm>
           <a:prstGeom prst="rect">
             <a:avLst/>
@@ -5985,7 +5985,7 @@
           </a:ln>
           <a:extLst>
             <a:ext uri="{C572A759-6A51-4108-AA02-DFA0A04FC94B}">
-              <ma14:wrappingTextBoxFlag xmlns="" xmlns:ma14="http://schemas.microsoft.com/office/mac/drawingml/2011/main" val="1"/>
+              <ma14:wrappingTextBoxFlag xmlns:ma14="http://schemas.microsoft.com/office/mac/drawingml/2011/main" xmlns="" val="1"/>
             </a:ext>
           </a:extLst>
         </p:spPr>
@@ -6007,6 +6007,7 @@
             </a:lvl1pPr>
           </a:lstStyle>
           <a:p>
+            <a:pPr algn="ctr"/>
             <a:r>
               <a:rPr lang="it-IT" dirty="0" err="1"/>
               <a:t>Methodological</a:t>
@@ -6048,8 +6049,8 @@
         </p:nvSpPr>
         <p:spPr>
           <a:xfrm>
-            <a:off x="359926" y="2792649"/>
-            <a:ext cx="5286894" cy="3502644"/>
+            <a:off x="774441" y="3339387"/>
+            <a:ext cx="4254760" cy="2821898"/>
           </a:xfrm>
           <a:prstGeom prst="rect">
             <a:avLst/>
@@ -6144,8 +6145,8 @@
         </p:blipFill>
         <p:spPr>
           <a:xfrm>
-            <a:off x="491936" y="2822675"/>
-            <a:ext cx="4848225" cy="3352800"/>
+            <a:off x="774441" y="3339387"/>
+            <a:ext cx="4080528" cy="2821898"/>
           </a:xfrm>
           <a:prstGeom prst="rect">
             <a:avLst/>
@@ -6166,7 +6167,7 @@
         </p:nvSpPr>
         <p:spPr>
           <a:xfrm>
-            <a:off x="6275963" y="1701729"/>
+            <a:off x="6275963" y="1817305"/>
             <a:ext cx="5286894" cy="2631811"/>
           </a:xfrm>
           <a:prstGeom prst="rect">
@@ -6177,7 +6178,7 @@
           </a:ln>
           <a:extLst>
             <a:ext uri="{C572A759-6A51-4108-AA02-DFA0A04FC94B}">
-              <ma14:wrappingTextBoxFlag xmlns="" xmlns:ma14="http://schemas.microsoft.com/office/mac/drawingml/2011/main" val="1"/>
+              <ma14:wrappingTextBoxFlag xmlns:ma14="http://schemas.microsoft.com/office/mac/drawingml/2011/main" xmlns="" val="1"/>
             </a:ext>
           </a:extLst>
         </p:spPr>
@@ -6334,7 +6335,7 @@
           </a:ln>
           <a:extLst>
             <a:ext uri="{C572A759-6A51-4108-AA02-DFA0A04FC94B}">
-              <ma14:wrappingTextBoxFlag xmlns="" xmlns:ma14="http://schemas.microsoft.com/office/mac/drawingml/2011/main" val="1"/>
+              <ma14:wrappingTextBoxFlag xmlns:ma14="http://schemas.microsoft.com/office/mac/drawingml/2011/main" xmlns="" val="1"/>
             </a:ext>
           </a:extLst>
         </p:spPr>
@@ -6471,7 +6472,7 @@
           </a:ln>
           <a:extLst>
             <a:ext uri="{C572A759-6A51-4108-AA02-DFA0A04FC94B}">
-              <ma14:wrappingTextBoxFlag xmlns="" xmlns:ma14="http://schemas.microsoft.com/office/mac/drawingml/2011/main" val="1"/>
+              <ma14:wrappingTextBoxFlag xmlns:ma14="http://schemas.microsoft.com/office/mac/drawingml/2011/main" xmlns="" val="1"/>
             </a:ext>
           </a:extLst>
         </p:spPr>
@@ -6658,7 +6659,7 @@
           </a:ln>
           <a:extLst>
             <a:ext uri="{C572A759-6A51-4108-AA02-DFA0A04FC94B}">
-              <ma14:wrappingTextBoxFlag xmlns:ma14="http://schemas.microsoft.com/office/mac/drawingml/2011/main" xmlns="" val="1"/>
+              <ma14:wrappingTextBoxFlag xmlns="" xmlns:ma14="http://schemas.microsoft.com/office/mac/drawingml/2011/main" val="1"/>
             </a:ext>
           </a:extLst>
         </p:spPr>
@@ -6778,7 +6779,7 @@
           </a:ln>
           <a:extLst>
             <a:ext uri="{C572A759-6A51-4108-AA02-DFA0A04FC94B}">
-              <ma14:wrappingTextBoxFlag xmlns:ma14="http://schemas.microsoft.com/office/mac/drawingml/2011/main" xmlns="" val="1"/>
+              <ma14:wrappingTextBoxFlag xmlns="" xmlns:ma14="http://schemas.microsoft.com/office/mac/drawingml/2011/main" val="1"/>
             </a:ext>
           </a:extLst>
         </p:spPr>
@@ -6930,7 +6931,7 @@
           </a:ln>
           <a:extLst>
             <a:ext uri="{C572A759-6A51-4108-AA02-DFA0A04FC94B}">
-              <ma14:wrappingTextBoxFlag xmlns="" xmlns:ma14="http://schemas.microsoft.com/office/mac/drawingml/2011/main" val="1"/>
+              <ma14:wrappingTextBoxFlag xmlns:ma14="http://schemas.microsoft.com/office/mac/drawingml/2011/main" xmlns="" val="1"/>
             </a:ext>
           </a:extLst>
         </p:spPr>
@@ -7022,7 +7023,7 @@
           </a:ln>
           <a:extLst>
             <a:ext uri="{C572A759-6A51-4108-AA02-DFA0A04FC94B}">
-              <ma14:wrappingTextBoxFlag xmlns="" xmlns:ma14="http://schemas.microsoft.com/office/mac/drawingml/2011/main" val="1"/>
+              <ma14:wrappingTextBoxFlag xmlns:ma14="http://schemas.microsoft.com/office/mac/drawingml/2011/main" xmlns="" val="1"/>
             </a:ext>
           </a:extLst>
         </p:spPr>
@@ -7144,7 +7145,7 @@
           </a:ln>
           <a:extLst>
             <a:ext uri="{C572A759-6A51-4108-AA02-DFA0A04FC94B}">
-              <ma14:wrappingTextBoxFlag xmlns="" xmlns:ma14="http://schemas.microsoft.com/office/mac/drawingml/2011/main" val="1"/>
+              <ma14:wrappingTextBoxFlag xmlns:ma14="http://schemas.microsoft.com/office/mac/drawingml/2011/main" xmlns="" val="1"/>
             </a:ext>
           </a:extLst>
         </p:spPr>
@@ -7227,7 +7228,7 @@
           </a:ln>
           <a:extLst>
             <a:ext uri="{C572A759-6A51-4108-AA02-DFA0A04FC94B}">
-              <ma14:wrappingTextBoxFlag xmlns="" xmlns:ma14="http://schemas.microsoft.com/office/mac/drawingml/2011/main" val="1"/>
+              <ma14:wrappingTextBoxFlag xmlns:ma14="http://schemas.microsoft.com/office/mac/drawingml/2011/main" xmlns="" val="1"/>
             </a:ext>
           </a:extLst>
         </p:spPr>

--- a/presentation/presentation.pptx
+++ b/presentation/presentation.pptx
@@ -5,7 +5,7 @@
     <p:sldMasterId id="2147483648" r:id="rId1"/>
   </p:sldMasterIdLst>
   <p:notesMasterIdLst>
-    <p:notesMasterId r:id="rId13"/>
+    <p:notesMasterId r:id="rId14"/>
   </p:notesMasterIdLst>
   <p:sldIdLst>
     <p:sldId id="256" r:id="rId2"/>
@@ -17,8 +17,9 @@
     <p:sldId id="304" r:id="rId8"/>
     <p:sldId id="312" r:id="rId9"/>
     <p:sldId id="261" r:id="rId10"/>
-    <p:sldId id="310" r:id="rId11"/>
-    <p:sldId id="299" r:id="rId12"/>
+    <p:sldId id="314" r:id="rId11"/>
+    <p:sldId id="310" r:id="rId12"/>
+    <p:sldId id="299" r:id="rId13"/>
   </p:sldIdLst>
   <p:sldSz cx="12192000" cy="6858000"/>
   <p:notesSz cx="6858000" cy="9144000"/>
@@ -2456,7 +2457,7 @@
           </a:ln>
           <a:extLst>
             <a:ext uri="{C572A759-6A51-4108-AA02-DFA0A04FC94B}">
-              <ma14:wrappingTextBoxFlag xmlns:ma14="http://schemas.microsoft.com/office/mac/drawingml/2011/main" xmlns="" val="1"/>
+              <ma14:wrappingTextBoxFlag xmlns="" xmlns:ma14="http://schemas.microsoft.com/office/mac/drawingml/2011/main" val="1"/>
             </a:ext>
           </a:extLst>
         </p:spPr>
@@ -2495,7 +2496,7 @@
           </a:ln>
           <a:extLst>
             <a:ext uri="{C572A759-6A51-4108-AA02-DFA0A04FC94B}">
-              <ma14:wrappingTextBoxFlag xmlns:ma14="http://schemas.microsoft.com/office/mac/drawingml/2011/main" xmlns="" val="1"/>
+              <ma14:wrappingTextBoxFlag xmlns="" xmlns:ma14="http://schemas.microsoft.com/office/mac/drawingml/2011/main" val="1"/>
             </a:ext>
           </a:extLst>
         </p:spPr>
@@ -3474,7 +3475,7 @@
             <a:effectLst/>
             <a:extLst>
               <a:ext uri="{C572A759-6A51-4108-AA02-DFA0A04FC94B}">
-                <ma14:wrappingTextBoxFlag xmlns:ma14="http://schemas.microsoft.com/office/mac/drawingml/2011/main" xmlns="" val="1"/>
+                <ma14:wrappingTextBoxFlag xmlns="" xmlns:ma14="http://schemas.microsoft.com/office/mac/drawingml/2011/main" val="1"/>
               </a:ext>
             </a:extLst>
           </p:spPr>
@@ -3532,7 +3533,7 @@
             <a:effectLst/>
             <a:extLst>
               <a:ext uri="{C572A759-6A51-4108-AA02-DFA0A04FC94B}">
-                <ma14:wrappingTextBoxFlag xmlns:ma14="http://schemas.microsoft.com/office/mac/drawingml/2011/main" xmlns="" val="1"/>
+                <ma14:wrappingTextBoxFlag xmlns="" xmlns:ma14="http://schemas.microsoft.com/office/mac/drawingml/2011/main" val="1"/>
               </a:ext>
             </a:extLst>
           </p:spPr>
@@ -3665,6 +3666,581 @@
           <a:chExt cx="0" cy="0"/>
         </a:xfrm>
       </p:grpSpPr>
+      <p:sp>
+        <p:nvSpPr>
+          <p:cNvPr id="8" name="Rectangle 11">
+            <a:extLst>
+              <a:ext uri="{FF2B5EF4-FFF2-40B4-BE49-F238E27FC236}">
+                <a16:creationId xmlns:a16="http://schemas.microsoft.com/office/drawing/2014/main" id="{8E9E6C74-0619-4F2A-8706-1910E2530F1C}"/>
+              </a:ext>
+            </a:extLst>
+          </p:cNvPr>
+          <p:cNvSpPr txBox="1"/>
+          <p:nvPr/>
+        </p:nvSpPr>
+        <p:spPr>
+          <a:xfrm>
+            <a:off x="1214482" y="1915750"/>
+            <a:ext cx="4354320" cy="375359"/>
+          </a:xfrm>
+          <a:prstGeom prst="rect">
+            <a:avLst/>
+          </a:prstGeom>
+          <a:ln w="12700">
+            <a:miter lim="400000"/>
+          </a:ln>
+          <a:extLst>
+            <a:ext uri="{C572A759-6A51-4108-AA02-DFA0A04FC94B}">
+              <ma14:wrappingTextBoxFlag xmlns:ma14="http://schemas.microsoft.com/office/mac/drawingml/2011/main" xmlns="" val="1"/>
+            </a:ext>
+          </a:extLst>
+        </p:spPr>
+        <p:txBody>
+          <a:bodyPr wrap="square" lIns="45719" rIns="45719">
+            <a:spAutoFit/>
+          </a:bodyPr>
+          <a:lstStyle>
+            <a:lvl1pPr algn="ctr">
+              <a:lnSpc>
+                <a:spcPct val="150000"/>
+              </a:lnSpc>
+              <a:defRPr sz="900">
+                <a:solidFill>
+                  <a:srgbClr val="A7A7A7"/>
+                </a:solidFill>
+                <a:latin typeface="Lato Regular"/>
+                <a:ea typeface="Lato Regular"/>
+                <a:cs typeface="Lato Regular"/>
+                <a:sym typeface="Lato Regular"/>
+              </a:defRPr>
+            </a:lvl1pPr>
+          </a:lstStyle>
+          <a:p>
+            <a:r>
+              <a:rPr lang="it-IT" sz="1400" b="1" dirty="0" err="1">
+                <a:solidFill>
+                  <a:schemeClr val="tx1">
+                    <a:lumMod val="75000"/>
+                    <a:lumOff val="25000"/>
+                  </a:schemeClr>
+                </a:solidFill>
+              </a:rPr>
+              <a:t>Monodirectional</a:t>
+            </a:r>
+            <a:r>
+              <a:rPr lang="it-IT" sz="1400" b="1" dirty="0">
+                <a:solidFill>
+                  <a:schemeClr val="tx1">
+                    <a:lumMod val="75000"/>
+                    <a:lumOff val="25000"/>
+                  </a:schemeClr>
+                </a:solidFill>
+              </a:rPr>
+              <a:t> model</a:t>
+            </a:r>
+            <a:endParaRPr sz="1400" b="1" dirty="0">
+              <a:solidFill>
+                <a:schemeClr val="tx1">
+                  <a:lumMod val="75000"/>
+                  <a:lumOff val="25000"/>
+                </a:schemeClr>
+              </a:solidFill>
+            </a:endParaRPr>
+          </a:p>
+        </p:txBody>
+      </p:sp>
+      <p:sp>
+        <p:nvSpPr>
+          <p:cNvPr id="9" name="Rectangle 11">
+            <a:extLst>
+              <a:ext uri="{FF2B5EF4-FFF2-40B4-BE49-F238E27FC236}">
+                <a16:creationId xmlns:a16="http://schemas.microsoft.com/office/drawing/2014/main" id="{58399E47-CCFB-427E-90D7-C7A2D73FD2E4}"/>
+              </a:ext>
+            </a:extLst>
+          </p:cNvPr>
+          <p:cNvSpPr txBox="1"/>
+          <p:nvPr/>
+        </p:nvSpPr>
+        <p:spPr>
+          <a:xfrm>
+            <a:off x="6623198" y="1915750"/>
+            <a:ext cx="4354320" cy="375359"/>
+          </a:xfrm>
+          <a:prstGeom prst="rect">
+            <a:avLst/>
+          </a:prstGeom>
+          <a:ln w="12700">
+            <a:miter lim="400000"/>
+          </a:ln>
+          <a:extLst>
+            <a:ext uri="{C572A759-6A51-4108-AA02-DFA0A04FC94B}">
+              <ma14:wrappingTextBoxFlag xmlns:ma14="http://schemas.microsoft.com/office/mac/drawingml/2011/main" xmlns="" val="1"/>
+            </a:ext>
+          </a:extLst>
+        </p:spPr>
+        <p:txBody>
+          <a:bodyPr wrap="square" lIns="45719" rIns="45719">
+            <a:spAutoFit/>
+          </a:bodyPr>
+          <a:lstStyle>
+            <a:lvl1pPr algn="ctr">
+              <a:lnSpc>
+                <a:spcPct val="150000"/>
+              </a:lnSpc>
+              <a:defRPr sz="900">
+                <a:solidFill>
+                  <a:srgbClr val="A7A7A7"/>
+                </a:solidFill>
+                <a:latin typeface="Lato Regular"/>
+                <a:ea typeface="Lato Regular"/>
+                <a:cs typeface="Lato Regular"/>
+                <a:sym typeface="Lato Regular"/>
+              </a:defRPr>
+            </a:lvl1pPr>
+          </a:lstStyle>
+          <a:p>
+            <a:r>
+              <a:rPr lang="it-IT" sz="1400" b="1" dirty="0" err="1">
+                <a:solidFill>
+                  <a:schemeClr val="tx1">
+                    <a:lumMod val="75000"/>
+                    <a:lumOff val="25000"/>
+                  </a:schemeClr>
+                </a:solidFill>
+              </a:rPr>
+              <a:t>Bidirectional</a:t>
+            </a:r>
+            <a:r>
+              <a:rPr lang="it-IT" sz="1400" b="1" dirty="0">
+                <a:solidFill>
+                  <a:schemeClr val="tx1">
+                    <a:lumMod val="75000"/>
+                    <a:lumOff val="25000"/>
+                  </a:schemeClr>
+                </a:solidFill>
+              </a:rPr>
+              <a:t> model</a:t>
+            </a:r>
+            <a:endParaRPr sz="1400" b="1" dirty="0">
+              <a:solidFill>
+                <a:schemeClr val="tx1">
+                  <a:lumMod val="75000"/>
+                  <a:lumOff val="25000"/>
+                </a:schemeClr>
+              </a:solidFill>
+            </a:endParaRPr>
+          </a:p>
+        </p:txBody>
+      </p:sp>
+      <p:sp>
+        <p:nvSpPr>
+          <p:cNvPr id="10" name="Rectangle 11">
+            <a:extLst>
+              <a:ext uri="{FF2B5EF4-FFF2-40B4-BE49-F238E27FC236}">
+                <a16:creationId xmlns:a16="http://schemas.microsoft.com/office/drawing/2014/main" id="{47FEA21B-4CB1-4F6B-ABB3-C9098CE04A95}"/>
+              </a:ext>
+            </a:extLst>
+          </p:cNvPr>
+          <p:cNvSpPr txBox="1"/>
+          <p:nvPr/>
+        </p:nvSpPr>
+        <p:spPr>
+          <a:xfrm>
+            <a:off x="1214482" y="2701628"/>
+            <a:ext cx="4354320" cy="785151"/>
+          </a:xfrm>
+          <a:prstGeom prst="rect">
+            <a:avLst/>
+          </a:prstGeom>
+          <a:ln w="12700">
+            <a:miter lim="400000"/>
+          </a:ln>
+          <a:extLst>
+            <a:ext uri="{C572A759-6A51-4108-AA02-DFA0A04FC94B}">
+              <ma14:wrappingTextBoxFlag xmlns:ma14="http://schemas.microsoft.com/office/mac/drawingml/2011/main" xmlns="" val="1"/>
+            </a:ext>
+          </a:extLst>
+        </p:spPr>
+        <p:txBody>
+          <a:bodyPr wrap="square" lIns="45719" rIns="45719">
+            <a:spAutoFit/>
+          </a:bodyPr>
+          <a:lstStyle>
+            <a:lvl1pPr algn="ctr">
+              <a:lnSpc>
+                <a:spcPct val="150000"/>
+              </a:lnSpc>
+              <a:defRPr sz="900">
+                <a:solidFill>
+                  <a:srgbClr val="A7A7A7"/>
+                </a:solidFill>
+                <a:latin typeface="Lato Regular"/>
+                <a:ea typeface="Lato Regular"/>
+                <a:cs typeface="Lato Regular"/>
+                <a:sym typeface="Lato Regular"/>
+              </a:defRPr>
+            </a:lvl1pPr>
+          </a:lstStyle>
+          <a:p>
+            <a:r>
+              <a:rPr lang="it-IT" sz="1600" b="1" dirty="0">
+                <a:solidFill>
+                  <a:schemeClr val="tx1">
+                    <a:lumMod val="75000"/>
+                    <a:lumOff val="25000"/>
+                  </a:schemeClr>
+                </a:solidFill>
+              </a:rPr>
+              <a:t>ROUGE-1: 6.75%</a:t>
+            </a:r>
+          </a:p>
+          <a:p>
+            <a:r>
+              <a:rPr lang="it-IT" sz="1600" b="1" dirty="0">
+                <a:solidFill>
+                  <a:schemeClr val="tx1">
+                    <a:lumMod val="75000"/>
+                    <a:lumOff val="25000"/>
+                  </a:schemeClr>
+                </a:solidFill>
+              </a:rPr>
+              <a:t>ROUGE-2: 0.61%</a:t>
+            </a:r>
+            <a:endParaRPr sz="1600" b="1" dirty="0">
+              <a:solidFill>
+                <a:schemeClr val="tx1">
+                  <a:lumMod val="75000"/>
+                  <a:lumOff val="25000"/>
+                </a:schemeClr>
+              </a:solidFill>
+            </a:endParaRPr>
+          </a:p>
+        </p:txBody>
+      </p:sp>
+      <p:sp>
+        <p:nvSpPr>
+          <p:cNvPr id="12" name="Rectangle 11">
+            <a:extLst>
+              <a:ext uri="{FF2B5EF4-FFF2-40B4-BE49-F238E27FC236}">
+                <a16:creationId xmlns:a16="http://schemas.microsoft.com/office/drawing/2014/main" id="{FE654E04-4D9A-4CF3-9B97-018FC57F6549}"/>
+              </a:ext>
+            </a:extLst>
+          </p:cNvPr>
+          <p:cNvSpPr txBox="1"/>
+          <p:nvPr/>
+        </p:nvSpPr>
+        <p:spPr>
+          <a:xfrm>
+            <a:off x="6623198" y="2643849"/>
+            <a:ext cx="4354320" cy="785151"/>
+          </a:xfrm>
+          <a:prstGeom prst="rect">
+            <a:avLst/>
+          </a:prstGeom>
+          <a:ln w="12700">
+            <a:miter lim="400000"/>
+          </a:ln>
+          <a:extLst>
+            <a:ext uri="{C572A759-6A51-4108-AA02-DFA0A04FC94B}">
+              <ma14:wrappingTextBoxFlag xmlns:ma14="http://schemas.microsoft.com/office/mac/drawingml/2011/main" xmlns="" val="1"/>
+            </a:ext>
+          </a:extLst>
+        </p:spPr>
+        <p:txBody>
+          <a:bodyPr wrap="square" lIns="45719" rIns="45719">
+            <a:spAutoFit/>
+          </a:bodyPr>
+          <a:lstStyle>
+            <a:lvl1pPr algn="ctr">
+              <a:lnSpc>
+                <a:spcPct val="150000"/>
+              </a:lnSpc>
+              <a:defRPr sz="900">
+                <a:solidFill>
+                  <a:srgbClr val="A7A7A7"/>
+                </a:solidFill>
+                <a:latin typeface="Lato Regular"/>
+                <a:ea typeface="Lato Regular"/>
+                <a:cs typeface="Lato Regular"/>
+                <a:sym typeface="Lato Regular"/>
+              </a:defRPr>
+            </a:lvl1pPr>
+          </a:lstStyle>
+          <a:p>
+            <a:r>
+              <a:rPr lang="it-IT" sz="1600" b="1" dirty="0">
+                <a:solidFill>
+                  <a:schemeClr val="tx1">
+                    <a:lumMod val="75000"/>
+                    <a:lumOff val="25000"/>
+                  </a:schemeClr>
+                </a:solidFill>
+              </a:rPr>
+              <a:t>ROUGE-1: 6.00%</a:t>
+            </a:r>
+          </a:p>
+          <a:p>
+            <a:r>
+              <a:rPr lang="it-IT" sz="1600" b="1" dirty="0">
+                <a:solidFill>
+                  <a:schemeClr val="tx1">
+                    <a:lumMod val="75000"/>
+                    <a:lumOff val="25000"/>
+                  </a:schemeClr>
+                </a:solidFill>
+              </a:rPr>
+              <a:t>ROUGE-2: 0.64%</a:t>
+            </a:r>
+            <a:endParaRPr sz="1600" b="1" dirty="0">
+              <a:solidFill>
+                <a:schemeClr val="tx1">
+                  <a:lumMod val="75000"/>
+                  <a:lumOff val="25000"/>
+                </a:schemeClr>
+              </a:solidFill>
+            </a:endParaRPr>
+          </a:p>
+        </p:txBody>
+      </p:sp>
+      <p:pic>
+        <p:nvPicPr>
+          <p:cNvPr id="4" name="Immagine 3">
+            <a:extLst>
+              <a:ext uri="{FF2B5EF4-FFF2-40B4-BE49-F238E27FC236}">
+                <a16:creationId xmlns:a16="http://schemas.microsoft.com/office/drawing/2014/main" id="{48452E29-B589-44C8-B96D-154C78998250}"/>
+              </a:ext>
+            </a:extLst>
+          </p:cNvPr>
+          <p:cNvPicPr>
+            <a:picLocks noChangeAspect="1"/>
+          </p:cNvPicPr>
+          <p:nvPr/>
+        </p:nvPicPr>
+        <p:blipFill>
+          <a:blip r:embed="rId2">
+            <a:extLst>
+              <a:ext uri="{28A0092B-C50C-407E-A947-70E740481C1C}">
+                <a14:useLocalDpi xmlns:a14="http://schemas.microsoft.com/office/drawing/2010/main" val="0"/>
+              </a:ext>
+            </a:extLst>
+          </a:blip>
+          <a:stretch>
+            <a:fillRect/>
+          </a:stretch>
+        </p:blipFill>
+        <p:spPr>
+          <a:xfrm>
+            <a:off x="3268735" y="4814724"/>
+            <a:ext cx="5654530" cy="624894"/>
+          </a:xfrm>
+          <a:prstGeom prst="rect">
+            <a:avLst/>
+          </a:prstGeom>
+        </p:spPr>
+      </p:pic>
+      <p:sp>
+        <p:nvSpPr>
+          <p:cNvPr id="13" name="Rectangle 11">
+            <a:extLst>
+              <a:ext uri="{FF2B5EF4-FFF2-40B4-BE49-F238E27FC236}">
+                <a16:creationId xmlns:a16="http://schemas.microsoft.com/office/drawing/2014/main" id="{2A4F9ADA-F8A9-4001-ACE2-3BEA5DDBA98F}"/>
+              </a:ext>
+            </a:extLst>
+          </p:cNvPr>
+          <p:cNvSpPr txBox="1"/>
+          <p:nvPr/>
+        </p:nvSpPr>
+        <p:spPr>
+          <a:xfrm>
+            <a:off x="3918839" y="4191533"/>
+            <a:ext cx="4354320" cy="375359"/>
+          </a:xfrm>
+          <a:prstGeom prst="rect">
+            <a:avLst/>
+          </a:prstGeom>
+          <a:ln w="12700">
+            <a:miter lim="400000"/>
+          </a:ln>
+          <a:extLst>
+            <a:ext uri="{C572A759-6A51-4108-AA02-DFA0A04FC94B}">
+              <ma14:wrappingTextBoxFlag xmlns:ma14="http://schemas.microsoft.com/office/mac/drawingml/2011/main" xmlns="" val="1"/>
+            </a:ext>
+          </a:extLst>
+        </p:spPr>
+        <p:txBody>
+          <a:bodyPr wrap="square" lIns="45719" rIns="45719">
+            <a:spAutoFit/>
+          </a:bodyPr>
+          <a:lstStyle>
+            <a:lvl1pPr algn="ctr">
+              <a:lnSpc>
+                <a:spcPct val="150000"/>
+              </a:lnSpc>
+              <a:defRPr sz="900">
+                <a:solidFill>
+                  <a:srgbClr val="A7A7A7"/>
+                </a:solidFill>
+                <a:latin typeface="Lato Regular"/>
+                <a:ea typeface="Lato Regular"/>
+                <a:cs typeface="Lato Regular"/>
+                <a:sym typeface="Lato Regular"/>
+              </a:defRPr>
+            </a:lvl1pPr>
+          </a:lstStyle>
+          <a:p>
+            <a:r>
+              <a:rPr lang="it-IT" sz="1400" b="1" dirty="0" err="1">
+                <a:solidFill>
+                  <a:schemeClr val="tx1">
+                    <a:lumMod val="75000"/>
+                    <a:lumOff val="25000"/>
+                  </a:schemeClr>
+                </a:solidFill>
+              </a:rPr>
+              <a:t>Example</a:t>
+            </a:r>
+            <a:endParaRPr sz="1400" b="1" dirty="0">
+              <a:solidFill>
+                <a:schemeClr val="tx1">
+                  <a:lumMod val="75000"/>
+                  <a:lumOff val="25000"/>
+                </a:schemeClr>
+              </a:solidFill>
+            </a:endParaRPr>
+          </a:p>
+        </p:txBody>
+      </p:sp>
+      <p:sp>
+        <p:nvSpPr>
+          <p:cNvPr id="16" name="Rectangle 5">
+            <a:extLst>
+              <a:ext uri="{FF2B5EF4-FFF2-40B4-BE49-F238E27FC236}">
+                <a16:creationId xmlns:a16="http://schemas.microsoft.com/office/drawing/2014/main" id="{B9F1E636-64D0-451D-8B28-796DF86149B6}"/>
+              </a:ext>
+            </a:extLst>
+          </p:cNvPr>
+          <p:cNvSpPr/>
+          <p:nvPr/>
+        </p:nvSpPr>
+        <p:spPr>
+          <a:xfrm flipH="1">
+            <a:off x="5215518" y="286984"/>
+            <a:ext cx="1726457" cy="647536"/>
+          </a:xfrm>
+          <a:prstGeom prst="rect">
+            <a:avLst/>
+          </a:prstGeom>
+          <a:solidFill>
+            <a:srgbClr val="CC0001"/>
+          </a:solidFill>
+          <a:ln w="12700">
+            <a:miter lim="400000"/>
+          </a:ln>
+        </p:spPr>
+        <p:txBody>
+          <a:bodyPr lIns="45719" rIns="45719"/>
+          <a:lstStyle/>
+          <a:p>
+            <a:r>
+              <a:rPr lang="it-IT" dirty="0"/>
+              <a:t>   </a:t>
+            </a:r>
+            <a:endParaRPr dirty="0"/>
+          </a:p>
+        </p:txBody>
+      </p:sp>
+      <p:sp>
+        <p:nvSpPr>
+          <p:cNvPr id="17" name="TextBox 12">
+            <a:extLst>
+              <a:ext uri="{FF2B5EF4-FFF2-40B4-BE49-F238E27FC236}">
+                <a16:creationId xmlns:a16="http://schemas.microsoft.com/office/drawing/2014/main" id="{A98728EB-1A9E-4393-9343-DB9C20FF7F8A}"/>
+              </a:ext>
+            </a:extLst>
+          </p:cNvPr>
+          <p:cNvSpPr txBox="1"/>
+          <p:nvPr/>
+        </p:nvSpPr>
+        <p:spPr>
+          <a:xfrm>
+            <a:off x="5378176" y="288188"/>
+            <a:ext cx="1435647" cy="646331"/>
+          </a:xfrm>
+          <a:prstGeom prst="rect">
+            <a:avLst/>
+          </a:prstGeom>
+          <a:ln w="12700">
+            <a:miter lim="400000"/>
+          </a:ln>
+          <a:extLst>
+            <a:ext uri="{C572A759-6A51-4108-AA02-DFA0A04FC94B}">
+              <ma14:wrappingTextBoxFlag xmlns="" xmlns:ma14="http://schemas.microsoft.com/office/mac/drawingml/2011/main" val="1"/>
+            </a:ext>
+          </a:extLst>
+        </p:spPr>
+        <p:txBody>
+          <a:bodyPr wrap="none" lIns="45719" rIns="45719">
+            <a:spAutoFit/>
+          </a:bodyPr>
+          <a:lstStyle>
+            <a:lvl1pPr>
+              <a:defRPr sz="3600">
+                <a:latin typeface="Montserrat Bold"/>
+                <a:ea typeface="Montserrat Bold"/>
+                <a:cs typeface="Montserrat Bold"/>
+                <a:sym typeface="Montserrat Bold"/>
+              </a:defRPr>
+            </a:lvl1pPr>
+          </a:lstStyle>
+          <a:p>
+            <a:pPr algn="ctr"/>
+            <a:r>
+              <a:rPr lang="it-IT" dirty="0" err="1">
+                <a:solidFill>
+                  <a:schemeClr val="bg1"/>
+                </a:solidFill>
+              </a:rPr>
+              <a:t>Results</a:t>
+            </a:r>
+            <a:endParaRPr dirty="0">
+              <a:solidFill>
+                <a:schemeClr val="bg1"/>
+              </a:solidFill>
+            </a:endParaRPr>
+          </a:p>
+        </p:txBody>
+      </p:sp>
+    </p:spTree>
+    <p:extLst>
+      <p:ext uri="{BB962C8B-B14F-4D97-AF65-F5344CB8AC3E}">
+        <p14:creationId xmlns:p14="http://schemas.microsoft.com/office/powerpoint/2010/main" val="3629735353"/>
+      </p:ext>
+    </p:extLst>
+  </p:cSld>
+  <p:clrMapOvr>
+    <a:masterClrMapping/>
+  </p:clrMapOvr>
+  <p:transition spd="med"/>
+</p:sld>
+</file>
+
+<file path=ppt/slides/slide11.xml><?xml version="1.0" encoding="utf-8"?>
+<p:sld xmlns:a="http://schemas.openxmlformats.org/drawingml/2006/main" xmlns:r="http://schemas.openxmlformats.org/officeDocument/2006/relationships" xmlns:p="http://schemas.openxmlformats.org/presentationml/2006/main">
+  <p:cSld>
+    <p:spTree>
+      <p:nvGrpSpPr>
+        <p:cNvPr id="1" name=""/>
+        <p:cNvGrpSpPr/>
+        <p:nvPr/>
+      </p:nvGrpSpPr>
+      <p:grpSpPr>
+        <a:xfrm>
+          <a:off x="0" y="0"/>
+          <a:ext cx="0" cy="0"/>
+          <a:chOff x="0" y="0"/>
+          <a:chExt cx="0" cy="0"/>
+        </a:xfrm>
+      </p:grpSpPr>
       <p:pic>
         <p:nvPicPr>
           <p:cNvPr id="11" name="Segnaposto immagine 7">
@@ -3701,45 +4277,6 @@
       </p:pic>
       <p:sp>
         <p:nvSpPr>
-          <p:cNvPr id="6" name="Rectangle 5">
-            <a:extLst>
-              <a:ext uri="{FF2B5EF4-FFF2-40B4-BE49-F238E27FC236}">
-                <a16:creationId xmlns:a16="http://schemas.microsoft.com/office/drawing/2014/main" id="{28D22E49-36C9-4FDD-AC98-B506103FD91C}"/>
-              </a:ext>
-            </a:extLst>
-          </p:cNvPr>
-          <p:cNvSpPr/>
-          <p:nvPr/>
-        </p:nvSpPr>
-        <p:spPr>
-          <a:xfrm flipH="1">
-            <a:off x="7720838" y="1068552"/>
-            <a:ext cx="3554023" cy="1285701"/>
-          </a:xfrm>
-          <a:prstGeom prst="rect">
-            <a:avLst/>
-          </a:prstGeom>
-          <a:solidFill>
-            <a:srgbClr val="CC0001"/>
-          </a:solidFill>
-          <a:ln w="12700">
-            <a:miter lim="400000"/>
-          </a:ln>
-        </p:spPr>
-        <p:txBody>
-          <a:bodyPr lIns="45719" rIns="45719"/>
-          <a:lstStyle/>
-          <a:p>
-            <a:r>
-              <a:rPr lang="it-IT" dirty="0"/>
-              <a:t>   </a:t>
-            </a:r>
-            <a:endParaRPr dirty="0"/>
-          </a:p>
-        </p:txBody>
-      </p:sp>
-      <p:sp>
-        <p:nvSpPr>
           <p:cNvPr id="5" name="Rectangle 5">
             <a:extLst>
               <a:ext uri="{FF2B5EF4-FFF2-40B4-BE49-F238E27FC236}">
@@ -3770,63 +4307,6 @@
           <a:lstStyle/>
           <a:p>
             <a:endParaRPr/>
-          </a:p>
-        </p:txBody>
-      </p:sp>
-      <p:sp>
-        <p:nvSpPr>
-          <p:cNvPr id="355" name="TextBox 6"/>
-          <p:cNvSpPr txBox="1"/>
-          <p:nvPr/>
-        </p:nvSpPr>
-        <p:spPr>
-          <a:xfrm flipH="1">
-            <a:off x="7964898" y="1281826"/>
-            <a:ext cx="3065902" cy="830997"/>
-          </a:xfrm>
-          <a:prstGeom prst="rect">
-            <a:avLst/>
-          </a:prstGeom>
-          <a:ln w="12700">
-            <a:miter lim="400000"/>
-          </a:ln>
-          <a:extLst>
-            <a:ext uri="{C572A759-6A51-4108-AA02-DFA0A04FC94B}">
-              <ma14:wrappingTextBoxFlag xmlns:ma14="http://schemas.microsoft.com/office/mac/drawingml/2011/main" xmlns="" val="1"/>
-            </a:ext>
-          </a:extLst>
-        </p:spPr>
-        <p:txBody>
-          <a:bodyPr wrap="square" lIns="45719" rIns="45719">
-            <a:spAutoFit/>
-          </a:bodyPr>
-          <a:lstStyle>
-            <a:lvl1pPr>
-              <a:defRPr sz="4800">
-                <a:solidFill>
-                  <a:srgbClr val="1E1E1E"/>
-                </a:solidFill>
-                <a:latin typeface="Montserrat Bold"/>
-                <a:ea typeface="Montserrat Bold"/>
-                <a:cs typeface="Montserrat Bold"/>
-                <a:sym typeface="Montserrat Bold"/>
-              </a:defRPr>
-            </a:lvl1pPr>
-          </a:lstStyle>
-          <a:p>
-            <a:r>
-              <a:rPr lang="it-IT" dirty="0" err="1">
-                <a:solidFill>
-                  <a:schemeClr val="bg1"/>
-                </a:solidFill>
-              </a:rPr>
-              <a:t>Conclusions</a:t>
-            </a:r>
-            <a:endParaRPr dirty="0">
-              <a:solidFill>
-                <a:schemeClr val="bg1"/>
-              </a:solidFill>
-            </a:endParaRPr>
           </a:p>
         </p:txBody>
       </p:sp>
@@ -3844,7 +4324,7 @@
         </p:nvSpPr>
         <p:spPr>
           <a:xfrm>
-            <a:off x="688502" y="1374431"/>
+            <a:off x="688502" y="1916881"/>
             <a:ext cx="5426697" cy="4109138"/>
           </a:xfrm>
           <a:prstGeom prst="rect">
@@ -3855,7 +4335,7 @@
           </a:ln>
           <a:extLst>
             <a:ext uri="{C572A759-6A51-4108-AA02-DFA0A04FC94B}">
-              <ma14:wrappingTextBoxFlag xmlns:ma14="http://schemas.microsoft.com/office/mac/drawingml/2011/main" xmlns="" val="1"/>
+              <ma14:wrappingTextBoxFlag xmlns="" xmlns:ma14="http://schemas.microsoft.com/office/mac/drawingml/2011/main" val="1"/>
             </a:ext>
           </a:extLst>
         </p:spPr>
@@ -3906,6 +4386,102 @@
           </a:p>
         </p:txBody>
       </p:sp>
+      <p:sp>
+        <p:nvSpPr>
+          <p:cNvPr id="6" name="Rectangle 5">
+            <a:extLst>
+              <a:ext uri="{FF2B5EF4-FFF2-40B4-BE49-F238E27FC236}">
+                <a16:creationId xmlns:a16="http://schemas.microsoft.com/office/drawing/2014/main" id="{28D22E49-36C9-4FDD-AC98-B506103FD91C}"/>
+              </a:ext>
+            </a:extLst>
+          </p:cNvPr>
+          <p:cNvSpPr/>
+          <p:nvPr/>
+        </p:nvSpPr>
+        <p:spPr>
+          <a:xfrm flipH="1">
+            <a:off x="688501" y="368175"/>
+            <a:ext cx="3554023" cy="1063223"/>
+          </a:xfrm>
+          <a:prstGeom prst="rect">
+            <a:avLst/>
+          </a:prstGeom>
+          <a:solidFill>
+            <a:srgbClr val="CC0001"/>
+          </a:solidFill>
+          <a:ln w="12700">
+            <a:miter lim="400000"/>
+          </a:ln>
+        </p:spPr>
+        <p:txBody>
+          <a:bodyPr lIns="45719" rIns="45719"/>
+          <a:lstStyle/>
+          <a:p>
+            <a:r>
+              <a:rPr lang="it-IT" dirty="0"/>
+              <a:t>   </a:t>
+            </a:r>
+            <a:endParaRPr dirty="0"/>
+          </a:p>
+        </p:txBody>
+      </p:sp>
+      <p:sp>
+        <p:nvSpPr>
+          <p:cNvPr id="355" name="TextBox 6"/>
+          <p:cNvSpPr txBox="1"/>
+          <p:nvPr/>
+        </p:nvSpPr>
+        <p:spPr>
+          <a:xfrm flipH="1">
+            <a:off x="932562" y="484287"/>
+            <a:ext cx="3065902" cy="830997"/>
+          </a:xfrm>
+          <a:prstGeom prst="rect">
+            <a:avLst/>
+          </a:prstGeom>
+          <a:ln w="12700">
+            <a:miter lim="400000"/>
+          </a:ln>
+          <a:extLst>
+            <a:ext uri="{C572A759-6A51-4108-AA02-DFA0A04FC94B}">
+              <ma14:wrappingTextBoxFlag xmlns="" xmlns:ma14="http://schemas.microsoft.com/office/mac/drawingml/2011/main" val="1"/>
+            </a:ext>
+          </a:extLst>
+        </p:spPr>
+        <p:txBody>
+          <a:bodyPr wrap="square" lIns="45719" rIns="45719">
+            <a:spAutoFit/>
+          </a:bodyPr>
+          <a:lstStyle>
+            <a:lvl1pPr>
+              <a:defRPr sz="4800">
+                <a:solidFill>
+                  <a:srgbClr val="1E1E1E"/>
+                </a:solidFill>
+                <a:latin typeface="Montserrat Bold"/>
+                <a:ea typeface="Montserrat Bold"/>
+                <a:cs typeface="Montserrat Bold"/>
+                <a:sym typeface="Montserrat Bold"/>
+              </a:defRPr>
+            </a:lvl1pPr>
+          </a:lstStyle>
+          <a:p>
+            <a:r>
+              <a:rPr lang="it-IT" dirty="0" err="1">
+                <a:solidFill>
+                  <a:schemeClr val="bg1"/>
+                </a:solidFill>
+              </a:rPr>
+              <a:t>Conclusions</a:t>
+            </a:r>
+            <a:endParaRPr dirty="0">
+              <a:solidFill>
+                <a:schemeClr val="bg1"/>
+              </a:solidFill>
+            </a:endParaRPr>
+          </a:p>
+        </p:txBody>
+      </p:sp>
     </p:spTree>
     <p:extLst>
       <p:ext uri="{BB962C8B-B14F-4D97-AF65-F5344CB8AC3E}">
@@ -3920,7 +4496,7 @@
 </p:sld>
 </file>
 
-<file path=ppt/slides/slide11.xml><?xml version="1.0" encoding="utf-8"?>
+<file path=ppt/slides/slide12.xml><?xml version="1.0" encoding="utf-8"?>
 <p:sld xmlns:a="http://schemas.openxmlformats.org/drawingml/2006/main" xmlns:r="http://schemas.openxmlformats.org/officeDocument/2006/relationships" xmlns:p="http://schemas.openxmlformats.org/presentationml/2006/main">
   <p:cSld>
     <p:spTree>
@@ -3985,7 +4561,7 @@
           </a:ln>
           <a:extLst>
             <a:ext uri="{C572A759-6A51-4108-AA02-DFA0A04FC94B}">
-              <ma14:wrappingTextBoxFlag xmlns:ma14="http://schemas.microsoft.com/office/mac/drawingml/2011/main" xmlns="" val="1"/>
+              <ma14:wrappingTextBoxFlag xmlns="" xmlns:ma14="http://schemas.microsoft.com/office/mac/drawingml/2011/main" val="1"/>
             </a:ext>
           </a:extLst>
         </p:spPr>
@@ -4076,7 +4652,7 @@
           <a:effectLst/>
           <a:extLst>
             <a:ext uri="{C572A759-6A51-4108-AA02-DFA0A04FC94B}">
-              <ma14:wrappingTextBoxFlag xmlns:ma14="http://schemas.microsoft.com/office/mac/drawingml/2011/main" xmlns="" val="1"/>
+              <ma14:wrappingTextBoxFlag xmlns="" xmlns:ma14="http://schemas.microsoft.com/office/mac/drawingml/2011/main" val="1"/>
             </a:ext>
           </a:extLst>
         </p:spPr>
@@ -4501,7 +5077,7 @@
           </a:ln>
           <a:extLst>
             <a:ext uri="{C572A759-6A51-4108-AA02-DFA0A04FC94B}">
-              <ma14:wrappingTextBoxFlag xmlns:ma14="http://schemas.microsoft.com/office/mac/drawingml/2011/main" xmlns="" val="1"/>
+              <ma14:wrappingTextBoxFlag xmlns="" xmlns:ma14="http://schemas.microsoft.com/office/mac/drawingml/2011/main" val="1"/>
             </a:ext>
           </a:extLst>
         </p:spPr>
@@ -4578,7 +5154,7 @@
           </a:ln>
           <a:extLst>
             <a:ext uri="{C572A759-6A51-4108-AA02-DFA0A04FC94B}">
-              <ma14:wrappingTextBoxFlag xmlns:ma14="http://schemas.microsoft.com/office/mac/drawingml/2011/main" xmlns="" val="1"/>
+              <ma14:wrappingTextBoxFlag xmlns="" xmlns:ma14="http://schemas.microsoft.com/office/mac/drawingml/2011/main" val="1"/>
             </a:ext>
           </a:extLst>
         </p:spPr>
@@ -4759,7 +5335,7 @@
         <p:spPr>
           <a:xfrm>
             <a:off x="944732" y="1288431"/>
-            <a:ext cx="10497483" cy="1886670"/>
+            <a:ext cx="10497483" cy="2262479"/>
           </a:xfrm>
           <a:prstGeom prst="rect">
             <a:avLst/>
@@ -4769,7 +5345,7 @@
           </a:ln>
           <a:extLst>
             <a:ext uri="{C572A759-6A51-4108-AA02-DFA0A04FC94B}">
-              <ma14:wrappingTextBoxFlag xmlns:ma14="http://schemas.microsoft.com/office/mac/drawingml/2011/main" xmlns="" val="1"/>
+              <ma14:wrappingTextBoxFlag xmlns="" xmlns:ma14="http://schemas.microsoft.com/office/mac/drawingml/2011/main" val="1"/>
             </a:ext>
           </a:extLst>
         </p:spPr>
@@ -4885,6 +5461,32 @@
               <a:t>… and was not suitable as input for our Summarization model</a:t>
             </a:r>
           </a:p>
+          <a:p>
+            <a:pPr marL="228600" indent="-228600" algn="ctr">
+              <a:buAutoNum type="arabicParenR"/>
+            </a:pPr>
+            <a:r>
+              <a:rPr lang="en-US" sz="1600" dirty="0">
+                <a:solidFill>
+                  <a:schemeClr val="tx1"/>
+                </a:solidFill>
+              </a:rPr>
+              <a:t>Only a subset of stories had to be selected for computational </a:t>
+            </a:r>
+            <a:r>
+              <a:rPr lang="en-US" sz="1600" dirty="0" err="1">
+                <a:solidFill>
+                  <a:schemeClr val="tx1"/>
+                </a:solidFill>
+              </a:rPr>
+              <a:t>costraints</a:t>
+            </a:r>
+            <a:endParaRPr lang="en-US" sz="1600" dirty="0">
+              <a:solidFill>
+                <a:schemeClr val="tx1"/>
+              </a:solidFill>
+            </a:endParaRPr>
+          </a:p>
         </p:txBody>
       </p:sp>
       <p:sp>
@@ -4951,7 +5553,7 @@
           </a:ln>
           <a:extLst>
             <a:ext uri="{C572A759-6A51-4108-AA02-DFA0A04FC94B}">
-              <ma14:wrappingTextBoxFlag xmlns:ma14="http://schemas.microsoft.com/office/mac/drawingml/2011/main" xmlns="" val="1"/>
+              <ma14:wrappingTextBoxFlag xmlns="" xmlns:ma14="http://schemas.microsoft.com/office/mac/drawingml/2011/main" val="1"/>
             </a:ext>
           </a:extLst>
         </p:spPr>
@@ -5096,7 +5698,7 @@
         <p:spPr>
           <a:xfrm>
             <a:off x="337797" y="1305149"/>
-            <a:ext cx="5426697" cy="4570867"/>
+            <a:ext cx="5426697" cy="5222840"/>
           </a:xfrm>
           <a:prstGeom prst="rect">
             <a:avLst/>
@@ -5106,7 +5708,7 @@
           </a:ln>
           <a:extLst>
             <a:ext uri="{C572A759-6A51-4108-AA02-DFA0A04FC94B}">
-              <ma14:wrappingTextBoxFlag xmlns:ma14="http://schemas.microsoft.com/office/mac/drawingml/2011/main" xmlns="" val="1"/>
+              <ma14:wrappingTextBoxFlag xmlns="" xmlns:ma14="http://schemas.microsoft.com/office/mac/drawingml/2011/main" val="1"/>
             </a:ext>
           </a:extLst>
         </p:spPr>
@@ -5220,7 +5822,10 @@
               <a:buFont typeface="+mj-lt"/>
               <a:buAutoNum type="arabicPeriod"/>
             </a:pPr>
-            <a:endParaRPr lang="en-US" sz="1400" dirty="0"/>
+            <a:r>
+              <a:rPr lang="en-US" sz="1400" dirty="0"/>
+              <a:t>Tokenization</a:t>
+            </a:r>
           </a:p>
           <a:p>
             <a:pPr marL="342900" indent="-342900">
@@ -5229,8 +5834,22 @@
             </a:pPr>
             <a:r>
               <a:rPr lang="en-US" sz="1400" dirty="0"/>
-              <a:t>Tokenization</a:t>
-            </a:r>
+              <a:t>10,000 stories are selected</a:t>
+            </a:r>
+          </a:p>
+          <a:p>
+            <a:pPr marL="342900" indent="-342900">
+              <a:buFont typeface="+mj-lt"/>
+              <a:buAutoNum type="arabicPeriod"/>
+            </a:pPr>
+            <a:endParaRPr lang="en-US" sz="1400" dirty="0"/>
+          </a:p>
+          <a:p>
+            <a:pPr marL="342900" indent="-342900">
+              <a:buFont typeface="+mj-lt"/>
+              <a:buAutoNum type="arabicPeriod"/>
+            </a:pPr>
+            <a:endParaRPr lang="en-US" sz="1400" dirty="0"/>
           </a:p>
         </p:txBody>
       </p:sp>
@@ -5298,7 +5917,7 @@
           </a:ln>
           <a:extLst>
             <a:ext uri="{C572A759-6A51-4108-AA02-DFA0A04FC94B}">
-              <ma14:wrappingTextBoxFlag xmlns:ma14="http://schemas.microsoft.com/office/mac/drawingml/2011/main" xmlns="" val="1"/>
+              <ma14:wrappingTextBoxFlag xmlns="" xmlns:ma14="http://schemas.microsoft.com/office/mac/drawingml/2011/main" val="1"/>
             </a:ext>
           </a:extLst>
         </p:spPr>
@@ -5353,7 +5972,7 @@
           </a:ln>
           <a:extLst>
             <a:ext uri="{C572A759-6A51-4108-AA02-DFA0A04FC94B}">
-              <ma14:wrappingTextBoxFlag xmlns:ma14="http://schemas.microsoft.com/office/mac/drawingml/2011/main" xmlns="" val="1"/>
+              <ma14:wrappingTextBoxFlag xmlns="" xmlns:ma14="http://schemas.microsoft.com/office/mac/drawingml/2011/main" val="1"/>
             </a:ext>
           </a:extLst>
         </p:spPr>
@@ -5429,7 +6048,7 @@
           </a:ln>
           <a:extLst>
             <a:ext uri="{C572A759-6A51-4108-AA02-DFA0A04FC94B}">
-              <ma14:wrappingTextBoxFlag xmlns:ma14="http://schemas.microsoft.com/office/mac/drawingml/2011/main" xmlns="" val="1"/>
+              <ma14:wrappingTextBoxFlag xmlns="" xmlns:ma14="http://schemas.microsoft.com/office/mac/drawingml/2011/main" val="1"/>
             </a:ext>
           </a:extLst>
         </p:spPr>
@@ -5500,7 +6119,7 @@
           </a:ln>
           <a:extLst>
             <a:ext uri="{C572A759-6A51-4108-AA02-DFA0A04FC94B}">
-              <ma14:wrappingTextBoxFlag xmlns:ma14="http://schemas.microsoft.com/office/mac/drawingml/2011/main" xmlns="" val="1"/>
+              <ma14:wrappingTextBoxFlag xmlns="" xmlns:ma14="http://schemas.microsoft.com/office/mac/drawingml/2011/main" val="1"/>
             </a:ext>
           </a:extLst>
         </p:spPr>
@@ -5638,7 +6257,7 @@
           </a:ln>
           <a:extLst>
             <a:ext uri="{C572A759-6A51-4108-AA02-DFA0A04FC94B}">
-              <ma14:wrappingTextBoxFlag xmlns="" xmlns:ma14="http://schemas.microsoft.com/office/mac/drawingml/2011/main" val="1"/>
+              <ma14:wrappingTextBoxFlag xmlns:ma14="http://schemas.microsoft.com/office/mac/drawingml/2011/main" xmlns="" val="1"/>
             </a:ext>
           </a:extLst>
         </p:spPr>
@@ -5739,7 +6358,7 @@
           </a:ln>
           <a:extLst>
             <a:ext uri="{C572A759-6A51-4108-AA02-DFA0A04FC94B}">
-              <ma14:wrappingTextBoxFlag xmlns="" xmlns:ma14="http://schemas.microsoft.com/office/mac/drawingml/2011/main" val="1"/>
+              <ma14:wrappingTextBoxFlag xmlns:ma14="http://schemas.microsoft.com/office/mac/drawingml/2011/main" xmlns="" val="1"/>
             </a:ext>
           </a:extLst>
         </p:spPr>
@@ -5878,7 +6497,7 @@
         <p:spPr>
           <a:xfrm>
             <a:off x="359926" y="1805592"/>
-            <a:ext cx="5286894" cy="778675"/>
+            <a:ext cx="5286894" cy="1154483"/>
           </a:xfrm>
           <a:prstGeom prst="rect">
             <a:avLst/>
@@ -5888,7 +6507,7 @@
           </a:ln>
           <a:extLst>
             <a:ext uri="{C572A759-6A51-4108-AA02-DFA0A04FC94B}">
-              <ma14:wrappingTextBoxFlag xmlns:ma14="http://schemas.microsoft.com/office/mac/drawingml/2011/main" xmlns="" val="1"/>
+              <ma14:wrappingTextBoxFlag xmlns="" xmlns:ma14="http://schemas.microsoft.com/office/mac/drawingml/2011/main" val="1"/>
             </a:ext>
           </a:extLst>
         </p:spPr>
@@ -5915,7 +6534,7 @@
           <a:p>
             <a:r>
               <a:rPr lang="en-US" sz="1600" dirty="0"/>
-              <a:t>First, we selected a max length of text to take and a max summary length based on the distribution of the data.</a:t>
+              <a:t>First, we selected a max length of text (300) to take and a max summary length (12) based on the distribution of the data.</a:t>
             </a:r>
             <a:endParaRPr sz="1600" dirty="0"/>
           </a:p>
@@ -5985,7 +6604,7 @@
           </a:ln>
           <a:extLst>
             <a:ext uri="{C572A759-6A51-4108-AA02-DFA0A04FC94B}">
-              <ma14:wrappingTextBoxFlag xmlns:ma14="http://schemas.microsoft.com/office/mac/drawingml/2011/main" xmlns="" val="1"/>
+              <ma14:wrappingTextBoxFlag xmlns="" xmlns:ma14="http://schemas.microsoft.com/office/mac/drawingml/2011/main" val="1"/>
             </a:ext>
           </a:extLst>
         </p:spPr>
@@ -6178,7 +6797,7 @@
           </a:ln>
           <a:extLst>
             <a:ext uri="{C572A759-6A51-4108-AA02-DFA0A04FC94B}">
-              <ma14:wrappingTextBoxFlag xmlns:ma14="http://schemas.microsoft.com/office/mac/drawingml/2011/main" xmlns="" val="1"/>
+              <ma14:wrappingTextBoxFlag xmlns="" xmlns:ma14="http://schemas.microsoft.com/office/mac/drawingml/2011/main" val="1"/>
             </a:ext>
           </a:extLst>
         </p:spPr>
@@ -6324,8 +6943,8 @@
         </p:nvSpPr>
         <p:spPr>
           <a:xfrm>
-            <a:off x="337797" y="1422167"/>
-            <a:ext cx="5426697" cy="4471993"/>
+            <a:off x="337797" y="1238343"/>
+            <a:ext cx="5426697" cy="5217134"/>
           </a:xfrm>
           <a:prstGeom prst="rect">
             <a:avLst/>
@@ -6335,7 +6954,7 @@
           </a:ln>
           <a:extLst>
             <a:ext uri="{C572A759-6A51-4108-AA02-DFA0A04FC94B}">
-              <ma14:wrappingTextBoxFlag xmlns:ma14="http://schemas.microsoft.com/office/mac/drawingml/2011/main" xmlns="" val="1"/>
+              <ma14:wrappingTextBoxFlag xmlns="" xmlns:ma14="http://schemas.microsoft.com/office/mac/drawingml/2011/main" val="1"/>
             </a:ext>
           </a:extLst>
         </p:spPr>
@@ -6395,15 +7014,16 @@
           <a:p>
             <a:r>
               <a:rPr lang="en-US" sz="1600" dirty="0"/>
-              <a:t>Although the relatively simple structure, this model contained more than 10 Million parameters that had to be trained locally on our machines. This </a:t>
-            </a:r>
-            <a:r>
-              <a:rPr lang="en-US" sz="1600" dirty="0" err="1"/>
-              <a:t>explaines</a:t>
-            </a:r>
+              <a:t>Although the relatively simple structure, this model contained more than 10 Million parameters that had to be trained locally on our machines. </a:t>
+            </a:r>
+          </a:p>
+          <a:p>
+            <a:endParaRPr lang="en-US" sz="1600" dirty="0"/>
+          </a:p>
+          <a:p>
             <a:r>
               <a:rPr lang="en-US" sz="1600" dirty="0"/>
-              <a:t> why only 10 epochs has been used to train the model.</a:t>
+              <a:t>This explains why only 20 epochs has been used to train the model. Each epoch took approximately 1 hour.</a:t>
             </a:r>
           </a:p>
         </p:txBody>
@@ -6472,7 +7092,7 @@
           </a:ln>
           <a:extLst>
             <a:ext uri="{C572A759-6A51-4108-AA02-DFA0A04FC94B}">
-              <ma14:wrappingTextBoxFlag xmlns:ma14="http://schemas.microsoft.com/office/mac/drawingml/2011/main" xmlns="" val="1"/>
+              <ma14:wrappingTextBoxFlag xmlns="" xmlns:ma14="http://schemas.microsoft.com/office/mac/drawingml/2011/main" val="1"/>
             </a:ext>
           </a:extLst>
         </p:spPr>
@@ -6659,7 +7279,7 @@
           </a:ln>
           <a:extLst>
             <a:ext uri="{C572A759-6A51-4108-AA02-DFA0A04FC94B}">
-              <ma14:wrappingTextBoxFlag xmlns="" xmlns:ma14="http://schemas.microsoft.com/office/mac/drawingml/2011/main" val="1"/>
+              <ma14:wrappingTextBoxFlag xmlns:ma14="http://schemas.microsoft.com/office/mac/drawingml/2011/main" xmlns="" val="1"/>
             </a:ext>
           </a:extLst>
         </p:spPr>
@@ -6686,7 +7306,7 @@
           <a:p>
             <a:r>
               <a:rPr lang="en-US" sz="1600" dirty="0"/>
-              <a:t> The second model improved from the first model by implementing a bidirectional LSTM encoder,</a:t>
+              <a:t>The second model improved from the first model by implementing a bidirectional LSTM encoder,</a:t>
             </a:r>
           </a:p>
           <a:p>
@@ -6710,7 +7330,7 @@
           <a:p>
             <a:r>
               <a:rPr lang="en-US" sz="1600" dirty="0"/>
-              <a:t>This should give the model better understanding of the patterns in the text</a:t>
+              <a:t>This should give the model better understanding of the patterns in the text.</a:t>
             </a:r>
           </a:p>
         </p:txBody>
@@ -6779,7 +7399,7 @@
           </a:ln>
           <a:extLst>
             <a:ext uri="{C572A759-6A51-4108-AA02-DFA0A04FC94B}">
-              <ma14:wrappingTextBoxFlag xmlns="" xmlns:ma14="http://schemas.microsoft.com/office/mac/drawingml/2011/main" val="1"/>
+              <ma14:wrappingTextBoxFlag xmlns:ma14="http://schemas.microsoft.com/office/mac/drawingml/2011/main" xmlns="" val="1"/>
             </a:ext>
           </a:extLst>
         </p:spPr>
@@ -6914,13 +7534,52 @@
       </p:grpSpPr>
       <p:sp>
         <p:nvSpPr>
+          <p:cNvPr id="10" name="Rectangle 5">
+            <a:extLst>
+              <a:ext uri="{FF2B5EF4-FFF2-40B4-BE49-F238E27FC236}">
+                <a16:creationId xmlns:a16="http://schemas.microsoft.com/office/drawing/2014/main" id="{6C57526F-506A-48FA-96AE-50743C677E2A}"/>
+              </a:ext>
+            </a:extLst>
+          </p:cNvPr>
+          <p:cNvSpPr/>
+          <p:nvPr/>
+        </p:nvSpPr>
+        <p:spPr>
+          <a:xfrm flipH="1">
+            <a:off x="5215518" y="286984"/>
+            <a:ext cx="1726457" cy="647536"/>
+          </a:xfrm>
+          <a:prstGeom prst="rect">
+            <a:avLst/>
+          </a:prstGeom>
+          <a:solidFill>
+            <a:srgbClr val="CC0001"/>
+          </a:solidFill>
+          <a:ln w="12700">
+            <a:miter lim="400000"/>
+          </a:ln>
+        </p:spPr>
+        <p:txBody>
+          <a:bodyPr lIns="45719" rIns="45719"/>
+          <a:lstStyle/>
+          <a:p>
+            <a:r>
+              <a:rPr lang="it-IT" dirty="0"/>
+              <a:t>   </a:t>
+            </a:r>
+            <a:endParaRPr dirty="0"/>
+          </a:p>
+        </p:txBody>
+      </p:sp>
+      <p:sp>
+        <p:nvSpPr>
           <p:cNvPr id="346" name="Rectangle 11"/>
           <p:cNvSpPr txBox="1"/>
           <p:nvPr/>
         </p:nvSpPr>
         <p:spPr>
           <a:xfrm>
-            <a:off x="3153713" y="934519"/>
+            <a:off x="3153713" y="1043126"/>
             <a:ext cx="5884575" cy="274306"/>
           </a:xfrm>
           <a:prstGeom prst="rect">
@@ -6931,7 +7590,7 @@
           </a:ln>
           <a:extLst>
             <a:ext uri="{C572A759-6A51-4108-AA02-DFA0A04FC94B}">
-              <ma14:wrappingTextBoxFlag xmlns:ma14="http://schemas.microsoft.com/office/mac/drawingml/2011/main" xmlns="" val="1"/>
+              <ma14:wrappingTextBoxFlag xmlns="" xmlns:ma14="http://schemas.microsoft.com/office/mac/drawingml/2011/main" val="1"/>
             </a:ext>
           </a:extLst>
         </p:spPr>
@@ -7023,7 +7682,7 @@
           </a:ln>
           <a:extLst>
             <a:ext uri="{C572A759-6A51-4108-AA02-DFA0A04FC94B}">
-              <ma14:wrappingTextBoxFlag xmlns:ma14="http://schemas.microsoft.com/office/mac/drawingml/2011/main" xmlns="" val="1"/>
+              <ma14:wrappingTextBoxFlag xmlns="" xmlns:ma14="http://schemas.microsoft.com/office/mac/drawingml/2011/main" val="1"/>
             </a:ext>
           </a:extLst>
         </p:spPr>
@@ -7042,84 +7701,23 @@
             </a:lvl1pPr>
           </a:lstStyle>
           <a:p>
-            <a:r>
-              <a:rPr lang="it-IT" dirty="0" err="1"/>
+            <a:pPr algn="ctr"/>
+            <a:r>
+              <a:rPr lang="it-IT" dirty="0" err="1">
+                <a:solidFill>
+                  <a:schemeClr val="bg1"/>
+                </a:solidFill>
+              </a:rPr>
               <a:t>Results</a:t>
             </a:r>
-            <a:endParaRPr dirty="0"/>
+            <a:endParaRPr dirty="0">
+              <a:solidFill>
+                <a:schemeClr val="bg1"/>
+              </a:solidFill>
+            </a:endParaRPr>
           </a:p>
         </p:txBody>
       </p:sp>
-      <p:pic>
-        <p:nvPicPr>
-          <p:cNvPr id="3" name="Immagine 2">
-            <a:extLst>
-              <a:ext uri="{FF2B5EF4-FFF2-40B4-BE49-F238E27FC236}">
-                <a16:creationId xmlns:a16="http://schemas.microsoft.com/office/drawing/2014/main" id="{4576A429-5552-40E5-9297-D46C7E3F8047}"/>
-              </a:ext>
-            </a:extLst>
-          </p:cNvPr>
-          <p:cNvPicPr>
-            <a:picLocks noChangeAspect="1"/>
-          </p:cNvPicPr>
-          <p:nvPr/>
-        </p:nvPicPr>
-        <p:blipFill>
-          <a:blip r:embed="rId2">
-            <a:extLst>
-              <a:ext uri="{28A0092B-C50C-407E-A947-70E740481C1C}">
-                <a14:useLocalDpi xmlns:a14="http://schemas.microsoft.com/office/drawing/2010/main" val="0"/>
-              </a:ext>
-            </a:extLst>
-          </a:blip>
-          <a:srcRect/>
-          <a:stretch/>
-        </p:blipFill>
-        <p:spPr>
-          <a:xfrm>
-            <a:off x="1057511" y="1996751"/>
-            <a:ext cx="4668262" cy="3112175"/>
-          </a:xfrm>
-          <a:prstGeom prst="rect">
-            <a:avLst/>
-          </a:prstGeom>
-        </p:spPr>
-      </p:pic>
-      <p:pic>
-        <p:nvPicPr>
-          <p:cNvPr id="5" name="Immagine 4">
-            <a:extLst>
-              <a:ext uri="{FF2B5EF4-FFF2-40B4-BE49-F238E27FC236}">
-                <a16:creationId xmlns:a16="http://schemas.microsoft.com/office/drawing/2014/main" id="{FCA5540E-E2A9-4E2F-AEA6-BA5697E20A5C}"/>
-              </a:ext>
-            </a:extLst>
-          </p:cNvPr>
-          <p:cNvPicPr>
-            <a:picLocks noChangeAspect="1"/>
-          </p:cNvPicPr>
-          <p:nvPr/>
-        </p:nvPicPr>
-        <p:blipFill>
-          <a:blip r:embed="rId3">
-            <a:extLst>
-              <a:ext uri="{28A0092B-C50C-407E-A947-70E740481C1C}">
-                <a14:useLocalDpi xmlns:a14="http://schemas.microsoft.com/office/drawing/2010/main" val="0"/>
-              </a:ext>
-            </a:extLst>
-          </a:blip>
-          <a:srcRect/>
-          <a:stretch/>
-        </p:blipFill>
-        <p:spPr>
-          <a:xfrm>
-            <a:off x="6466226" y="1996752"/>
-            <a:ext cx="4668264" cy="3112176"/>
-          </a:xfrm>
-          <a:prstGeom prst="rect">
-            <a:avLst/>
-          </a:prstGeom>
-        </p:spPr>
-      </p:pic>
       <p:sp>
         <p:nvSpPr>
           <p:cNvPr id="8" name="Rectangle 11">
@@ -7134,8 +7732,8 @@
         </p:nvSpPr>
         <p:spPr>
           <a:xfrm>
-            <a:off x="1141412" y="5323017"/>
-            <a:ext cx="4354320" cy="334900"/>
+            <a:off x="1214482" y="1915750"/>
+            <a:ext cx="4354320" cy="375359"/>
           </a:xfrm>
           <a:prstGeom prst="rect">
             <a:avLst/>
@@ -7145,7 +7743,7 @@
           </a:ln>
           <a:extLst>
             <a:ext uri="{C572A759-6A51-4108-AA02-DFA0A04FC94B}">
-              <ma14:wrappingTextBoxFlag xmlns:ma14="http://schemas.microsoft.com/office/mac/drawingml/2011/main" xmlns="" val="1"/>
+              <ma14:wrappingTextBoxFlag xmlns="" xmlns:ma14="http://schemas.microsoft.com/office/mac/drawingml/2011/main" val="1"/>
             </a:ext>
           </a:extLst>
         </p:spPr>
@@ -7171,7 +7769,7 @@
           </a:lstStyle>
           <a:p>
             <a:r>
-              <a:rPr lang="it-IT" sz="1200" dirty="0" err="1">
+              <a:rPr lang="it-IT" sz="1400" b="1" dirty="0" err="1">
                 <a:solidFill>
                   <a:schemeClr val="tx1">
                     <a:lumMod val="75000"/>
@@ -7182,7 +7780,7 @@
               <a:t>Monodirectional</a:t>
             </a:r>
             <a:r>
-              <a:rPr lang="it-IT" sz="1200" dirty="0">
+              <a:rPr lang="it-IT" sz="1400" b="1" dirty="0">
                 <a:solidFill>
                   <a:schemeClr val="tx1">
                     <a:lumMod val="75000"/>
@@ -7192,7 +7790,7 @@
               </a:rPr>
               <a:t> model</a:t>
             </a:r>
-            <a:endParaRPr sz="1200" dirty="0">
+            <a:endParaRPr sz="1400" b="1" dirty="0">
               <a:solidFill>
                 <a:schemeClr val="tx1">
                   <a:lumMod val="75000"/>
@@ -7217,8 +7815,8 @@
         </p:nvSpPr>
         <p:spPr>
           <a:xfrm>
-            <a:off x="6623198" y="5323017"/>
-            <a:ext cx="4354320" cy="334900"/>
+            <a:off x="6623198" y="1915750"/>
+            <a:ext cx="4354320" cy="375359"/>
           </a:xfrm>
           <a:prstGeom prst="rect">
             <a:avLst/>
@@ -7228,7 +7826,7 @@
           </a:ln>
           <a:extLst>
             <a:ext uri="{C572A759-6A51-4108-AA02-DFA0A04FC94B}">
-              <ma14:wrappingTextBoxFlag xmlns:ma14="http://schemas.microsoft.com/office/mac/drawingml/2011/main" xmlns="" val="1"/>
+              <ma14:wrappingTextBoxFlag xmlns="" xmlns:ma14="http://schemas.microsoft.com/office/mac/drawingml/2011/main" val="1"/>
             </a:ext>
           </a:extLst>
         </p:spPr>
@@ -7254,7 +7852,7 @@
           </a:lstStyle>
           <a:p>
             <a:r>
-              <a:rPr lang="it-IT" sz="1200" dirty="0" err="1">
+              <a:rPr lang="it-IT" sz="1400" b="1" dirty="0" err="1">
                 <a:solidFill>
                   <a:schemeClr val="tx1">
                     <a:lumMod val="75000"/>
@@ -7265,7 +7863,7 @@
               <a:t>Bidirectional</a:t>
             </a:r>
             <a:r>
-              <a:rPr lang="it-IT" sz="1200" dirty="0">
+              <a:rPr lang="it-IT" sz="1400" b="1" dirty="0">
                 <a:solidFill>
                   <a:schemeClr val="tx1">
                     <a:lumMod val="75000"/>
@@ -7275,7 +7873,7 @@
               </a:rPr>
               <a:t> model</a:t>
             </a:r>
-            <a:endParaRPr sz="1200" dirty="0">
+            <a:endParaRPr sz="1400" b="1" dirty="0">
               <a:solidFill>
                 <a:schemeClr val="tx1">
                   <a:lumMod val="75000"/>
@@ -7286,6 +7884,78 @@
           </a:p>
         </p:txBody>
       </p:sp>
+      <p:pic>
+        <p:nvPicPr>
+          <p:cNvPr id="4" name="Immagine 3">
+            <a:extLst>
+              <a:ext uri="{FF2B5EF4-FFF2-40B4-BE49-F238E27FC236}">
+                <a16:creationId xmlns:a16="http://schemas.microsoft.com/office/drawing/2014/main" id="{F6B07F36-0E21-4761-9C82-A1FF1C15E5D2}"/>
+              </a:ext>
+            </a:extLst>
+          </p:cNvPr>
+          <p:cNvPicPr>
+            <a:picLocks noChangeAspect="1"/>
+          </p:cNvPicPr>
+          <p:nvPr/>
+        </p:nvPicPr>
+        <p:blipFill>
+          <a:blip r:embed="rId2" cstate="print">
+            <a:extLst>
+              <a:ext uri="{28A0092B-C50C-407E-A947-70E740481C1C}">
+                <a14:useLocalDpi xmlns:a14="http://schemas.microsoft.com/office/drawing/2010/main" val="0"/>
+              </a:ext>
+            </a:extLst>
+          </a:blip>
+          <a:stretch>
+            <a:fillRect/>
+          </a:stretch>
+        </p:blipFill>
+        <p:spPr>
+          <a:xfrm>
+            <a:off x="6357468" y="2291109"/>
+            <a:ext cx="4885779" cy="3664334"/>
+          </a:xfrm>
+          <a:prstGeom prst="rect">
+            <a:avLst/>
+          </a:prstGeom>
+        </p:spPr>
+      </p:pic>
+      <p:pic>
+        <p:nvPicPr>
+          <p:cNvPr id="7" name="Immagine 6">
+            <a:extLst>
+              <a:ext uri="{FF2B5EF4-FFF2-40B4-BE49-F238E27FC236}">
+                <a16:creationId xmlns:a16="http://schemas.microsoft.com/office/drawing/2014/main" id="{F0B99AA8-8283-481E-9CCD-FFCDECDA77B4}"/>
+              </a:ext>
+            </a:extLst>
+          </p:cNvPr>
+          <p:cNvPicPr>
+            <a:picLocks noChangeAspect="1"/>
+          </p:cNvPicPr>
+          <p:nvPr/>
+        </p:nvPicPr>
+        <p:blipFill>
+          <a:blip r:embed="rId3" cstate="print">
+            <a:extLst>
+              <a:ext uri="{28A0092B-C50C-407E-A947-70E740481C1C}">
+                <a14:useLocalDpi xmlns:a14="http://schemas.microsoft.com/office/drawing/2010/main" val="0"/>
+              </a:ext>
+            </a:extLst>
+          </a:blip>
+          <a:stretch>
+            <a:fillRect/>
+          </a:stretch>
+        </p:blipFill>
+        <p:spPr>
+          <a:xfrm>
+            <a:off x="944491" y="2291109"/>
+            <a:ext cx="4885779" cy="3664334"/>
+          </a:xfrm>
+          <a:prstGeom prst="rect">
+            <a:avLst/>
+          </a:prstGeom>
+        </p:spPr>
+      </p:pic>
     </p:spTree>
   </p:cSld>
   <p:clrMapOvr>

--- a/presentation/presentation.pptx
+++ b/presentation/presentation.pptx
@@ -2457,7 +2457,7 @@
           </a:ln>
           <a:extLst>
             <a:ext uri="{C572A759-6A51-4108-AA02-DFA0A04FC94B}">
-              <ma14:wrappingTextBoxFlag xmlns="" xmlns:ma14="http://schemas.microsoft.com/office/mac/drawingml/2011/main" val="1"/>
+              <ma14:wrappingTextBoxFlag xmlns:ma14="http://schemas.microsoft.com/office/mac/drawingml/2011/main" xmlns="" val="1"/>
             </a:ext>
           </a:extLst>
         </p:spPr>
@@ -2496,7 +2496,7 @@
           </a:ln>
           <a:extLst>
             <a:ext uri="{C572A759-6A51-4108-AA02-DFA0A04FC94B}">
-              <ma14:wrappingTextBoxFlag xmlns="" xmlns:ma14="http://schemas.microsoft.com/office/mac/drawingml/2011/main" val="1"/>
+              <ma14:wrappingTextBoxFlag xmlns:ma14="http://schemas.microsoft.com/office/mac/drawingml/2011/main" xmlns="" val="1"/>
             </a:ext>
           </a:extLst>
         </p:spPr>
@@ -3475,7 +3475,7 @@
             <a:effectLst/>
             <a:extLst>
               <a:ext uri="{C572A759-6A51-4108-AA02-DFA0A04FC94B}">
-                <ma14:wrappingTextBoxFlag xmlns="" xmlns:ma14="http://schemas.microsoft.com/office/mac/drawingml/2011/main" val="1"/>
+                <ma14:wrappingTextBoxFlag xmlns:ma14="http://schemas.microsoft.com/office/mac/drawingml/2011/main" xmlns="" val="1"/>
               </a:ext>
             </a:extLst>
           </p:spPr>
@@ -3533,7 +3533,7 @@
             <a:effectLst/>
             <a:extLst>
               <a:ext uri="{C572A759-6A51-4108-AA02-DFA0A04FC94B}">
-                <ma14:wrappingTextBoxFlag xmlns="" xmlns:ma14="http://schemas.microsoft.com/office/mac/drawingml/2011/main" val="1"/>
+                <ma14:wrappingTextBoxFlag xmlns:ma14="http://schemas.microsoft.com/office/mac/drawingml/2011/main" xmlns="" val="1"/>
               </a:ext>
             </a:extLst>
           </p:spPr>
@@ -3691,7 +3691,7 @@
           </a:ln>
           <a:extLst>
             <a:ext uri="{C572A759-6A51-4108-AA02-DFA0A04FC94B}">
-              <ma14:wrappingTextBoxFlag xmlns:ma14="http://schemas.microsoft.com/office/mac/drawingml/2011/main" xmlns="" val="1"/>
+              <ma14:wrappingTextBoxFlag xmlns="" xmlns:ma14="http://schemas.microsoft.com/office/mac/drawingml/2011/main" val="1"/>
             </a:ext>
           </a:extLst>
         </p:spPr>
@@ -3774,7 +3774,7 @@
           </a:ln>
           <a:extLst>
             <a:ext uri="{C572A759-6A51-4108-AA02-DFA0A04FC94B}">
-              <ma14:wrappingTextBoxFlag xmlns:ma14="http://schemas.microsoft.com/office/mac/drawingml/2011/main" xmlns="" val="1"/>
+              <ma14:wrappingTextBoxFlag xmlns="" xmlns:ma14="http://schemas.microsoft.com/office/mac/drawingml/2011/main" val="1"/>
             </a:ext>
           </a:extLst>
         </p:spPr>
@@ -3857,7 +3857,7 @@
           </a:ln>
           <a:extLst>
             <a:ext uri="{C572A759-6A51-4108-AA02-DFA0A04FC94B}">
-              <ma14:wrappingTextBoxFlag xmlns:ma14="http://schemas.microsoft.com/office/mac/drawingml/2011/main" xmlns="" val="1"/>
+              <ma14:wrappingTextBoxFlag xmlns="" xmlns:ma14="http://schemas.microsoft.com/office/mac/drawingml/2011/main" val="1"/>
             </a:ext>
           </a:extLst>
         </p:spPr>
@@ -3942,7 +3942,7 @@
           </a:ln>
           <a:extLst>
             <a:ext uri="{C572A759-6A51-4108-AA02-DFA0A04FC94B}">
-              <ma14:wrappingTextBoxFlag xmlns:ma14="http://schemas.microsoft.com/office/mac/drawingml/2011/main" xmlns="" val="1"/>
+              <ma14:wrappingTextBoxFlag xmlns="" xmlns:ma14="http://schemas.microsoft.com/office/mac/drawingml/2011/main" val="1"/>
             </a:ext>
           </a:extLst>
         </p:spPr>
@@ -4063,7 +4063,7 @@
           </a:ln>
           <a:extLst>
             <a:ext uri="{C572A759-6A51-4108-AA02-DFA0A04FC94B}">
-              <ma14:wrappingTextBoxFlag xmlns:ma14="http://schemas.microsoft.com/office/mac/drawingml/2011/main" xmlns="" val="1"/>
+              <ma14:wrappingTextBoxFlag xmlns="" xmlns:ma14="http://schemas.microsoft.com/office/mac/drawingml/2011/main" val="1"/>
             </a:ext>
           </a:extLst>
         </p:spPr>
@@ -4174,7 +4174,7 @@
           </a:ln>
           <a:extLst>
             <a:ext uri="{C572A759-6A51-4108-AA02-DFA0A04FC94B}">
-              <ma14:wrappingTextBoxFlag xmlns="" xmlns:ma14="http://schemas.microsoft.com/office/mac/drawingml/2011/main" val="1"/>
+              <ma14:wrappingTextBoxFlag xmlns:ma14="http://schemas.microsoft.com/office/mac/drawingml/2011/main" xmlns="" val="1"/>
             </a:ext>
           </a:extLst>
         </p:spPr>
@@ -4335,7 +4335,7 @@
           </a:ln>
           <a:extLst>
             <a:ext uri="{C572A759-6A51-4108-AA02-DFA0A04FC94B}">
-              <ma14:wrappingTextBoxFlag xmlns="" xmlns:ma14="http://schemas.microsoft.com/office/mac/drawingml/2011/main" val="1"/>
+              <ma14:wrappingTextBoxFlag xmlns:ma14="http://schemas.microsoft.com/office/mac/drawingml/2011/main" xmlns="" val="1"/>
             </a:ext>
           </a:extLst>
         </p:spPr>
@@ -4444,7 +4444,7 @@
           </a:ln>
           <a:extLst>
             <a:ext uri="{C572A759-6A51-4108-AA02-DFA0A04FC94B}">
-              <ma14:wrappingTextBoxFlag xmlns="" xmlns:ma14="http://schemas.microsoft.com/office/mac/drawingml/2011/main" val="1"/>
+              <ma14:wrappingTextBoxFlag xmlns:ma14="http://schemas.microsoft.com/office/mac/drawingml/2011/main" xmlns="" val="1"/>
             </a:ext>
           </a:extLst>
         </p:spPr>
@@ -4561,7 +4561,7 @@
           </a:ln>
           <a:extLst>
             <a:ext uri="{C572A759-6A51-4108-AA02-DFA0A04FC94B}">
-              <ma14:wrappingTextBoxFlag xmlns="" xmlns:ma14="http://schemas.microsoft.com/office/mac/drawingml/2011/main" val="1"/>
+              <ma14:wrappingTextBoxFlag xmlns:ma14="http://schemas.microsoft.com/office/mac/drawingml/2011/main" xmlns="" val="1"/>
             </a:ext>
           </a:extLst>
         </p:spPr>
@@ -4614,7 +4614,7 @@
               </a:ext>
             </a:extLst>
           </a:blip>
-          <a:srcRect l="13611" r="13611"/>
+          <a:srcRect l="29531" r="29531"/>
           <a:stretch/>
         </p:blipFill>
         <p:spPr>
@@ -4652,7 +4652,7 @@
           <a:effectLst/>
           <a:extLst>
             <a:ext uri="{C572A759-6A51-4108-AA02-DFA0A04FC94B}">
-              <ma14:wrappingTextBoxFlag xmlns="" xmlns:ma14="http://schemas.microsoft.com/office/mac/drawingml/2011/main" val="1"/>
+              <ma14:wrappingTextBoxFlag xmlns:ma14="http://schemas.microsoft.com/office/mac/drawingml/2011/main" xmlns="" val="1"/>
             </a:ext>
           </a:extLst>
         </p:spPr>
@@ -5077,7 +5077,7 @@
           </a:ln>
           <a:extLst>
             <a:ext uri="{C572A759-6A51-4108-AA02-DFA0A04FC94B}">
-              <ma14:wrappingTextBoxFlag xmlns="" xmlns:ma14="http://schemas.microsoft.com/office/mac/drawingml/2011/main" val="1"/>
+              <ma14:wrappingTextBoxFlag xmlns:ma14="http://schemas.microsoft.com/office/mac/drawingml/2011/main" xmlns="" val="1"/>
             </a:ext>
           </a:extLst>
         </p:spPr>
@@ -5154,7 +5154,7 @@
           </a:ln>
           <a:extLst>
             <a:ext uri="{C572A759-6A51-4108-AA02-DFA0A04FC94B}">
-              <ma14:wrappingTextBoxFlag xmlns="" xmlns:ma14="http://schemas.microsoft.com/office/mac/drawingml/2011/main" val="1"/>
+              <ma14:wrappingTextBoxFlag xmlns:ma14="http://schemas.microsoft.com/office/mac/drawingml/2011/main" xmlns="" val="1"/>
             </a:ext>
           </a:extLst>
         </p:spPr>
@@ -5345,7 +5345,7 @@
           </a:ln>
           <a:extLst>
             <a:ext uri="{C572A759-6A51-4108-AA02-DFA0A04FC94B}">
-              <ma14:wrappingTextBoxFlag xmlns="" xmlns:ma14="http://schemas.microsoft.com/office/mac/drawingml/2011/main" val="1"/>
+              <ma14:wrappingTextBoxFlag xmlns:ma14="http://schemas.microsoft.com/office/mac/drawingml/2011/main" xmlns="" val="1"/>
             </a:ext>
           </a:extLst>
         </p:spPr>
@@ -5553,7 +5553,7 @@
           </a:ln>
           <a:extLst>
             <a:ext uri="{C572A759-6A51-4108-AA02-DFA0A04FC94B}">
-              <ma14:wrappingTextBoxFlag xmlns="" xmlns:ma14="http://schemas.microsoft.com/office/mac/drawingml/2011/main" val="1"/>
+              <ma14:wrappingTextBoxFlag xmlns:ma14="http://schemas.microsoft.com/office/mac/drawingml/2011/main" xmlns="" val="1"/>
             </a:ext>
           </a:extLst>
         </p:spPr>
@@ -5708,7 +5708,7 @@
           </a:ln>
           <a:extLst>
             <a:ext uri="{C572A759-6A51-4108-AA02-DFA0A04FC94B}">
-              <ma14:wrappingTextBoxFlag xmlns="" xmlns:ma14="http://schemas.microsoft.com/office/mac/drawingml/2011/main" val="1"/>
+              <ma14:wrappingTextBoxFlag xmlns:ma14="http://schemas.microsoft.com/office/mac/drawingml/2011/main" xmlns="" val="1"/>
             </a:ext>
           </a:extLst>
         </p:spPr>
@@ -5917,7 +5917,7 @@
           </a:ln>
           <a:extLst>
             <a:ext uri="{C572A759-6A51-4108-AA02-DFA0A04FC94B}">
-              <ma14:wrappingTextBoxFlag xmlns="" xmlns:ma14="http://schemas.microsoft.com/office/mac/drawingml/2011/main" val="1"/>
+              <ma14:wrappingTextBoxFlag xmlns:ma14="http://schemas.microsoft.com/office/mac/drawingml/2011/main" xmlns="" val="1"/>
             </a:ext>
           </a:extLst>
         </p:spPr>
@@ -5972,7 +5972,7 @@
           </a:ln>
           <a:extLst>
             <a:ext uri="{C572A759-6A51-4108-AA02-DFA0A04FC94B}">
-              <ma14:wrappingTextBoxFlag xmlns="" xmlns:ma14="http://schemas.microsoft.com/office/mac/drawingml/2011/main" val="1"/>
+              <ma14:wrappingTextBoxFlag xmlns:ma14="http://schemas.microsoft.com/office/mac/drawingml/2011/main" xmlns="" val="1"/>
             </a:ext>
           </a:extLst>
         </p:spPr>
@@ -6048,7 +6048,7 @@
           </a:ln>
           <a:extLst>
             <a:ext uri="{C572A759-6A51-4108-AA02-DFA0A04FC94B}">
-              <ma14:wrappingTextBoxFlag xmlns="" xmlns:ma14="http://schemas.microsoft.com/office/mac/drawingml/2011/main" val="1"/>
+              <ma14:wrappingTextBoxFlag xmlns:ma14="http://schemas.microsoft.com/office/mac/drawingml/2011/main" xmlns="" val="1"/>
             </a:ext>
           </a:extLst>
         </p:spPr>
@@ -6119,7 +6119,7 @@
           </a:ln>
           <a:extLst>
             <a:ext uri="{C572A759-6A51-4108-AA02-DFA0A04FC94B}">
-              <ma14:wrappingTextBoxFlag xmlns="" xmlns:ma14="http://schemas.microsoft.com/office/mac/drawingml/2011/main" val="1"/>
+              <ma14:wrappingTextBoxFlag xmlns:ma14="http://schemas.microsoft.com/office/mac/drawingml/2011/main" xmlns="" val="1"/>
             </a:ext>
           </a:extLst>
         </p:spPr>
@@ -6257,7 +6257,7 @@
           </a:ln>
           <a:extLst>
             <a:ext uri="{C572A759-6A51-4108-AA02-DFA0A04FC94B}">
-              <ma14:wrappingTextBoxFlag xmlns:ma14="http://schemas.microsoft.com/office/mac/drawingml/2011/main" xmlns="" val="1"/>
+              <ma14:wrappingTextBoxFlag xmlns="" xmlns:ma14="http://schemas.microsoft.com/office/mac/drawingml/2011/main" val="1"/>
             </a:ext>
           </a:extLst>
         </p:spPr>
@@ -6358,7 +6358,7 @@
           </a:ln>
           <a:extLst>
             <a:ext uri="{C572A759-6A51-4108-AA02-DFA0A04FC94B}">
-              <ma14:wrappingTextBoxFlag xmlns:ma14="http://schemas.microsoft.com/office/mac/drawingml/2011/main" xmlns="" val="1"/>
+              <ma14:wrappingTextBoxFlag xmlns="" xmlns:ma14="http://schemas.microsoft.com/office/mac/drawingml/2011/main" val="1"/>
             </a:ext>
           </a:extLst>
         </p:spPr>
@@ -6507,7 +6507,7 @@
           </a:ln>
           <a:extLst>
             <a:ext uri="{C572A759-6A51-4108-AA02-DFA0A04FC94B}">
-              <ma14:wrappingTextBoxFlag xmlns="" xmlns:ma14="http://schemas.microsoft.com/office/mac/drawingml/2011/main" val="1"/>
+              <ma14:wrappingTextBoxFlag xmlns:ma14="http://schemas.microsoft.com/office/mac/drawingml/2011/main" xmlns="" val="1"/>
             </a:ext>
           </a:extLst>
         </p:spPr>
@@ -6604,7 +6604,7 @@
           </a:ln>
           <a:extLst>
             <a:ext uri="{C572A759-6A51-4108-AA02-DFA0A04FC94B}">
-              <ma14:wrappingTextBoxFlag xmlns="" xmlns:ma14="http://schemas.microsoft.com/office/mac/drawingml/2011/main" val="1"/>
+              <ma14:wrappingTextBoxFlag xmlns:ma14="http://schemas.microsoft.com/office/mac/drawingml/2011/main" xmlns="" val="1"/>
             </a:ext>
           </a:extLst>
         </p:spPr>
@@ -6797,7 +6797,7 @@
           </a:ln>
           <a:extLst>
             <a:ext uri="{C572A759-6A51-4108-AA02-DFA0A04FC94B}">
-              <ma14:wrappingTextBoxFlag xmlns="" xmlns:ma14="http://schemas.microsoft.com/office/mac/drawingml/2011/main" val="1"/>
+              <ma14:wrappingTextBoxFlag xmlns:ma14="http://schemas.microsoft.com/office/mac/drawingml/2011/main" xmlns="" val="1"/>
             </a:ext>
           </a:extLst>
         </p:spPr>
@@ -6954,7 +6954,7 @@
           </a:ln>
           <a:extLst>
             <a:ext uri="{C572A759-6A51-4108-AA02-DFA0A04FC94B}">
-              <ma14:wrappingTextBoxFlag xmlns="" xmlns:ma14="http://schemas.microsoft.com/office/mac/drawingml/2011/main" val="1"/>
+              <ma14:wrappingTextBoxFlag xmlns:ma14="http://schemas.microsoft.com/office/mac/drawingml/2011/main" xmlns="" val="1"/>
             </a:ext>
           </a:extLst>
         </p:spPr>
@@ -7092,7 +7092,7 @@
           </a:ln>
           <a:extLst>
             <a:ext uri="{C572A759-6A51-4108-AA02-DFA0A04FC94B}">
-              <ma14:wrappingTextBoxFlag xmlns="" xmlns:ma14="http://schemas.microsoft.com/office/mac/drawingml/2011/main" val="1"/>
+              <ma14:wrappingTextBoxFlag xmlns:ma14="http://schemas.microsoft.com/office/mac/drawingml/2011/main" xmlns="" val="1"/>
             </a:ext>
           </a:extLst>
         </p:spPr>
@@ -7279,7 +7279,7 @@
           </a:ln>
           <a:extLst>
             <a:ext uri="{C572A759-6A51-4108-AA02-DFA0A04FC94B}">
-              <ma14:wrappingTextBoxFlag xmlns:ma14="http://schemas.microsoft.com/office/mac/drawingml/2011/main" xmlns="" val="1"/>
+              <ma14:wrappingTextBoxFlag xmlns="" xmlns:ma14="http://schemas.microsoft.com/office/mac/drawingml/2011/main" val="1"/>
             </a:ext>
           </a:extLst>
         </p:spPr>
@@ -7399,7 +7399,7 @@
           </a:ln>
           <a:extLst>
             <a:ext uri="{C572A759-6A51-4108-AA02-DFA0A04FC94B}">
-              <ma14:wrappingTextBoxFlag xmlns:ma14="http://schemas.microsoft.com/office/mac/drawingml/2011/main" xmlns="" val="1"/>
+              <ma14:wrappingTextBoxFlag xmlns="" xmlns:ma14="http://schemas.microsoft.com/office/mac/drawingml/2011/main" val="1"/>
             </a:ext>
           </a:extLst>
         </p:spPr>
@@ -7590,7 +7590,7 @@
           </a:ln>
           <a:extLst>
             <a:ext uri="{C572A759-6A51-4108-AA02-DFA0A04FC94B}">
-              <ma14:wrappingTextBoxFlag xmlns="" xmlns:ma14="http://schemas.microsoft.com/office/mac/drawingml/2011/main" val="1"/>
+              <ma14:wrappingTextBoxFlag xmlns:ma14="http://schemas.microsoft.com/office/mac/drawingml/2011/main" xmlns="" val="1"/>
             </a:ext>
           </a:extLst>
         </p:spPr>
@@ -7682,7 +7682,7 @@
           </a:ln>
           <a:extLst>
             <a:ext uri="{C572A759-6A51-4108-AA02-DFA0A04FC94B}">
-              <ma14:wrappingTextBoxFlag xmlns="" xmlns:ma14="http://schemas.microsoft.com/office/mac/drawingml/2011/main" val="1"/>
+              <ma14:wrappingTextBoxFlag xmlns:ma14="http://schemas.microsoft.com/office/mac/drawingml/2011/main" xmlns="" val="1"/>
             </a:ext>
           </a:extLst>
         </p:spPr>
@@ -7743,7 +7743,7 @@
           </a:ln>
           <a:extLst>
             <a:ext uri="{C572A759-6A51-4108-AA02-DFA0A04FC94B}">
-              <ma14:wrappingTextBoxFlag xmlns="" xmlns:ma14="http://schemas.microsoft.com/office/mac/drawingml/2011/main" val="1"/>
+              <ma14:wrappingTextBoxFlag xmlns:ma14="http://schemas.microsoft.com/office/mac/drawingml/2011/main" xmlns="" val="1"/>
             </a:ext>
           </a:extLst>
         </p:spPr>
@@ -7826,7 +7826,7 @@
           </a:ln>
           <a:extLst>
             <a:ext uri="{C572A759-6A51-4108-AA02-DFA0A04FC94B}">
-              <ma14:wrappingTextBoxFlag xmlns="" xmlns:ma14="http://schemas.microsoft.com/office/mac/drawingml/2011/main" val="1"/>
+              <ma14:wrappingTextBoxFlag xmlns:ma14="http://schemas.microsoft.com/office/mac/drawingml/2011/main" xmlns="" val="1"/>
             </a:ext>
           </a:extLst>
         </p:spPr>

--- a/presentation/presentation.pptx
+++ b/presentation/presentation.pptx
@@ -5,7 +5,7 @@
     <p:sldMasterId id="2147483648" r:id="rId1"/>
   </p:sldMasterIdLst>
   <p:notesMasterIdLst>
-    <p:notesMasterId r:id="rId14"/>
+    <p:notesMasterId r:id="rId16"/>
   </p:notesMasterIdLst>
   <p:sldIdLst>
     <p:sldId id="256" r:id="rId2"/>
@@ -18,8 +18,10 @@
     <p:sldId id="312" r:id="rId9"/>
     <p:sldId id="261" r:id="rId10"/>
     <p:sldId id="314" r:id="rId11"/>
-    <p:sldId id="310" r:id="rId12"/>
-    <p:sldId id="299" r:id="rId13"/>
+    <p:sldId id="315" r:id="rId12"/>
+    <p:sldId id="316" r:id="rId13"/>
+    <p:sldId id="310" r:id="rId14"/>
+    <p:sldId id="299" r:id="rId15"/>
   </p:sldIdLst>
   <p:sldSz cx="12192000" cy="6858000"/>
   <p:notesSz cx="6858000" cy="9144000"/>
@@ -2457,7 +2459,7 @@
           </a:ln>
           <a:extLst>
             <a:ext uri="{C572A759-6A51-4108-AA02-DFA0A04FC94B}">
-              <ma14:wrappingTextBoxFlag xmlns:ma14="http://schemas.microsoft.com/office/mac/drawingml/2011/main" xmlns="" val="1"/>
+              <ma14:wrappingTextBoxFlag xmlns="" xmlns:ma14="http://schemas.microsoft.com/office/mac/drawingml/2011/main" val="1"/>
             </a:ext>
           </a:extLst>
         </p:spPr>
@@ -2496,7 +2498,7 @@
           </a:ln>
           <a:extLst>
             <a:ext uri="{C572A759-6A51-4108-AA02-DFA0A04FC94B}">
-              <ma14:wrappingTextBoxFlag xmlns:ma14="http://schemas.microsoft.com/office/mac/drawingml/2011/main" xmlns="" val="1"/>
+              <ma14:wrappingTextBoxFlag xmlns="" xmlns:ma14="http://schemas.microsoft.com/office/mac/drawingml/2011/main" val="1"/>
             </a:ext>
           </a:extLst>
         </p:spPr>
@@ -3475,7 +3477,7 @@
             <a:effectLst/>
             <a:extLst>
               <a:ext uri="{C572A759-6A51-4108-AA02-DFA0A04FC94B}">
-                <ma14:wrappingTextBoxFlag xmlns:ma14="http://schemas.microsoft.com/office/mac/drawingml/2011/main" xmlns="" val="1"/>
+                <ma14:wrappingTextBoxFlag xmlns="" xmlns:ma14="http://schemas.microsoft.com/office/mac/drawingml/2011/main" val="1"/>
               </a:ext>
             </a:extLst>
           </p:spPr>
@@ -3533,7 +3535,7 @@
             <a:effectLst/>
             <a:extLst>
               <a:ext uri="{C572A759-6A51-4108-AA02-DFA0A04FC94B}">
-                <ma14:wrappingTextBoxFlag xmlns:ma14="http://schemas.microsoft.com/office/mac/drawingml/2011/main" xmlns="" val="1"/>
+                <ma14:wrappingTextBoxFlag xmlns="" xmlns:ma14="http://schemas.microsoft.com/office/mac/drawingml/2011/main" val="1"/>
               </a:ext>
             </a:extLst>
           </p:spPr>
@@ -3691,7 +3693,7 @@
           </a:ln>
           <a:extLst>
             <a:ext uri="{C572A759-6A51-4108-AA02-DFA0A04FC94B}">
-              <ma14:wrappingTextBoxFlag xmlns="" xmlns:ma14="http://schemas.microsoft.com/office/mac/drawingml/2011/main" val="1"/>
+              <ma14:wrappingTextBoxFlag xmlns:ma14="http://schemas.microsoft.com/office/mac/drawingml/2011/main" xmlns="" val="1"/>
             </a:ext>
           </a:extLst>
         </p:spPr>
@@ -3774,7 +3776,7 @@
           </a:ln>
           <a:extLst>
             <a:ext uri="{C572A759-6A51-4108-AA02-DFA0A04FC94B}">
-              <ma14:wrappingTextBoxFlag xmlns="" xmlns:ma14="http://schemas.microsoft.com/office/mac/drawingml/2011/main" val="1"/>
+              <ma14:wrappingTextBoxFlag xmlns:ma14="http://schemas.microsoft.com/office/mac/drawingml/2011/main" xmlns="" val="1"/>
             </a:ext>
           </a:extLst>
         </p:spPr>
@@ -3857,7 +3859,7 @@
           </a:ln>
           <a:extLst>
             <a:ext uri="{C572A759-6A51-4108-AA02-DFA0A04FC94B}">
-              <ma14:wrappingTextBoxFlag xmlns="" xmlns:ma14="http://schemas.microsoft.com/office/mac/drawingml/2011/main" val="1"/>
+              <ma14:wrappingTextBoxFlag xmlns:ma14="http://schemas.microsoft.com/office/mac/drawingml/2011/main" xmlns="" val="1"/>
             </a:ext>
           </a:extLst>
         </p:spPr>
@@ -3891,7 +3893,7 @@
                   </a:schemeClr>
                 </a:solidFill>
               </a:rPr>
-              <a:t>ROUGE-1: 6.75%</a:t>
+              <a:t>ROUGE-1: 7.56%</a:t>
             </a:r>
           </a:p>
           <a:p>
@@ -3904,7 +3906,7 @@
                   </a:schemeClr>
                 </a:solidFill>
               </a:rPr>
-              <a:t>ROUGE-2: 0.61%</a:t>
+              <a:t>ROUGE-2: 0.80%</a:t>
             </a:r>
             <a:endParaRPr sz="1600" b="1" dirty="0">
               <a:solidFill>
@@ -3942,7 +3944,7 @@
           </a:ln>
           <a:extLst>
             <a:ext uri="{C572A759-6A51-4108-AA02-DFA0A04FC94B}">
-              <ma14:wrappingTextBoxFlag xmlns="" xmlns:ma14="http://schemas.microsoft.com/office/mac/drawingml/2011/main" val="1"/>
+              <ma14:wrappingTextBoxFlag xmlns:ma14="http://schemas.microsoft.com/office/mac/drawingml/2011/main" xmlns="" val="1"/>
             </a:ext>
           </a:extLst>
         </p:spPr>
@@ -3976,7 +3978,7 @@
                   </a:schemeClr>
                 </a:solidFill>
               </a:rPr>
-              <a:t>ROUGE-1: 6.00%</a:t>
+              <a:t>ROUGE-1: 6.62%</a:t>
             </a:r>
           </a:p>
           <a:p>
@@ -3989,7 +3991,7 @@
                   </a:schemeClr>
                 </a:solidFill>
               </a:rPr>
-              <a:t>ROUGE-2: 0.64%</a:t>
+              <a:t>ROUGE-2: 0.66%</a:t>
             </a:r>
             <a:endParaRPr sz="1600" b="1" dirty="0">
               <a:solidFill>
@@ -4063,7 +4065,7 @@
           </a:ln>
           <a:extLst>
             <a:ext uri="{C572A759-6A51-4108-AA02-DFA0A04FC94B}">
-              <ma14:wrappingTextBoxFlag xmlns="" xmlns:ma14="http://schemas.microsoft.com/office/mac/drawingml/2011/main" val="1"/>
+              <ma14:wrappingTextBoxFlag xmlns:ma14="http://schemas.microsoft.com/office/mac/drawingml/2011/main" xmlns="" val="1"/>
             </a:ext>
           </a:extLst>
         </p:spPr>
@@ -4174,7 +4176,7 @@
           </a:ln>
           <a:extLst>
             <a:ext uri="{C572A759-6A51-4108-AA02-DFA0A04FC94B}">
-              <ma14:wrappingTextBoxFlag xmlns:ma14="http://schemas.microsoft.com/office/mac/drawingml/2011/main" xmlns="" val="1"/>
+              <ma14:wrappingTextBoxFlag xmlns="" xmlns:ma14="http://schemas.microsoft.com/office/mac/drawingml/2011/main" val="1"/>
             </a:ext>
           </a:extLst>
         </p:spPr>
@@ -4225,6 +4227,989 @@
 </file>
 
 <file path=ppt/slides/slide11.xml><?xml version="1.0" encoding="utf-8"?>
+<p:sld xmlns:a="http://schemas.openxmlformats.org/drawingml/2006/main" xmlns:r="http://schemas.openxmlformats.org/officeDocument/2006/relationships" xmlns:p="http://schemas.openxmlformats.org/presentationml/2006/main">
+  <p:cSld>
+    <p:spTree>
+      <p:nvGrpSpPr>
+        <p:cNvPr id="1" name=""/>
+        <p:cNvGrpSpPr/>
+        <p:nvPr/>
+      </p:nvGrpSpPr>
+      <p:grpSpPr>
+        <a:xfrm>
+          <a:off x="0" y="0"/>
+          <a:ext cx="0" cy="0"/>
+          <a:chOff x="0" y="0"/>
+          <a:chExt cx="0" cy="0"/>
+        </a:xfrm>
+      </p:grpSpPr>
+      <p:sp>
+        <p:nvSpPr>
+          <p:cNvPr id="338" name="Rectangle 5"/>
+          <p:cNvSpPr/>
+          <p:nvPr/>
+        </p:nvSpPr>
+        <p:spPr>
+          <a:xfrm>
+            <a:off x="0" y="0"/>
+            <a:ext cx="12191999" cy="6858000"/>
+          </a:xfrm>
+          <a:prstGeom prst="rect">
+            <a:avLst/>
+          </a:prstGeom>
+          <a:solidFill>
+            <a:srgbClr val="1E1E1E"/>
+          </a:solidFill>
+          <a:ln w="12700">
+            <a:miter lim="400000"/>
+          </a:ln>
+        </p:spPr>
+        <p:txBody>
+          <a:bodyPr lIns="45719" rIns="45719"/>
+          <a:lstStyle/>
+          <a:p>
+            <a:endParaRPr/>
+          </a:p>
+        </p:txBody>
+      </p:sp>
+      <p:sp>
+        <p:nvSpPr>
+          <p:cNvPr id="9" name="Rectangle 2">
+            <a:extLst>
+              <a:ext uri="{FF2B5EF4-FFF2-40B4-BE49-F238E27FC236}">
+                <a16:creationId xmlns:a16="http://schemas.microsoft.com/office/drawing/2014/main" id="{9A1D70F6-7B6C-44AA-AA6B-77ED02BEDC86}"/>
+              </a:ext>
+            </a:extLst>
+          </p:cNvPr>
+          <p:cNvSpPr txBox="1"/>
+          <p:nvPr/>
+        </p:nvSpPr>
+        <p:spPr>
+          <a:xfrm>
+            <a:off x="657067" y="2843208"/>
+            <a:ext cx="4745358" cy="2262479"/>
+          </a:xfrm>
+          <a:prstGeom prst="rect">
+            <a:avLst/>
+          </a:prstGeom>
+          <a:ln w="12700">
+            <a:miter lim="400000"/>
+          </a:ln>
+          <a:extLst>
+            <a:ext uri="{C572A759-6A51-4108-AA02-DFA0A04FC94B}">
+              <ma14:wrappingTextBoxFlag xmlns="" xmlns:ma14="http://schemas.microsoft.com/office/mac/drawingml/2011/main" val="1"/>
+            </a:ext>
+          </a:extLst>
+        </p:spPr>
+        <p:txBody>
+          <a:bodyPr wrap="square" lIns="45719" rIns="45719">
+            <a:spAutoFit/>
+          </a:bodyPr>
+          <a:lstStyle>
+            <a:lvl1pPr algn="just">
+              <a:lnSpc>
+                <a:spcPct val="150000"/>
+              </a:lnSpc>
+              <a:defRPr sz="900">
+                <a:solidFill>
+                  <a:srgbClr val="FFFFFF"/>
+                </a:solidFill>
+                <a:latin typeface="Lato Regular"/>
+                <a:ea typeface="Lato Regular"/>
+                <a:cs typeface="Lato Regular"/>
+                <a:sym typeface="Lato Regular"/>
+              </a:defRPr>
+            </a:lvl1pPr>
+          </a:lstStyle>
+          <a:p>
+            <a:pPr algn="ctr"/>
+            <a:r>
+              <a:rPr lang="en-US" sz="1600" dirty="0"/>
+              <a:t>This model uses a standard seq2seq/machine translation architecture with a bidirectional</a:t>
+            </a:r>
+          </a:p>
+          <a:p>
+            <a:pPr algn="ctr"/>
+            <a:r>
+              <a:rPr lang="en-US" sz="1600" dirty="0"/>
+              <a:t>encoder (like BERT) and a left-to-right </a:t>
+            </a:r>
+          </a:p>
+          <a:p>
+            <a:pPr algn="ctr"/>
+            <a:r>
+              <a:rPr lang="en-US" sz="1600" dirty="0"/>
+              <a:t>decoder (like GPT). </a:t>
+            </a:r>
+          </a:p>
+          <a:p>
+            <a:pPr algn="ctr"/>
+            <a:r>
+              <a:rPr lang="en-US" sz="1600" dirty="0"/>
+              <a:t>This model partially reflects the</a:t>
+            </a:r>
+          </a:p>
+          <a:p>
+            <a:pPr algn="ctr"/>
+            <a:r>
+              <a:rPr lang="en-US" sz="1600" dirty="0"/>
+              <a:t>structure of the model built by us.</a:t>
+            </a:r>
+          </a:p>
+        </p:txBody>
+      </p:sp>
+      <p:sp>
+        <p:nvSpPr>
+          <p:cNvPr id="6" name="Rectangle 5">
+            <a:extLst>
+              <a:ext uri="{FF2B5EF4-FFF2-40B4-BE49-F238E27FC236}">
+                <a16:creationId xmlns:a16="http://schemas.microsoft.com/office/drawing/2014/main" id="{A826A8C9-62D5-42FB-926F-B339372E77E7}"/>
+              </a:ext>
+            </a:extLst>
+          </p:cNvPr>
+          <p:cNvSpPr/>
+          <p:nvPr/>
+        </p:nvSpPr>
+        <p:spPr>
+          <a:xfrm flipH="1">
+            <a:off x="3275043" y="226827"/>
+            <a:ext cx="5609412" cy="784689"/>
+          </a:xfrm>
+          <a:prstGeom prst="rect">
+            <a:avLst/>
+          </a:prstGeom>
+          <a:solidFill>
+            <a:srgbClr val="CC0001"/>
+          </a:solidFill>
+          <a:ln w="12700">
+            <a:miter lim="400000"/>
+          </a:ln>
+        </p:spPr>
+        <p:txBody>
+          <a:bodyPr lIns="45719" rIns="45719"/>
+          <a:lstStyle/>
+          <a:p>
+            <a:r>
+              <a:rPr lang="it-IT" dirty="0"/>
+              <a:t>   </a:t>
+            </a:r>
+            <a:endParaRPr dirty="0"/>
+          </a:p>
+        </p:txBody>
+      </p:sp>
+      <p:sp>
+        <p:nvSpPr>
+          <p:cNvPr id="10" name="TextBox 5">
+            <a:extLst>
+              <a:ext uri="{FF2B5EF4-FFF2-40B4-BE49-F238E27FC236}">
+                <a16:creationId xmlns:a16="http://schemas.microsoft.com/office/drawing/2014/main" id="{1C768714-9359-4798-9B60-BE4421470C89}"/>
+              </a:ext>
+            </a:extLst>
+          </p:cNvPr>
+          <p:cNvSpPr txBox="1"/>
+          <p:nvPr/>
+        </p:nvSpPr>
+        <p:spPr>
+          <a:xfrm>
+            <a:off x="3370415" y="284691"/>
+            <a:ext cx="5451170" cy="646331"/>
+          </a:xfrm>
+          <a:prstGeom prst="rect">
+            <a:avLst/>
+          </a:prstGeom>
+          <a:ln w="12700">
+            <a:miter lim="400000"/>
+          </a:ln>
+          <a:extLst>
+            <a:ext uri="{C572A759-6A51-4108-AA02-DFA0A04FC94B}">
+              <ma14:wrappingTextBoxFlag xmlns="" xmlns:ma14="http://schemas.microsoft.com/office/mac/drawingml/2011/main" val="1"/>
+            </a:ext>
+          </a:extLst>
+        </p:spPr>
+        <p:txBody>
+          <a:bodyPr wrap="none" lIns="45719" rIns="45719">
+            <a:spAutoFit/>
+          </a:bodyPr>
+          <a:lstStyle>
+            <a:lvl1pPr>
+              <a:defRPr sz="3600">
+                <a:solidFill>
+                  <a:srgbClr val="FFFFFF"/>
+                </a:solidFill>
+                <a:latin typeface="Montserrat Bold"/>
+                <a:ea typeface="Montserrat Bold"/>
+                <a:cs typeface="Montserrat Bold"/>
+                <a:sym typeface="Montserrat Bold"/>
+              </a:defRPr>
+            </a:lvl1pPr>
+          </a:lstStyle>
+          <a:p>
+            <a:r>
+              <a:rPr lang="it-IT" b="1" dirty="0"/>
+              <a:t>The </a:t>
+            </a:r>
+            <a:r>
+              <a:rPr lang="it-IT" b="1" dirty="0" err="1"/>
+              <a:t>two</a:t>
+            </a:r>
+            <a:r>
+              <a:rPr lang="it-IT" b="1" dirty="0"/>
+              <a:t> </a:t>
+            </a:r>
+            <a:r>
+              <a:rPr lang="it-IT" b="1" dirty="0" err="1"/>
+              <a:t>pre-trained</a:t>
+            </a:r>
+            <a:r>
+              <a:rPr lang="it-IT" b="1" dirty="0"/>
+              <a:t> models</a:t>
+            </a:r>
+            <a:endParaRPr b="1" dirty="0"/>
+          </a:p>
+        </p:txBody>
+      </p:sp>
+      <p:sp>
+        <p:nvSpPr>
+          <p:cNvPr id="8" name="Rectangle 2">
+            <a:extLst>
+              <a:ext uri="{FF2B5EF4-FFF2-40B4-BE49-F238E27FC236}">
+                <a16:creationId xmlns:a16="http://schemas.microsoft.com/office/drawing/2014/main" id="{8A555CEC-98DA-43EE-BBB7-8502F81935AB}"/>
+              </a:ext>
+            </a:extLst>
+          </p:cNvPr>
+          <p:cNvSpPr txBox="1"/>
+          <p:nvPr/>
+        </p:nvSpPr>
+        <p:spPr>
+          <a:xfrm>
+            <a:off x="6789577" y="2843208"/>
+            <a:ext cx="4745358" cy="2262479"/>
+          </a:xfrm>
+          <a:prstGeom prst="rect">
+            <a:avLst/>
+          </a:prstGeom>
+          <a:ln w="12700">
+            <a:miter lim="400000"/>
+          </a:ln>
+          <a:extLst>
+            <a:ext uri="{C572A759-6A51-4108-AA02-DFA0A04FC94B}">
+              <ma14:wrappingTextBoxFlag xmlns="" xmlns:ma14="http://schemas.microsoft.com/office/mac/drawingml/2011/main" val="1"/>
+            </a:ext>
+          </a:extLst>
+        </p:spPr>
+        <p:txBody>
+          <a:bodyPr wrap="square" lIns="45719" rIns="45719">
+            <a:spAutoFit/>
+          </a:bodyPr>
+          <a:lstStyle>
+            <a:lvl1pPr algn="just">
+              <a:lnSpc>
+                <a:spcPct val="150000"/>
+              </a:lnSpc>
+              <a:defRPr sz="900">
+                <a:solidFill>
+                  <a:srgbClr val="FFFFFF"/>
+                </a:solidFill>
+                <a:latin typeface="Lato Regular"/>
+                <a:ea typeface="Lato Regular"/>
+                <a:cs typeface="Lato Regular"/>
+                <a:sym typeface="Lato Regular"/>
+              </a:defRPr>
+            </a:lvl1pPr>
+          </a:lstStyle>
+          <a:p>
+            <a:pPr algn="ctr"/>
+            <a:r>
+              <a:rPr lang="en-US" sz="1600" dirty="0"/>
+              <a:t>T5 is a Google pre-trained model, which propose reframing all NLP tasks into a unified text-to-text format where the input and output are always text strings, in contrast to BERT-style models</a:t>
+            </a:r>
+          </a:p>
+          <a:p>
+            <a:pPr algn="ctr"/>
+            <a:r>
+              <a:rPr lang="en-US" sz="1600" dirty="0"/>
+              <a:t>that can only output either a class label or a span of the input.</a:t>
+            </a:r>
+          </a:p>
+        </p:txBody>
+      </p:sp>
+      <p:sp>
+        <p:nvSpPr>
+          <p:cNvPr id="11" name="TextBox 5">
+            <a:extLst>
+              <a:ext uri="{FF2B5EF4-FFF2-40B4-BE49-F238E27FC236}">
+                <a16:creationId xmlns:a16="http://schemas.microsoft.com/office/drawing/2014/main" id="{EE5A67D8-B75A-47F8-A5B0-18694FA89EE0}"/>
+              </a:ext>
+            </a:extLst>
+          </p:cNvPr>
+          <p:cNvSpPr txBox="1"/>
+          <p:nvPr/>
+        </p:nvSpPr>
+        <p:spPr>
+          <a:xfrm>
+            <a:off x="2469818" y="1753780"/>
+            <a:ext cx="1119856" cy="646331"/>
+          </a:xfrm>
+          <a:prstGeom prst="rect">
+            <a:avLst/>
+          </a:prstGeom>
+          <a:ln w="12700">
+            <a:miter lim="400000"/>
+          </a:ln>
+          <a:extLst>
+            <a:ext uri="{C572A759-6A51-4108-AA02-DFA0A04FC94B}">
+              <ma14:wrappingTextBoxFlag xmlns="" xmlns:ma14="http://schemas.microsoft.com/office/mac/drawingml/2011/main" val="1"/>
+            </a:ext>
+          </a:extLst>
+        </p:spPr>
+        <p:txBody>
+          <a:bodyPr wrap="none" lIns="45719" rIns="45719">
+            <a:spAutoFit/>
+          </a:bodyPr>
+          <a:lstStyle>
+            <a:lvl1pPr>
+              <a:defRPr sz="3600">
+                <a:solidFill>
+                  <a:srgbClr val="FFFFFF"/>
+                </a:solidFill>
+                <a:latin typeface="Montserrat Bold"/>
+                <a:ea typeface="Montserrat Bold"/>
+                <a:cs typeface="Montserrat Bold"/>
+                <a:sym typeface="Montserrat Bold"/>
+              </a:defRPr>
+            </a:lvl1pPr>
+          </a:lstStyle>
+          <a:p>
+            <a:r>
+              <a:rPr lang="it-IT" b="1" dirty="0"/>
+              <a:t>BART</a:t>
+            </a:r>
+            <a:endParaRPr b="1" dirty="0"/>
+          </a:p>
+        </p:txBody>
+      </p:sp>
+      <p:sp>
+        <p:nvSpPr>
+          <p:cNvPr id="12" name="TextBox 5">
+            <a:extLst>
+              <a:ext uri="{FF2B5EF4-FFF2-40B4-BE49-F238E27FC236}">
+                <a16:creationId xmlns:a16="http://schemas.microsoft.com/office/drawing/2014/main" id="{E2359A9F-2CFA-4986-BC42-A1E28A0B348B}"/>
+              </a:ext>
+            </a:extLst>
+          </p:cNvPr>
+          <p:cNvSpPr txBox="1"/>
+          <p:nvPr/>
+        </p:nvSpPr>
+        <p:spPr>
+          <a:xfrm>
+            <a:off x="8884456" y="1755924"/>
+            <a:ext cx="555599" cy="646331"/>
+          </a:xfrm>
+          <a:prstGeom prst="rect">
+            <a:avLst/>
+          </a:prstGeom>
+          <a:ln w="12700">
+            <a:miter lim="400000"/>
+          </a:ln>
+          <a:extLst>
+            <a:ext uri="{C572A759-6A51-4108-AA02-DFA0A04FC94B}">
+              <ma14:wrappingTextBoxFlag xmlns="" xmlns:ma14="http://schemas.microsoft.com/office/mac/drawingml/2011/main" val="1"/>
+            </a:ext>
+          </a:extLst>
+        </p:spPr>
+        <p:txBody>
+          <a:bodyPr wrap="none" lIns="45719" rIns="45719">
+            <a:spAutoFit/>
+          </a:bodyPr>
+          <a:lstStyle>
+            <a:lvl1pPr>
+              <a:defRPr sz="3600">
+                <a:solidFill>
+                  <a:srgbClr val="FFFFFF"/>
+                </a:solidFill>
+                <a:latin typeface="Montserrat Bold"/>
+                <a:ea typeface="Montserrat Bold"/>
+                <a:cs typeface="Montserrat Bold"/>
+                <a:sym typeface="Montserrat Bold"/>
+              </a:defRPr>
+            </a:lvl1pPr>
+          </a:lstStyle>
+          <a:p>
+            <a:r>
+              <a:rPr lang="it-IT" b="1" dirty="0"/>
+              <a:t>T5</a:t>
+            </a:r>
+            <a:endParaRPr b="1" dirty="0"/>
+          </a:p>
+        </p:txBody>
+      </p:sp>
+    </p:spTree>
+    <p:extLst>
+      <p:ext uri="{BB962C8B-B14F-4D97-AF65-F5344CB8AC3E}">
+        <p14:creationId xmlns:p14="http://schemas.microsoft.com/office/powerpoint/2010/main" val="43465082"/>
+      </p:ext>
+    </p:extLst>
+  </p:cSld>
+  <p:clrMapOvr>
+    <a:masterClrMapping/>
+  </p:clrMapOvr>
+  <p:transition spd="med"/>
+</p:sld>
+</file>
+
+<file path=ppt/slides/slide12.xml><?xml version="1.0" encoding="utf-8"?>
+<p:sld xmlns:a="http://schemas.openxmlformats.org/drawingml/2006/main" xmlns:r="http://schemas.openxmlformats.org/officeDocument/2006/relationships" xmlns:p="http://schemas.openxmlformats.org/presentationml/2006/main">
+  <p:cSld>
+    <p:spTree>
+      <p:nvGrpSpPr>
+        <p:cNvPr id="1" name=""/>
+        <p:cNvGrpSpPr/>
+        <p:nvPr/>
+      </p:nvGrpSpPr>
+      <p:grpSpPr>
+        <a:xfrm>
+          <a:off x="0" y="0"/>
+          <a:ext cx="0" cy="0"/>
+          <a:chOff x="0" y="0"/>
+          <a:chExt cx="0" cy="0"/>
+        </a:xfrm>
+      </p:grpSpPr>
+      <p:sp>
+        <p:nvSpPr>
+          <p:cNvPr id="8" name="Rectangle 11">
+            <a:extLst>
+              <a:ext uri="{FF2B5EF4-FFF2-40B4-BE49-F238E27FC236}">
+                <a16:creationId xmlns:a16="http://schemas.microsoft.com/office/drawing/2014/main" id="{8E9E6C74-0619-4F2A-8706-1910E2530F1C}"/>
+              </a:ext>
+            </a:extLst>
+          </p:cNvPr>
+          <p:cNvSpPr txBox="1"/>
+          <p:nvPr/>
+        </p:nvSpPr>
+        <p:spPr>
+          <a:xfrm>
+            <a:off x="1214482" y="1915750"/>
+            <a:ext cx="4354320" cy="375359"/>
+          </a:xfrm>
+          <a:prstGeom prst="rect">
+            <a:avLst/>
+          </a:prstGeom>
+          <a:ln w="12700">
+            <a:miter lim="400000"/>
+          </a:ln>
+          <a:extLst>
+            <a:ext uri="{C572A759-6A51-4108-AA02-DFA0A04FC94B}">
+              <ma14:wrappingTextBoxFlag xmlns:ma14="http://schemas.microsoft.com/office/mac/drawingml/2011/main" xmlns="" val="1"/>
+            </a:ext>
+          </a:extLst>
+        </p:spPr>
+        <p:txBody>
+          <a:bodyPr wrap="square" lIns="45719" rIns="45719">
+            <a:spAutoFit/>
+          </a:bodyPr>
+          <a:lstStyle>
+            <a:lvl1pPr algn="ctr">
+              <a:lnSpc>
+                <a:spcPct val="150000"/>
+              </a:lnSpc>
+              <a:defRPr sz="900">
+                <a:solidFill>
+                  <a:srgbClr val="A7A7A7"/>
+                </a:solidFill>
+                <a:latin typeface="Lato Regular"/>
+                <a:ea typeface="Lato Regular"/>
+                <a:cs typeface="Lato Regular"/>
+                <a:sym typeface="Lato Regular"/>
+              </a:defRPr>
+            </a:lvl1pPr>
+          </a:lstStyle>
+          <a:p>
+            <a:r>
+              <a:rPr lang="it-IT" sz="1400" b="1" dirty="0">
+                <a:solidFill>
+                  <a:schemeClr val="tx1">
+                    <a:lumMod val="75000"/>
+                    <a:lumOff val="25000"/>
+                  </a:schemeClr>
+                </a:solidFill>
+              </a:rPr>
+              <a:t>BART model</a:t>
+            </a:r>
+            <a:endParaRPr sz="1400" b="1" dirty="0">
+              <a:solidFill>
+                <a:schemeClr val="tx1">
+                  <a:lumMod val="75000"/>
+                  <a:lumOff val="25000"/>
+                </a:schemeClr>
+              </a:solidFill>
+            </a:endParaRPr>
+          </a:p>
+        </p:txBody>
+      </p:sp>
+      <p:sp>
+        <p:nvSpPr>
+          <p:cNvPr id="9" name="Rectangle 11">
+            <a:extLst>
+              <a:ext uri="{FF2B5EF4-FFF2-40B4-BE49-F238E27FC236}">
+                <a16:creationId xmlns:a16="http://schemas.microsoft.com/office/drawing/2014/main" id="{58399E47-CCFB-427E-90D7-C7A2D73FD2E4}"/>
+              </a:ext>
+            </a:extLst>
+          </p:cNvPr>
+          <p:cNvSpPr txBox="1"/>
+          <p:nvPr/>
+        </p:nvSpPr>
+        <p:spPr>
+          <a:xfrm>
+            <a:off x="6623198" y="1915750"/>
+            <a:ext cx="4354320" cy="375359"/>
+          </a:xfrm>
+          <a:prstGeom prst="rect">
+            <a:avLst/>
+          </a:prstGeom>
+          <a:ln w="12700">
+            <a:miter lim="400000"/>
+          </a:ln>
+          <a:extLst>
+            <a:ext uri="{C572A759-6A51-4108-AA02-DFA0A04FC94B}">
+              <ma14:wrappingTextBoxFlag xmlns:ma14="http://schemas.microsoft.com/office/mac/drawingml/2011/main" xmlns="" val="1"/>
+            </a:ext>
+          </a:extLst>
+        </p:spPr>
+        <p:txBody>
+          <a:bodyPr wrap="square" lIns="45719" rIns="45719">
+            <a:spAutoFit/>
+          </a:bodyPr>
+          <a:lstStyle>
+            <a:lvl1pPr algn="ctr">
+              <a:lnSpc>
+                <a:spcPct val="150000"/>
+              </a:lnSpc>
+              <a:defRPr sz="900">
+                <a:solidFill>
+                  <a:srgbClr val="A7A7A7"/>
+                </a:solidFill>
+                <a:latin typeface="Lato Regular"/>
+                <a:ea typeface="Lato Regular"/>
+                <a:cs typeface="Lato Regular"/>
+                <a:sym typeface="Lato Regular"/>
+              </a:defRPr>
+            </a:lvl1pPr>
+          </a:lstStyle>
+          <a:p>
+            <a:r>
+              <a:rPr lang="it-IT" sz="1400" b="1" dirty="0">
+                <a:solidFill>
+                  <a:schemeClr val="tx1">
+                    <a:lumMod val="75000"/>
+                    <a:lumOff val="25000"/>
+                  </a:schemeClr>
+                </a:solidFill>
+              </a:rPr>
+              <a:t>T5 model</a:t>
+            </a:r>
+            <a:endParaRPr sz="1400" b="1" dirty="0">
+              <a:solidFill>
+                <a:schemeClr val="tx1">
+                  <a:lumMod val="75000"/>
+                  <a:lumOff val="25000"/>
+                </a:schemeClr>
+              </a:solidFill>
+            </a:endParaRPr>
+          </a:p>
+        </p:txBody>
+      </p:sp>
+      <p:sp>
+        <p:nvSpPr>
+          <p:cNvPr id="10" name="Rectangle 11">
+            <a:extLst>
+              <a:ext uri="{FF2B5EF4-FFF2-40B4-BE49-F238E27FC236}">
+                <a16:creationId xmlns:a16="http://schemas.microsoft.com/office/drawing/2014/main" id="{47FEA21B-4CB1-4F6B-ABB3-C9098CE04A95}"/>
+              </a:ext>
+            </a:extLst>
+          </p:cNvPr>
+          <p:cNvSpPr txBox="1"/>
+          <p:nvPr/>
+        </p:nvSpPr>
+        <p:spPr>
+          <a:xfrm>
+            <a:off x="1214482" y="2701628"/>
+            <a:ext cx="4354320" cy="785151"/>
+          </a:xfrm>
+          <a:prstGeom prst="rect">
+            <a:avLst/>
+          </a:prstGeom>
+          <a:ln w="12700">
+            <a:miter lim="400000"/>
+          </a:ln>
+          <a:extLst>
+            <a:ext uri="{C572A759-6A51-4108-AA02-DFA0A04FC94B}">
+              <ma14:wrappingTextBoxFlag xmlns:ma14="http://schemas.microsoft.com/office/mac/drawingml/2011/main" xmlns="" val="1"/>
+            </a:ext>
+          </a:extLst>
+        </p:spPr>
+        <p:txBody>
+          <a:bodyPr wrap="square" lIns="45719" rIns="45719">
+            <a:spAutoFit/>
+          </a:bodyPr>
+          <a:lstStyle>
+            <a:lvl1pPr algn="ctr">
+              <a:lnSpc>
+                <a:spcPct val="150000"/>
+              </a:lnSpc>
+              <a:defRPr sz="900">
+                <a:solidFill>
+                  <a:srgbClr val="A7A7A7"/>
+                </a:solidFill>
+                <a:latin typeface="Lato Regular"/>
+                <a:ea typeface="Lato Regular"/>
+                <a:cs typeface="Lato Regular"/>
+                <a:sym typeface="Lato Regular"/>
+              </a:defRPr>
+            </a:lvl1pPr>
+          </a:lstStyle>
+          <a:p>
+            <a:r>
+              <a:rPr lang="it-IT" sz="1600" b="1" dirty="0">
+                <a:solidFill>
+                  <a:schemeClr val="tx1">
+                    <a:lumMod val="75000"/>
+                    <a:lumOff val="25000"/>
+                  </a:schemeClr>
+                </a:solidFill>
+              </a:rPr>
+              <a:t>ROUGE-1: 17.46%</a:t>
+            </a:r>
+          </a:p>
+          <a:p>
+            <a:r>
+              <a:rPr lang="it-IT" sz="1600" b="1" dirty="0">
+                <a:solidFill>
+                  <a:schemeClr val="tx1">
+                    <a:lumMod val="75000"/>
+                    <a:lumOff val="25000"/>
+                  </a:schemeClr>
+                </a:solidFill>
+              </a:rPr>
+              <a:t>ROUGE-2:   7.23%</a:t>
+            </a:r>
+            <a:endParaRPr sz="1600" b="1" dirty="0">
+              <a:solidFill>
+                <a:schemeClr val="tx1">
+                  <a:lumMod val="75000"/>
+                  <a:lumOff val="25000"/>
+                </a:schemeClr>
+              </a:solidFill>
+            </a:endParaRPr>
+          </a:p>
+        </p:txBody>
+      </p:sp>
+      <p:sp>
+        <p:nvSpPr>
+          <p:cNvPr id="12" name="Rectangle 11">
+            <a:extLst>
+              <a:ext uri="{FF2B5EF4-FFF2-40B4-BE49-F238E27FC236}">
+                <a16:creationId xmlns:a16="http://schemas.microsoft.com/office/drawing/2014/main" id="{FE654E04-4D9A-4CF3-9B97-018FC57F6549}"/>
+              </a:ext>
+            </a:extLst>
+          </p:cNvPr>
+          <p:cNvSpPr txBox="1"/>
+          <p:nvPr/>
+        </p:nvSpPr>
+        <p:spPr>
+          <a:xfrm>
+            <a:off x="6623198" y="2643849"/>
+            <a:ext cx="4354320" cy="785151"/>
+          </a:xfrm>
+          <a:prstGeom prst="rect">
+            <a:avLst/>
+          </a:prstGeom>
+          <a:ln w="12700">
+            <a:miter lim="400000"/>
+          </a:ln>
+          <a:extLst>
+            <a:ext uri="{C572A759-6A51-4108-AA02-DFA0A04FC94B}">
+              <ma14:wrappingTextBoxFlag xmlns:ma14="http://schemas.microsoft.com/office/mac/drawingml/2011/main" xmlns="" val="1"/>
+            </a:ext>
+          </a:extLst>
+        </p:spPr>
+        <p:txBody>
+          <a:bodyPr wrap="square" lIns="45719" rIns="45719">
+            <a:spAutoFit/>
+          </a:bodyPr>
+          <a:lstStyle>
+            <a:lvl1pPr algn="ctr">
+              <a:lnSpc>
+                <a:spcPct val="150000"/>
+              </a:lnSpc>
+              <a:defRPr sz="900">
+                <a:solidFill>
+                  <a:srgbClr val="A7A7A7"/>
+                </a:solidFill>
+                <a:latin typeface="Lato Regular"/>
+                <a:ea typeface="Lato Regular"/>
+                <a:cs typeface="Lato Regular"/>
+                <a:sym typeface="Lato Regular"/>
+              </a:defRPr>
+            </a:lvl1pPr>
+          </a:lstStyle>
+          <a:p>
+            <a:r>
+              <a:rPr lang="it-IT" sz="1600" b="1" dirty="0">
+                <a:solidFill>
+                  <a:schemeClr val="tx1">
+                    <a:lumMod val="75000"/>
+                    <a:lumOff val="25000"/>
+                  </a:schemeClr>
+                </a:solidFill>
+              </a:rPr>
+              <a:t>ROUGE-1: 20.51%</a:t>
+            </a:r>
+          </a:p>
+          <a:p>
+            <a:r>
+              <a:rPr lang="it-IT" sz="1600" b="1" dirty="0">
+                <a:solidFill>
+                  <a:schemeClr val="tx1">
+                    <a:lumMod val="75000"/>
+                    <a:lumOff val="25000"/>
+                  </a:schemeClr>
+                </a:solidFill>
+              </a:rPr>
+              <a:t>ROUGE-2:   8.81%</a:t>
+            </a:r>
+            <a:endParaRPr sz="1600" b="1" dirty="0">
+              <a:solidFill>
+                <a:schemeClr val="tx1">
+                  <a:lumMod val="75000"/>
+                  <a:lumOff val="25000"/>
+                </a:schemeClr>
+              </a:solidFill>
+            </a:endParaRPr>
+          </a:p>
+        </p:txBody>
+      </p:sp>
+      <p:sp>
+        <p:nvSpPr>
+          <p:cNvPr id="13" name="Rectangle 11">
+            <a:extLst>
+              <a:ext uri="{FF2B5EF4-FFF2-40B4-BE49-F238E27FC236}">
+                <a16:creationId xmlns:a16="http://schemas.microsoft.com/office/drawing/2014/main" id="{2A4F9ADA-F8A9-4001-ACE2-3BEA5DDBA98F}"/>
+              </a:ext>
+            </a:extLst>
+          </p:cNvPr>
+          <p:cNvSpPr txBox="1"/>
+          <p:nvPr/>
+        </p:nvSpPr>
+        <p:spPr>
+          <a:xfrm>
+            <a:off x="3918839" y="4191533"/>
+            <a:ext cx="4354320" cy="375359"/>
+          </a:xfrm>
+          <a:prstGeom prst="rect">
+            <a:avLst/>
+          </a:prstGeom>
+          <a:ln w="12700">
+            <a:miter lim="400000"/>
+          </a:ln>
+          <a:extLst>
+            <a:ext uri="{C572A759-6A51-4108-AA02-DFA0A04FC94B}">
+              <ma14:wrappingTextBoxFlag xmlns:ma14="http://schemas.microsoft.com/office/mac/drawingml/2011/main" xmlns="" val="1"/>
+            </a:ext>
+          </a:extLst>
+        </p:spPr>
+        <p:txBody>
+          <a:bodyPr wrap="square" lIns="45719" rIns="45719">
+            <a:spAutoFit/>
+          </a:bodyPr>
+          <a:lstStyle>
+            <a:lvl1pPr algn="ctr">
+              <a:lnSpc>
+                <a:spcPct val="150000"/>
+              </a:lnSpc>
+              <a:defRPr sz="900">
+                <a:solidFill>
+                  <a:srgbClr val="A7A7A7"/>
+                </a:solidFill>
+                <a:latin typeface="Lato Regular"/>
+                <a:ea typeface="Lato Regular"/>
+                <a:cs typeface="Lato Regular"/>
+                <a:sym typeface="Lato Regular"/>
+              </a:defRPr>
+            </a:lvl1pPr>
+          </a:lstStyle>
+          <a:p>
+            <a:r>
+              <a:rPr lang="it-IT" sz="1400" b="1" dirty="0" err="1">
+                <a:solidFill>
+                  <a:schemeClr val="tx1">
+                    <a:lumMod val="75000"/>
+                    <a:lumOff val="25000"/>
+                  </a:schemeClr>
+                </a:solidFill>
+              </a:rPr>
+              <a:t>Example</a:t>
+            </a:r>
+            <a:endParaRPr sz="1400" b="1" dirty="0">
+              <a:solidFill>
+                <a:schemeClr val="tx1">
+                  <a:lumMod val="75000"/>
+                  <a:lumOff val="25000"/>
+                </a:schemeClr>
+              </a:solidFill>
+            </a:endParaRPr>
+          </a:p>
+        </p:txBody>
+      </p:sp>
+      <p:sp>
+        <p:nvSpPr>
+          <p:cNvPr id="16" name="Rectangle 5">
+            <a:extLst>
+              <a:ext uri="{FF2B5EF4-FFF2-40B4-BE49-F238E27FC236}">
+                <a16:creationId xmlns:a16="http://schemas.microsoft.com/office/drawing/2014/main" id="{B9F1E636-64D0-451D-8B28-796DF86149B6}"/>
+              </a:ext>
+            </a:extLst>
+          </p:cNvPr>
+          <p:cNvSpPr/>
+          <p:nvPr/>
+        </p:nvSpPr>
+        <p:spPr>
+          <a:xfrm flipH="1">
+            <a:off x="5215518" y="286984"/>
+            <a:ext cx="1726457" cy="647536"/>
+          </a:xfrm>
+          <a:prstGeom prst="rect">
+            <a:avLst/>
+          </a:prstGeom>
+          <a:solidFill>
+            <a:srgbClr val="CC0001"/>
+          </a:solidFill>
+          <a:ln w="12700">
+            <a:miter lim="400000"/>
+          </a:ln>
+        </p:spPr>
+        <p:txBody>
+          <a:bodyPr lIns="45719" rIns="45719"/>
+          <a:lstStyle/>
+          <a:p>
+            <a:r>
+              <a:rPr lang="it-IT" dirty="0"/>
+              <a:t>   </a:t>
+            </a:r>
+            <a:endParaRPr dirty="0"/>
+          </a:p>
+        </p:txBody>
+      </p:sp>
+      <p:sp>
+        <p:nvSpPr>
+          <p:cNvPr id="17" name="TextBox 12">
+            <a:extLst>
+              <a:ext uri="{FF2B5EF4-FFF2-40B4-BE49-F238E27FC236}">
+                <a16:creationId xmlns:a16="http://schemas.microsoft.com/office/drawing/2014/main" id="{A98728EB-1A9E-4393-9343-DB9C20FF7F8A}"/>
+              </a:ext>
+            </a:extLst>
+          </p:cNvPr>
+          <p:cNvSpPr txBox="1"/>
+          <p:nvPr/>
+        </p:nvSpPr>
+        <p:spPr>
+          <a:xfrm>
+            <a:off x="5378176" y="288188"/>
+            <a:ext cx="1435647" cy="646331"/>
+          </a:xfrm>
+          <a:prstGeom prst="rect">
+            <a:avLst/>
+          </a:prstGeom>
+          <a:ln w="12700">
+            <a:miter lim="400000"/>
+          </a:ln>
+          <a:extLst>
+            <a:ext uri="{C572A759-6A51-4108-AA02-DFA0A04FC94B}">
+              <ma14:wrappingTextBoxFlag xmlns="" xmlns:ma14="http://schemas.microsoft.com/office/mac/drawingml/2011/main" val="1"/>
+            </a:ext>
+          </a:extLst>
+        </p:spPr>
+        <p:txBody>
+          <a:bodyPr wrap="none" lIns="45719" rIns="45719">
+            <a:spAutoFit/>
+          </a:bodyPr>
+          <a:lstStyle>
+            <a:lvl1pPr>
+              <a:defRPr sz="3600">
+                <a:latin typeface="Montserrat Bold"/>
+                <a:ea typeface="Montserrat Bold"/>
+                <a:cs typeface="Montserrat Bold"/>
+                <a:sym typeface="Montserrat Bold"/>
+              </a:defRPr>
+            </a:lvl1pPr>
+          </a:lstStyle>
+          <a:p>
+            <a:pPr algn="ctr"/>
+            <a:r>
+              <a:rPr lang="it-IT" dirty="0" err="1">
+                <a:solidFill>
+                  <a:schemeClr val="bg1"/>
+                </a:solidFill>
+              </a:rPr>
+              <a:t>Results</a:t>
+            </a:r>
+            <a:endParaRPr dirty="0">
+              <a:solidFill>
+                <a:schemeClr val="bg1"/>
+              </a:solidFill>
+            </a:endParaRPr>
+          </a:p>
+        </p:txBody>
+      </p:sp>
+      <p:pic>
+        <p:nvPicPr>
+          <p:cNvPr id="14" name="Immagine 13">
+            <a:extLst>
+              <a:ext uri="{FF2B5EF4-FFF2-40B4-BE49-F238E27FC236}">
+                <a16:creationId xmlns:a16="http://schemas.microsoft.com/office/drawing/2014/main" id="{C3A6ED42-38F2-4F3B-B611-0613B28CDECB}"/>
+              </a:ext>
+            </a:extLst>
+          </p:cNvPr>
+          <p:cNvPicPr>
+            <a:picLocks noChangeAspect="1"/>
+          </p:cNvPicPr>
+          <p:nvPr/>
+        </p:nvPicPr>
+        <p:blipFill>
+          <a:blip r:embed="rId2">
+            <a:extLst>
+              <a:ext uri="{28A0092B-C50C-407E-A947-70E740481C1C}">
+                <a14:useLocalDpi xmlns:a14="http://schemas.microsoft.com/office/drawing/2010/main" val="0"/>
+              </a:ext>
+            </a:extLst>
+          </a:blip>
+          <a:srcRect/>
+          <a:stretch/>
+        </p:blipFill>
+        <p:spPr>
+          <a:xfrm>
+            <a:off x="3414969" y="4806064"/>
+            <a:ext cx="5362061" cy="733398"/>
+          </a:xfrm>
+          <a:prstGeom prst="rect">
+            <a:avLst/>
+          </a:prstGeom>
+        </p:spPr>
+      </p:pic>
+    </p:spTree>
+    <p:extLst>
+      <p:ext uri="{BB962C8B-B14F-4D97-AF65-F5344CB8AC3E}">
+        <p14:creationId xmlns:p14="http://schemas.microsoft.com/office/powerpoint/2010/main" val="706293883"/>
+      </p:ext>
+    </p:extLst>
+  </p:cSld>
+  <p:clrMapOvr>
+    <a:masterClrMapping/>
+  </p:clrMapOvr>
+  <p:transition spd="med"/>
+</p:sld>
+</file>
+
+<file path=ppt/slides/slide13.xml><?xml version="1.0" encoding="utf-8"?>
 <p:sld xmlns:a="http://schemas.openxmlformats.org/drawingml/2006/main" xmlns:r="http://schemas.openxmlformats.org/officeDocument/2006/relationships" xmlns:p="http://schemas.openxmlformats.org/presentationml/2006/main">
   <p:cSld>
     <p:spTree>
@@ -4325,7 +5310,7 @@
         <p:spPr>
           <a:xfrm>
             <a:off x="688502" y="1916881"/>
-            <a:ext cx="5426697" cy="4109138"/>
+            <a:ext cx="5426697" cy="4478470"/>
           </a:xfrm>
           <a:prstGeom prst="rect">
             <a:avLst/>
@@ -4335,7 +5320,7 @@
           </a:ln>
           <a:extLst>
             <a:ext uri="{C572A759-6A51-4108-AA02-DFA0A04FC94B}">
-              <ma14:wrappingTextBoxFlag xmlns:ma14="http://schemas.microsoft.com/office/mac/drawingml/2011/main" xmlns="" val="1"/>
+              <ma14:wrappingTextBoxFlag xmlns="" xmlns:ma14="http://schemas.microsoft.com/office/mac/drawingml/2011/main" val="1"/>
             </a:ext>
           </a:extLst>
         </p:spPr>
@@ -4380,7 +5365,7 @@
           <a:p>
             <a:r>
               <a:rPr lang="en-US" sz="1600" dirty="0"/>
-              <a:t>In particular, the model that made use of the bidirectional LSTM generated more complex outputs, and confirms its greater capacity in recognizing patterns in text.</a:t>
+              <a:t>In particular, the model that made use of the bidirectional LSTM, although presenting lower ROUGE scores, generated more complex and fluent outputs, and confirms its greater capacity in recognizing patterns in text.</a:t>
             </a:r>
             <a:endParaRPr sz="1600" dirty="0"/>
           </a:p>
@@ -4444,7 +5429,7 @@
           </a:ln>
           <a:extLst>
             <a:ext uri="{C572A759-6A51-4108-AA02-DFA0A04FC94B}">
-              <ma14:wrappingTextBoxFlag xmlns:ma14="http://schemas.microsoft.com/office/mac/drawingml/2011/main" xmlns="" val="1"/>
+              <ma14:wrappingTextBoxFlag xmlns="" xmlns:ma14="http://schemas.microsoft.com/office/mac/drawingml/2011/main" val="1"/>
             </a:ext>
           </a:extLst>
         </p:spPr>
@@ -4496,7 +5481,7 @@
 </p:sld>
 </file>
 
-<file path=ppt/slides/slide12.xml><?xml version="1.0" encoding="utf-8"?>
+<file path=ppt/slides/slide14.xml><?xml version="1.0" encoding="utf-8"?>
 <p:sld xmlns:a="http://schemas.openxmlformats.org/drawingml/2006/main" xmlns:r="http://schemas.openxmlformats.org/officeDocument/2006/relationships" xmlns:p="http://schemas.openxmlformats.org/presentationml/2006/main">
   <p:cSld>
     <p:spTree>
@@ -4522,7 +5507,7 @@
         <p:spPr>
           <a:xfrm>
             <a:off x="-142160" y="2595884"/>
-            <a:ext cx="12329065" cy="2759671"/>
+            <a:ext cx="12486560" cy="2759671"/>
           </a:xfrm>
           <a:prstGeom prst="rect">
             <a:avLst/>
@@ -4561,7 +5546,7 @@
           </a:ln>
           <a:extLst>
             <a:ext uri="{C572A759-6A51-4108-AA02-DFA0A04FC94B}">
-              <ma14:wrappingTextBoxFlag xmlns:ma14="http://schemas.microsoft.com/office/mac/drawingml/2011/main" xmlns="" val="1"/>
+              <ma14:wrappingTextBoxFlag xmlns="" xmlns:ma14="http://schemas.microsoft.com/office/mac/drawingml/2011/main" val="1"/>
             </a:ext>
           </a:extLst>
         </p:spPr>
@@ -4652,7 +5637,7 @@
           <a:effectLst/>
           <a:extLst>
             <a:ext uri="{C572A759-6A51-4108-AA02-DFA0A04FC94B}">
-              <ma14:wrappingTextBoxFlag xmlns:ma14="http://schemas.microsoft.com/office/mac/drawingml/2011/main" xmlns="" val="1"/>
+              <ma14:wrappingTextBoxFlag xmlns="" xmlns:ma14="http://schemas.microsoft.com/office/mac/drawingml/2011/main" val="1"/>
             </a:ext>
           </a:extLst>
         </p:spPr>
@@ -5077,7 +6062,7 @@
           </a:ln>
           <a:extLst>
             <a:ext uri="{C572A759-6A51-4108-AA02-DFA0A04FC94B}">
-              <ma14:wrappingTextBoxFlag xmlns:ma14="http://schemas.microsoft.com/office/mac/drawingml/2011/main" xmlns="" val="1"/>
+              <ma14:wrappingTextBoxFlag xmlns="" xmlns:ma14="http://schemas.microsoft.com/office/mac/drawingml/2011/main" val="1"/>
             </a:ext>
           </a:extLst>
         </p:spPr>
@@ -5154,7 +6139,7 @@
           </a:ln>
           <a:extLst>
             <a:ext uri="{C572A759-6A51-4108-AA02-DFA0A04FC94B}">
-              <ma14:wrappingTextBoxFlag xmlns:ma14="http://schemas.microsoft.com/office/mac/drawingml/2011/main" xmlns="" val="1"/>
+              <ma14:wrappingTextBoxFlag xmlns="" xmlns:ma14="http://schemas.microsoft.com/office/mac/drawingml/2011/main" val="1"/>
             </a:ext>
           </a:extLst>
         </p:spPr>
@@ -5345,7 +6330,7 @@
           </a:ln>
           <a:extLst>
             <a:ext uri="{C572A759-6A51-4108-AA02-DFA0A04FC94B}">
-              <ma14:wrappingTextBoxFlag xmlns:ma14="http://schemas.microsoft.com/office/mac/drawingml/2011/main" xmlns="" val="1"/>
+              <ma14:wrappingTextBoxFlag xmlns="" xmlns:ma14="http://schemas.microsoft.com/office/mac/drawingml/2011/main" val="1"/>
             </a:ext>
           </a:extLst>
         </p:spPr>
@@ -5553,7 +6538,7 @@
           </a:ln>
           <a:extLst>
             <a:ext uri="{C572A759-6A51-4108-AA02-DFA0A04FC94B}">
-              <ma14:wrappingTextBoxFlag xmlns:ma14="http://schemas.microsoft.com/office/mac/drawingml/2011/main" xmlns="" val="1"/>
+              <ma14:wrappingTextBoxFlag xmlns="" xmlns:ma14="http://schemas.microsoft.com/office/mac/drawingml/2011/main" val="1"/>
             </a:ext>
           </a:extLst>
         </p:spPr>
@@ -5708,7 +6693,7 @@
           </a:ln>
           <a:extLst>
             <a:ext uri="{C572A759-6A51-4108-AA02-DFA0A04FC94B}">
-              <ma14:wrappingTextBoxFlag xmlns:ma14="http://schemas.microsoft.com/office/mac/drawingml/2011/main" xmlns="" val="1"/>
+              <ma14:wrappingTextBoxFlag xmlns="" xmlns:ma14="http://schemas.microsoft.com/office/mac/drawingml/2011/main" val="1"/>
             </a:ext>
           </a:extLst>
         </p:spPr>
@@ -5917,7 +6902,7 @@
           </a:ln>
           <a:extLst>
             <a:ext uri="{C572A759-6A51-4108-AA02-DFA0A04FC94B}">
-              <ma14:wrappingTextBoxFlag xmlns:ma14="http://schemas.microsoft.com/office/mac/drawingml/2011/main" xmlns="" val="1"/>
+              <ma14:wrappingTextBoxFlag xmlns="" xmlns:ma14="http://schemas.microsoft.com/office/mac/drawingml/2011/main" val="1"/>
             </a:ext>
           </a:extLst>
         </p:spPr>
@@ -5972,7 +6957,7 @@
           </a:ln>
           <a:extLst>
             <a:ext uri="{C572A759-6A51-4108-AA02-DFA0A04FC94B}">
-              <ma14:wrappingTextBoxFlag xmlns:ma14="http://schemas.microsoft.com/office/mac/drawingml/2011/main" xmlns="" val="1"/>
+              <ma14:wrappingTextBoxFlag xmlns="" xmlns:ma14="http://schemas.microsoft.com/office/mac/drawingml/2011/main" val="1"/>
             </a:ext>
           </a:extLst>
         </p:spPr>
@@ -6048,7 +7033,7 @@
           </a:ln>
           <a:extLst>
             <a:ext uri="{C572A759-6A51-4108-AA02-DFA0A04FC94B}">
-              <ma14:wrappingTextBoxFlag xmlns:ma14="http://schemas.microsoft.com/office/mac/drawingml/2011/main" xmlns="" val="1"/>
+              <ma14:wrappingTextBoxFlag xmlns="" xmlns:ma14="http://schemas.microsoft.com/office/mac/drawingml/2011/main" val="1"/>
             </a:ext>
           </a:extLst>
         </p:spPr>
@@ -6119,7 +7104,7 @@
           </a:ln>
           <a:extLst>
             <a:ext uri="{C572A759-6A51-4108-AA02-DFA0A04FC94B}">
-              <ma14:wrappingTextBoxFlag xmlns:ma14="http://schemas.microsoft.com/office/mac/drawingml/2011/main" xmlns="" val="1"/>
+              <ma14:wrappingTextBoxFlag xmlns="" xmlns:ma14="http://schemas.microsoft.com/office/mac/drawingml/2011/main" val="1"/>
             </a:ext>
           </a:extLst>
         </p:spPr>
@@ -6257,7 +7242,7 @@
           </a:ln>
           <a:extLst>
             <a:ext uri="{C572A759-6A51-4108-AA02-DFA0A04FC94B}">
-              <ma14:wrappingTextBoxFlag xmlns="" xmlns:ma14="http://schemas.microsoft.com/office/mac/drawingml/2011/main" val="1"/>
+              <ma14:wrappingTextBoxFlag xmlns:ma14="http://schemas.microsoft.com/office/mac/drawingml/2011/main" xmlns="" val="1"/>
             </a:ext>
           </a:extLst>
         </p:spPr>
@@ -6358,7 +7343,7 @@
           </a:ln>
           <a:extLst>
             <a:ext uri="{C572A759-6A51-4108-AA02-DFA0A04FC94B}">
-              <ma14:wrappingTextBoxFlag xmlns="" xmlns:ma14="http://schemas.microsoft.com/office/mac/drawingml/2011/main" val="1"/>
+              <ma14:wrappingTextBoxFlag xmlns:ma14="http://schemas.microsoft.com/office/mac/drawingml/2011/main" xmlns="" val="1"/>
             </a:ext>
           </a:extLst>
         </p:spPr>
@@ -6507,7 +7492,7 @@
           </a:ln>
           <a:extLst>
             <a:ext uri="{C572A759-6A51-4108-AA02-DFA0A04FC94B}">
-              <ma14:wrappingTextBoxFlag xmlns:ma14="http://schemas.microsoft.com/office/mac/drawingml/2011/main" xmlns="" val="1"/>
+              <ma14:wrappingTextBoxFlag xmlns="" xmlns:ma14="http://schemas.microsoft.com/office/mac/drawingml/2011/main" val="1"/>
             </a:ext>
           </a:extLst>
         </p:spPr>
@@ -6604,7 +7589,7 @@
           </a:ln>
           <a:extLst>
             <a:ext uri="{C572A759-6A51-4108-AA02-DFA0A04FC94B}">
-              <ma14:wrappingTextBoxFlag xmlns:ma14="http://schemas.microsoft.com/office/mac/drawingml/2011/main" xmlns="" val="1"/>
+              <ma14:wrappingTextBoxFlag xmlns="" xmlns:ma14="http://schemas.microsoft.com/office/mac/drawingml/2011/main" val="1"/>
             </a:ext>
           </a:extLst>
         </p:spPr>
@@ -6797,7 +7782,7 @@
           </a:ln>
           <a:extLst>
             <a:ext uri="{C572A759-6A51-4108-AA02-DFA0A04FC94B}">
-              <ma14:wrappingTextBoxFlag xmlns:ma14="http://schemas.microsoft.com/office/mac/drawingml/2011/main" xmlns="" val="1"/>
+              <ma14:wrappingTextBoxFlag xmlns="" xmlns:ma14="http://schemas.microsoft.com/office/mac/drawingml/2011/main" val="1"/>
             </a:ext>
           </a:extLst>
         </p:spPr>
@@ -6954,7 +7939,7 @@
           </a:ln>
           <a:extLst>
             <a:ext uri="{C572A759-6A51-4108-AA02-DFA0A04FC94B}">
-              <ma14:wrappingTextBoxFlag xmlns:ma14="http://schemas.microsoft.com/office/mac/drawingml/2011/main" xmlns="" val="1"/>
+              <ma14:wrappingTextBoxFlag xmlns="" xmlns:ma14="http://schemas.microsoft.com/office/mac/drawingml/2011/main" val="1"/>
             </a:ext>
           </a:extLst>
         </p:spPr>
@@ -7092,7 +8077,7 @@
           </a:ln>
           <a:extLst>
             <a:ext uri="{C572A759-6A51-4108-AA02-DFA0A04FC94B}">
-              <ma14:wrappingTextBoxFlag xmlns:ma14="http://schemas.microsoft.com/office/mac/drawingml/2011/main" xmlns="" val="1"/>
+              <ma14:wrappingTextBoxFlag xmlns="" xmlns:ma14="http://schemas.microsoft.com/office/mac/drawingml/2011/main" val="1"/>
             </a:ext>
           </a:extLst>
         </p:spPr>
@@ -7279,7 +8264,7 @@
           </a:ln>
           <a:extLst>
             <a:ext uri="{C572A759-6A51-4108-AA02-DFA0A04FC94B}">
-              <ma14:wrappingTextBoxFlag xmlns="" xmlns:ma14="http://schemas.microsoft.com/office/mac/drawingml/2011/main" val="1"/>
+              <ma14:wrappingTextBoxFlag xmlns:ma14="http://schemas.microsoft.com/office/mac/drawingml/2011/main" xmlns="" val="1"/>
             </a:ext>
           </a:extLst>
         </p:spPr>
@@ -7399,7 +8384,7 @@
           </a:ln>
           <a:extLst>
             <a:ext uri="{C572A759-6A51-4108-AA02-DFA0A04FC94B}">
-              <ma14:wrappingTextBoxFlag xmlns="" xmlns:ma14="http://schemas.microsoft.com/office/mac/drawingml/2011/main" val="1"/>
+              <ma14:wrappingTextBoxFlag xmlns:ma14="http://schemas.microsoft.com/office/mac/drawingml/2011/main" xmlns="" val="1"/>
             </a:ext>
           </a:extLst>
         </p:spPr>
@@ -7590,7 +8575,7 @@
           </a:ln>
           <a:extLst>
             <a:ext uri="{C572A759-6A51-4108-AA02-DFA0A04FC94B}">
-              <ma14:wrappingTextBoxFlag xmlns:ma14="http://schemas.microsoft.com/office/mac/drawingml/2011/main" xmlns="" val="1"/>
+              <ma14:wrappingTextBoxFlag xmlns="" xmlns:ma14="http://schemas.microsoft.com/office/mac/drawingml/2011/main" val="1"/>
             </a:ext>
           </a:extLst>
         </p:spPr>
@@ -7616,50 +8601,134 @@
           </a:lstStyle>
           <a:p>
             <a:r>
-              <a:rPr lang="it-IT" dirty="0"/>
+              <a:rPr lang="it-IT" dirty="0">
+                <a:solidFill>
+                  <a:schemeClr val="tx1">
+                    <a:lumMod val="85000"/>
+                    <a:lumOff val="15000"/>
+                  </a:schemeClr>
+                </a:solidFill>
+              </a:rPr>
               <a:t>The following </a:t>
             </a:r>
             <a:r>
-              <a:rPr lang="it-IT" dirty="0" err="1"/>
+              <a:rPr lang="it-IT" dirty="0" err="1">
+                <a:solidFill>
+                  <a:schemeClr val="tx1">
+                    <a:lumMod val="85000"/>
+                    <a:lumOff val="15000"/>
+                  </a:schemeClr>
+                </a:solidFill>
+              </a:rPr>
               <a:t>graphs</a:t>
             </a:r>
             <a:r>
-              <a:rPr lang="it-IT" dirty="0"/>
+              <a:rPr lang="it-IT" dirty="0">
+                <a:solidFill>
+                  <a:schemeClr val="tx1">
+                    <a:lumMod val="85000"/>
+                    <a:lumOff val="15000"/>
+                  </a:schemeClr>
+                </a:solidFill>
+              </a:rPr>
               <a:t> </a:t>
             </a:r>
             <a:r>
-              <a:rPr lang="it-IT" dirty="0" err="1"/>
+              <a:rPr lang="it-IT" dirty="0" err="1">
+                <a:solidFill>
+                  <a:schemeClr val="tx1">
+                    <a:lumMod val="85000"/>
+                    <a:lumOff val="15000"/>
+                  </a:schemeClr>
+                </a:solidFill>
+              </a:rPr>
               <a:t>represent</a:t>
             </a:r>
             <a:r>
-              <a:rPr lang="it-IT" dirty="0"/>
+              <a:rPr lang="it-IT" dirty="0">
+                <a:solidFill>
+                  <a:schemeClr val="tx1">
+                    <a:lumMod val="85000"/>
+                    <a:lumOff val="15000"/>
+                  </a:schemeClr>
+                </a:solidFill>
+              </a:rPr>
               <a:t> the </a:t>
             </a:r>
             <a:r>
-              <a:rPr lang="it-IT" dirty="0" err="1"/>
+              <a:rPr lang="it-IT" dirty="0" err="1">
+                <a:solidFill>
+                  <a:schemeClr val="tx1">
+                    <a:lumMod val="85000"/>
+                    <a:lumOff val="15000"/>
+                  </a:schemeClr>
+                </a:solidFill>
+              </a:rPr>
               <a:t>loss</a:t>
             </a:r>
             <a:r>
-              <a:rPr lang="it-IT" dirty="0"/>
+              <a:rPr lang="it-IT" dirty="0">
+                <a:solidFill>
+                  <a:schemeClr val="tx1">
+                    <a:lumMod val="85000"/>
+                    <a:lumOff val="15000"/>
+                  </a:schemeClr>
+                </a:solidFill>
+              </a:rPr>
               <a:t> </a:t>
             </a:r>
             <a:r>
-              <a:rPr lang="it-IT" dirty="0" err="1"/>
+              <a:rPr lang="it-IT" dirty="0" err="1">
+                <a:solidFill>
+                  <a:schemeClr val="tx1">
+                    <a:lumMod val="85000"/>
+                    <a:lumOff val="15000"/>
+                  </a:schemeClr>
+                </a:solidFill>
+              </a:rPr>
               <a:t>function</a:t>
             </a:r>
             <a:r>
-              <a:rPr lang="it-IT" dirty="0"/>
+              <a:rPr lang="it-IT" dirty="0">
+                <a:solidFill>
+                  <a:schemeClr val="tx1">
+                    <a:lumMod val="85000"/>
+                    <a:lumOff val="15000"/>
+                  </a:schemeClr>
+                </a:solidFill>
+              </a:rPr>
               <a:t> of the </a:t>
             </a:r>
             <a:r>
-              <a:rPr lang="it-IT" dirty="0" err="1"/>
+              <a:rPr lang="it-IT" dirty="0" err="1">
+                <a:solidFill>
+                  <a:schemeClr val="tx1">
+                    <a:lumMod val="85000"/>
+                    <a:lumOff val="15000"/>
+                  </a:schemeClr>
+                </a:solidFill>
+              </a:rPr>
               <a:t>two</a:t>
             </a:r>
             <a:r>
-              <a:rPr lang="it-IT" dirty="0"/>
+              <a:rPr lang="it-IT" dirty="0">
+                <a:solidFill>
+                  <a:schemeClr val="tx1">
+                    <a:lumMod val="85000"/>
+                    <a:lumOff val="15000"/>
+                  </a:schemeClr>
+                </a:solidFill>
+              </a:rPr>
               <a:t> models</a:t>
             </a:r>
-            <a:endParaRPr dirty="0"/>
+            <a:endParaRPr dirty="0">
+              <a:solidFill>
+                <a:schemeClr val="tx1">
+                  <a:lumMod val="85000"/>
+                  <a:lumOff val="15000"/>
+                </a:schemeClr>
+              </a:solidFill>
+            </a:endParaRPr>
           </a:p>
         </p:txBody>
       </p:sp>
@@ -7682,7 +8751,7 @@
           </a:ln>
           <a:extLst>
             <a:ext uri="{C572A759-6A51-4108-AA02-DFA0A04FC94B}">
-              <ma14:wrappingTextBoxFlag xmlns:ma14="http://schemas.microsoft.com/office/mac/drawingml/2011/main" xmlns="" val="1"/>
+              <ma14:wrappingTextBoxFlag xmlns="" xmlns:ma14="http://schemas.microsoft.com/office/mac/drawingml/2011/main" val="1"/>
             </a:ext>
           </a:extLst>
         </p:spPr>
@@ -7743,7 +8812,7 @@
           </a:ln>
           <a:extLst>
             <a:ext uri="{C572A759-6A51-4108-AA02-DFA0A04FC94B}">
-              <ma14:wrappingTextBoxFlag xmlns:ma14="http://schemas.microsoft.com/office/mac/drawingml/2011/main" xmlns="" val="1"/>
+              <ma14:wrappingTextBoxFlag xmlns="" xmlns:ma14="http://schemas.microsoft.com/office/mac/drawingml/2011/main" val="1"/>
             </a:ext>
           </a:extLst>
         </p:spPr>
@@ -7826,7 +8895,7 @@
           </a:ln>
           <a:extLst>
             <a:ext uri="{C572A759-6A51-4108-AA02-DFA0A04FC94B}">
-              <ma14:wrappingTextBoxFlag xmlns:ma14="http://schemas.microsoft.com/office/mac/drawingml/2011/main" xmlns="" val="1"/>
+              <ma14:wrappingTextBoxFlag xmlns="" xmlns:ma14="http://schemas.microsoft.com/office/mac/drawingml/2011/main" val="1"/>
             </a:ext>
           </a:extLst>
         </p:spPr>
